--- a/slides/2016/linux_latency_breakdown.pptx
+++ b/slides/2016/linux_latency_breakdown.pptx
@@ -23,11 +23,7 @@
     <p:sldId id="269" r:id="rId17"/>
     <p:sldId id="270" r:id="rId18"/>
     <p:sldId id="271" r:id="rId19"/>
-    <p:sldId id="272" r:id="rId20"/>
-    <p:sldId id="273" r:id="rId21"/>
-    <p:sldId id="274" r:id="rId22"/>
-    <p:sldId id="275" r:id="rId23"/>
-    <p:sldId id="276" r:id="rId24"/>
+    <p:sldId id="276" r:id="rId20"/>
   </p:sldIdLst>
   <p:sldSz cx="9144000" cy="6858000" type="screen4x3"/>
   <p:notesSz cx="6858000" cy="9144000"/>
@@ -3242,7 +3238,7 @@
         </a:p>
       </dgm:t>
     </dgm:pt>
-    <dgm:pt modelId="{6E3AD7B0-8215-4D61-ABCB-562CF9909AD1}">
+    <dgm:pt modelId="{EA2F65E8-BD74-BC49-9C52-6ED62B8C76E6}">
       <dgm:prSet phldrT="[Text]"/>
       <dgm:spPr/>
       <dgm:t>
@@ -3257,25 +3253,115 @@
         </a:p>
       </dgm:t>
     </dgm:pt>
-    <dgm:pt modelId="{4FBF22AD-86E0-4C8C-8C10-B8401B2B9DA2}" type="parTrans" cxnId="{903DA9A0-2044-4F04-8934-3E9A754C1CC9}">
+    <dgm:pt modelId="{A11A2530-D53A-F741-94B7-508BCCBE43BC}" type="parTrans" cxnId="{6CA94AC4-558C-B949-A32A-38B0F9D94D4D}">
       <dgm:prSet/>
       <dgm:spPr/>
       <dgm:t>
         <a:bodyPr/>
         <a:lstStyle/>
         <a:p>
-          <a:endParaRPr lang="en-US"/>
+          <a:endParaRPr lang="zh-CN" altLang="en-US"/>
         </a:p>
       </dgm:t>
     </dgm:pt>
-    <dgm:pt modelId="{A9F51354-7517-4141-AA3A-3EDDC2A2B5D4}" type="sibTrans" cxnId="{903DA9A0-2044-4F04-8934-3E9A754C1CC9}">
+    <dgm:pt modelId="{F6B70635-73A6-3D47-A92A-657C0E7369E5}" type="sibTrans" cxnId="{6CA94AC4-558C-B949-A32A-38B0F9D94D4D}">
       <dgm:prSet/>
       <dgm:spPr/>
       <dgm:t>
         <a:bodyPr/>
         <a:lstStyle/>
         <a:p>
-          <a:endParaRPr lang="en-US"/>
+          <a:endParaRPr lang="zh-CN" altLang="en-US"/>
+        </a:p>
+      </dgm:t>
+    </dgm:pt>
+    <dgm:pt modelId="{31D24A6D-93C8-3644-8099-1119D22F92D4}">
+      <dgm:prSet phldrT="[Text]"/>
+      <dgm:spPr/>
+      <dgm:t>
+        <a:bodyPr/>
+        <a:lstStyle/>
+        <a:p>
+          <a:r>
+            <a:rPr lang="en-US" altLang="zh-CN" smtClean="0"/>
+            <a:t>Block</a:t>
+          </a:r>
+          <a:r>
+            <a:rPr lang="zh-CN" altLang="en-US" smtClean="0"/>
+            <a:t> </a:t>
+          </a:r>
+          <a:r>
+            <a:rPr lang="en-US" altLang="zh-CN" smtClean="0"/>
+            <a:t>Time</a:t>
+          </a:r>
+          <a:endParaRPr lang="en-US" dirty="0"/>
+        </a:p>
+      </dgm:t>
+    </dgm:pt>
+    <dgm:pt modelId="{BD4A4183-AA18-D443-84FB-29A0C506F866}" type="parTrans" cxnId="{0EF03C1E-0349-6F4F-B485-D29FB8B3ABAF}">
+      <dgm:prSet/>
+      <dgm:spPr/>
+      <dgm:t>
+        <a:bodyPr/>
+        <a:lstStyle/>
+        <a:p>
+          <a:endParaRPr lang="zh-CN" altLang="en-US"/>
+        </a:p>
+      </dgm:t>
+    </dgm:pt>
+    <dgm:pt modelId="{DF5C5CD0-4AAA-E148-BC1B-AC74103B4DCD}" type="sibTrans" cxnId="{0EF03C1E-0349-6F4F-B485-D29FB8B3ABAF}">
+      <dgm:prSet/>
+      <dgm:spPr/>
+      <dgm:t>
+        <a:bodyPr/>
+        <a:lstStyle/>
+        <a:p>
+          <a:endParaRPr lang="zh-CN" altLang="en-US"/>
+        </a:p>
+      </dgm:t>
+    </dgm:pt>
+    <dgm:pt modelId="{317690CF-A275-6742-B7F9-3ECC0106E985}">
+      <dgm:prSet phldrT="[Text]"/>
+      <dgm:spPr/>
+      <dgm:t>
+        <a:bodyPr/>
+        <a:lstStyle/>
+        <a:p>
+          <a:r>
+            <a:rPr lang="en-US" altLang="zh-CN" dirty="0" smtClean="0"/>
+            <a:t>Sleep</a:t>
+          </a:r>
+          <a:r>
+            <a:rPr lang="zh-CN" altLang="en-US" dirty="0" smtClean="0"/>
+            <a:t> </a:t>
+          </a:r>
+          <a:r>
+            <a:rPr lang="en-US" altLang="zh-CN" dirty="0" smtClean="0"/>
+            <a:t>Time</a:t>
+          </a:r>
+          <a:endParaRPr lang="en-US" dirty="0"/>
+        </a:p>
+      </dgm:t>
+    </dgm:pt>
+    <dgm:pt modelId="{36D336D6-B36E-084A-A111-634DCFC130F4}" type="parTrans" cxnId="{06F53A00-A44C-4B4E-A8CD-38447AFAEEA8}">
+      <dgm:prSet/>
+      <dgm:spPr/>
+      <dgm:t>
+        <a:bodyPr/>
+        <a:lstStyle/>
+        <a:p>
+          <a:endParaRPr lang="zh-CN" altLang="en-US"/>
+        </a:p>
+      </dgm:t>
+    </dgm:pt>
+    <dgm:pt modelId="{2BF48D4B-B9C0-5042-8AEE-E7CC3BCF8B90}" type="sibTrans" cxnId="{06F53A00-A44C-4B4E-A8CD-38447AFAEEA8}">
+      <dgm:prSet/>
+      <dgm:spPr/>
+      <dgm:t>
+        <a:bodyPr/>
+        <a:lstStyle/>
+        <a:p>
+          <a:endParaRPr lang="zh-CN" altLang="en-US"/>
         </a:p>
       </dgm:t>
     </dgm:pt>
@@ -3411,34 +3497,34 @@
       <dgm:prSet presAssocID="{29A0F08E-1028-4866-80E0-9294FAD732F4}" presName="level3hierChild" presStyleCnt="0"/>
       <dgm:spPr/>
     </dgm:pt>
-    <dgm:pt modelId="{E114B57D-08C5-4F0D-B669-01AB62E56025}" type="pres">
-      <dgm:prSet presAssocID="{4FBF22AD-86E0-4C8C-8C10-B8401B2B9DA2}" presName="conn2-1" presStyleLbl="parChTrans1D2" presStyleIdx="2" presStyleCnt="3"/>
+    <dgm:pt modelId="{65D5DFCC-AAEA-B44A-9666-24178307B025}" type="pres">
+      <dgm:prSet presAssocID="{A11A2530-D53A-F741-94B7-508BCCBE43BC}" presName="conn2-1" presStyleLbl="parChTrans1D2" presStyleIdx="2" presStyleCnt="3"/>
       <dgm:spPr/>
       <dgm:t>
         <a:bodyPr/>
         <a:lstStyle/>
         <a:p>
-          <a:endParaRPr lang="en-US"/>
+          <a:endParaRPr lang="zh-CN" altLang="en-US"/>
         </a:p>
       </dgm:t>
     </dgm:pt>
-    <dgm:pt modelId="{B3248F45-4730-423F-AE56-ABE7EBE6747B}" type="pres">
-      <dgm:prSet presAssocID="{4FBF22AD-86E0-4C8C-8C10-B8401B2B9DA2}" presName="connTx" presStyleLbl="parChTrans1D2" presStyleIdx="2" presStyleCnt="3"/>
+    <dgm:pt modelId="{FD61029A-9700-0843-BFD7-6A937416621B}" type="pres">
+      <dgm:prSet presAssocID="{A11A2530-D53A-F741-94B7-508BCCBE43BC}" presName="connTx" presStyleLbl="parChTrans1D2" presStyleIdx="2" presStyleCnt="3"/>
       <dgm:spPr/>
       <dgm:t>
         <a:bodyPr/>
         <a:lstStyle/>
         <a:p>
-          <a:endParaRPr lang="en-US"/>
+          <a:endParaRPr lang="zh-CN" altLang="en-US"/>
         </a:p>
       </dgm:t>
     </dgm:pt>
-    <dgm:pt modelId="{2B3FDFD6-C5C0-48CD-83F9-F02D2626CF41}" type="pres">
-      <dgm:prSet presAssocID="{6E3AD7B0-8215-4D61-ABCB-562CF9909AD1}" presName="root2" presStyleCnt="0"/>
-      <dgm:spPr/>
-    </dgm:pt>
-    <dgm:pt modelId="{11C42E8F-F779-41D4-8780-B71845E8DC76}" type="pres">
-      <dgm:prSet presAssocID="{6E3AD7B0-8215-4D61-ABCB-562CF9909AD1}" presName="LevelTwoTextNode" presStyleLbl="node2" presStyleIdx="2" presStyleCnt="3">
+    <dgm:pt modelId="{2D476077-6359-DB47-A964-1E95022581CC}" type="pres">
+      <dgm:prSet presAssocID="{EA2F65E8-BD74-BC49-9C52-6ED62B8C76E6}" presName="root2" presStyleCnt="0"/>
+      <dgm:spPr/>
+    </dgm:pt>
+    <dgm:pt modelId="{05FC3B35-A68C-4B49-8768-D68EDBA32E68}" type="pres">
+      <dgm:prSet presAssocID="{EA2F65E8-BD74-BC49-9C52-6ED62B8C76E6}" presName="LevelTwoTextNode" presStyleLbl="node2" presStyleIdx="2" presStyleCnt="3">
         <dgm:presLayoutVars>
           <dgm:chPref val="3"/>
         </dgm:presLayoutVars>
@@ -3448,31 +3534,129 @@
         <a:bodyPr/>
         <a:lstStyle/>
         <a:p>
-          <a:endParaRPr lang="en-US"/>
+          <a:endParaRPr lang="zh-CN" altLang="en-US"/>
         </a:p>
       </dgm:t>
     </dgm:pt>
-    <dgm:pt modelId="{8B9C1722-2423-40C6-814E-2773679A443E}" type="pres">
-      <dgm:prSet presAssocID="{6E3AD7B0-8215-4D61-ABCB-562CF9909AD1}" presName="level3hierChild" presStyleCnt="0"/>
+    <dgm:pt modelId="{17C19A73-30DB-A54D-A7BE-4468F0764F9A}" type="pres">
+      <dgm:prSet presAssocID="{EA2F65E8-BD74-BC49-9C52-6ED62B8C76E6}" presName="level3hierChild" presStyleCnt="0"/>
+      <dgm:spPr/>
+    </dgm:pt>
+    <dgm:pt modelId="{5ACC3E85-B970-7B45-9419-9A2C31F419E2}" type="pres">
+      <dgm:prSet presAssocID="{BD4A4183-AA18-D443-84FB-29A0C506F866}" presName="conn2-1" presStyleLbl="parChTrans1D3" presStyleIdx="0" presStyleCnt="2"/>
+      <dgm:spPr/>
+      <dgm:t>
+        <a:bodyPr/>
+        <a:lstStyle/>
+        <a:p>
+          <a:endParaRPr lang="zh-CN" altLang="en-US"/>
+        </a:p>
+      </dgm:t>
+    </dgm:pt>
+    <dgm:pt modelId="{E291E167-02D3-D74B-918E-778016066CE5}" type="pres">
+      <dgm:prSet presAssocID="{BD4A4183-AA18-D443-84FB-29A0C506F866}" presName="connTx" presStyleLbl="parChTrans1D3" presStyleIdx="0" presStyleCnt="2"/>
+      <dgm:spPr/>
+      <dgm:t>
+        <a:bodyPr/>
+        <a:lstStyle/>
+        <a:p>
+          <a:endParaRPr lang="zh-CN" altLang="en-US"/>
+        </a:p>
+      </dgm:t>
+    </dgm:pt>
+    <dgm:pt modelId="{80A0924C-277A-9B45-A6FD-76A8FA4A22E9}" type="pres">
+      <dgm:prSet presAssocID="{31D24A6D-93C8-3644-8099-1119D22F92D4}" presName="root2" presStyleCnt="0"/>
+      <dgm:spPr/>
+    </dgm:pt>
+    <dgm:pt modelId="{1E110BD0-E14E-7447-A871-9B5A056063A2}" type="pres">
+      <dgm:prSet presAssocID="{31D24A6D-93C8-3644-8099-1119D22F92D4}" presName="LevelTwoTextNode" presStyleLbl="node3" presStyleIdx="0" presStyleCnt="2">
+        <dgm:presLayoutVars>
+          <dgm:chPref val="3"/>
+        </dgm:presLayoutVars>
+      </dgm:prSet>
+      <dgm:spPr/>
+      <dgm:t>
+        <a:bodyPr/>
+        <a:lstStyle/>
+        <a:p>
+          <a:endParaRPr lang="zh-CN" altLang="en-US"/>
+        </a:p>
+      </dgm:t>
+    </dgm:pt>
+    <dgm:pt modelId="{C84BADC6-DF3D-2C40-8CFF-497B03305C30}" type="pres">
+      <dgm:prSet presAssocID="{31D24A6D-93C8-3644-8099-1119D22F92D4}" presName="level3hierChild" presStyleCnt="0"/>
+      <dgm:spPr/>
+    </dgm:pt>
+    <dgm:pt modelId="{56F2A713-A4F0-854D-9936-C3D64EA5A219}" type="pres">
+      <dgm:prSet presAssocID="{36D336D6-B36E-084A-A111-634DCFC130F4}" presName="conn2-1" presStyleLbl="parChTrans1D3" presStyleIdx="1" presStyleCnt="2"/>
+      <dgm:spPr/>
+      <dgm:t>
+        <a:bodyPr/>
+        <a:lstStyle/>
+        <a:p>
+          <a:endParaRPr lang="zh-CN" altLang="en-US"/>
+        </a:p>
+      </dgm:t>
+    </dgm:pt>
+    <dgm:pt modelId="{6D24DBD2-6F41-DA46-864F-87CEB5C7DC66}" type="pres">
+      <dgm:prSet presAssocID="{36D336D6-B36E-084A-A111-634DCFC130F4}" presName="connTx" presStyleLbl="parChTrans1D3" presStyleIdx="1" presStyleCnt="2"/>
+      <dgm:spPr/>
+      <dgm:t>
+        <a:bodyPr/>
+        <a:lstStyle/>
+        <a:p>
+          <a:endParaRPr lang="zh-CN" altLang="en-US"/>
+        </a:p>
+      </dgm:t>
+    </dgm:pt>
+    <dgm:pt modelId="{0C774A2C-DE3B-1F4E-AA23-3DE23909100B}" type="pres">
+      <dgm:prSet presAssocID="{317690CF-A275-6742-B7F9-3ECC0106E985}" presName="root2" presStyleCnt="0"/>
+      <dgm:spPr/>
+    </dgm:pt>
+    <dgm:pt modelId="{FF54701D-228B-204D-AB6D-2A38C0126D74}" type="pres">
+      <dgm:prSet presAssocID="{317690CF-A275-6742-B7F9-3ECC0106E985}" presName="LevelTwoTextNode" presStyleLbl="node3" presStyleIdx="1" presStyleCnt="2">
+        <dgm:presLayoutVars>
+          <dgm:chPref val="3"/>
+        </dgm:presLayoutVars>
+      </dgm:prSet>
+      <dgm:spPr/>
+      <dgm:t>
+        <a:bodyPr/>
+        <a:lstStyle/>
+        <a:p>
+          <a:endParaRPr lang="zh-CN" altLang="en-US"/>
+        </a:p>
+      </dgm:t>
+    </dgm:pt>
+    <dgm:pt modelId="{F29F9984-791B-3D46-B896-1F18B5CF348E}" type="pres">
+      <dgm:prSet presAssocID="{317690CF-A275-6742-B7F9-3ECC0106E985}" presName="level3hierChild" presStyleCnt="0"/>
       <dgm:spPr/>
     </dgm:pt>
   </dgm:ptLst>
   <dgm:cxnLst>
+    <dgm:cxn modelId="{AE355367-B333-4F46-8C51-3CCAC4A962B2}" srcId="{CA4FEBD2-6756-4BD4-95BE-39DCC91F17AA}" destId="{C46CF4C9-5A23-461A-B0A4-BF03F57C78C1}" srcOrd="0" destOrd="0" parTransId="{90C70E97-F55A-46F4-900A-4E13B866C5B8}" sibTransId="{465468C5-AE6D-4CC6-AE2A-E5207DA6FC1D}"/>
     <dgm:cxn modelId="{5401A4DE-8153-4AC5-9018-AF9CF02A3B89}" type="presOf" srcId="{CA4FEBD2-6756-4BD4-95BE-39DCC91F17AA}" destId="{A42291B2-FDE9-46B6-BE79-8B0C324B0719}" srcOrd="0" destOrd="0" presId="urn:microsoft.com/office/officeart/2005/8/layout/hierarchy2"/>
-    <dgm:cxn modelId="{DDFEE633-504C-4734-ABED-D7D727F52F58}" type="presOf" srcId="{4FBF22AD-86E0-4C8C-8C10-B8401B2B9DA2}" destId="{E114B57D-08C5-4F0D-B669-01AB62E56025}" srcOrd="0" destOrd="0" presId="urn:microsoft.com/office/officeart/2005/8/layout/hierarchy2"/>
+    <dgm:cxn modelId="{F11C56D3-0056-4E64-81AF-91EF6A2B27CC}" type="presOf" srcId="{C46CF4C9-5A23-461A-B0A4-BF03F57C78C1}" destId="{7B6181A9-F281-43B7-BE74-32AA0B11D9CD}" srcOrd="0" destOrd="0" presId="urn:microsoft.com/office/officeart/2005/8/layout/hierarchy2"/>
+    <dgm:cxn modelId="{D8EF9ECC-A38E-D44D-B587-28EBD3360550}" type="presOf" srcId="{BD4A4183-AA18-D443-84FB-29A0C506F866}" destId="{E291E167-02D3-D74B-918E-778016066CE5}" srcOrd="1" destOrd="0" presId="urn:microsoft.com/office/officeart/2005/8/layout/hierarchy2"/>
+    <dgm:cxn modelId="{0D6EA045-23FB-B548-A84C-4E613B46BBE4}" type="presOf" srcId="{BD4A4183-AA18-D443-84FB-29A0C506F866}" destId="{5ACC3E85-B970-7B45-9419-9A2C31F419E2}" srcOrd="0" destOrd="0" presId="urn:microsoft.com/office/officeart/2005/8/layout/hierarchy2"/>
+    <dgm:cxn modelId="{41218674-7B34-4437-90BA-D210913C2334}" type="presOf" srcId="{F28EB8CE-2410-479C-BA6B-4804B915C455}" destId="{23DD5818-0EF9-4C10-B33F-EB53FD3309D1}" srcOrd="0" destOrd="0" presId="urn:microsoft.com/office/officeart/2005/8/layout/hierarchy2"/>
+    <dgm:cxn modelId="{3EB0E5FA-B6F1-7F4E-9854-E32427E57AB0}" type="presOf" srcId="{36D336D6-B36E-084A-A111-634DCFC130F4}" destId="{6D24DBD2-6F41-DA46-864F-87CEB5C7DC66}" srcOrd="1" destOrd="0" presId="urn:microsoft.com/office/officeart/2005/8/layout/hierarchy2"/>
+    <dgm:cxn modelId="{6E7E52F6-07E8-3E40-BA7F-77C5A2B19BAF}" type="presOf" srcId="{317690CF-A275-6742-B7F9-3ECC0106E985}" destId="{FF54701D-228B-204D-AB6D-2A38C0126D74}" srcOrd="0" destOrd="0" presId="urn:microsoft.com/office/officeart/2005/8/layout/hierarchy2"/>
+    <dgm:cxn modelId="{0EF03C1E-0349-6F4F-B485-D29FB8B3ABAF}" srcId="{EA2F65E8-BD74-BC49-9C52-6ED62B8C76E6}" destId="{31D24A6D-93C8-3644-8099-1119D22F92D4}" srcOrd="0" destOrd="0" parTransId="{BD4A4183-AA18-D443-84FB-29A0C506F866}" sibTransId="{DF5C5CD0-4AAA-E148-BC1B-AC74103B4DCD}"/>
+    <dgm:cxn modelId="{148759AA-8C37-AF41-88A1-CD230CB887C1}" type="presOf" srcId="{A11A2530-D53A-F741-94B7-508BCCBE43BC}" destId="{65D5DFCC-AAEA-B44A-9666-24178307B025}" srcOrd="0" destOrd="0" presId="urn:microsoft.com/office/officeart/2005/8/layout/hierarchy2"/>
+    <dgm:cxn modelId="{06F53A00-A44C-4B4E-A8CD-38447AFAEEA8}" srcId="{EA2F65E8-BD74-BC49-9C52-6ED62B8C76E6}" destId="{317690CF-A275-6742-B7F9-3ECC0106E985}" srcOrd="1" destOrd="0" parTransId="{36D336D6-B36E-084A-A111-634DCFC130F4}" sibTransId="{2BF48D4B-B9C0-5042-8AEE-E7CC3BCF8B90}"/>
+    <dgm:cxn modelId="{39BB957B-7103-E847-903E-711DA18864CF}" type="presOf" srcId="{36D336D6-B36E-084A-A111-634DCFC130F4}" destId="{56F2A713-A4F0-854D-9936-C3D64EA5A219}" srcOrd="0" destOrd="0" presId="urn:microsoft.com/office/officeart/2005/8/layout/hierarchy2"/>
+    <dgm:cxn modelId="{DE614176-70E6-4394-AC45-EA7B78C2EA92}" type="presOf" srcId="{90C70E97-F55A-46F4-900A-4E13B866C5B8}" destId="{7FB7DD27-A746-4A6C-9D72-3A460117C17D}" srcOrd="1" destOrd="0" presId="urn:microsoft.com/office/officeart/2005/8/layout/hierarchy2"/>
+    <dgm:cxn modelId="{B1B2B7B5-168D-9F45-9D83-56926D6B460F}" type="presOf" srcId="{31D24A6D-93C8-3644-8099-1119D22F92D4}" destId="{1E110BD0-E14E-7447-A871-9B5A056063A2}" srcOrd="0" destOrd="0" presId="urn:microsoft.com/office/officeart/2005/8/layout/hierarchy2"/>
+    <dgm:cxn modelId="{5AC1EE77-CDE7-4350-AB67-82F1866BC68A}" type="presOf" srcId="{CEDB55B8-354D-428E-8BC2-627C21E4872A}" destId="{58FA62A8-B526-49BF-A379-230B6B73E468}" srcOrd="1" destOrd="0" presId="urn:microsoft.com/office/officeart/2005/8/layout/hierarchy2"/>
+    <dgm:cxn modelId="{34E6F352-42CE-374B-9751-205EC9C224B6}" type="presOf" srcId="{A11A2530-D53A-F741-94B7-508BCCBE43BC}" destId="{FD61029A-9700-0843-BFD7-6A937416621B}" srcOrd="1" destOrd="0" presId="urn:microsoft.com/office/officeart/2005/8/layout/hierarchy2"/>
+    <dgm:cxn modelId="{E2B9DE2D-02DB-4414-854C-21B6A2D5BD7C}" type="presOf" srcId="{CEDB55B8-354D-428E-8BC2-627C21E4872A}" destId="{9C022E0E-CBD6-4D8B-8A7E-380B1CD72A19}" srcOrd="0" destOrd="0" presId="urn:microsoft.com/office/officeart/2005/8/layout/hierarchy2"/>
+    <dgm:cxn modelId="{EEC7DA30-3394-426C-B8AF-1E1EE8AFFDA9}" srcId="{CA4FEBD2-6756-4BD4-95BE-39DCC91F17AA}" destId="{29A0F08E-1028-4866-80E0-9294FAD732F4}" srcOrd="1" destOrd="0" parTransId="{CEDB55B8-354D-428E-8BC2-627C21E4872A}" sibTransId="{5CCB30B4-3088-4279-88A8-C50B99F1DCD5}"/>
     <dgm:cxn modelId="{97C6E437-76E4-47A3-A9BA-238BB550A984}" type="presOf" srcId="{29A0F08E-1028-4866-80E0-9294FAD732F4}" destId="{AD9C6181-0775-46AE-B420-CF9EABFC421E}" srcOrd="0" destOrd="0" presId="urn:microsoft.com/office/officeart/2005/8/layout/hierarchy2"/>
-    <dgm:cxn modelId="{058FFF6E-8B93-466D-B740-AA208909F540}" type="presOf" srcId="{6E3AD7B0-8215-4D61-ABCB-562CF9909AD1}" destId="{11C42E8F-F779-41D4-8780-B71845E8DC76}" srcOrd="0" destOrd="0" presId="urn:microsoft.com/office/officeart/2005/8/layout/hierarchy2"/>
-    <dgm:cxn modelId="{AE355367-B333-4F46-8C51-3CCAC4A962B2}" srcId="{CA4FEBD2-6756-4BD4-95BE-39DCC91F17AA}" destId="{C46CF4C9-5A23-461A-B0A4-BF03F57C78C1}" srcOrd="0" destOrd="0" parTransId="{90C70E97-F55A-46F4-900A-4E13B866C5B8}" sibTransId="{465468C5-AE6D-4CC6-AE2A-E5207DA6FC1D}"/>
+    <dgm:cxn modelId="{1DE6DAE7-FC51-9F42-B6E5-EBF44879435B}" type="presOf" srcId="{EA2F65E8-BD74-BC49-9C52-6ED62B8C76E6}" destId="{05FC3B35-A68C-4B49-8768-D68EDBA32E68}" srcOrd="0" destOrd="0" presId="urn:microsoft.com/office/officeart/2005/8/layout/hierarchy2"/>
     <dgm:cxn modelId="{70E4E972-3B6A-423A-A75E-060ABE36F29A}" type="presOf" srcId="{90C70E97-F55A-46F4-900A-4E13B866C5B8}" destId="{BDB1E3B9-19B5-4AB8-A16D-38BB6B9C1E05}" srcOrd="0" destOrd="0" presId="urn:microsoft.com/office/officeart/2005/8/layout/hierarchy2"/>
-    <dgm:cxn modelId="{EEC7DA30-3394-426C-B8AF-1E1EE8AFFDA9}" srcId="{CA4FEBD2-6756-4BD4-95BE-39DCC91F17AA}" destId="{29A0F08E-1028-4866-80E0-9294FAD732F4}" srcOrd="1" destOrd="0" parTransId="{CEDB55B8-354D-428E-8BC2-627C21E4872A}" sibTransId="{5CCB30B4-3088-4279-88A8-C50B99F1DCD5}"/>
-    <dgm:cxn modelId="{C4C9C73D-8AF3-44DF-9FB0-EADB7DC83EFA}" type="presOf" srcId="{4FBF22AD-86E0-4C8C-8C10-B8401B2B9DA2}" destId="{B3248F45-4730-423F-AE56-ABE7EBE6747B}" srcOrd="1" destOrd="0" presId="urn:microsoft.com/office/officeart/2005/8/layout/hierarchy2"/>
-    <dgm:cxn modelId="{41218674-7B34-4437-90BA-D210913C2334}" type="presOf" srcId="{F28EB8CE-2410-479C-BA6B-4804B915C455}" destId="{23DD5818-0EF9-4C10-B33F-EB53FD3309D1}" srcOrd="0" destOrd="0" presId="urn:microsoft.com/office/officeart/2005/8/layout/hierarchy2"/>
-    <dgm:cxn modelId="{DE614176-70E6-4394-AC45-EA7B78C2EA92}" type="presOf" srcId="{90C70E97-F55A-46F4-900A-4E13B866C5B8}" destId="{7FB7DD27-A746-4A6C-9D72-3A460117C17D}" srcOrd="1" destOrd="0" presId="urn:microsoft.com/office/officeart/2005/8/layout/hierarchy2"/>
+    <dgm:cxn modelId="{6CA94AC4-558C-B949-A32A-38B0F9D94D4D}" srcId="{CA4FEBD2-6756-4BD4-95BE-39DCC91F17AA}" destId="{EA2F65E8-BD74-BC49-9C52-6ED62B8C76E6}" srcOrd="2" destOrd="0" parTransId="{A11A2530-D53A-F741-94B7-508BCCBE43BC}" sibTransId="{F6B70635-73A6-3D47-A92A-657C0E7369E5}"/>
     <dgm:cxn modelId="{9881F661-92E9-431A-810F-3F68EBD1EBC8}" srcId="{F28EB8CE-2410-479C-BA6B-4804B915C455}" destId="{CA4FEBD2-6756-4BD4-95BE-39DCC91F17AA}" srcOrd="0" destOrd="0" parTransId="{95EF40D1-76D7-4E11-8262-7B82FBE22C05}" sibTransId="{A4890DB1-2804-4F92-ACC7-638AA46306C0}"/>
-    <dgm:cxn modelId="{F11C56D3-0056-4E64-81AF-91EF6A2B27CC}" type="presOf" srcId="{C46CF4C9-5A23-461A-B0A4-BF03F57C78C1}" destId="{7B6181A9-F281-43B7-BE74-32AA0B11D9CD}" srcOrd="0" destOrd="0" presId="urn:microsoft.com/office/officeart/2005/8/layout/hierarchy2"/>
-    <dgm:cxn modelId="{903DA9A0-2044-4F04-8934-3E9A754C1CC9}" srcId="{CA4FEBD2-6756-4BD4-95BE-39DCC91F17AA}" destId="{6E3AD7B0-8215-4D61-ABCB-562CF9909AD1}" srcOrd="2" destOrd="0" parTransId="{4FBF22AD-86E0-4C8C-8C10-B8401B2B9DA2}" sibTransId="{A9F51354-7517-4141-AA3A-3EDDC2A2B5D4}"/>
-    <dgm:cxn modelId="{E2B9DE2D-02DB-4414-854C-21B6A2D5BD7C}" type="presOf" srcId="{CEDB55B8-354D-428E-8BC2-627C21E4872A}" destId="{9C022E0E-CBD6-4D8B-8A7E-380B1CD72A19}" srcOrd="0" destOrd="0" presId="urn:microsoft.com/office/officeart/2005/8/layout/hierarchy2"/>
-    <dgm:cxn modelId="{5AC1EE77-CDE7-4350-AB67-82F1866BC68A}" type="presOf" srcId="{CEDB55B8-354D-428E-8BC2-627C21E4872A}" destId="{58FA62A8-B526-49BF-A379-230B6B73E468}" srcOrd="1" destOrd="0" presId="urn:microsoft.com/office/officeart/2005/8/layout/hierarchy2"/>
     <dgm:cxn modelId="{372053BB-94E1-4ACA-870F-8D5B2B83F898}" type="presParOf" srcId="{23DD5818-0EF9-4C10-B33F-EB53FD3309D1}" destId="{67416A97-D383-4E07-B82D-5E159BB2B313}" srcOrd="0" destOrd="0" presId="urn:microsoft.com/office/officeart/2005/8/layout/hierarchy2"/>
     <dgm:cxn modelId="{24CD2FEF-FDE5-48ED-B591-1B705F8BD4C2}" type="presParOf" srcId="{67416A97-D383-4E07-B82D-5E159BB2B313}" destId="{A42291B2-FDE9-46B6-BE79-8B0C324B0719}" srcOrd="0" destOrd="0" presId="urn:microsoft.com/office/officeart/2005/8/layout/hierarchy2"/>
     <dgm:cxn modelId="{F3206D49-ECF1-4228-8B31-DB0025F661BF}" type="presParOf" srcId="{67416A97-D383-4E07-B82D-5E159BB2B313}" destId="{04D8E58A-5088-433A-B57D-7135825DD9A8}" srcOrd="1" destOrd="0" presId="urn:microsoft.com/office/officeart/2005/8/layout/hierarchy2"/>
@@ -3486,11 +3670,21 @@
     <dgm:cxn modelId="{4527A986-71C3-4F34-810F-B29B954D2F88}" type="presParOf" srcId="{04D8E58A-5088-433A-B57D-7135825DD9A8}" destId="{309C591B-07B9-456F-9C30-4F9D06824A42}" srcOrd="3" destOrd="0" presId="urn:microsoft.com/office/officeart/2005/8/layout/hierarchy2"/>
     <dgm:cxn modelId="{D8D64378-57D2-41D4-8BA5-FFDCB4CA61EA}" type="presParOf" srcId="{309C591B-07B9-456F-9C30-4F9D06824A42}" destId="{AD9C6181-0775-46AE-B420-CF9EABFC421E}" srcOrd="0" destOrd="0" presId="urn:microsoft.com/office/officeart/2005/8/layout/hierarchy2"/>
     <dgm:cxn modelId="{54D11811-4A75-4124-98B3-1C53E8028E35}" type="presParOf" srcId="{309C591B-07B9-456F-9C30-4F9D06824A42}" destId="{6DE8EAFA-279B-445D-BD52-5AEDBDA2AEAF}" srcOrd="1" destOrd="0" presId="urn:microsoft.com/office/officeart/2005/8/layout/hierarchy2"/>
-    <dgm:cxn modelId="{C8560BC8-1CAB-40B2-B8B5-90CD7F59A657}" type="presParOf" srcId="{04D8E58A-5088-433A-B57D-7135825DD9A8}" destId="{E114B57D-08C5-4F0D-B669-01AB62E56025}" srcOrd="4" destOrd="0" presId="urn:microsoft.com/office/officeart/2005/8/layout/hierarchy2"/>
-    <dgm:cxn modelId="{DFD13A9B-BC65-40EC-83FB-C49E26466EEC}" type="presParOf" srcId="{E114B57D-08C5-4F0D-B669-01AB62E56025}" destId="{B3248F45-4730-423F-AE56-ABE7EBE6747B}" srcOrd="0" destOrd="0" presId="urn:microsoft.com/office/officeart/2005/8/layout/hierarchy2"/>
-    <dgm:cxn modelId="{CB35DD7B-A5F5-45D9-9ED8-CB6C84E5A0D8}" type="presParOf" srcId="{04D8E58A-5088-433A-B57D-7135825DD9A8}" destId="{2B3FDFD6-C5C0-48CD-83F9-F02D2626CF41}" srcOrd="5" destOrd="0" presId="urn:microsoft.com/office/officeart/2005/8/layout/hierarchy2"/>
-    <dgm:cxn modelId="{34B419D5-6D4A-4921-845E-7D6ACAEB01ED}" type="presParOf" srcId="{2B3FDFD6-C5C0-48CD-83F9-F02D2626CF41}" destId="{11C42E8F-F779-41D4-8780-B71845E8DC76}" srcOrd="0" destOrd="0" presId="urn:microsoft.com/office/officeart/2005/8/layout/hierarchy2"/>
-    <dgm:cxn modelId="{27FE2C6E-1DFD-406F-8190-24C7B4423E5A}" type="presParOf" srcId="{2B3FDFD6-C5C0-48CD-83F9-F02D2626CF41}" destId="{8B9C1722-2423-40C6-814E-2773679A443E}" srcOrd="1" destOrd="0" presId="urn:microsoft.com/office/officeart/2005/8/layout/hierarchy2"/>
+    <dgm:cxn modelId="{B37445F3-E766-9042-A137-A054A0F45920}" type="presParOf" srcId="{04D8E58A-5088-433A-B57D-7135825DD9A8}" destId="{65D5DFCC-AAEA-B44A-9666-24178307B025}" srcOrd="4" destOrd="0" presId="urn:microsoft.com/office/officeart/2005/8/layout/hierarchy2"/>
+    <dgm:cxn modelId="{DB071A4A-171F-7145-85FA-123A4D2517E6}" type="presParOf" srcId="{65D5DFCC-AAEA-B44A-9666-24178307B025}" destId="{FD61029A-9700-0843-BFD7-6A937416621B}" srcOrd="0" destOrd="0" presId="urn:microsoft.com/office/officeart/2005/8/layout/hierarchy2"/>
+    <dgm:cxn modelId="{D9F9EF81-6E4C-4847-94A8-7A139A896009}" type="presParOf" srcId="{04D8E58A-5088-433A-B57D-7135825DD9A8}" destId="{2D476077-6359-DB47-A964-1E95022581CC}" srcOrd="5" destOrd="0" presId="urn:microsoft.com/office/officeart/2005/8/layout/hierarchy2"/>
+    <dgm:cxn modelId="{5E5C301D-73F3-BF40-B0E4-20573A6A524B}" type="presParOf" srcId="{2D476077-6359-DB47-A964-1E95022581CC}" destId="{05FC3B35-A68C-4B49-8768-D68EDBA32E68}" srcOrd="0" destOrd="0" presId="urn:microsoft.com/office/officeart/2005/8/layout/hierarchy2"/>
+    <dgm:cxn modelId="{F84EE4D1-04AA-704D-B7EC-C9C8637C5485}" type="presParOf" srcId="{2D476077-6359-DB47-A964-1E95022581CC}" destId="{17C19A73-30DB-A54D-A7BE-4468F0764F9A}" srcOrd="1" destOrd="0" presId="urn:microsoft.com/office/officeart/2005/8/layout/hierarchy2"/>
+    <dgm:cxn modelId="{515F46A4-0A85-7D45-8634-91AFEDE52448}" type="presParOf" srcId="{17C19A73-30DB-A54D-A7BE-4468F0764F9A}" destId="{5ACC3E85-B970-7B45-9419-9A2C31F419E2}" srcOrd="0" destOrd="0" presId="urn:microsoft.com/office/officeart/2005/8/layout/hierarchy2"/>
+    <dgm:cxn modelId="{00B27EA6-A162-5D4D-9EC0-A787557F0A95}" type="presParOf" srcId="{5ACC3E85-B970-7B45-9419-9A2C31F419E2}" destId="{E291E167-02D3-D74B-918E-778016066CE5}" srcOrd="0" destOrd="0" presId="urn:microsoft.com/office/officeart/2005/8/layout/hierarchy2"/>
+    <dgm:cxn modelId="{9E8E87C2-DECB-8B4D-8BC2-71D28CAF3150}" type="presParOf" srcId="{17C19A73-30DB-A54D-A7BE-4468F0764F9A}" destId="{80A0924C-277A-9B45-A6FD-76A8FA4A22E9}" srcOrd="1" destOrd="0" presId="urn:microsoft.com/office/officeart/2005/8/layout/hierarchy2"/>
+    <dgm:cxn modelId="{E387DD97-6FC8-5848-814C-D650DC7F419A}" type="presParOf" srcId="{80A0924C-277A-9B45-A6FD-76A8FA4A22E9}" destId="{1E110BD0-E14E-7447-A871-9B5A056063A2}" srcOrd="0" destOrd="0" presId="urn:microsoft.com/office/officeart/2005/8/layout/hierarchy2"/>
+    <dgm:cxn modelId="{2E50F246-B972-8A47-8A9A-9E119294FE6A}" type="presParOf" srcId="{80A0924C-277A-9B45-A6FD-76A8FA4A22E9}" destId="{C84BADC6-DF3D-2C40-8CFF-497B03305C30}" srcOrd="1" destOrd="0" presId="urn:microsoft.com/office/officeart/2005/8/layout/hierarchy2"/>
+    <dgm:cxn modelId="{C7004089-860F-8646-A11A-7A0220CBC755}" type="presParOf" srcId="{17C19A73-30DB-A54D-A7BE-4468F0764F9A}" destId="{56F2A713-A4F0-854D-9936-C3D64EA5A219}" srcOrd="2" destOrd="0" presId="urn:microsoft.com/office/officeart/2005/8/layout/hierarchy2"/>
+    <dgm:cxn modelId="{650C3F56-49D1-004A-B811-8FD7506C7137}" type="presParOf" srcId="{56F2A713-A4F0-854D-9936-C3D64EA5A219}" destId="{6D24DBD2-6F41-DA46-864F-87CEB5C7DC66}" srcOrd="0" destOrd="0" presId="urn:microsoft.com/office/officeart/2005/8/layout/hierarchy2"/>
+    <dgm:cxn modelId="{6F656BF2-D758-D84B-A732-44628481F96D}" type="presParOf" srcId="{17C19A73-30DB-A54D-A7BE-4468F0764F9A}" destId="{0C774A2C-DE3B-1F4E-AA23-3DE23909100B}" srcOrd="3" destOrd="0" presId="urn:microsoft.com/office/officeart/2005/8/layout/hierarchy2"/>
+    <dgm:cxn modelId="{EE8AFD0D-18B7-1542-8D23-9F98A0D316E1}" type="presParOf" srcId="{0C774A2C-DE3B-1F4E-AA23-3DE23909100B}" destId="{FF54701D-228B-204D-AB6D-2A38C0126D74}" srcOrd="0" destOrd="0" presId="urn:microsoft.com/office/officeart/2005/8/layout/hierarchy2"/>
+    <dgm:cxn modelId="{697AD502-2B82-8B40-AB20-1130DC3308E2}" type="presParOf" srcId="{0C774A2C-DE3B-1F4E-AA23-3DE23909100B}" destId="{F29F9984-791B-3D46-B896-1F18B5CF348E}" srcOrd="1" destOrd="0" presId="urn:microsoft.com/office/officeart/2005/8/layout/hierarchy2"/>
   </dgm:cxnLst>
   <dgm:bg/>
   <dgm:whole/>
@@ -3900,6 +4094,17 @@
         </a:p>
       </dgm:t>
     </dgm:pt>
+    <dgm:pt modelId="{A2B6DB6C-DB61-4D10-9BC3-D9D540185A89}" type="sibTrans" cxnId="{263121A4-982D-4EEA-8142-3AAD6E785DA7}">
+      <dgm:prSet/>
+      <dgm:spPr/>
+      <dgm:t>
+        <a:bodyPr/>
+        <a:lstStyle/>
+        <a:p>
+          <a:endParaRPr lang="en-US"/>
+        </a:p>
+      </dgm:t>
+    </dgm:pt>
     <dgm:pt modelId="{67DA4A99-C335-4A6A-8916-A460B0FF28E9}" type="parTrans" cxnId="{263121A4-982D-4EEA-8142-3AAD6E785DA7}">
       <dgm:prSet/>
       <dgm:spPr/>
@@ -3911,14 +4116,62 @@
         </a:p>
       </dgm:t>
     </dgm:pt>
-    <dgm:pt modelId="{A2B6DB6C-DB61-4D10-9BC3-D9D540185A89}" type="sibTrans" cxnId="{263121A4-982D-4EEA-8142-3AAD6E785DA7}">
-      <dgm:prSet/>
-      <dgm:spPr/>
+    <dgm:pt modelId="{0A0B25DB-0B1C-D341-8E51-16E10C97A530}">
+      <dgm:prSet phldrT="[Text]"/>
+      <dgm:spPr>
+        <a:solidFill>
+          <a:schemeClr val="accent2">
+            <a:lumMod val="75000"/>
+          </a:schemeClr>
+        </a:solidFill>
+      </dgm:spPr>
       <dgm:t>
         <a:bodyPr/>
         <a:lstStyle/>
         <a:p>
-          <a:endParaRPr lang="en-US"/>
+          <a:r>
+            <a:rPr lang="en-US" altLang="zh-CN" dirty="0" smtClean="0"/>
+            <a:t>Long</a:t>
+          </a:r>
+          <a:r>
+            <a:rPr lang="zh-CN" altLang="en-US" dirty="0" smtClean="0"/>
+            <a:t> </a:t>
+          </a:r>
+          <a:r>
+            <a:rPr lang="en-US" altLang="zh-CN" dirty="0" smtClean="0"/>
+            <a:t>IRQ</a:t>
+          </a:r>
+          <a:r>
+            <a:rPr lang="zh-CN" altLang="en-US" dirty="0" smtClean="0"/>
+            <a:t> </a:t>
+          </a:r>
+          <a:r>
+            <a:rPr lang="en-US" altLang="zh-CN" dirty="0" smtClean="0"/>
+            <a:t>Off</a:t>
+          </a:r>
+          <a:endParaRPr lang="en-US" dirty="0"/>
+        </a:p>
+      </dgm:t>
+    </dgm:pt>
+    <dgm:pt modelId="{0379D3EA-B7A2-1640-A6AB-318820B58748}" type="parTrans" cxnId="{279D90C4-203C-D449-96FD-0DC899BE60CD}">
+      <dgm:prSet/>
+      <dgm:spPr/>
+      <dgm:t>
+        <a:bodyPr/>
+        <a:lstStyle/>
+        <a:p>
+          <a:endParaRPr lang="zh-CN" altLang="en-US"/>
+        </a:p>
+      </dgm:t>
+    </dgm:pt>
+    <dgm:pt modelId="{A92663A8-D818-6242-81DB-7642B91F015A}" type="sibTrans" cxnId="{279D90C4-203C-D449-96FD-0DC899BE60CD}">
+      <dgm:prSet/>
+      <dgm:spPr/>
+      <dgm:t>
+        <a:bodyPr/>
+        <a:lstStyle/>
+        <a:p>
+          <a:endParaRPr lang="zh-CN" altLang="en-US"/>
         </a:p>
       </dgm:t>
     </dgm:pt>
@@ -4010,7 +4263,7 @@
       <dgm:spPr/>
     </dgm:pt>
     <dgm:pt modelId="{C5D1B19A-2617-4DA1-B46A-C7811F1168E8}" type="pres">
-      <dgm:prSet presAssocID="{22561B8C-2105-4B6B-8B5C-E0040F4A8B18}" presName="conn2-1" presStyleLbl="parChTrans1D3" presStyleIdx="0" presStyleCnt="6"/>
+      <dgm:prSet presAssocID="{22561B8C-2105-4B6B-8B5C-E0040F4A8B18}" presName="conn2-1" presStyleLbl="parChTrans1D3" presStyleIdx="0" presStyleCnt="7"/>
       <dgm:spPr/>
       <dgm:t>
         <a:bodyPr/>
@@ -4021,7 +4274,7 @@
       </dgm:t>
     </dgm:pt>
     <dgm:pt modelId="{90BAEA75-515C-43FD-ADC8-31854B27F0EF}" type="pres">
-      <dgm:prSet presAssocID="{22561B8C-2105-4B6B-8B5C-E0040F4A8B18}" presName="connTx" presStyleLbl="parChTrans1D3" presStyleIdx="0" presStyleCnt="6"/>
+      <dgm:prSet presAssocID="{22561B8C-2105-4B6B-8B5C-E0040F4A8B18}" presName="connTx" presStyleLbl="parChTrans1D3" presStyleIdx="0" presStyleCnt="7"/>
       <dgm:spPr/>
       <dgm:t>
         <a:bodyPr/>
@@ -4036,7 +4289,7 @@
       <dgm:spPr/>
     </dgm:pt>
     <dgm:pt modelId="{025AF68A-F2D0-40A7-BC96-D3E2EC6F7344}" type="pres">
-      <dgm:prSet presAssocID="{C2D45287-F70D-485C-BE21-23775AAC2269}" presName="LevelTwoTextNode" presStyleLbl="node3" presStyleIdx="0" presStyleCnt="6">
+      <dgm:prSet presAssocID="{C2D45287-F70D-485C-BE21-23775AAC2269}" presName="LevelTwoTextNode" presStyleLbl="node3" presStyleIdx="0" presStyleCnt="7">
         <dgm:presLayoutVars>
           <dgm:chPref val="3"/>
         </dgm:presLayoutVars>
@@ -4055,7 +4308,7 @@
       <dgm:spPr/>
     </dgm:pt>
     <dgm:pt modelId="{6F571075-BADD-44D6-A8FD-E2A7E2857B94}" type="pres">
-      <dgm:prSet presAssocID="{67DA4A99-C335-4A6A-8916-A460B0FF28E9}" presName="conn2-1" presStyleLbl="parChTrans1D3" presStyleIdx="1" presStyleCnt="6"/>
+      <dgm:prSet presAssocID="{67DA4A99-C335-4A6A-8916-A460B0FF28E9}" presName="conn2-1" presStyleLbl="parChTrans1D3" presStyleIdx="1" presStyleCnt="7"/>
       <dgm:spPr/>
       <dgm:t>
         <a:bodyPr/>
@@ -4066,7 +4319,7 @@
       </dgm:t>
     </dgm:pt>
     <dgm:pt modelId="{74B71DF4-14D3-4084-8F0D-A08B51ECBCC1}" type="pres">
-      <dgm:prSet presAssocID="{67DA4A99-C335-4A6A-8916-A460B0FF28E9}" presName="connTx" presStyleLbl="parChTrans1D3" presStyleIdx="1" presStyleCnt="6"/>
+      <dgm:prSet presAssocID="{67DA4A99-C335-4A6A-8916-A460B0FF28E9}" presName="connTx" presStyleLbl="parChTrans1D3" presStyleIdx="1" presStyleCnt="7"/>
       <dgm:spPr/>
       <dgm:t>
         <a:bodyPr/>
@@ -4081,7 +4334,7 @@
       <dgm:spPr/>
     </dgm:pt>
     <dgm:pt modelId="{84254D9F-0DE8-4CD5-8255-C4F0E77AE9E0}" type="pres">
-      <dgm:prSet presAssocID="{D0EAC203-063A-4311-968F-EED9F59FD54D}" presName="LevelTwoTextNode" presStyleLbl="node3" presStyleIdx="1" presStyleCnt="6">
+      <dgm:prSet presAssocID="{D0EAC203-063A-4311-968F-EED9F59FD54D}" presName="LevelTwoTextNode" presStyleLbl="node3" presStyleIdx="1" presStyleCnt="7">
         <dgm:presLayoutVars>
           <dgm:chPref val="3"/>
         </dgm:presLayoutVars>
@@ -4145,7 +4398,7 @@
       <dgm:spPr/>
     </dgm:pt>
     <dgm:pt modelId="{367C2107-8A65-4CAB-B9DA-C15A4076C114}" type="pres">
-      <dgm:prSet presAssocID="{059F67E2-6A1B-4B99-87EC-F3509078745E}" presName="conn2-1" presStyleLbl="parChTrans1D3" presStyleIdx="2" presStyleCnt="6"/>
+      <dgm:prSet presAssocID="{059F67E2-6A1B-4B99-87EC-F3509078745E}" presName="conn2-1" presStyleLbl="parChTrans1D3" presStyleIdx="2" presStyleCnt="7"/>
       <dgm:spPr/>
       <dgm:t>
         <a:bodyPr/>
@@ -4156,7 +4409,7 @@
       </dgm:t>
     </dgm:pt>
     <dgm:pt modelId="{61121029-B26B-47D5-9F30-DE78F817C0A7}" type="pres">
-      <dgm:prSet presAssocID="{059F67E2-6A1B-4B99-87EC-F3509078745E}" presName="connTx" presStyleLbl="parChTrans1D3" presStyleIdx="2" presStyleCnt="6"/>
+      <dgm:prSet presAssocID="{059F67E2-6A1B-4B99-87EC-F3509078745E}" presName="connTx" presStyleLbl="parChTrans1D3" presStyleIdx="2" presStyleCnt="7"/>
       <dgm:spPr/>
       <dgm:t>
         <a:bodyPr/>
@@ -4171,7 +4424,7 @@
       <dgm:spPr/>
     </dgm:pt>
     <dgm:pt modelId="{FC1D8B7F-D034-49D7-BFAD-9FBFEAC847B8}" type="pres">
-      <dgm:prSet presAssocID="{BE8CAC62-4C1D-4FDA-B630-0F768E668AAB}" presName="LevelTwoTextNode" presStyleLbl="node3" presStyleIdx="2" presStyleCnt="6">
+      <dgm:prSet presAssocID="{BE8CAC62-4C1D-4FDA-B630-0F768E668AAB}" presName="LevelTwoTextNode" presStyleLbl="node3" presStyleIdx="2" presStyleCnt="7">
         <dgm:presLayoutVars>
           <dgm:chPref val="3"/>
         </dgm:presLayoutVars>
@@ -4190,7 +4443,7 @@
       <dgm:spPr/>
     </dgm:pt>
     <dgm:pt modelId="{DE909B79-761E-4C45-82BF-BC85B50F5031}" type="pres">
-      <dgm:prSet presAssocID="{EEB75CAA-7EE8-4760-AAE2-8333ED33900F}" presName="conn2-1" presStyleLbl="parChTrans1D3" presStyleIdx="3" presStyleCnt="6"/>
+      <dgm:prSet presAssocID="{EEB75CAA-7EE8-4760-AAE2-8333ED33900F}" presName="conn2-1" presStyleLbl="parChTrans1D3" presStyleIdx="3" presStyleCnt="7"/>
       <dgm:spPr/>
       <dgm:t>
         <a:bodyPr/>
@@ -4201,7 +4454,7 @@
       </dgm:t>
     </dgm:pt>
     <dgm:pt modelId="{78389106-9AE4-4BAA-BC35-AF098A35BAD0}" type="pres">
-      <dgm:prSet presAssocID="{EEB75CAA-7EE8-4760-AAE2-8333ED33900F}" presName="connTx" presStyleLbl="parChTrans1D3" presStyleIdx="3" presStyleCnt="6"/>
+      <dgm:prSet presAssocID="{EEB75CAA-7EE8-4760-AAE2-8333ED33900F}" presName="connTx" presStyleLbl="parChTrans1D3" presStyleIdx="3" presStyleCnt="7"/>
       <dgm:spPr/>
       <dgm:t>
         <a:bodyPr/>
@@ -4216,7 +4469,7 @@
       <dgm:spPr/>
     </dgm:pt>
     <dgm:pt modelId="{2E2C8185-AC1B-45C0-841F-D50293761017}" type="pres">
-      <dgm:prSet presAssocID="{555229B9-E3E5-4A0A-9B71-4DFD80E1A840}" presName="LevelTwoTextNode" presStyleLbl="node3" presStyleIdx="3" presStyleCnt="6">
+      <dgm:prSet presAssocID="{555229B9-E3E5-4A0A-9B71-4DFD80E1A840}" presName="LevelTwoTextNode" presStyleLbl="node3" presStyleIdx="3" presStyleCnt="7">
         <dgm:presLayoutVars>
           <dgm:chPref val="3"/>
         </dgm:presLayoutVars>
@@ -4280,7 +4533,7 @@
       <dgm:spPr/>
     </dgm:pt>
     <dgm:pt modelId="{6BBE356C-44E2-4EA1-A2C1-D397DAB2F98A}" type="pres">
-      <dgm:prSet presAssocID="{CDF68E8A-6D04-45B7-B908-CDA179C95474}" presName="conn2-1" presStyleLbl="parChTrans1D3" presStyleIdx="4" presStyleCnt="6"/>
+      <dgm:prSet presAssocID="{CDF68E8A-6D04-45B7-B908-CDA179C95474}" presName="conn2-1" presStyleLbl="parChTrans1D3" presStyleIdx="4" presStyleCnt="7"/>
       <dgm:spPr/>
       <dgm:t>
         <a:bodyPr/>
@@ -4291,7 +4544,7 @@
       </dgm:t>
     </dgm:pt>
     <dgm:pt modelId="{54B193FE-EBBA-47C3-92C5-A96269AFFDC4}" type="pres">
-      <dgm:prSet presAssocID="{CDF68E8A-6D04-45B7-B908-CDA179C95474}" presName="connTx" presStyleLbl="parChTrans1D3" presStyleIdx="4" presStyleCnt="6"/>
+      <dgm:prSet presAssocID="{CDF68E8A-6D04-45B7-B908-CDA179C95474}" presName="connTx" presStyleLbl="parChTrans1D3" presStyleIdx="4" presStyleCnt="7"/>
       <dgm:spPr/>
       <dgm:t>
         <a:bodyPr/>
@@ -4306,7 +4559,7 @@
       <dgm:spPr/>
     </dgm:pt>
     <dgm:pt modelId="{AF7DBF4C-44AB-4FB5-B5AA-65ECDE244D90}" type="pres">
-      <dgm:prSet presAssocID="{6CF78995-2C8C-4C8F-BD5D-B2194B46319F}" presName="LevelTwoTextNode" presStyleLbl="node3" presStyleIdx="4" presStyleCnt="6">
+      <dgm:prSet presAssocID="{6CF78995-2C8C-4C8F-BD5D-B2194B46319F}" presName="LevelTwoTextNode" presStyleLbl="node3" presStyleIdx="4" presStyleCnt="7">
         <dgm:presLayoutVars>
           <dgm:chPref val="3"/>
         </dgm:presLayoutVars>
@@ -4325,7 +4578,7 @@
       <dgm:spPr/>
     </dgm:pt>
     <dgm:pt modelId="{EF881A6E-79C2-46F6-B3F8-AB0BE84C7A0D}" type="pres">
-      <dgm:prSet presAssocID="{34BA7352-87DE-4732-B31B-1FD922C73A77}" presName="conn2-1" presStyleLbl="parChTrans1D3" presStyleIdx="5" presStyleCnt="6"/>
+      <dgm:prSet presAssocID="{34BA7352-87DE-4732-B31B-1FD922C73A77}" presName="conn2-1" presStyleLbl="parChTrans1D3" presStyleIdx="5" presStyleCnt="7"/>
       <dgm:spPr/>
       <dgm:t>
         <a:bodyPr/>
@@ -4336,7 +4589,7 @@
       </dgm:t>
     </dgm:pt>
     <dgm:pt modelId="{D32DAE26-EC1D-4A3B-8540-F531A24C017B}" type="pres">
-      <dgm:prSet presAssocID="{34BA7352-87DE-4732-B31B-1FD922C73A77}" presName="connTx" presStyleLbl="parChTrans1D3" presStyleIdx="5" presStyleCnt="6"/>
+      <dgm:prSet presAssocID="{34BA7352-87DE-4732-B31B-1FD922C73A77}" presName="connTx" presStyleLbl="parChTrans1D3" presStyleIdx="5" presStyleCnt="7"/>
       <dgm:spPr/>
       <dgm:t>
         <a:bodyPr/>
@@ -4351,7 +4604,7 @@
       <dgm:spPr/>
     </dgm:pt>
     <dgm:pt modelId="{65806DB4-3C57-44C6-9E99-3719E74524CB}" type="pres">
-      <dgm:prSet presAssocID="{148CC171-61CA-47CA-BB93-0F1A6E7F547F}" presName="LevelTwoTextNode" presStyleLbl="node3" presStyleIdx="5" presStyleCnt="6">
+      <dgm:prSet presAssocID="{148CC171-61CA-47CA-BB93-0F1A6E7F547F}" presName="LevelTwoTextNode" presStyleLbl="node3" presStyleIdx="5" presStyleCnt="7">
         <dgm:presLayoutVars>
           <dgm:chPref val="3"/>
         </dgm:presLayoutVars>
@@ -4369,47 +4622,96 @@
       <dgm:prSet presAssocID="{148CC171-61CA-47CA-BB93-0F1A6E7F547F}" presName="level3hierChild" presStyleCnt="0"/>
       <dgm:spPr/>
     </dgm:pt>
+    <dgm:pt modelId="{7471EE1C-875C-8940-89C6-7CE0261AE55B}" type="pres">
+      <dgm:prSet presAssocID="{0379D3EA-B7A2-1640-A6AB-318820B58748}" presName="conn2-1" presStyleLbl="parChTrans1D3" presStyleIdx="6" presStyleCnt="7"/>
+      <dgm:spPr/>
+      <dgm:t>
+        <a:bodyPr/>
+        <a:lstStyle/>
+        <a:p>
+          <a:endParaRPr lang="zh-CN" altLang="en-US"/>
+        </a:p>
+      </dgm:t>
+    </dgm:pt>
+    <dgm:pt modelId="{B6A66DEE-4C89-9B4A-A296-469536302C8F}" type="pres">
+      <dgm:prSet presAssocID="{0379D3EA-B7A2-1640-A6AB-318820B58748}" presName="connTx" presStyleLbl="parChTrans1D3" presStyleIdx="6" presStyleCnt="7"/>
+      <dgm:spPr/>
+      <dgm:t>
+        <a:bodyPr/>
+        <a:lstStyle/>
+        <a:p>
+          <a:endParaRPr lang="zh-CN" altLang="en-US"/>
+        </a:p>
+      </dgm:t>
+    </dgm:pt>
+    <dgm:pt modelId="{224E1916-5990-4B4F-84A8-BCAB6C6DA2F2}" type="pres">
+      <dgm:prSet presAssocID="{0A0B25DB-0B1C-D341-8E51-16E10C97A530}" presName="root2" presStyleCnt="0"/>
+      <dgm:spPr/>
+    </dgm:pt>
+    <dgm:pt modelId="{09EE6E93-0F6D-404B-B174-A8A7E621E1BF}" type="pres">
+      <dgm:prSet presAssocID="{0A0B25DB-0B1C-D341-8E51-16E10C97A530}" presName="LevelTwoTextNode" presStyleLbl="node3" presStyleIdx="6" presStyleCnt="7">
+        <dgm:presLayoutVars>
+          <dgm:chPref val="3"/>
+        </dgm:presLayoutVars>
+      </dgm:prSet>
+      <dgm:spPr/>
+      <dgm:t>
+        <a:bodyPr/>
+        <a:lstStyle/>
+        <a:p>
+          <a:endParaRPr lang="zh-CN" altLang="en-US"/>
+        </a:p>
+      </dgm:t>
+    </dgm:pt>
+    <dgm:pt modelId="{2BA6D1A2-9664-1748-9CD1-883DB8601FB3}" type="pres">
+      <dgm:prSet presAssocID="{0A0B25DB-0B1C-D341-8E51-16E10C97A530}" presName="level3hierChild" presStyleCnt="0"/>
+      <dgm:spPr/>
+    </dgm:pt>
   </dgm:ptLst>
   <dgm:cxnLst>
-    <dgm:cxn modelId="{065E23A0-6CCE-4257-905C-24A67790D73B}" type="presOf" srcId="{31866414-3852-42F5-A3A9-0A2F7C6CA260}" destId="{21FEDBC0-F0AC-4E2E-9AB8-913C3BCB0A1C}" srcOrd="0" destOrd="0" presId="urn:microsoft.com/office/officeart/2005/8/layout/hierarchy2"/>
+    <dgm:cxn modelId="{D7FE203B-12B7-451A-926D-27F98E02D656}" type="presOf" srcId="{D0EAC203-063A-4311-968F-EED9F59FD54D}" destId="{84254D9F-0DE8-4CD5-8255-C4F0E77AE9E0}" srcOrd="0" destOrd="0" presId="urn:microsoft.com/office/officeart/2005/8/layout/hierarchy2"/>
+    <dgm:cxn modelId="{7C7021AC-19E9-4B7D-ACFD-994442C7ADC0}" type="presOf" srcId="{EEB75CAA-7EE8-4760-AAE2-8333ED33900F}" destId="{DE909B79-761E-4C45-82BF-BC85B50F5031}" srcOrd="0" destOrd="0" presId="urn:microsoft.com/office/officeart/2005/8/layout/hierarchy2"/>
+    <dgm:cxn modelId="{D8527524-3426-418C-8982-787584B4CA2C}" type="presOf" srcId="{B1CD8EE1-A4FD-4464-85E6-457AE68A8A64}" destId="{2DBF9A3F-0ED9-42A9-A983-CFD99ADAD0AB}" srcOrd="0" destOrd="0" presId="urn:microsoft.com/office/officeart/2005/8/layout/hierarchy2"/>
+    <dgm:cxn modelId="{AE355367-B333-4F46-8C51-3CCAC4A962B2}" srcId="{F28EB8CE-2410-479C-BA6B-4804B915C455}" destId="{C46CF4C9-5A23-461A-B0A4-BF03F57C78C1}" srcOrd="0" destOrd="0" parTransId="{90C70E97-F55A-46F4-900A-4E13B866C5B8}" sibTransId="{465468C5-AE6D-4CC6-AE2A-E5207DA6FC1D}"/>
+    <dgm:cxn modelId="{EBD66CCD-2783-4B8E-ACA4-FB108B97E009}" type="presOf" srcId="{555229B9-E3E5-4A0A-9B71-4DFD80E1A840}" destId="{2E2C8185-AC1B-45C0-841F-D50293761017}" srcOrd="0" destOrd="0" presId="urn:microsoft.com/office/officeart/2005/8/layout/hierarchy2"/>
+    <dgm:cxn modelId="{166ACB94-4F76-481C-8025-69B12E914AD6}" type="presOf" srcId="{CDF68E8A-6D04-45B7-B908-CDA179C95474}" destId="{6BBE356C-44E2-4EA1-A2C1-D397DAB2F98A}" srcOrd="0" destOrd="0" presId="urn:microsoft.com/office/officeart/2005/8/layout/hierarchy2"/>
+    <dgm:cxn modelId="{2795656C-B7FF-40F5-9372-672B3CDDC27F}" srcId="{C46CF4C9-5A23-461A-B0A4-BF03F57C78C1}" destId="{D27B3116-DBA0-4E68-B557-3458C04ACDE8}" srcOrd="0" destOrd="0" parTransId="{0ED33224-F226-464E-A5E0-D042E71DBFC8}" sibTransId="{589C607C-CE67-4BBF-B539-AF66793EDA89}"/>
+    <dgm:cxn modelId="{E2C2BC58-26E5-4209-980D-266AD507A23F}" type="presOf" srcId="{059F67E2-6A1B-4B99-87EC-F3509078745E}" destId="{61121029-B26B-47D5-9F30-DE78F817C0A7}" srcOrd="1" destOrd="0" presId="urn:microsoft.com/office/officeart/2005/8/layout/hierarchy2"/>
     <dgm:cxn modelId="{F08DA906-6D43-4F76-A1DA-F43803A01155}" srcId="{C46CF4C9-5A23-461A-B0A4-BF03F57C78C1}" destId="{31866414-3852-42F5-A3A9-0A2F7C6CA260}" srcOrd="2" destOrd="0" parTransId="{490EE5C6-5C8A-4A0D-B30B-5BD429D6D018}" sibTransId="{D5D857D2-A6D0-4DC6-9DD8-1142AA9D443C}"/>
-    <dgm:cxn modelId="{2795656C-B7FF-40F5-9372-672B3CDDC27F}" srcId="{C46CF4C9-5A23-461A-B0A4-BF03F57C78C1}" destId="{D27B3116-DBA0-4E68-B557-3458C04ACDE8}" srcOrd="0" destOrd="0" parTransId="{0ED33224-F226-464E-A5E0-D042E71DBFC8}" sibTransId="{589C607C-CE67-4BBF-B539-AF66793EDA89}"/>
-    <dgm:cxn modelId="{163B5256-8F73-4EFC-BA47-7BFE33C0CB60}" type="presOf" srcId="{F28EB8CE-2410-479C-BA6B-4804B915C455}" destId="{23DD5818-0EF9-4C10-B33F-EB53FD3309D1}" srcOrd="0" destOrd="0" presId="urn:microsoft.com/office/officeart/2005/8/layout/hierarchy2"/>
-    <dgm:cxn modelId="{166ACB94-4F76-481C-8025-69B12E914AD6}" type="presOf" srcId="{CDF68E8A-6D04-45B7-B908-CDA179C95474}" destId="{6BBE356C-44E2-4EA1-A2C1-D397DAB2F98A}" srcOrd="0" destOrd="0" presId="urn:microsoft.com/office/officeart/2005/8/layout/hierarchy2"/>
-    <dgm:cxn modelId="{D8527524-3426-418C-8982-787584B4CA2C}" type="presOf" srcId="{B1CD8EE1-A4FD-4464-85E6-457AE68A8A64}" destId="{2DBF9A3F-0ED9-42A9-A983-CFD99ADAD0AB}" srcOrd="0" destOrd="0" presId="urn:microsoft.com/office/officeart/2005/8/layout/hierarchy2"/>
+    <dgm:cxn modelId="{95D84F1D-04BD-4C4C-A4B8-96797C2268C4}" type="presOf" srcId="{22561B8C-2105-4B6B-8B5C-E0040F4A8B18}" destId="{C5D1B19A-2617-4DA1-B46A-C7811F1168E8}" srcOrd="0" destOrd="0" presId="urn:microsoft.com/office/officeart/2005/8/layout/hierarchy2"/>
+    <dgm:cxn modelId="{F275A95F-D3F8-F843-81EC-1A94AA253A65}" type="presOf" srcId="{0379D3EA-B7A2-1640-A6AB-318820B58748}" destId="{7471EE1C-875C-8940-89C6-7CE0261AE55B}" srcOrd="0" destOrd="0" presId="urn:microsoft.com/office/officeart/2005/8/layout/hierarchy2"/>
+    <dgm:cxn modelId="{2E1FDC89-4010-4F27-BE58-C55FF8F462C9}" type="presOf" srcId="{22561B8C-2105-4B6B-8B5C-E0040F4A8B18}" destId="{90BAEA75-515C-43FD-ADC8-31854B27F0EF}" srcOrd="1" destOrd="0" presId="urn:microsoft.com/office/officeart/2005/8/layout/hierarchy2"/>
+    <dgm:cxn modelId="{B6C9718E-0FDD-4BF7-8651-D6BA7DBDEA61}" type="presOf" srcId="{34BA7352-87DE-4732-B31B-1FD922C73A77}" destId="{D32DAE26-EC1D-4A3B-8540-F531A24C017B}" srcOrd="1" destOrd="0" presId="urn:microsoft.com/office/officeart/2005/8/layout/hierarchy2"/>
+    <dgm:cxn modelId="{534911A5-7CC5-4F72-9609-5E7BD0F9E3F4}" type="presOf" srcId="{EEB75CAA-7EE8-4760-AAE2-8333ED33900F}" destId="{78389106-9AE4-4BAA-BC35-AF098A35BAD0}" srcOrd="1" destOrd="0" presId="urn:microsoft.com/office/officeart/2005/8/layout/hierarchy2"/>
+    <dgm:cxn modelId="{49809C5F-05B6-4CDD-8B35-CE486489A768}" type="presOf" srcId="{490EE5C6-5C8A-4A0D-B30B-5BD429D6D018}" destId="{0294FCED-1AA5-4D67-888E-A34813BD2D50}" srcOrd="0" destOrd="0" presId="urn:microsoft.com/office/officeart/2005/8/layout/hierarchy2"/>
+    <dgm:cxn modelId="{56704E07-49E0-4282-B1DE-8CF9B27B8B44}" type="presOf" srcId="{C46CF4C9-5A23-461A-B0A4-BF03F57C78C1}" destId="{77D5B7ED-7ACC-4DCE-A020-FEFCF15028ED}" srcOrd="0" destOrd="0" presId="urn:microsoft.com/office/officeart/2005/8/layout/hierarchy2"/>
+    <dgm:cxn modelId="{FEBD51C4-5DC6-C54E-A24E-0A5D205D478F}" type="presOf" srcId="{0A0B25DB-0B1C-D341-8E51-16E10C97A530}" destId="{09EE6E93-0F6D-404B-B174-A8A7E621E1BF}" srcOrd="0" destOrd="0" presId="urn:microsoft.com/office/officeart/2005/8/layout/hierarchy2"/>
+    <dgm:cxn modelId="{86413404-0D57-4C2F-93BF-A3F18E79BA0B}" srcId="{B1CD8EE1-A4FD-4464-85E6-457AE68A8A64}" destId="{BE8CAC62-4C1D-4FDA-B630-0F768E668AAB}" srcOrd="0" destOrd="0" parTransId="{059F67E2-6A1B-4B99-87EC-F3509078745E}" sibTransId="{9F658719-21FE-46D6-B567-596919D53033}"/>
+    <dgm:cxn modelId="{A889EA2D-AB49-4BB5-8230-C2F60A377BE3}" srcId="{31866414-3852-42F5-A3A9-0A2F7C6CA260}" destId="{6CF78995-2C8C-4C8F-BD5D-B2194B46319F}" srcOrd="0" destOrd="0" parTransId="{CDF68E8A-6D04-45B7-B908-CDA179C95474}" sibTransId="{62DDD5DE-6A03-48CF-949F-473B4B504303}"/>
+    <dgm:cxn modelId="{56B7A27A-A08C-4DBE-844F-AD2D6131E6EC}" type="presOf" srcId="{D27B3116-DBA0-4E68-B557-3458C04ACDE8}" destId="{CFAF3A27-0351-4D9D-9792-07531DB192BF}" srcOrd="0" destOrd="0" presId="urn:microsoft.com/office/officeart/2005/8/layout/hierarchy2"/>
+    <dgm:cxn modelId="{7F305FB0-8277-A841-A3E6-E63C425C93DA}" type="presOf" srcId="{0379D3EA-B7A2-1640-A6AB-318820B58748}" destId="{B6A66DEE-4C89-9B4A-A296-469536302C8F}" srcOrd="1" destOrd="0" presId="urn:microsoft.com/office/officeart/2005/8/layout/hierarchy2"/>
+    <dgm:cxn modelId="{8EDF5F98-0097-4D7E-A259-FE5A7A216B76}" type="presOf" srcId="{490EE5C6-5C8A-4A0D-B30B-5BD429D6D018}" destId="{15F331F8-586E-4C56-92BE-97B6EE36CF3B}" srcOrd="1" destOrd="0" presId="urn:microsoft.com/office/officeart/2005/8/layout/hierarchy2"/>
+    <dgm:cxn modelId="{F1A9FD1A-9396-46E9-ADF0-765E075980FF}" type="presOf" srcId="{6CF78995-2C8C-4C8F-BD5D-B2194B46319F}" destId="{AF7DBF4C-44AB-4FB5-B5AA-65ECDE244D90}" srcOrd="0" destOrd="0" presId="urn:microsoft.com/office/officeart/2005/8/layout/hierarchy2"/>
     <dgm:cxn modelId="{263121A4-982D-4EEA-8142-3AAD6E785DA7}" srcId="{D27B3116-DBA0-4E68-B557-3458C04ACDE8}" destId="{D0EAC203-063A-4311-968F-EED9F59FD54D}" srcOrd="1" destOrd="0" parTransId="{67DA4A99-C335-4A6A-8916-A460B0FF28E9}" sibTransId="{A2B6DB6C-DB61-4D10-9BC3-D9D540185A89}"/>
     <dgm:cxn modelId="{97B0DDEF-4AB3-4569-89B6-3FCC674D2D84}" srcId="{C46CF4C9-5A23-461A-B0A4-BF03F57C78C1}" destId="{B1CD8EE1-A4FD-4464-85E6-457AE68A8A64}" srcOrd="1" destOrd="0" parTransId="{C30D17B8-077F-4673-AE43-AB4AAF661BC6}" sibTransId="{6F899129-A997-4949-A508-A8B1CAAFA01E}"/>
-    <dgm:cxn modelId="{49809C5F-05B6-4CDD-8B35-CE486489A768}" type="presOf" srcId="{490EE5C6-5C8A-4A0D-B30B-5BD429D6D018}" destId="{0294FCED-1AA5-4D67-888E-A34813BD2D50}" srcOrd="0" destOrd="0" presId="urn:microsoft.com/office/officeart/2005/8/layout/hierarchy2"/>
-    <dgm:cxn modelId="{86413404-0D57-4C2F-93BF-A3F18E79BA0B}" srcId="{B1CD8EE1-A4FD-4464-85E6-457AE68A8A64}" destId="{BE8CAC62-4C1D-4FDA-B630-0F768E668AAB}" srcOrd="0" destOrd="0" parTransId="{059F67E2-6A1B-4B99-87EC-F3509078745E}" sibTransId="{9F658719-21FE-46D6-B567-596919D53033}"/>
+    <dgm:cxn modelId="{1807BF2E-7ED3-4E74-8E0A-66877EB41035}" type="presOf" srcId="{0ED33224-F226-464E-A5E0-D042E71DBFC8}" destId="{659DDC93-9E17-4433-A6B7-07AD065A2B1F}" srcOrd="1" destOrd="0" presId="urn:microsoft.com/office/officeart/2005/8/layout/hierarchy2"/>
+    <dgm:cxn modelId="{4C9E7966-85EB-47B2-8A03-DB4552378AC7}" type="presOf" srcId="{C2D45287-F70D-485C-BE21-23775AAC2269}" destId="{025AF68A-F2D0-40A7-BC96-D3E2EC6F7344}" srcOrd="0" destOrd="0" presId="urn:microsoft.com/office/officeart/2005/8/layout/hierarchy2"/>
+    <dgm:cxn modelId="{FD109041-DE8F-4A5B-928B-672A31DB8246}" type="presOf" srcId="{059F67E2-6A1B-4B99-87EC-F3509078745E}" destId="{367C2107-8A65-4CAB-B9DA-C15A4076C114}" srcOrd="0" destOrd="0" presId="urn:microsoft.com/office/officeart/2005/8/layout/hierarchy2"/>
+    <dgm:cxn modelId="{1312A6E9-A679-4887-8220-15D21C194F48}" type="presOf" srcId="{C30D17B8-077F-4673-AE43-AB4AAF661BC6}" destId="{D4CFCE08-54C0-45F9-8763-05D8B2A8EDEF}" srcOrd="0" destOrd="0" presId="urn:microsoft.com/office/officeart/2005/8/layout/hierarchy2"/>
+    <dgm:cxn modelId="{D064A6FB-1B95-4CE4-ACF3-886A947682DF}" type="presOf" srcId="{34BA7352-87DE-4732-B31B-1FD922C73A77}" destId="{EF881A6E-79C2-46F6-B3F8-AB0BE84C7A0D}" srcOrd="0" destOrd="0" presId="urn:microsoft.com/office/officeart/2005/8/layout/hierarchy2"/>
+    <dgm:cxn modelId="{AAB43634-2BE0-4B4F-98E0-0506A4FF82CB}" type="presOf" srcId="{67DA4A99-C335-4A6A-8916-A460B0FF28E9}" destId="{74B71DF4-14D3-4084-8F0D-A08B51ECBCC1}" srcOrd="1" destOrd="0" presId="urn:microsoft.com/office/officeart/2005/8/layout/hierarchy2"/>
+    <dgm:cxn modelId="{89857FA6-3B34-46FD-AF5E-9591CC8F3B24}" type="presOf" srcId="{0ED33224-F226-464E-A5E0-D042E71DBFC8}" destId="{3BD51468-9745-4803-A8D0-22A7618B1535}" srcOrd="0" destOrd="0" presId="urn:microsoft.com/office/officeart/2005/8/layout/hierarchy2"/>
     <dgm:cxn modelId="{732FA4A8-3AD6-4FE9-840A-0EA047854A01}" type="presOf" srcId="{BE8CAC62-4C1D-4FDA-B630-0F768E668AAB}" destId="{FC1D8B7F-D034-49D7-BFAD-9FBFEAC847B8}" srcOrd="0" destOrd="0" presId="urn:microsoft.com/office/officeart/2005/8/layout/hierarchy2"/>
-    <dgm:cxn modelId="{534911A5-7CC5-4F72-9609-5E7BD0F9E3F4}" type="presOf" srcId="{EEB75CAA-7EE8-4760-AAE2-8333ED33900F}" destId="{78389106-9AE4-4BAA-BC35-AF098A35BAD0}" srcOrd="1" destOrd="0" presId="urn:microsoft.com/office/officeart/2005/8/layout/hierarchy2"/>
-    <dgm:cxn modelId="{A889EA2D-AB49-4BB5-8230-C2F60A377BE3}" srcId="{31866414-3852-42F5-A3A9-0A2F7C6CA260}" destId="{6CF78995-2C8C-4C8F-BD5D-B2194B46319F}" srcOrd="0" destOrd="0" parTransId="{CDF68E8A-6D04-45B7-B908-CDA179C95474}" sibTransId="{62DDD5DE-6A03-48CF-949F-473B4B504303}"/>
-    <dgm:cxn modelId="{56B7A27A-A08C-4DBE-844F-AD2D6131E6EC}" type="presOf" srcId="{D27B3116-DBA0-4E68-B557-3458C04ACDE8}" destId="{CFAF3A27-0351-4D9D-9792-07531DB192BF}" srcOrd="0" destOrd="0" presId="urn:microsoft.com/office/officeart/2005/8/layout/hierarchy2"/>
-    <dgm:cxn modelId="{AE355367-B333-4F46-8C51-3CCAC4A962B2}" srcId="{F28EB8CE-2410-479C-BA6B-4804B915C455}" destId="{C46CF4C9-5A23-461A-B0A4-BF03F57C78C1}" srcOrd="0" destOrd="0" parTransId="{90C70E97-F55A-46F4-900A-4E13B866C5B8}" sibTransId="{465468C5-AE6D-4CC6-AE2A-E5207DA6FC1D}"/>
-    <dgm:cxn modelId="{1312A6E9-A679-4887-8220-15D21C194F48}" type="presOf" srcId="{C30D17B8-077F-4673-AE43-AB4AAF661BC6}" destId="{D4CFCE08-54C0-45F9-8763-05D8B2A8EDEF}" srcOrd="0" destOrd="0" presId="urn:microsoft.com/office/officeart/2005/8/layout/hierarchy2"/>
-    <dgm:cxn modelId="{95D84F1D-04BD-4C4C-A4B8-96797C2268C4}" type="presOf" srcId="{22561B8C-2105-4B6B-8B5C-E0040F4A8B18}" destId="{C5D1B19A-2617-4DA1-B46A-C7811F1168E8}" srcOrd="0" destOrd="0" presId="urn:microsoft.com/office/officeart/2005/8/layout/hierarchy2"/>
-    <dgm:cxn modelId="{EBD66CCD-2783-4B8E-ACA4-FB108B97E009}" type="presOf" srcId="{555229B9-E3E5-4A0A-9B71-4DFD80E1A840}" destId="{2E2C8185-AC1B-45C0-841F-D50293761017}" srcOrd="0" destOrd="0" presId="urn:microsoft.com/office/officeart/2005/8/layout/hierarchy2"/>
-    <dgm:cxn modelId="{1807BF2E-7ED3-4E74-8E0A-66877EB41035}" type="presOf" srcId="{0ED33224-F226-464E-A5E0-D042E71DBFC8}" destId="{659DDC93-9E17-4433-A6B7-07AD065A2B1F}" srcOrd="1" destOrd="0" presId="urn:microsoft.com/office/officeart/2005/8/layout/hierarchy2"/>
-    <dgm:cxn modelId="{56704E07-49E0-4282-B1DE-8CF9B27B8B44}" type="presOf" srcId="{C46CF4C9-5A23-461A-B0A4-BF03F57C78C1}" destId="{77D5B7ED-7ACC-4DCE-A020-FEFCF15028ED}" srcOrd="0" destOrd="0" presId="urn:microsoft.com/office/officeart/2005/8/layout/hierarchy2"/>
-    <dgm:cxn modelId="{F1A9FD1A-9396-46E9-ADF0-765E075980FF}" type="presOf" srcId="{6CF78995-2C8C-4C8F-BD5D-B2194B46319F}" destId="{AF7DBF4C-44AB-4FB5-B5AA-65ECDE244D90}" srcOrd="0" destOrd="0" presId="urn:microsoft.com/office/officeart/2005/8/layout/hierarchy2"/>
-    <dgm:cxn modelId="{FD109041-DE8F-4A5B-928B-672A31DB8246}" type="presOf" srcId="{059F67E2-6A1B-4B99-87EC-F3509078745E}" destId="{367C2107-8A65-4CAB-B9DA-C15A4076C114}" srcOrd="0" destOrd="0" presId="urn:microsoft.com/office/officeart/2005/8/layout/hierarchy2"/>
-    <dgm:cxn modelId="{7C7021AC-19E9-4B7D-ACFD-994442C7ADC0}" type="presOf" srcId="{EEB75CAA-7EE8-4760-AAE2-8333ED33900F}" destId="{DE909B79-761E-4C45-82BF-BC85B50F5031}" srcOrd="0" destOrd="0" presId="urn:microsoft.com/office/officeart/2005/8/layout/hierarchy2"/>
-    <dgm:cxn modelId="{2E1FDC89-4010-4F27-BE58-C55FF8F462C9}" type="presOf" srcId="{22561B8C-2105-4B6B-8B5C-E0040F4A8B18}" destId="{90BAEA75-515C-43FD-ADC8-31854B27F0EF}" srcOrd="1" destOrd="0" presId="urn:microsoft.com/office/officeart/2005/8/layout/hierarchy2"/>
+    <dgm:cxn modelId="{279D90C4-203C-D449-96FD-0DC899BE60CD}" srcId="{31866414-3852-42F5-A3A9-0A2F7C6CA260}" destId="{0A0B25DB-0B1C-D341-8E51-16E10C97A530}" srcOrd="2" destOrd="0" parTransId="{0379D3EA-B7A2-1640-A6AB-318820B58748}" sibTransId="{A92663A8-D818-6242-81DB-7642B91F015A}"/>
     <dgm:cxn modelId="{89D90458-AE09-4624-A5E2-8877E64E5268}" srcId="{31866414-3852-42F5-A3A9-0A2F7C6CA260}" destId="{148CC171-61CA-47CA-BB93-0F1A6E7F547F}" srcOrd="1" destOrd="0" parTransId="{34BA7352-87DE-4732-B31B-1FD922C73A77}" sibTransId="{2A0AAAB2-D05E-4A2C-BEBF-02E31BEE7F8D}"/>
-    <dgm:cxn modelId="{D7FE203B-12B7-451A-926D-27F98E02D656}" type="presOf" srcId="{D0EAC203-063A-4311-968F-EED9F59FD54D}" destId="{84254D9F-0DE8-4CD5-8255-C4F0E77AE9E0}" srcOrd="0" destOrd="0" presId="urn:microsoft.com/office/officeart/2005/8/layout/hierarchy2"/>
+    <dgm:cxn modelId="{5EE195E3-12AA-4046-953E-86B23FD02DBB}" type="presOf" srcId="{148CC171-61CA-47CA-BB93-0F1A6E7F547F}" destId="{65806DB4-3C57-44C6-9E99-3719E74524CB}" srcOrd="0" destOrd="0" presId="urn:microsoft.com/office/officeart/2005/8/layout/hierarchy2"/>
+    <dgm:cxn modelId="{592078B9-331B-44A1-8602-5F4F7F9C7B98}" type="presOf" srcId="{67DA4A99-C335-4A6A-8916-A460B0FF28E9}" destId="{6F571075-BADD-44D6-A8FD-E2A7E2857B94}" srcOrd="0" destOrd="0" presId="urn:microsoft.com/office/officeart/2005/8/layout/hierarchy2"/>
+    <dgm:cxn modelId="{A84E7875-C8F7-4CB8-8641-2D25F27203B3}" type="presOf" srcId="{CDF68E8A-6D04-45B7-B908-CDA179C95474}" destId="{54B193FE-EBBA-47C3-92C5-A96269AFFDC4}" srcOrd="1" destOrd="0" presId="urn:microsoft.com/office/officeart/2005/8/layout/hierarchy2"/>
     <dgm:cxn modelId="{AE3B8D10-F3F6-4249-A8CD-EA3854647D1E}" srcId="{B1CD8EE1-A4FD-4464-85E6-457AE68A8A64}" destId="{555229B9-E3E5-4A0A-9B71-4DFD80E1A840}" srcOrd="1" destOrd="0" parTransId="{EEB75CAA-7EE8-4760-AAE2-8333ED33900F}" sibTransId="{DA0F27B8-4B65-4172-96EB-B0858A7CC43B}"/>
-    <dgm:cxn modelId="{A84E7875-C8F7-4CB8-8641-2D25F27203B3}" type="presOf" srcId="{CDF68E8A-6D04-45B7-B908-CDA179C95474}" destId="{54B193FE-EBBA-47C3-92C5-A96269AFFDC4}" srcOrd="1" destOrd="0" presId="urn:microsoft.com/office/officeart/2005/8/layout/hierarchy2"/>
-    <dgm:cxn modelId="{4C9E7966-85EB-47B2-8A03-DB4552378AC7}" type="presOf" srcId="{C2D45287-F70D-485C-BE21-23775AAC2269}" destId="{025AF68A-F2D0-40A7-BC96-D3E2EC6F7344}" srcOrd="0" destOrd="0" presId="urn:microsoft.com/office/officeart/2005/8/layout/hierarchy2"/>
-    <dgm:cxn modelId="{5EE195E3-12AA-4046-953E-86B23FD02DBB}" type="presOf" srcId="{148CC171-61CA-47CA-BB93-0F1A6E7F547F}" destId="{65806DB4-3C57-44C6-9E99-3719E74524CB}" srcOrd="0" destOrd="0" presId="urn:microsoft.com/office/officeart/2005/8/layout/hierarchy2"/>
-    <dgm:cxn modelId="{E2C2BC58-26E5-4209-980D-266AD507A23F}" type="presOf" srcId="{059F67E2-6A1B-4B99-87EC-F3509078745E}" destId="{61121029-B26B-47D5-9F30-DE78F817C0A7}" srcOrd="1" destOrd="0" presId="urn:microsoft.com/office/officeart/2005/8/layout/hierarchy2"/>
-    <dgm:cxn modelId="{592078B9-331B-44A1-8602-5F4F7F9C7B98}" type="presOf" srcId="{67DA4A99-C335-4A6A-8916-A460B0FF28E9}" destId="{6F571075-BADD-44D6-A8FD-E2A7E2857B94}" srcOrd="0" destOrd="0" presId="urn:microsoft.com/office/officeart/2005/8/layout/hierarchy2"/>
-    <dgm:cxn modelId="{D064A6FB-1B95-4CE4-ACF3-886A947682DF}" type="presOf" srcId="{34BA7352-87DE-4732-B31B-1FD922C73A77}" destId="{EF881A6E-79C2-46F6-B3F8-AB0BE84C7A0D}" srcOrd="0" destOrd="0" presId="urn:microsoft.com/office/officeart/2005/8/layout/hierarchy2"/>
     <dgm:cxn modelId="{E7B5EB87-D67F-4B2C-8139-FB2A5B812642}" type="presOf" srcId="{C30D17B8-077F-4673-AE43-AB4AAF661BC6}" destId="{4786D4B9-7781-44F9-A225-BC074EF64FF6}" srcOrd="1" destOrd="0" presId="urn:microsoft.com/office/officeart/2005/8/layout/hierarchy2"/>
-    <dgm:cxn modelId="{B6C9718E-0FDD-4BF7-8651-D6BA7DBDEA61}" type="presOf" srcId="{34BA7352-87DE-4732-B31B-1FD922C73A77}" destId="{D32DAE26-EC1D-4A3B-8540-F531A24C017B}" srcOrd="1" destOrd="0" presId="urn:microsoft.com/office/officeart/2005/8/layout/hierarchy2"/>
-    <dgm:cxn modelId="{8EDF5F98-0097-4D7E-A259-FE5A7A216B76}" type="presOf" srcId="{490EE5C6-5C8A-4A0D-B30B-5BD429D6D018}" destId="{15F331F8-586E-4C56-92BE-97B6EE36CF3B}" srcOrd="1" destOrd="0" presId="urn:microsoft.com/office/officeart/2005/8/layout/hierarchy2"/>
-    <dgm:cxn modelId="{AAB43634-2BE0-4B4F-98E0-0506A4FF82CB}" type="presOf" srcId="{67DA4A99-C335-4A6A-8916-A460B0FF28E9}" destId="{74B71DF4-14D3-4084-8F0D-A08B51ECBCC1}" srcOrd="1" destOrd="0" presId="urn:microsoft.com/office/officeart/2005/8/layout/hierarchy2"/>
     <dgm:cxn modelId="{68C0DA1E-AD38-40DA-8E8D-1FEB595D7433}" srcId="{D27B3116-DBA0-4E68-B557-3458C04ACDE8}" destId="{C2D45287-F70D-485C-BE21-23775AAC2269}" srcOrd="0" destOrd="0" parTransId="{22561B8C-2105-4B6B-8B5C-E0040F4A8B18}" sibTransId="{348C8826-6C0B-408F-B153-2C06A4EBDA23}"/>
-    <dgm:cxn modelId="{89857FA6-3B34-46FD-AF5E-9591CC8F3B24}" type="presOf" srcId="{0ED33224-F226-464E-A5E0-D042E71DBFC8}" destId="{3BD51468-9745-4803-A8D0-22A7618B1535}" srcOrd="0" destOrd="0" presId="urn:microsoft.com/office/officeart/2005/8/layout/hierarchy2"/>
+    <dgm:cxn modelId="{163B5256-8F73-4EFC-BA47-7BFE33C0CB60}" type="presOf" srcId="{F28EB8CE-2410-479C-BA6B-4804B915C455}" destId="{23DD5818-0EF9-4C10-B33F-EB53FD3309D1}" srcOrd="0" destOrd="0" presId="urn:microsoft.com/office/officeart/2005/8/layout/hierarchy2"/>
+    <dgm:cxn modelId="{065E23A0-6CCE-4257-905C-24A67790D73B}" type="presOf" srcId="{31866414-3852-42F5-A3A9-0A2F7C6CA260}" destId="{21FEDBC0-F0AC-4E2E-9AB8-913C3BCB0A1C}" srcOrd="0" destOrd="0" presId="urn:microsoft.com/office/officeart/2005/8/layout/hierarchy2"/>
     <dgm:cxn modelId="{315FD3ED-6BB2-470D-BC65-2CAF6EA1F909}" type="presParOf" srcId="{23DD5818-0EF9-4C10-B33F-EB53FD3309D1}" destId="{2A0D00F7-E055-4B08-AB7C-37A52B4462E4}" srcOrd="0" destOrd="0" presId="urn:microsoft.com/office/officeart/2005/8/layout/hierarchy2"/>
     <dgm:cxn modelId="{855CACDC-9E1F-412C-AF81-D8E388C83F9E}" type="presParOf" srcId="{2A0D00F7-E055-4B08-AB7C-37A52B4462E4}" destId="{77D5B7ED-7ACC-4DCE-A020-FEFCF15028ED}" srcOrd="0" destOrd="0" presId="urn:microsoft.com/office/officeart/2005/8/layout/hierarchy2"/>
     <dgm:cxn modelId="{07BC93BC-1DCB-4441-A77E-9AF695CE0334}" type="presParOf" srcId="{2A0D00F7-E055-4B08-AB7C-37A52B4462E4}" destId="{768B2257-FC3B-4644-A6E3-867AFA118043}" srcOrd="1" destOrd="0" presId="urn:microsoft.com/office/officeart/2005/8/layout/hierarchy2"/>
@@ -4458,6 +4760,11 @@
     <dgm:cxn modelId="{BCC9BA8C-D5AF-4BCC-8655-D83626F36DA7}" type="presParOf" srcId="{8769EA5F-B72B-429F-84A6-3373CC484200}" destId="{C98B7509-3BDB-4621-B61C-425524C0E3BC}" srcOrd="3" destOrd="0" presId="urn:microsoft.com/office/officeart/2005/8/layout/hierarchy2"/>
     <dgm:cxn modelId="{61215F91-A5E0-4DC1-8114-1DB20A6C41D7}" type="presParOf" srcId="{C98B7509-3BDB-4621-B61C-425524C0E3BC}" destId="{65806DB4-3C57-44C6-9E99-3719E74524CB}" srcOrd="0" destOrd="0" presId="urn:microsoft.com/office/officeart/2005/8/layout/hierarchy2"/>
     <dgm:cxn modelId="{BA3ABDD2-A39F-4A2A-B90D-3ABF06F044D0}" type="presParOf" srcId="{C98B7509-3BDB-4621-B61C-425524C0E3BC}" destId="{4457C2F6-0C6A-41B9-88FC-A0C753298C35}" srcOrd="1" destOrd="0" presId="urn:microsoft.com/office/officeart/2005/8/layout/hierarchy2"/>
+    <dgm:cxn modelId="{4C896D02-6D51-3749-94BB-5579BB14161C}" type="presParOf" srcId="{8769EA5F-B72B-429F-84A6-3373CC484200}" destId="{7471EE1C-875C-8940-89C6-7CE0261AE55B}" srcOrd="4" destOrd="0" presId="urn:microsoft.com/office/officeart/2005/8/layout/hierarchy2"/>
+    <dgm:cxn modelId="{12F4147F-D036-EA47-A637-5B49F4182785}" type="presParOf" srcId="{7471EE1C-875C-8940-89C6-7CE0261AE55B}" destId="{B6A66DEE-4C89-9B4A-A296-469536302C8F}" srcOrd="0" destOrd="0" presId="urn:microsoft.com/office/officeart/2005/8/layout/hierarchy2"/>
+    <dgm:cxn modelId="{F33F9690-A114-224F-B124-4D1A563F5604}" type="presParOf" srcId="{8769EA5F-B72B-429F-84A6-3373CC484200}" destId="{224E1916-5990-4B4F-84A8-BCAB6C6DA2F2}" srcOrd="5" destOrd="0" presId="urn:microsoft.com/office/officeart/2005/8/layout/hierarchy2"/>
+    <dgm:cxn modelId="{FE1134E9-1B79-C345-BF28-39CD98602AA4}" type="presParOf" srcId="{224E1916-5990-4B4F-84A8-BCAB6C6DA2F2}" destId="{09EE6E93-0F6D-404B-B174-A8A7E621E1BF}" srcOrd="0" destOrd="0" presId="urn:microsoft.com/office/officeart/2005/8/layout/hierarchy2"/>
+    <dgm:cxn modelId="{BF877195-B59E-A340-9C6F-4F8403C06A7A}" type="presParOf" srcId="{224E1916-5990-4B4F-84A8-BCAB6C6DA2F2}" destId="{2BA6D1A2-9664-1748-9CD1-883DB8601FB3}" srcOrd="1" destOrd="0" presId="urn:microsoft.com/office/officeart/2005/8/layout/hierarchy2"/>
   </dgm:cxnLst>
   <dgm:bg/>
   <dgm:whole/>
@@ -5547,7 +5854,7 @@
         </a:p>
       </dgm:t>
     </dgm:pt>
-    <dgm:pt modelId="{5A46540A-FBB8-4DB3-8FB2-5D3032AF2247}">
+    <dgm:pt modelId="{410646F1-70B3-473E-83CA-9BD2EF1773A6}">
       <dgm:prSet phldrT="[Text]"/>
       <dgm:spPr/>
       <dgm:t>
@@ -5555,23 +5862,15 @@
         <a:lstStyle/>
         <a:p>
           <a:r>
-            <a:rPr lang="en-US" dirty="0" smtClean="0"/>
-            <a:t>Uninterruptible</a:t>
+            <a:rPr lang="en-US" altLang="zh-CN" dirty="0" smtClean="0"/>
+            <a:t>Sleep time</a:t>
           </a:r>
-          <a:endParaRPr lang="en-US" dirty="0"/>
-        </a:p>
-      </dgm:t>
-    </dgm:pt>
-    <dgm:pt modelId="{410646F1-70B3-473E-83CA-9BD2EF1773A6}">
-      <dgm:prSet phldrT="[Text]"/>
-      <dgm:spPr/>
-      <dgm:t>
-        <a:bodyPr/>
-        <a:lstStyle/>
+          <a:endParaRPr lang="zh-CN" altLang="en-US" dirty="0" smtClean="0"/>
+        </a:p>
         <a:p>
           <a:r>
             <a:rPr lang="en-US" dirty="0" smtClean="0"/>
-            <a:t>Interruptible</a:t>
+            <a:t>(Interruptible)</a:t>
           </a:r>
           <a:endParaRPr lang="en-US" dirty="0"/>
         </a:p>
@@ -5604,28 +5903,6 @@
       </dgm:t>
     </dgm:pt>
     <dgm:pt modelId="{4FBF22AD-86E0-4C8C-8C10-B8401B2B9DA2}" type="parTrans" cxnId="{903DA9A0-2044-4F04-8934-3E9A754C1CC9}">
-      <dgm:prSet/>
-      <dgm:spPr/>
-      <dgm:t>
-        <a:bodyPr/>
-        <a:lstStyle/>
-        <a:p>
-          <a:endParaRPr lang="en-US"/>
-        </a:p>
-      </dgm:t>
-    </dgm:pt>
-    <dgm:pt modelId="{11E5C883-0FA9-4817-B163-F71DB91EA7F2}" type="sibTrans" cxnId="{632AB9E2-B1AF-49C8-8CB0-233CF4E2C809}">
-      <dgm:prSet/>
-      <dgm:spPr/>
-      <dgm:t>
-        <a:bodyPr/>
-        <a:lstStyle/>
-        <a:p>
-          <a:endParaRPr lang="en-US"/>
-        </a:p>
-      </dgm:t>
-    </dgm:pt>
-    <dgm:pt modelId="{8F7BF03A-BE5F-4B22-B886-0B816F77AF2E}" type="parTrans" cxnId="{632AB9E2-B1AF-49C8-8CB0-233CF4E2C809}">
       <dgm:prSet/>
       <dgm:spPr/>
       <dgm:t>
@@ -5701,92 +5978,6 @@
         </a:p>
       </dgm:t>
     </dgm:pt>
-    <dgm:pt modelId="{FD0029A8-9706-4D85-87E1-0A8304D9E400}">
-      <dgm:prSet phldrT="[Text]"/>
-      <dgm:spPr>
-        <a:solidFill>
-          <a:schemeClr val="accent2">
-            <a:lumMod val="75000"/>
-          </a:schemeClr>
-        </a:solidFill>
-      </dgm:spPr>
-      <dgm:t>
-        <a:bodyPr/>
-        <a:lstStyle/>
-        <a:p>
-          <a:r>
-            <a:rPr lang="en-US" dirty="0" smtClean="0"/>
-            <a:t>IO Wait</a:t>
-          </a:r>
-          <a:endParaRPr lang="en-US" dirty="0"/>
-        </a:p>
-      </dgm:t>
-    </dgm:pt>
-    <dgm:pt modelId="{42E06084-20DA-43A4-B611-14ABE65342D6}" type="parTrans" cxnId="{83735060-D925-455A-A94F-6CD7E33B8D5A}">
-      <dgm:prSet/>
-      <dgm:spPr/>
-      <dgm:t>
-        <a:bodyPr/>
-        <a:lstStyle/>
-        <a:p>
-          <a:endParaRPr lang="en-US"/>
-        </a:p>
-      </dgm:t>
-    </dgm:pt>
-    <dgm:pt modelId="{575767F8-7B2C-4E58-83B1-F90571A805AE}" type="sibTrans" cxnId="{83735060-D925-455A-A94F-6CD7E33B8D5A}">
-      <dgm:prSet/>
-      <dgm:spPr/>
-      <dgm:t>
-        <a:bodyPr/>
-        <a:lstStyle/>
-        <a:p>
-          <a:endParaRPr lang="en-US"/>
-        </a:p>
-      </dgm:t>
-    </dgm:pt>
-    <dgm:pt modelId="{F8194CBA-6B84-4B48-A01B-1E10945DEF51}">
-      <dgm:prSet phldrT="[Text]"/>
-      <dgm:spPr>
-        <a:solidFill>
-          <a:schemeClr val="accent2">
-            <a:lumMod val="75000"/>
-          </a:schemeClr>
-        </a:solidFill>
-      </dgm:spPr>
-      <dgm:t>
-        <a:bodyPr/>
-        <a:lstStyle/>
-        <a:p>
-          <a:r>
-            <a:rPr lang="en-US" dirty="0" smtClean="0"/>
-            <a:t>Wait an event</a:t>
-          </a:r>
-          <a:endParaRPr lang="en-US" dirty="0"/>
-        </a:p>
-      </dgm:t>
-    </dgm:pt>
-    <dgm:pt modelId="{AD0FAF41-789D-4333-ADD0-65B37329A672}" type="parTrans" cxnId="{22748063-14DA-40B6-8732-EB03C0FD9D74}">
-      <dgm:prSet/>
-      <dgm:spPr/>
-      <dgm:t>
-        <a:bodyPr/>
-        <a:lstStyle/>
-        <a:p>
-          <a:endParaRPr lang="en-US"/>
-        </a:p>
-      </dgm:t>
-    </dgm:pt>
-    <dgm:pt modelId="{52D315AA-A3BE-4FF1-8265-9DD70E927F85}" type="sibTrans" cxnId="{22748063-14DA-40B6-8732-EB03C0FD9D74}">
-      <dgm:prSet/>
-      <dgm:spPr/>
-      <dgm:t>
-        <a:bodyPr/>
-        <a:lstStyle/>
-        <a:p>
-          <a:endParaRPr lang="en-US"/>
-        </a:p>
-      </dgm:t>
-    </dgm:pt>
     <dgm:pt modelId="{78E3C6E5-1189-48A4-8C82-97167C251662}">
       <dgm:prSet phldrT="[Text]"/>
       <dgm:spPr>
@@ -5830,7 +6021,51 @@
         </a:p>
       </dgm:t>
     </dgm:pt>
-    <dgm:pt modelId="{CC515C50-6B01-4AA0-BB34-B0E50BCE85F6}">
+    <dgm:pt modelId="{B8987993-151A-3B49-9850-2B74746731B9}">
+      <dgm:prSet phldrT="[Text]"/>
+      <dgm:spPr/>
+      <dgm:t>
+        <a:bodyPr/>
+        <a:lstStyle/>
+        <a:p>
+          <a:r>
+            <a:rPr lang="en-US" altLang="zh-CN" dirty="0" smtClean="0"/>
+            <a:t>Block time</a:t>
+          </a:r>
+          <a:endParaRPr lang="zh-CN" altLang="en-US" dirty="0" smtClean="0"/>
+        </a:p>
+        <a:p>
+          <a:r>
+            <a:rPr lang="en-US" dirty="0" smtClean="0"/>
+            <a:t>(Uninterruptible)</a:t>
+          </a:r>
+          <a:endParaRPr lang="en-US" dirty="0"/>
+        </a:p>
+      </dgm:t>
+    </dgm:pt>
+    <dgm:pt modelId="{4191AA77-B6F8-334A-963C-3D81B70CAF68}" type="parTrans" cxnId="{A9F42BA4-893C-424A-AB3E-1D6A6D1C75E2}">
+      <dgm:prSet/>
+      <dgm:spPr/>
+      <dgm:t>
+        <a:bodyPr/>
+        <a:lstStyle/>
+        <a:p>
+          <a:endParaRPr lang="zh-CN" altLang="en-US"/>
+        </a:p>
+      </dgm:t>
+    </dgm:pt>
+    <dgm:pt modelId="{485D3D51-1121-4847-A063-615FB8BA6499}" type="sibTrans" cxnId="{A9F42BA4-893C-424A-AB3E-1D6A6D1C75E2}">
+      <dgm:prSet/>
+      <dgm:spPr/>
+      <dgm:t>
+        <a:bodyPr/>
+        <a:lstStyle/>
+        <a:p>
+          <a:endParaRPr lang="zh-CN" altLang="en-US"/>
+        </a:p>
+      </dgm:t>
+    </dgm:pt>
+    <dgm:pt modelId="{AD17FF02-CCBD-0649-BBE1-8AFE217AC998}">
       <dgm:prSet phldrT="[Text]"/>
       <dgm:spPr>
         <a:solidFill>
@@ -5845,31 +6080,227 @@
         <a:p>
           <a:r>
             <a:rPr lang="en-US" dirty="0" smtClean="0"/>
+            <a:t>IO Wait</a:t>
+          </a:r>
+          <a:endParaRPr lang="en-US" dirty="0"/>
+        </a:p>
+      </dgm:t>
+    </dgm:pt>
+    <dgm:pt modelId="{44B85734-7BAB-0E41-A2B7-46860956B8EE}" type="parTrans" cxnId="{86EDF046-5C30-5446-A205-E28DEB5E0ED0}">
+      <dgm:prSet/>
+      <dgm:spPr/>
+      <dgm:t>
+        <a:bodyPr/>
+        <a:lstStyle/>
+        <a:p>
+          <a:endParaRPr lang="zh-CN" altLang="en-US"/>
+        </a:p>
+      </dgm:t>
+    </dgm:pt>
+    <dgm:pt modelId="{68B14B5E-02CC-C149-9DA6-E57E222584CC}" type="sibTrans" cxnId="{86EDF046-5C30-5446-A205-E28DEB5E0ED0}">
+      <dgm:prSet/>
+      <dgm:spPr/>
+      <dgm:t>
+        <a:bodyPr/>
+        <a:lstStyle/>
+        <a:p>
+          <a:endParaRPr lang="zh-CN" altLang="en-US"/>
+        </a:p>
+      </dgm:t>
+    </dgm:pt>
+    <dgm:pt modelId="{8C068BBE-672D-3742-A527-07B9CE023CEE}">
+      <dgm:prSet phldrT="[Text]"/>
+      <dgm:spPr>
+        <a:solidFill>
+          <a:schemeClr val="accent2">
+            <a:lumMod val="75000"/>
+          </a:schemeClr>
+        </a:solidFill>
+      </dgm:spPr>
+      <dgm:t>
+        <a:bodyPr/>
+        <a:lstStyle/>
+        <a:p>
+          <a:r>
+            <a:rPr lang="en-US" dirty="0" smtClean="0"/>
             <a:t>Lock contention</a:t>
           </a:r>
           <a:endParaRPr lang="en-US" dirty="0"/>
         </a:p>
       </dgm:t>
     </dgm:pt>
-    <dgm:pt modelId="{2B8019D1-0783-444A-ACD2-D1CC30816D03}" type="parTrans" cxnId="{E0DCD37B-9BD2-4DFA-8915-BB0294CCA9D2}">
+    <dgm:pt modelId="{E91A79E2-A60F-7848-B104-FB73C456E4D5}" type="parTrans" cxnId="{37D967DD-ED44-404F-A33A-667DD8624AE8}">
       <dgm:prSet/>
       <dgm:spPr/>
       <dgm:t>
         <a:bodyPr/>
         <a:lstStyle/>
         <a:p>
-          <a:endParaRPr lang="en-US"/>
+          <a:endParaRPr lang="zh-CN" altLang="en-US"/>
         </a:p>
       </dgm:t>
     </dgm:pt>
-    <dgm:pt modelId="{317CED35-FCDA-4C4A-BA05-82992FFCDB2D}" type="sibTrans" cxnId="{E0DCD37B-9BD2-4DFA-8915-BB0294CCA9D2}">
+    <dgm:pt modelId="{319B434B-FDE9-354B-B51F-F2EF31CBAA06}" type="sibTrans" cxnId="{37D967DD-ED44-404F-A33A-667DD8624AE8}">
       <dgm:prSet/>
       <dgm:spPr/>
       <dgm:t>
         <a:bodyPr/>
         <a:lstStyle/>
         <a:p>
-          <a:endParaRPr lang="en-US"/>
+          <a:endParaRPr lang="zh-CN" altLang="en-US"/>
+        </a:p>
+      </dgm:t>
+    </dgm:pt>
+    <dgm:pt modelId="{3BE123AF-AF1D-3A44-988B-5878B1657A51}">
+      <dgm:prSet phldrT="[Text]"/>
+      <dgm:spPr>
+        <a:solidFill>
+          <a:schemeClr val="accent2">
+            <a:lumMod val="75000"/>
+          </a:schemeClr>
+        </a:solidFill>
+      </dgm:spPr>
+      <dgm:t>
+        <a:bodyPr/>
+        <a:lstStyle/>
+        <a:p>
+          <a:r>
+            <a:rPr lang="en-US" dirty="0" smtClean="0"/>
+            <a:t>Wait an event</a:t>
+          </a:r>
+          <a:endParaRPr lang="en-US" dirty="0"/>
+        </a:p>
+      </dgm:t>
+    </dgm:pt>
+    <dgm:pt modelId="{F790A851-624C-984C-87E7-D751495FC90B}" type="parTrans" cxnId="{14551C7F-64E7-2E4B-AD31-87D9E68C9C10}">
+      <dgm:prSet/>
+      <dgm:spPr/>
+      <dgm:t>
+        <a:bodyPr/>
+        <a:lstStyle/>
+        <a:p>
+          <a:endParaRPr lang="zh-CN" altLang="en-US"/>
+        </a:p>
+      </dgm:t>
+    </dgm:pt>
+    <dgm:pt modelId="{0DFCC085-3B72-FC45-B183-7C0B99B3744B}" type="sibTrans" cxnId="{14551C7F-64E7-2E4B-AD31-87D9E68C9C10}">
+      <dgm:prSet/>
+      <dgm:spPr/>
+      <dgm:t>
+        <a:bodyPr/>
+        <a:lstStyle/>
+        <a:p>
+          <a:endParaRPr lang="zh-CN" altLang="en-US"/>
+        </a:p>
+      </dgm:t>
+    </dgm:pt>
+    <dgm:pt modelId="{70FFB723-A19F-8C44-B541-0E0BF91B3685}">
+      <dgm:prSet phldrT="[Text]"/>
+      <dgm:spPr>
+        <a:solidFill>
+          <a:schemeClr val="accent2">
+            <a:lumMod val="75000"/>
+          </a:schemeClr>
+        </a:solidFill>
+      </dgm:spPr>
+      <dgm:t>
+        <a:bodyPr/>
+        <a:lstStyle/>
+        <a:p>
+          <a:r>
+            <a:rPr lang="en-US" altLang="zh-CN" dirty="0" smtClean="0"/>
+            <a:t>Memory</a:t>
+          </a:r>
+          <a:r>
+            <a:rPr lang="zh-CN" altLang="en-US" dirty="0" smtClean="0"/>
+            <a:t> </a:t>
+          </a:r>
+          <a:r>
+            <a:rPr lang="en-US" altLang="zh-CN" dirty="0" smtClean="0"/>
+            <a:t>Pressure</a:t>
+          </a:r>
+          <a:endParaRPr lang="en-US" dirty="0"/>
+        </a:p>
+      </dgm:t>
+    </dgm:pt>
+    <dgm:pt modelId="{E657174B-E1E2-4B46-9D6D-AD2235721530}" type="parTrans" cxnId="{AB7AADD6-6F9A-654C-8EC2-E774BCEA5479}">
+      <dgm:prSet/>
+      <dgm:spPr/>
+      <dgm:t>
+        <a:bodyPr/>
+        <a:lstStyle/>
+        <a:p>
+          <a:endParaRPr lang="zh-CN" altLang="en-US"/>
+        </a:p>
+      </dgm:t>
+    </dgm:pt>
+    <dgm:pt modelId="{74E69C97-BDCF-BA4F-A02E-56EFC872EE07}" type="sibTrans" cxnId="{AB7AADD6-6F9A-654C-8EC2-E774BCEA5479}">
+      <dgm:prSet/>
+      <dgm:spPr/>
+      <dgm:t>
+        <a:bodyPr/>
+        <a:lstStyle/>
+        <a:p>
+          <a:endParaRPr lang="zh-CN" altLang="en-US"/>
+        </a:p>
+      </dgm:t>
+    </dgm:pt>
+    <dgm:pt modelId="{150C400C-8750-D647-9B96-3C0C481B47D2}">
+      <dgm:prSet phldrT="[Text]"/>
+      <dgm:spPr>
+        <a:solidFill>
+          <a:schemeClr val="accent2">
+            <a:lumMod val="75000"/>
+          </a:schemeClr>
+        </a:solidFill>
+      </dgm:spPr>
+      <dgm:t>
+        <a:bodyPr/>
+        <a:lstStyle/>
+        <a:p>
+          <a:r>
+            <a:rPr lang="en-US" altLang="zh-CN" dirty="0" smtClean="0"/>
+            <a:t>Disk</a:t>
+          </a:r>
+          <a:r>
+            <a:rPr lang="zh-CN" altLang="en-US" dirty="0" smtClean="0"/>
+            <a:t> </a:t>
+          </a:r>
+          <a:r>
+            <a:rPr lang="en-US" altLang="zh-CN" dirty="0" smtClean="0"/>
+            <a:t>IO</a:t>
+          </a:r>
+          <a:r>
+            <a:rPr lang="zh-CN" altLang="en-US" dirty="0" smtClean="0"/>
+            <a:t> </a:t>
+          </a:r>
+          <a:r>
+            <a:rPr lang="en-US" altLang="zh-CN" dirty="0" smtClean="0"/>
+            <a:t>Pressure</a:t>
+          </a:r>
+          <a:endParaRPr lang="en-US" dirty="0"/>
+        </a:p>
+      </dgm:t>
+    </dgm:pt>
+    <dgm:pt modelId="{C6E5B99F-0090-7746-9C5F-5999EA1B7465}" type="parTrans" cxnId="{9114F7D6-DC59-A84F-8C14-4494BFCF8937}">
+      <dgm:prSet/>
+      <dgm:spPr/>
+      <dgm:t>
+        <a:bodyPr/>
+        <a:lstStyle/>
+        <a:p>
+          <a:endParaRPr lang="zh-CN" altLang="en-US"/>
+        </a:p>
+      </dgm:t>
+    </dgm:pt>
+    <dgm:pt modelId="{985A07DB-1DD2-A34F-9F4F-4BFF5E7C70FB}" type="sibTrans" cxnId="{9114F7D6-DC59-A84F-8C14-4494BFCF8937}">
+      <dgm:prSet/>
+      <dgm:spPr/>
+      <dgm:t>
+        <a:bodyPr/>
+        <a:lstStyle/>
+        <a:p>
+          <a:endParaRPr lang="zh-CN" altLang="en-US"/>
         </a:p>
       </dgm:t>
     </dgm:pt>
@@ -5915,34 +6346,34 @@
       <dgm:prSet presAssocID="{6E3AD7B0-8215-4D61-ABCB-562CF9909AD1}" presName="level2hierChild" presStyleCnt="0"/>
       <dgm:spPr/>
     </dgm:pt>
-    <dgm:pt modelId="{22A0D473-2D2C-4751-9053-60186FA8FF15}" type="pres">
-      <dgm:prSet presAssocID="{6C07907D-435D-49AF-B872-595FA102E149}" presName="conn2-1" presStyleLbl="parChTrans1D2" presStyleIdx="0" presStyleCnt="2"/>
+    <dgm:pt modelId="{6B9363EB-7948-F34F-BF1E-44E3039B838D}" type="pres">
+      <dgm:prSet presAssocID="{4191AA77-B6F8-334A-963C-3D81B70CAF68}" presName="conn2-1" presStyleLbl="parChTrans1D2" presStyleIdx="0" presStyleCnt="2"/>
       <dgm:spPr/>
       <dgm:t>
         <a:bodyPr/>
         <a:lstStyle/>
         <a:p>
-          <a:endParaRPr lang="en-US"/>
+          <a:endParaRPr lang="zh-CN" altLang="en-US"/>
         </a:p>
       </dgm:t>
     </dgm:pt>
-    <dgm:pt modelId="{F82F6AB9-CED6-46E2-A6F4-D0BD300D3AD4}" type="pres">
-      <dgm:prSet presAssocID="{6C07907D-435D-49AF-B872-595FA102E149}" presName="connTx" presStyleLbl="parChTrans1D2" presStyleIdx="0" presStyleCnt="2"/>
+    <dgm:pt modelId="{3E132D62-E9AA-7C4C-8A0C-D9B98C8B7DA5}" type="pres">
+      <dgm:prSet presAssocID="{4191AA77-B6F8-334A-963C-3D81B70CAF68}" presName="connTx" presStyleLbl="parChTrans1D2" presStyleIdx="0" presStyleCnt="2"/>
       <dgm:spPr/>
       <dgm:t>
         <a:bodyPr/>
         <a:lstStyle/>
         <a:p>
-          <a:endParaRPr lang="en-US"/>
+          <a:endParaRPr lang="zh-CN" altLang="en-US"/>
         </a:p>
       </dgm:t>
     </dgm:pt>
-    <dgm:pt modelId="{745ACD0A-9BF9-4BC7-8F2B-69501A892131}" type="pres">
-      <dgm:prSet presAssocID="{410646F1-70B3-473E-83CA-9BD2EF1773A6}" presName="root2" presStyleCnt="0"/>
-      <dgm:spPr/>
-    </dgm:pt>
-    <dgm:pt modelId="{4749729A-D121-4BBF-98CE-48CA10C2FAE2}" type="pres">
-      <dgm:prSet presAssocID="{410646F1-70B3-473E-83CA-9BD2EF1773A6}" presName="LevelTwoTextNode" presStyleLbl="node2" presStyleIdx="0" presStyleCnt="2">
+    <dgm:pt modelId="{18923C2C-2635-1741-8669-FBDBD4022F65}" type="pres">
+      <dgm:prSet presAssocID="{B8987993-151A-3B49-9850-2B74746731B9}" presName="root2" presStyleCnt="0"/>
+      <dgm:spPr/>
+    </dgm:pt>
+    <dgm:pt modelId="{FE0B6EC9-F1BC-6C47-8583-594A6D82CD37}" type="pres">
+      <dgm:prSet presAssocID="{B8987993-151A-3B49-9850-2B74746731B9}" presName="LevelTwoTextNode" presStyleLbl="node2" presStyleIdx="0" presStyleCnt="2">
         <dgm:presLayoutVars>
           <dgm:chPref val="3"/>
         </dgm:presLayoutVars>
@@ -5952,42 +6383,42 @@
         <a:bodyPr/>
         <a:lstStyle/>
         <a:p>
-          <a:endParaRPr lang="en-US"/>
+          <a:endParaRPr lang="zh-CN" altLang="en-US"/>
         </a:p>
       </dgm:t>
     </dgm:pt>
-    <dgm:pt modelId="{19EA20D8-DE8B-4B72-AC3D-A48DF48D5430}" type="pres">
-      <dgm:prSet presAssocID="{410646F1-70B3-473E-83CA-9BD2EF1773A6}" presName="level3hierChild" presStyleCnt="0"/>
-      <dgm:spPr/>
-    </dgm:pt>
-    <dgm:pt modelId="{90028366-DC65-48F5-AA66-BC9322AAE176}" type="pres">
-      <dgm:prSet presAssocID="{22DDA589-6ACC-4F23-B735-9362EB7128BC}" presName="conn2-1" presStyleLbl="parChTrans1D3" presStyleIdx="0" presStyleCnt="5"/>
+    <dgm:pt modelId="{E96E0F35-F4D5-6940-B477-7C754C1EA3AD}" type="pres">
+      <dgm:prSet presAssocID="{B8987993-151A-3B49-9850-2B74746731B9}" presName="level3hierChild" presStyleCnt="0"/>
+      <dgm:spPr/>
+    </dgm:pt>
+    <dgm:pt modelId="{F88AE255-BCD3-5D46-969E-DCD806380A57}" type="pres">
+      <dgm:prSet presAssocID="{44B85734-7BAB-0E41-A2B7-46860956B8EE}" presName="conn2-1" presStyleLbl="parChTrans1D3" presStyleIdx="0" presStyleCnt="5"/>
       <dgm:spPr/>
       <dgm:t>
         <a:bodyPr/>
         <a:lstStyle/>
         <a:p>
-          <a:endParaRPr lang="en-US"/>
+          <a:endParaRPr lang="zh-CN" altLang="en-US"/>
         </a:p>
       </dgm:t>
     </dgm:pt>
-    <dgm:pt modelId="{D6FA7AB1-0387-4E6E-9F58-7D972CCCC5FF}" type="pres">
-      <dgm:prSet presAssocID="{22DDA589-6ACC-4F23-B735-9362EB7128BC}" presName="connTx" presStyleLbl="parChTrans1D3" presStyleIdx="0" presStyleCnt="5"/>
+    <dgm:pt modelId="{B0DC831E-C05A-B547-B879-42FB406190AF}" type="pres">
+      <dgm:prSet presAssocID="{44B85734-7BAB-0E41-A2B7-46860956B8EE}" presName="connTx" presStyleLbl="parChTrans1D3" presStyleIdx="0" presStyleCnt="5"/>
       <dgm:spPr/>
       <dgm:t>
         <a:bodyPr/>
         <a:lstStyle/>
         <a:p>
-          <a:endParaRPr lang="en-US"/>
+          <a:endParaRPr lang="zh-CN" altLang="en-US"/>
         </a:p>
       </dgm:t>
     </dgm:pt>
-    <dgm:pt modelId="{7A88C59A-D761-44ED-924E-04CB48C62084}" type="pres">
-      <dgm:prSet presAssocID="{78E3C6E5-1189-48A4-8C82-97167C251662}" presName="root2" presStyleCnt="0"/>
-      <dgm:spPr/>
-    </dgm:pt>
-    <dgm:pt modelId="{D86F7B4D-7DE6-4216-B966-BF26033ABF4D}" type="pres">
-      <dgm:prSet presAssocID="{78E3C6E5-1189-48A4-8C82-97167C251662}" presName="LevelTwoTextNode" presStyleLbl="node3" presStyleIdx="0" presStyleCnt="5">
+    <dgm:pt modelId="{D9B6D75C-8875-7347-8CA8-0F4C0376108E}" type="pres">
+      <dgm:prSet presAssocID="{AD17FF02-CCBD-0649-BBE1-8AFE217AC998}" presName="root2" presStyleCnt="0"/>
+      <dgm:spPr/>
+    </dgm:pt>
+    <dgm:pt modelId="{0631C909-C124-5C43-AFDD-D4465BC236C0}" type="pres">
+      <dgm:prSet presAssocID="{AD17FF02-CCBD-0649-BBE1-8AFE217AC998}" presName="LevelTwoTextNode" presStyleLbl="node3" presStyleIdx="0" presStyleCnt="5">
         <dgm:presLayoutVars>
           <dgm:chPref val="3"/>
         </dgm:presLayoutVars>
@@ -5997,42 +6428,42 @@
         <a:bodyPr/>
         <a:lstStyle/>
         <a:p>
-          <a:endParaRPr lang="en-US"/>
+          <a:endParaRPr lang="zh-CN" altLang="en-US"/>
         </a:p>
       </dgm:t>
     </dgm:pt>
-    <dgm:pt modelId="{F0F5CA16-7B72-459B-9AD1-6E9AF80ACDAB}" type="pres">
-      <dgm:prSet presAssocID="{78E3C6E5-1189-48A4-8C82-97167C251662}" presName="level3hierChild" presStyleCnt="0"/>
-      <dgm:spPr/>
-    </dgm:pt>
-    <dgm:pt modelId="{82A18488-1057-427A-8AC0-513CF80E92AA}" type="pres">
-      <dgm:prSet presAssocID="{2B23A72D-B090-404C-B416-15A406382F27}" presName="conn2-1" presStyleLbl="parChTrans1D3" presStyleIdx="1" presStyleCnt="5"/>
+    <dgm:pt modelId="{0CCAAE81-1AD0-9542-85D9-D67FE79F8099}" type="pres">
+      <dgm:prSet presAssocID="{AD17FF02-CCBD-0649-BBE1-8AFE217AC998}" presName="level3hierChild" presStyleCnt="0"/>
+      <dgm:spPr/>
+    </dgm:pt>
+    <dgm:pt modelId="{D8708AFE-ACEC-634A-A8C9-9E6950027C6A}" type="pres">
+      <dgm:prSet presAssocID="{E657174B-E1E2-4B46-9D6D-AD2235721530}" presName="conn2-1" presStyleLbl="parChTrans1D4" presStyleIdx="0" presStyleCnt="2"/>
       <dgm:spPr/>
       <dgm:t>
         <a:bodyPr/>
         <a:lstStyle/>
         <a:p>
-          <a:endParaRPr lang="en-US"/>
+          <a:endParaRPr lang="zh-CN" altLang="en-US"/>
         </a:p>
       </dgm:t>
     </dgm:pt>
-    <dgm:pt modelId="{BA32E82C-6FF4-4BF5-8494-2553A24A00EE}" type="pres">
-      <dgm:prSet presAssocID="{2B23A72D-B090-404C-B416-15A406382F27}" presName="connTx" presStyleLbl="parChTrans1D3" presStyleIdx="1" presStyleCnt="5"/>
+    <dgm:pt modelId="{5EB967F3-F20F-394C-859E-E98E8CC46CE0}" type="pres">
+      <dgm:prSet presAssocID="{E657174B-E1E2-4B46-9D6D-AD2235721530}" presName="connTx" presStyleLbl="parChTrans1D4" presStyleIdx="0" presStyleCnt="2"/>
       <dgm:spPr/>
       <dgm:t>
         <a:bodyPr/>
         <a:lstStyle/>
         <a:p>
-          <a:endParaRPr lang="en-US"/>
+          <a:endParaRPr lang="zh-CN" altLang="en-US"/>
         </a:p>
       </dgm:t>
     </dgm:pt>
-    <dgm:pt modelId="{46BB0B3C-299E-49EA-9A98-42C9AAC5956A}" type="pres">
-      <dgm:prSet presAssocID="{3D3F7DC5-C8FA-4F5C-99E3-C63CCB89EE5B}" presName="root2" presStyleCnt="0"/>
-      <dgm:spPr/>
-    </dgm:pt>
-    <dgm:pt modelId="{4817CED8-EB4C-45B4-A3D5-6CA858B48CE6}" type="pres">
-      <dgm:prSet presAssocID="{3D3F7DC5-C8FA-4F5C-99E3-C63CCB89EE5B}" presName="LevelTwoTextNode" presStyleLbl="node3" presStyleIdx="1" presStyleCnt="5">
+    <dgm:pt modelId="{C04819CE-C46A-8B4C-BFAE-E6C6F4D1A641}" type="pres">
+      <dgm:prSet presAssocID="{70FFB723-A19F-8C44-B541-0E0BF91B3685}" presName="root2" presStyleCnt="0"/>
+      <dgm:spPr/>
+    </dgm:pt>
+    <dgm:pt modelId="{6C5AF935-9CBC-364D-8050-687E4CB708DD}" type="pres">
+      <dgm:prSet presAssocID="{70FFB723-A19F-8C44-B541-0E0BF91B3685}" presName="LevelTwoTextNode" presStyleLbl="node4" presStyleIdx="0" presStyleCnt="2">
         <dgm:presLayoutVars>
           <dgm:chPref val="3"/>
         </dgm:presLayoutVars>
@@ -6042,42 +6473,42 @@
         <a:bodyPr/>
         <a:lstStyle/>
         <a:p>
-          <a:endParaRPr lang="en-US"/>
+          <a:endParaRPr lang="zh-CN" altLang="en-US"/>
         </a:p>
       </dgm:t>
     </dgm:pt>
-    <dgm:pt modelId="{B46E5B98-3BD1-487F-B66F-EB686A7919F2}" type="pres">
-      <dgm:prSet presAssocID="{3D3F7DC5-C8FA-4F5C-99E3-C63CCB89EE5B}" presName="level3hierChild" presStyleCnt="0"/>
-      <dgm:spPr/>
-    </dgm:pt>
-    <dgm:pt modelId="{E5DDBAD3-14EC-41FA-8503-8E186AB1BA1C}" type="pres">
-      <dgm:prSet presAssocID="{8F7BF03A-BE5F-4B22-B886-0B816F77AF2E}" presName="conn2-1" presStyleLbl="parChTrans1D2" presStyleIdx="1" presStyleCnt="2"/>
+    <dgm:pt modelId="{DE685E8D-5C63-0B4D-B112-7DA4A14C5953}" type="pres">
+      <dgm:prSet presAssocID="{70FFB723-A19F-8C44-B541-0E0BF91B3685}" presName="level3hierChild" presStyleCnt="0"/>
+      <dgm:spPr/>
+    </dgm:pt>
+    <dgm:pt modelId="{72C0C2EF-2F17-B64D-9319-36E59198B271}" type="pres">
+      <dgm:prSet presAssocID="{C6E5B99F-0090-7746-9C5F-5999EA1B7465}" presName="conn2-1" presStyleLbl="parChTrans1D4" presStyleIdx="1" presStyleCnt="2"/>
       <dgm:spPr/>
       <dgm:t>
         <a:bodyPr/>
         <a:lstStyle/>
         <a:p>
-          <a:endParaRPr lang="en-US"/>
+          <a:endParaRPr lang="zh-CN" altLang="en-US"/>
         </a:p>
       </dgm:t>
     </dgm:pt>
-    <dgm:pt modelId="{AD898438-E19F-4702-85EF-57C7414B0525}" type="pres">
-      <dgm:prSet presAssocID="{8F7BF03A-BE5F-4B22-B886-0B816F77AF2E}" presName="connTx" presStyleLbl="parChTrans1D2" presStyleIdx="1" presStyleCnt="2"/>
+    <dgm:pt modelId="{31D4D5DF-2044-D142-88ED-6055A9D3E542}" type="pres">
+      <dgm:prSet presAssocID="{C6E5B99F-0090-7746-9C5F-5999EA1B7465}" presName="connTx" presStyleLbl="parChTrans1D4" presStyleIdx="1" presStyleCnt="2"/>
       <dgm:spPr/>
       <dgm:t>
         <a:bodyPr/>
         <a:lstStyle/>
         <a:p>
-          <a:endParaRPr lang="en-US"/>
+          <a:endParaRPr lang="zh-CN" altLang="en-US"/>
         </a:p>
       </dgm:t>
     </dgm:pt>
-    <dgm:pt modelId="{ADD346C2-D9B6-4461-A835-54B2A3D72D19}" type="pres">
-      <dgm:prSet presAssocID="{5A46540A-FBB8-4DB3-8FB2-5D3032AF2247}" presName="root2" presStyleCnt="0"/>
-      <dgm:spPr/>
-    </dgm:pt>
-    <dgm:pt modelId="{92800B67-239D-4522-8267-E3E01FE8D2E7}" type="pres">
-      <dgm:prSet presAssocID="{5A46540A-FBB8-4DB3-8FB2-5D3032AF2247}" presName="LevelTwoTextNode" presStyleLbl="node2" presStyleIdx="1" presStyleCnt="2">
+    <dgm:pt modelId="{9BEAD450-347D-7E48-9F81-A62D723C27EB}" type="pres">
+      <dgm:prSet presAssocID="{150C400C-8750-D647-9B96-3C0C481B47D2}" presName="root2" presStyleCnt="0"/>
+      <dgm:spPr/>
+    </dgm:pt>
+    <dgm:pt modelId="{53DBB290-46A4-354F-A6D5-8096E6E903F5}" type="pres">
+      <dgm:prSet presAssocID="{150C400C-8750-D647-9B96-3C0C481B47D2}" presName="LevelTwoTextNode" presStyleLbl="node4" presStyleIdx="1" presStyleCnt="2">
         <dgm:presLayoutVars>
           <dgm:chPref val="3"/>
         </dgm:presLayoutVars>
@@ -6087,42 +6518,42 @@
         <a:bodyPr/>
         <a:lstStyle/>
         <a:p>
-          <a:endParaRPr lang="en-US"/>
+          <a:endParaRPr lang="zh-CN" altLang="en-US"/>
         </a:p>
       </dgm:t>
     </dgm:pt>
-    <dgm:pt modelId="{3BBD6BEA-AED3-4400-9076-F9E1D81B2DFF}" type="pres">
-      <dgm:prSet presAssocID="{5A46540A-FBB8-4DB3-8FB2-5D3032AF2247}" presName="level3hierChild" presStyleCnt="0"/>
-      <dgm:spPr/>
-    </dgm:pt>
-    <dgm:pt modelId="{3042C2B1-53C5-4A68-AE0E-698A73DCC7BE}" type="pres">
-      <dgm:prSet presAssocID="{42E06084-20DA-43A4-B611-14ABE65342D6}" presName="conn2-1" presStyleLbl="parChTrans1D3" presStyleIdx="2" presStyleCnt="5"/>
+    <dgm:pt modelId="{CA6567D1-39A0-A049-8019-979490879AB5}" type="pres">
+      <dgm:prSet presAssocID="{150C400C-8750-D647-9B96-3C0C481B47D2}" presName="level3hierChild" presStyleCnt="0"/>
+      <dgm:spPr/>
+    </dgm:pt>
+    <dgm:pt modelId="{5468245B-3736-C64C-BFB4-7E45693BEDE3}" type="pres">
+      <dgm:prSet presAssocID="{E91A79E2-A60F-7848-B104-FB73C456E4D5}" presName="conn2-1" presStyleLbl="parChTrans1D3" presStyleIdx="1" presStyleCnt="5"/>
       <dgm:spPr/>
       <dgm:t>
         <a:bodyPr/>
         <a:lstStyle/>
         <a:p>
-          <a:endParaRPr lang="en-US"/>
+          <a:endParaRPr lang="zh-CN" altLang="en-US"/>
         </a:p>
       </dgm:t>
     </dgm:pt>
-    <dgm:pt modelId="{4EA53F5E-2286-4DC6-A257-DD00B8176891}" type="pres">
-      <dgm:prSet presAssocID="{42E06084-20DA-43A4-B611-14ABE65342D6}" presName="connTx" presStyleLbl="parChTrans1D3" presStyleIdx="2" presStyleCnt="5"/>
+    <dgm:pt modelId="{3D572281-173E-A342-8635-7B6861FB9328}" type="pres">
+      <dgm:prSet presAssocID="{E91A79E2-A60F-7848-B104-FB73C456E4D5}" presName="connTx" presStyleLbl="parChTrans1D3" presStyleIdx="1" presStyleCnt="5"/>
       <dgm:spPr/>
       <dgm:t>
         <a:bodyPr/>
         <a:lstStyle/>
         <a:p>
-          <a:endParaRPr lang="en-US"/>
+          <a:endParaRPr lang="zh-CN" altLang="en-US"/>
         </a:p>
       </dgm:t>
     </dgm:pt>
-    <dgm:pt modelId="{0A51825A-7F21-480C-954F-B67F7535128C}" type="pres">
-      <dgm:prSet presAssocID="{FD0029A8-9706-4D85-87E1-0A8304D9E400}" presName="root2" presStyleCnt="0"/>
-      <dgm:spPr/>
-    </dgm:pt>
-    <dgm:pt modelId="{0F801627-69FE-4E10-B3FE-2DD93FFE0049}" type="pres">
-      <dgm:prSet presAssocID="{FD0029A8-9706-4D85-87E1-0A8304D9E400}" presName="LevelTwoTextNode" presStyleLbl="node3" presStyleIdx="2" presStyleCnt="5">
+    <dgm:pt modelId="{30719FE1-D463-D845-A94D-A5565A260E25}" type="pres">
+      <dgm:prSet presAssocID="{8C068BBE-672D-3742-A527-07B9CE023CEE}" presName="root2" presStyleCnt="0"/>
+      <dgm:spPr/>
+    </dgm:pt>
+    <dgm:pt modelId="{EADB709B-B6C4-3943-98DA-576F545A4668}" type="pres">
+      <dgm:prSet presAssocID="{8C068BBE-672D-3742-A527-07B9CE023CEE}" presName="LevelTwoTextNode" presStyleLbl="node3" presStyleIdx="1" presStyleCnt="5">
         <dgm:presLayoutVars>
           <dgm:chPref val="3"/>
         </dgm:presLayoutVars>
@@ -6132,42 +6563,42 @@
         <a:bodyPr/>
         <a:lstStyle/>
         <a:p>
-          <a:endParaRPr lang="en-US"/>
+          <a:endParaRPr lang="zh-CN" altLang="en-US"/>
         </a:p>
       </dgm:t>
     </dgm:pt>
-    <dgm:pt modelId="{8197D22C-1560-4338-A187-D9E88311EABB}" type="pres">
-      <dgm:prSet presAssocID="{FD0029A8-9706-4D85-87E1-0A8304D9E400}" presName="level3hierChild" presStyleCnt="0"/>
-      <dgm:spPr/>
-    </dgm:pt>
-    <dgm:pt modelId="{816138AD-8A73-4F90-853A-7ACD8216A1B2}" type="pres">
-      <dgm:prSet presAssocID="{2B8019D1-0783-444A-ACD2-D1CC30816D03}" presName="conn2-1" presStyleLbl="parChTrans1D3" presStyleIdx="3" presStyleCnt="5"/>
+    <dgm:pt modelId="{8A2106AC-AF7D-DD48-9547-7B8EB29B9BA8}" type="pres">
+      <dgm:prSet presAssocID="{8C068BBE-672D-3742-A527-07B9CE023CEE}" presName="level3hierChild" presStyleCnt="0"/>
+      <dgm:spPr/>
+    </dgm:pt>
+    <dgm:pt modelId="{E76A51DA-143A-264F-9801-9A52C63FCB97}" type="pres">
+      <dgm:prSet presAssocID="{F790A851-624C-984C-87E7-D751495FC90B}" presName="conn2-1" presStyleLbl="parChTrans1D3" presStyleIdx="2" presStyleCnt="5"/>
       <dgm:spPr/>
       <dgm:t>
         <a:bodyPr/>
         <a:lstStyle/>
         <a:p>
-          <a:endParaRPr lang="en-US"/>
+          <a:endParaRPr lang="zh-CN" altLang="en-US"/>
         </a:p>
       </dgm:t>
     </dgm:pt>
-    <dgm:pt modelId="{11AF5A8E-F246-464E-AAFA-0944DE4A3585}" type="pres">
-      <dgm:prSet presAssocID="{2B8019D1-0783-444A-ACD2-D1CC30816D03}" presName="connTx" presStyleLbl="parChTrans1D3" presStyleIdx="3" presStyleCnt="5"/>
+    <dgm:pt modelId="{97AB2268-0251-8A4D-80FE-0206C1F8FD49}" type="pres">
+      <dgm:prSet presAssocID="{F790A851-624C-984C-87E7-D751495FC90B}" presName="connTx" presStyleLbl="parChTrans1D3" presStyleIdx="2" presStyleCnt="5"/>
       <dgm:spPr/>
       <dgm:t>
         <a:bodyPr/>
         <a:lstStyle/>
         <a:p>
-          <a:endParaRPr lang="en-US"/>
+          <a:endParaRPr lang="zh-CN" altLang="en-US"/>
         </a:p>
       </dgm:t>
     </dgm:pt>
-    <dgm:pt modelId="{C9C02764-5D1E-4A31-BF75-8DD985B3E0BF}" type="pres">
-      <dgm:prSet presAssocID="{CC515C50-6B01-4AA0-BB34-B0E50BCE85F6}" presName="root2" presStyleCnt="0"/>
-      <dgm:spPr/>
-    </dgm:pt>
-    <dgm:pt modelId="{07897C94-E4E2-458F-B04A-E5193C8E03A3}" type="pres">
-      <dgm:prSet presAssocID="{CC515C50-6B01-4AA0-BB34-B0E50BCE85F6}" presName="LevelTwoTextNode" presStyleLbl="node3" presStyleIdx="3" presStyleCnt="5">
+    <dgm:pt modelId="{D78A9C9A-5A2F-1442-85A9-24F9F1C92561}" type="pres">
+      <dgm:prSet presAssocID="{3BE123AF-AF1D-3A44-988B-5878B1657A51}" presName="root2" presStyleCnt="0"/>
+      <dgm:spPr/>
+    </dgm:pt>
+    <dgm:pt modelId="{1F7A19F5-7367-1F4D-8522-081B5BF83E58}" type="pres">
+      <dgm:prSet presAssocID="{3BE123AF-AF1D-3A44-988B-5878B1657A51}" presName="LevelTwoTextNode" presStyleLbl="node3" presStyleIdx="2" presStyleCnt="5">
         <dgm:presLayoutVars>
           <dgm:chPref val="3"/>
         </dgm:presLayoutVars>
@@ -6177,16 +6608,16 @@
         <a:bodyPr/>
         <a:lstStyle/>
         <a:p>
-          <a:endParaRPr lang="en-US"/>
+          <a:endParaRPr lang="zh-CN" altLang="en-US"/>
         </a:p>
       </dgm:t>
     </dgm:pt>
-    <dgm:pt modelId="{E5DFDAD5-65EE-46EA-819D-A42CB3707BD8}" type="pres">
-      <dgm:prSet presAssocID="{CC515C50-6B01-4AA0-BB34-B0E50BCE85F6}" presName="level3hierChild" presStyleCnt="0"/>
-      <dgm:spPr/>
-    </dgm:pt>
-    <dgm:pt modelId="{AED4CB94-EB07-44CD-8FDF-A30591839F4E}" type="pres">
-      <dgm:prSet presAssocID="{AD0FAF41-789D-4333-ADD0-65B37329A672}" presName="conn2-1" presStyleLbl="parChTrans1D3" presStyleIdx="4" presStyleCnt="5"/>
+    <dgm:pt modelId="{844231C6-0D58-154A-BF51-9BF0B8C20045}" type="pres">
+      <dgm:prSet presAssocID="{3BE123AF-AF1D-3A44-988B-5878B1657A51}" presName="level3hierChild" presStyleCnt="0"/>
+      <dgm:spPr/>
+    </dgm:pt>
+    <dgm:pt modelId="{22A0D473-2D2C-4751-9053-60186FA8FF15}" type="pres">
+      <dgm:prSet presAssocID="{6C07907D-435D-49AF-B872-595FA102E149}" presName="conn2-1" presStyleLbl="parChTrans1D2" presStyleIdx="1" presStyleCnt="2"/>
       <dgm:spPr/>
       <dgm:t>
         <a:bodyPr/>
@@ -6196,8 +6627,8 @@
         </a:p>
       </dgm:t>
     </dgm:pt>
-    <dgm:pt modelId="{609CC242-BDBB-4546-B6A6-91A6F2B45A60}" type="pres">
-      <dgm:prSet presAssocID="{AD0FAF41-789D-4333-ADD0-65B37329A672}" presName="connTx" presStyleLbl="parChTrans1D3" presStyleIdx="4" presStyleCnt="5"/>
+    <dgm:pt modelId="{F82F6AB9-CED6-46E2-A6F4-D0BD300D3AD4}" type="pres">
+      <dgm:prSet presAssocID="{6C07907D-435D-49AF-B872-595FA102E149}" presName="connTx" presStyleLbl="parChTrans1D2" presStyleIdx="1" presStyleCnt="2"/>
       <dgm:spPr/>
       <dgm:t>
         <a:bodyPr/>
@@ -6207,12 +6638,12 @@
         </a:p>
       </dgm:t>
     </dgm:pt>
-    <dgm:pt modelId="{26AAEB7E-7C49-4F16-A583-DD9042BFC0CA}" type="pres">
-      <dgm:prSet presAssocID="{F8194CBA-6B84-4B48-A01B-1E10945DEF51}" presName="root2" presStyleCnt="0"/>
-      <dgm:spPr/>
-    </dgm:pt>
-    <dgm:pt modelId="{AE6071DD-3548-4F9E-8296-DD4EDC483D45}" type="pres">
-      <dgm:prSet presAssocID="{F8194CBA-6B84-4B48-A01B-1E10945DEF51}" presName="LevelTwoTextNode" presStyleLbl="node3" presStyleIdx="4" presStyleCnt="5">
+    <dgm:pt modelId="{745ACD0A-9BF9-4BC7-8F2B-69501A892131}" type="pres">
+      <dgm:prSet presAssocID="{410646F1-70B3-473E-83CA-9BD2EF1773A6}" presName="root2" presStyleCnt="0"/>
+      <dgm:spPr/>
+    </dgm:pt>
+    <dgm:pt modelId="{4749729A-D121-4BBF-98CE-48CA10C2FAE2}" type="pres">
+      <dgm:prSet presAssocID="{410646F1-70B3-473E-83CA-9BD2EF1773A6}" presName="LevelTwoTextNode" presStyleLbl="node2" presStyleIdx="1" presStyleCnt="2">
         <dgm:presLayoutVars>
           <dgm:chPref val="3"/>
         </dgm:presLayoutVars>
@@ -6226,49 +6657,177 @@
         </a:p>
       </dgm:t>
     </dgm:pt>
-    <dgm:pt modelId="{C51466F3-3154-42D8-A308-B977360FFA09}" type="pres">
-      <dgm:prSet presAssocID="{F8194CBA-6B84-4B48-A01B-1E10945DEF51}" presName="level3hierChild" presStyleCnt="0"/>
+    <dgm:pt modelId="{19EA20D8-DE8B-4B72-AC3D-A48DF48D5430}" type="pres">
+      <dgm:prSet presAssocID="{410646F1-70B3-473E-83CA-9BD2EF1773A6}" presName="level3hierChild" presStyleCnt="0"/>
+      <dgm:spPr/>
+    </dgm:pt>
+    <dgm:pt modelId="{90028366-DC65-48F5-AA66-BC9322AAE176}" type="pres">
+      <dgm:prSet presAssocID="{22DDA589-6ACC-4F23-B735-9362EB7128BC}" presName="conn2-1" presStyleLbl="parChTrans1D3" presStyleIdx="3" presStyleCnt="5"/>
+      <dgm:spPr/>
+      <dgm:t>
+        <a:bodyPr/>
+        <a:lstStyle/>
+        <a:p>
+          <a:endParaRPr lang="en-US"/>
+        </a:p>
+      </dgm:t>
+    </dgm:pt>
+    <dgm:pt modelId="{D6FA7AB1-0387-4E6E-9F58-7D972CCCC5FF}" type="pres">
+      <dgm:prSet presAssocID="{22DDA589-6ACC-4F23-B735-9362EB7128BC}" presName="connTx" presStyleLbl="parChTrans1D3" presStyleIdx="3" presStyleCnt="5"/>
+      <dgm:spPr/>
+      <dgm:t>
+        <a:bodyPr/>
+        <a:lstStyle/>
+        <a:p>
+          <a:endParaRPr lang="en-US"/>
+        </a:p>
+      </dgm:t>
+    </dgm:pt>
+    <dgm:pt modelId="{7A88C59A-D761-44ED-924E-04CB48C62084}" type="pres">
+      <dgm:prSet presAssocID="{78E3C6E5-1189-48A4-8C82-97167C251662}" presName="root2" presStyleCnt="0"/>
+      <dgm:spPr/>
+    </dgm:pt>
+    <dgm:pt modelId="{D86F7B4D-7DE6-4216-B966-BF26033ABF4D}" type="pres">
+      <dgm:prSet presAssocID="{78E3C6E5-1189-48A4-8C82-97167C251662}" presName="LevelTwoTextNode" presStyleLbl="node3" presStyleIdx="3" presStyleCnt="5">
+        <dgm:presLayoutVars>
+          <dgm:chPref val="3"/>
+        </dgm:presLayoutVars>
+      </dgm:prSet>
+      <dgm:spPr/>
+      <dgm:t>
+        <a:bodyPr/>
+        <a:lstStyle/>
+        <a:p>
+          <a:endParaRPr lang="en-US"/>
+        </a:p>
+      </dgm:t>
+    </dgm:pt>
+    <dgm:pt modelId="{F0F5CA16-7B72-459B-9AD1-6E9AF80ACDAB}" type="pres">
+      <dgm:prSet presAssocID="{78E3C6E5-1189-48A4-8C82-97167C251662}" presName="level3hierChild" presStyleCnt="0"/>
+      <dgm:spPr/>
+    </dgm:pt>
+    <dgm:pt modelId="{82A18488-1057-427A-8AC0-513CF80E92AA}" type="pres">
+      <dgm:prSet presAssocID="{2B23A72D-B090-404C-B416-15A406382F27}" presName="conn2-1" presStyleLbl="parChTrans1D3" presStyleIdx="4" presStyleCnt="5"/>
+      <dgm:spPr/>
+      <dgm:t>
+        <a:bodyPr/>
+        <a:lstStyle/>
+        <a:p>
+          <a:endParaRPr lang="en-US"/>
+        </a:p>
+      </dgm:t>
+    </dgm:pt>
+    <dgm:pt modelId="{BA32E82C-6FF4-4BF5-8494-2553A24A00EE}" type="pres">
+      <dgm:prSet presAssocID="{2B23A72D-B090-404C-B416-15A406382F27}" presName="connTx" presStyleLbl="parChTrans1D3" presStyleIdx="4" presStyleCnt="5"/>
+      <dgm:spPr/>
+      <dgm:t>
+        <a:bodyPr/>
+        <a:lstStyle/>
+        <a:p>
+          <a:endParaRPr lang="en-US"/>
+        </a:p>
+      </dgm:t>
+    </dgm:pt>
+    <dgm:pt modelId="{46BB0B3C-299E-49EA-9A98-42C9AAC5956A}" type="pres">
+      <dgm:prSet presAssocID="{3D3F7DC5-C8FA-4F5C-99E3-C63CCB89EE5B}" presName="root2" presStyleCnt="0"/>
+      <dgm:spPr/>
+    </dgm:pt>
+    <dgm:pt modelId="{4817CED8-EB4C-45B4-A3D5-6CA858B48CE6}" type="pres">
+      <dgm:prSet presAssocID="{3D3F7DC5-C8FA-4F5C-99E3-C63CCB89EE5B}" presName="LevelTwoTextNode" presStyleLbl="node3" presStyleIdx="4" presStyleCnt="5">
+        <dgm:presLayoutVars>
+          <dgm:chPref val="3"/>
+        </dgm:presLayoutVars>
+      </dgm:prSet>
+      <dgm:spPr/>
+      <dgm:t>
+        <a:bodyPr/>
+        <a:lstStyle/>
+        <a:p>
+          <a:endParaRPr lang="en-US"/>
+        </a:p>
+      </dgm:t>
+    </dgm:pt>
+    <dgm:pt modelId="{B46E5B98-3BD1-487F-B66F-EB686A7919F2}" type="pres">
+      <dgm:prSet presAssocID="{3D3F7DC5-C8FA-4F5C-99E3-C63CCB89EE5B}" presName="level3hierChild" presStyleCnt="0"/>
       <dgm:spPr/>
     </dgm:pt>
   </dgm:ptLst>
   <dgm:cxnLst>
-    <dgm:cxn modelId="{E0DCD37B-9BD2-4DFA-8915-BB0294CCA9D2}" srcId="{5A46540A-FBB8-4DB3-8FB2-5D3032AF2247}" destId="{CC515C50-6B01-4AA0-BB34-B0E50BCE85F6}" srcOrd="1" destOrd="0" parTransId="{2B8019D1-0783-444A-ACD2-D1CC30816D03}" sibTransId="{317CED35-FCDA-4C4A-BA05-82992FFCDB2D}"/>
-    <dgm:cxn modelId="{FD1CBE56-B80C-46F4-9A91-1CCCAB4C089F}" type="presOf" srcId="{F8194CBA-6B84-4B48-A01B-1E10945DEF51}" destId="{AE6071DD-3548-4F9E-8296-DD4EDC483D45}" srcOrd="0" destOrd="0" presId="urn:microsoft.com/office/officeart/2005/8/layout/hierarchy2"/>
+    <dgm:cxn modelId="{F8BFB65B-24AA-2941-B4AE-211EE0FDB94D}" type="presOf" srcId="{4191AA77-B6F8-334A-963C-3D81B70CAF68}" destId="{3E132D62-E9AA-7C4C-8A0C-D9B98C8B7DA5}" srcOrd="1" destOrd="0" presId="urn:microsoft.com/office/officeart/2005/8/layout/hierarchy2"/>
+    <dgm:cxn modelId="{26F47E47-D2E9-2348-9697-CE333294B13B}" type="presOf" srcId="{4191AA77-B6F8-334A-963C-3D81B70CAF68}" destId="{6B9363EB-7948-F34F-BF1E-44E3039B838D}" srcOrd="0" destOrd="0" presId="urn:microsoft.com/office/officeart/2005/8/layout/hierarchy2"/>
+    <dgm:cxn modelId="{05BACF75-9B32-4E4C-BB74-6DE7165DD623}" type="presOf" srcId="{2B23A72D-B090-404C-B416-15A406382F27}" destId="{BA32E82C-6FF4-4BF5-8494-2553A24A00EE}" srcOrd="1" destOrd="0" presId="urn:microsoft.com/office/officeart/2005/8/layout/hierarchy2"/>
+    <dgm:cxn modelId="{9D86FBDB-92FA-204D-B834-0874813BA843}" type="presOf" srcId="{F790A851-624C-984C-87E7-D751495FC90B}" destId="{E76A51DA-143A-264F-9801-9A52C63FCB97}" srcOrd="0" destOrd="0" presId="urn:microsoft.com/office/officeart/2005/8/layout/hierarchy2"/>
+    <dgm:cxn modelId="{CE8129B3-114E-BF49-B977-6D119BBCC26E}" type="presOf" srcId="{C6E5B99F-0090-7746-9C5F-5999EA1B7465}" destId="{31D4D5DF-2044-D142-88ED-6055A9D3E542}" srcOrd="1" destOrd="0" presId="urn:microsoft.com/office/officeart/2005/8/layout/hierarchy2"/>
+    <dgm:cxn modelId="{7C27A369-BAEC-483B-96CB-FF35FF29FF57}" type="presOf" srcId="{F28EB8CE-2410-479C-BA6B-4804B915C455}" destId="{23DD5818-0EF9-4C10-B33F-EB53FD3309D1}" srcOrd="0" destOrd="0" presId="urn:microsoft.com/office/officeart/2005/8/layout/hierarchy2"/>
     <dgm:cxn modelId="{F5A5D3F3-10EC-4953-A578-940AE1FEC202}" srcId="{410646F1-70B3-473E-83CA-9BD2EF1773A6}" destId="{3D3F7DC5-C8FA-4F5C-99E3-C63CCB89EE5B}" srcOrd="1" destOrd="0" parTransId="{2B23A72D-B090-404C-B416-15A406382F27}" sibTransId="{2E08A730-9C1A-4100-AF13-16942D2237A4}"/>
-    <dgm:cxn modelId="{83735060-D925-455A-A94F-6CD7E33B8D5A}" srcId="{5A46540A-FBB8-4DB3-8FB2-5D3032AF2247}" destId="{FD0029A8-9706-4D85-87E1-0A8304D9E400}" srcOrd="0" destOrd="0" parTransId="{42E06084-20DA-43A4-B611-14ABE65342D6}" sibTransId="{575767F8-7B2C-4E58-83B1-F90571A805AE}"/>
-    <dgm:cxn modelId="{D937F77A-C427-46C6-9498-6C6F7FDC35D9}" type="presOf" srcId="{8F7BF03A-BE5F-4B22-B886-0B816F77AF2E}" destId="{AD898438-E19F-4702-85EF-57C7414B0525}" srcOrd="1" destOrd="0" presId="urn:microsoft.com/office/officeart/2005/8/layout/hierarchy2"/>
-    <dgm:cxn modelId="{3E44BD95-2196-4FC9-ADD9-DF4F7B282D14}" type="presOf" srcId="{8F7BF03A-BE5F-4B22-B886-0B816F77AF2E}" destId="{E5DDBAD3-14EC-41FA-8503-8E186AB1BA1C}" srcOrd="0" destOrd="0" presId="urn:microsoft.com/office/officeart/2005/8/layout/hierarchy2"/>
+    <dgm:cxn modelId="{8F778883-80F3-49CF-A002-C13721382832}" type="presOf" srcId="{6C07907D-435D-49AF-B872-595FA102E149}" destId="{22A0D473-2D2C-4751-9053-60186FA8FF15}" srcOrd="0" destOrd="0" presId="urn:microsoft.com/office/officeart/2005/8/layout/hierarchy2"/>
+    <dgm:cxn modelId="{903DA9A0-2044-4F04-8934-3E9A754C1CC9}" srcId="{F28EB8CE-2410-479C-BA6B-4804B915C455}" destId="{6E3AD7B0-8215-4D61-ABCB-562CF9909AD1}" srcOrd="0" destOrd="0" parTransId="{4FBF22AD-86E0-4C8C-8C10-B8401B2B9DA2}" sibTransId="{A9F51354-7517-4141-AA3A-3EDDC2A2B5D4}"/>
+    <dgm:cxn modelId="{74DD487C-760F-D148-A176-ED123520707E}" type="presOf" srcId="{F790A851-624C-984C-87E7-D751495FC90B}" destId="{97AB2268-0251-8A4D-80FE-0206C1F8FD49}" srcOrd="1" destOrd="0" presId="urn:microsoft.com/office/officeart/2005/8/layout/hierarchy2"/>
+    <dgm:cxn modelId="{37D967DD-ED44-404F-A33A-667DD8624AE8}" srcId="{B8987993-151A-3B49-9850-2B74746731B9}" destId="{8C068BBE-672D-3742-A527-07B9CE023CEE}" srcOrd="1" destOrd="0" parTransId="{E91A79E2-A60F-7848-B104-FB73C456E4D5}" sibTransId="{319B434B-FDE9-354B-B51F-F2EF31CBAA06}"/>
+    <dgm:cxn modelId="{D4EB8FC9-5AE7-4DC7-9DE5-56E948BDABD6}" type="presOf" srcId="{22DDA589-6ACC-4F23-B735-9362EB7128BC}" destId="{90028366-DC65-48F5-AA66-BC9322AAE176}" srcOrd="0" destOrd="0" presId="urn:microsoft.com/office/officeart/2005/8/layout/hierarchy2"/>
+    <dgm:cxn modelId="{14551C7F-64E7-2E4B-AD31-87D9E68C9C10}" srcId="{B8987993-151A-3B49-9850-2B74746731B9}" destId="{3BE123AF-AF1D-3A44-988B-5878B1657A51}" srcOrd="2" destOrd="0" parTransId="{F790A851-624C-984C-87E7-D751495FC90B}" sibTransId="{0DFCC085-3B72-FC45-B183-7C0B99B3744B}"/>
+    <dgm:cxn modelId="{74ED477D-8695-BB40-949A-5428FE4A0FB4}" type="presOf" srcId="{AD17FF02-CCBD-0649-BBE1-8AFE217AC998}" destId="{0631C909-C124-5C43-AFDD-D4465BC236C0}" srcOrd="0" destOrd="0" presId="urn:microsoft.com/office/officeart/2005/8/layout/hierarchy2"/>
+    <dgm:cxn modelId="{B734263E-B8C7-574F-A2C0-EBDBA23731E9}" type="presOf" srcId="{8C068BBE-672D-3742-A527-07B9CE023CEE}" destId="{EADB709B-B6C4-3943-98DA-576F545A4668}" srcOrd="0" destOrd="0" presId="urn:microsoft.com/office/officeart/2005/8/layout/hierarchy2"/>
+    <dgm:cxn modelId="{10963F04-7027-4E43-95C8-AAFC8B6D0C1F}" type="presOf" srcId="{410646F1-70B3-473E-83CA-9BD2EF1773A6}" destId="{4749729A-D121-4BBF-98CE-48CA10C2FAE2}" srcOrd="0" destOrd="0" presId="urn:microsoft.com/office/officeart/2005/8/layout/hierarchy2"/>
+    <dgm:cxn modelId="{64B71A8C-9F22-4179-8783-0B4ED6639A5A}" type="presOf" srcId="{2B23A72D-B090-404C-B416-15A406382F27}" destId="{82A18488-1057-427A-8AC0-513CF80E92AA}" srcOrd="0" destOrd="0" presId="urn:microsoft.com/office/officeart/2005/8/layout/hierarchy2"/>
+    <dgm:cxn modelId="{0D9D1FB8-7158-4AE7-B1A3-46A3E1950EC8}" srcId="{410646F1-70B3-473E-83CA-9BD2EF1773A6}" destId="{78E3C6E5-1189-48A4-8C82-97167C251662}" srcOrd="0" destOrd="0" parTransId="{22DDA589-6ACC-4F23-B735-9362EB7128BC}" sibTransId="{9BAD080A-533E-4684-A21C-F482781BC78B}"/>
+    <dgm:cxn modelId="{D3526236-D6EE-C846-871A-7EEA6B46F0D0}" type="presOf" srcId="{150C400C-8750-D647-9B96-3C0C481B47D2}" destId="{53DBB290-46A4-354F-A6D5-8096E6E903F5}" srcOrd="0" destOrd="0" presId="urn:microsoft.com/office/officeart/2005/8/layout/hierarchy2"/>
+    <dgm:cxn modelId="{4F1A1406-F5D4-9947-A0AA-CAD622733B4E}" type="presOf" srcId="{C6E5B99F-0090-7746-9C5F-5999EA1B7465}" destId="{72C0C2EF-2F17-B64D-9319-36E59198B271}" srcOrd="0" destOrd="0" presId="urn:microsoft.com/office/officeart/2005/8/layout/hierarchy2"/>
+    <dgm:cxn modelId="{359D2857-08CC-774C-B370-C2FD07F88EB4}" type="presOf" srcId="{E657174B-E1E2-4B46-9D6D-AD2235721530}" destId="{5EB967F3-F20F-394C-859E-E98E8CC46CE0}" srcOrd="1" destOrd="0" presId="urn:microsoft.com/office/officeart/2005/8/layout/hierarchy2"/>
+    <dgm:cxn modelId="{31612911-8A02-CE45-8DE3-3CC899107AB6}" type="presOf" srcId="{44B85734-7BAB-0E41-A2B7-46860956B8EE}" destId="{F88AE255-BCD3-5D46-969E-DCD806380A57}" srcOrd="0" destOrd="0" presId="urn:microsoft.com/office/officeart/2005/8/layout/hierarchy2"/>
+    <dgm:cxn modelId="{FEE34028-CB1E-2046-8DF9-934AA258A15E}" type="presOf" srcId="{3BE123AF-AF1D-3A44-988B-5878B1657A51}" destId="{1F7A19F5-7367-1F4D-8522-081B5BF83E58}" srcOrd="0" destOrd="0" presId="urn:microsoft.com/office/officeart/2005/8/layout/hierarchy2"/>
+    <dgm:cxn modelId="{4DC65010-A59D-B84B-9928-FBD9AC9D9062}" type="presOf" srcId="{E657174B-E1E2-4B46-9D6D-AD2235721530}" destId="{D8708AFE-ACEC-634A-A8C9-9E6950027C6A}" srcOrd="0" destOrd="0" presId="urn:microsoft.com/office/officeart/2005/8/layout/hierarchy2"/>
+    <dgm:cxn modelId="{86EDF046-5C30-5446-A205-E28DEB5E0ED0}" srcId="{B8987993-151A-3B49-9850-2B74746731B9}" destId="{AD17FF02-CCBD-0649-BBE1-8AFE217AC998}" srcOrd="0" destOrd="0" parTransId="{44B85734-7BAB-0E41-A2B7-46860956B8EE}" sibTransId="{68B14B5E-02CC-C149-9DA6-E57E222584CC}"/>
+    <dgm:cxn modelId="{5A7EF7F5-8AD7-426F-86C4-F531C352BE62}" srcId="{6E3AD7B0-8215-4D61-ABCB-562CF9909AD1}" destId="{410646F1-70B3-473E-83CA-9BD2EF1773A6}" srcOrd="1" destOrd="0" parTransId="{6C07907D-435D-49AF-B872-595FA102E149}" sibTransId="{4762027A-48F8-4917-A872-75BF4285AC23}"/>
+    <dgm:cxn modelId="{F359EFA8-B5D6-477E-81EC-CAE0BE61B1C0}" type="presOf" srcId="{3D3F7DC5-C8FA-4F5C-99E3-C63CCB89EE5B}" destId="{4817CED8-EB4C-45B4-A3D5-6CA858B48CE6}" srcOrd="0" destOrd="0" presId="urn:microsoft.com/office/officeart/2005/8/layout/hierarchy2"/>
+    <dgm:cxn modelId="{0CCFB638-CD4C-A145-96A1-D9C92B7761BD}" type="presOf" srcId="{44B85734-7BAB-0E41-A2B7-46860956B8EE}" destId="{B0DC831E-C05A-B547-B879-42FB406190AF}" srcOrd="1" destOrd="0" presId="urn:microsoft.com/office/officeart/2005/8/layout/hierarchy2"/>
+    <dgm:cxn modelId="{A9F42BA4-893C-424A-AB3E-1D6A6D1C75E2}" srcId="{6E3AD7B0-8215-4D61-ABCB-562CF9909AD1}" destId="{B8987993-151A-3B49-9850-2B74746731B9}" srcOrd="0" destOrd="0" parTransId="{4191AA77-B6F8-334A-963C-3D81B70CAF68}" sibTransId="{485D3D51-1121-4847-A063-615FB8BA6499}"/>
+    <dgm:cxn modelId="{3518893D-C34E-6745-9753-F6F4DDB67F54}" type="presOf" srcId="{E91A79E2-A60F-7848-B104-FB73C456E4D5}" destId="{3D572281-173E-A342-8635-7B6861FB9328}" srcOrd="1" destOrd="0" presId="urn:microsoft.com/office/officeart/2005/8/layout/hierarchy2"/>
+    <dgm:cxn modelId="{9114F7D6-DC59-A84F-8C14-4494BFCF8937}" srcId="{AD17FF02-CCBD-0649-BBE1-8AFE217AC998}" destId="{150C400C-8750-D647-9B96-3C0C481B47D2}" srcOrd="1" destOrd="0" parTransId="{C6E5B99F-0090-7746-9C5F-5999EA1B7465}" sibTransId="{985A07DB-1DD2-A34F-9F4F-4BFF5E7C70FB}"/>
+    <dgm:cxn modelId="{EAD0C8AE-482C-4A1F-A8AC-2AEFEE60011B}" type="presOf" srcId="{78E3C6E5-1189-48A4-8C82-97167C251662}" destId="{D86F7B4D-7DE6-4216-B966-BF26033ABF4D}" srcOrd="0" destOrd="0" presId="urn:microsoft.com/office/officeart/2005/8/layout/hierarchy2"/>
+    <dgm:cxn modelId="{C0A2E0E1-44AA-524B-8065-E79B3078ECE9}" type="presOf" srcId="{B8987993-151A-3B49-9850-2B74746731B9}" destId="{FE0B6EC9-F1BC-6C47-8583-594A6D82CD37}" srcOrd="0" destOrd="0" presId="urn:microsoft.com/office/officeart/2005/8/layout/hierarchy2"/>
+    <dgm:cxn modelId="{80C29AC9-8A70-44D6-B40B-F6507EF247D0}" type="presOf" srcId="{6E3AD7B0-8215-4D61-ABCB-562CF9909AD1}" destId="{2D485DF4-61E2-4EF1-944E-A3EEFC491DEC}" srcOrd="0" destOrd="0" presId="urn:microsoft.com/office/officeart/2005/8/layout/hierarchy2"/>
     <dgm:cxn modelId="{1834FA5F-2C19-4B51-9295-9B044A73E111}" type="presOf" srcId="{6C07907D-435D-49AF-B872-595FA102E149}" destId="{F82F6AB9-CED6-46E2-A6F4-D0BD300D3AD4}" srcOrd="1" destOrd="0" presId="urn:microsoft.com/office/officeart/2005/8/layout/hierarchy2"/>
-    <dgm:cxn modelId="{8F778883-80F3-49CF-A002-C13721382832}" type="presOf" srcId="{6C07907D-435D-49AF-B872-595FA102E149}" destId="{22A0D473-2D2C-4751-9053-60186FA8FF15}" srcOrd="0" destOrd="0" presId="urn:microsoft.com/office/officeart/2005/8/layout/hierarchy2"/>
-    <dgm:cxn modelId="{80C29AC9-8A70-44D6-B40B-F6507EF247D0}" type="presOf" srcId="{6E3AD7B0-8215-4D61-ABCB-562CF9909AD1}" destId="{2D485DF4-61E2-4EF1-944E-A3EEFC491DEC}" srcOrd="0" destOrd="0" presId="urn:microsoft.com/office/officeart/2005/8/layout/hierarchy2"/>
-    <dgm:cxn modelId="{10963F04-7027-4E43-95C8-AAFC8B6D0C1F}" type="presOf" srcId="{410646F1-70B3-473E-83CA-9BD2EF1773A6}" destId="{4749729A-D121-4BBF-98CE-48CA10C2FAE2}" srcOrd="0" destOrd="0" presId="urn:microsoft.com/office/officeart/2005/8/layout/hierarchy2"/>
-    <dgm:cxn modelId="{D4EB8FC9-5AE7-4DC7-9DE5-56E948BDABD6}" type="presOf" srcId="{22DDA589-6ACC-4F23-B735-9362EB7128BC}" destId="{90028366-DC65-48F5-AA66-BC9322AAE176}" srcOrd="0" destOrd="0" presId="urn:microsoft.com/office/officeart/2005/8/layout/hierarchy2"/>
-    <dgm:cxn modelId="{FB1A648E-F24A-4A5B-A0E5-7F7FF7C8AA7E}" type="presOf" srcId="{2B8019D1-0783-444A-ACD2-D1CC30816D03}" destId="{816138AD-8A73-4F90-853A-7ACD8216A1B2}" srcOrd="0" destOrd="0" presId="urn:microsoft.com/office/officeart/2005/8/layout/hierarchy2"/>
-    <dgm:cxn modelId="{EAD0C8AE-482C-4A1F-A8AC-2AEFEE60011B}" type="presOf" srcId="{78E3C6E5-1189-48A4-8C82-97167C251662}" destId="{D86F7B4D-7DE6-4216-B966-BF26033ABF4D}" srcOrd="0" destOrd="0" presId="urn:microsoft.com/office/officeart/2005/8/layout/hierarchy2"/>
-    <dgm:cxn modelId="{EE148833-BCA3-481D-A807-CCF0071BD069}" type="presOf" srcId="{42E06084-20DA-43A4-B611-14ABE65342D6}" destId="{3042C2B1-53C5-4A68-AE0E-698A73DCC7BE}" srcOrd="0" destOrd="0" presId="urn:microsoft.com/office/officeart/2005/8/layout/hierarchy2"/>
-    <dgm:cxn modelId="{5A7EF7F5-8AD7-426F-86C4-F531C352BE62}" srcId="{6E3AD7B0-8215-4D61-ABCB-562CF9909AD1}" destId="{410646F1-70B3-473E-83CA-9BD2EF1773A6}" srcOrd="0" destOrd="0" parTransId="{6C07907D-435D-49AF-B872-595FA102E149}" sibTransId="{4762027A-48F8-4917-A872-75BF4285AC23}"/>
-    <dgm:cxn modelId="{4F3820EF-137D-4DD6-BDED-7601E0B6980F}" type="presOf" srcId="{FD0029A8-9706-4D85-87E1-0A8304D9E400}" destId="{0F801627-69FE-4E10-B3FE-2DD93FFE0049}" srcOrd="0" destOrd="0" presId="urn:microsoft.com/office/officeart/2005/8/layout/hierarchy2"/>
-    <dgm:cxn modelId="{22748063-14DA-40B6-8732-EB03C0FD9D74}" srcId="{5A46540A-FBB8-4DB3-8FB2-5D3032AF2247}" destId="{F8194CBA-6B84-4B48-A01B-1E10945DEF51}" srcOrd="2" destOrd="0" parTransId="{AD0FAF41-789D-4333-ADD0-65B37329A672}" sibTransId="{52D315AA-A3BE-4FF1-8265-9DD70E927F85}"/>
-    <dgm:cxn modelId="{0D9D1FB8-7158-4AE7-B1A3-46A3E1950EC8}" srcId="{410646F1-70B3-473E-83CA-9BD2EF1773A6}" destId="{78E3C6E5-1189-48A4-8C82-97167C251662}" srcOrd="0" destOrd="0" parTransId="{22DDA589-6ACC-4F23-B735-9362EB7128BC}" sibTransId="{9BAD080A-533E-4684-A21C-F482781BC78B}"/>
-    <dgm:cxn modelId="{F359EFA8-B5D6-477E-81EC-CAE0BE61B1C0}" type="presOf" srcId="{3D3F7DC5-C8FA-4F5C-99E3-C63CCB89EE5B}" destId="{4817CED8-EB4C-45B4-A3D5-6CA858B48CE6}" srcOrd="0" destOrd="0" presId="urn:microsoft.com/office/officeart/2005/8/layout/hierarchy2"/>
-    <dgm:cxn modelId="{64B71A8C-9F22-4179-8783-0B4ED6639A5A}" type="presOf" srcId="{2B23A72D-B090-404C-B416-15A406382F27}" destId="{82A18488-1057-427A-8AC0-513CF80E92AA}" srcOrd="0" destOrd="0" presId="urn:microsoft.com/office/officeart/2005/8/layout/hierarchy2"/>
-    <dgm:cxn modelId="{ED4C0A1E-206A-4D99-870D-D834476AB095}" type="presOf" srcId="{2B8019D1-0783-444A-ACD2-D1CC30816D03}" destId="{11AF5A8E-F246-464E-AAFA-0944DE4A3585}" srcOrd="1" destOrd="0" presId="urn:microsoft.com/office/officeart/2005/8/layout/hierarchy2"/>
+    <dgm:cxn modelId="{A346D0FE-F83F-774A-A0BF-4F57E262C1EC}" type="presOf" srcId="{E91A79E2-A60F-7848-B104-FB73C456E4D5}" destId="{5468245B-3736-C64C-BFB4-7E45693BEDE3}" srcOrd="0" destOrd="0" presId="urn:microsoft.com/office/officeart/2005/8/layout/hierarchy2"/>
+    <dgm:cxn modelId="{AB7AADD6-6F9A-654C-8EC2-E774BCEA5479}" srcId="{AD17FF02-CCBD-0649-BBE1-8AFE217AC998}" destId="{70FFB723-A19F-8C44-B541-0E0BF91B3685}" srcOrd="0" destOrd="0" parTransId="{E657174B-E1E2-4B46-9D6D-AD2235721530}" sibTransId="{74E69C97-BDCF-BA4F-A02E-56EFC872EE07}"/>
+    <dgm:cxn modelId="{27978284-E512-DB48-A1AC-449E4A7C4937}" type="presOf" srcId="{70FFB723-A19F-8C44-B541-0E0BF91B3685}" destId="{6C5AF935-9CBC-364D-8050-687E4CB708DD}" srcOrd="0" destOrd="0" presId="urn:microsoft.com/office/officeart/2005/8/layout/hierarchy2"/>
     <dgm:cxn modelId="{8C03FB0D-569C-4B11-AF5A-1187ED519331}" type="presOf" srcId="{22DDA589-6ACC-4F23-B735-9362EB7128BC}" destId="{D6FA7AB1-0387-4E6E-9F58-7D972CCCC5FF}" srcOrd="1" destOrd="0" presId="urn:microsoft.com/office/officeart/2005/8/layout/hierarchy2"/>
-    <dgm:cxn modelId="{903DA9A0-2044-4F04-8934-3E9A754C1CC9}" srcId="{F28EB8CE-2410-479C-BA6B-4804B915C455}" destId="{6E3AD7B0-8215-4D61-ABCB-562CF9909AD1}" srcOrd="0" destOrd="0" parTransId="{4FBF22AD-86E0-4C8C-8C10-B8401B2B9DA2}" sibTransId="{A9F51354-7517-4141-AA3A-3EDDC2A2B5D4}"/>
-    <dgm:cxn modelId="{5FC8C7FB-EFFB-4D9A-968D-75055409306C}" type="presOf" srcId="{5A46540A-FBB8-4DB3-8FB2-5D3032AF2247}" destId="{92800B67-239D-4522-8267-E3E01FE8D2E7}" srcOrd="0" destOrd="0" presId="urn:microsoft.com/office/officeart/2005/8/layout/hierarchy2"/>
-    <dgm:cxn modelId="{DEBF9009-5884-4EEE-AA54-5653738CD495}" type="presOf" srcId="{42E06084-20DA-43A4-B611-14ABE65342D6}" destId="{4EA53F5E-2286-4DC6-A257-DD00B8176891}" srcOrd="1" destOrd="0" presId="urn:microsoft.com/office/officeart/2005/8/layout/hierarchy2"/>
-    <dgm:cxn modelId="{05BACF75-9B32-4E4C-BB74-6DE7165DD623}" type="presOf" srcId="{2B23A72D-B090-404C-B416-15A406382F27}" destId="{BA32E82C-6FF4-4BF5-8494-2553A24A00EE}" srcOrd="1" destOrd="0" presId="urn:microsoft.com/office/officeart/2005/8/layout/hierarchy2"/>
-    <dgm:cxn modelId="{632AB9E2-B1AF-49C8-8CB0-233CF4E2C809}" srcId="{6E3AD7B0-8215-4D61-ABCB-562CF9909AD1}" destId="{5A46540A-FBB8-4DB3-8FB2-5D3032AF2247}" srcOrd="1" destOrd="0" parTransId="{8F7BF03A-BE5F-4B22-B886-0B816F77AF2E}" sibTransId="{11E5C883-0FA9-4817-B163-F71DB91EA7F2}"/>
-    <dgm:cxn modelId="{110D4F3D-018A-4DD7-8A96-E20524066605}" type="presOf" srcId="{CC515C50-6B01-4AA0-BB34-B0E50BCE85F6}" destId="{07897C94-E4E2-458F-B04A-E5193C8E03A3}" srcOrd="0" destOrd="0" presId="urn:microsoft.com/office/officeart/2005/8/layout/hierarchy2"/>
-    <dgm:cxn modelId="{7C27A369-BAEC-483B-96CB-FF35FF29FF57}" type="presOf" srcId="{F28EB8CE-2410-479C-BA6B-4804B915C455}" destId="{23DD5818-0EF9-4C10-B33F-EB53FD3309D1}" srcOrd="0" destOrd="0" presId="urn:microsoft.com/office/officeart/2005/8/layout/hierarchy2"/>
-    <dgm:cxn modelId="{EFFAE949-890A-4667-8E86-BE785ADB9B63}" type="presOf" srcId="{AD0FAF41-789D-4333-ADD0-65B37329A672}" destId="{609CC242-BDBB-4546-B6A6-91A6F2B45A60}" srcOrd="1" destOrd="0" presId="urn:microsoft.com/office/officeart/2005/8/layout/hierarchy2"/>
-    <dgm:cxn modelId="{1911B9BF-52C3-4914-9B20-6E452EE18A9B}" type="presOf" srcId="{AD0FAF41-789D-4333-ADD0-65B37329A672}" destId="{AED4CB94-EB07-44CD-8FDF-A30591839F4E}" srcOrd="0" destOrd="0" presId="urn:microsoft.com/office/officeart/2005/8/layout/hierarchy2"/>
     <dgm:cxn modelId="{780AEE4C-7FAF-4F7F-B780-DD438FFD4489}" type="presParOf" srcId="{23DD5818-0EF9-4C10-B33F-EB53FD3309D1}" destId="{57D56F71-DFFB-427B-90A6-13E6B10EC4B4}" srcOrd="0" destOrd="0" presId="urn:microsoft.com/office/officeart/2005/8/layout/hierarchy2"/>
     <dgm:cxn modelId="{CA29B0A4-564A-44A0-AC4D-65105C806663}" type="presParOf" srcId="{57D56F71-DFFB-427B-90A6-13E6B10EC4B4}" destId="{2D485DF4-61E2-4EF1-944E-A3EEFC491DEC}" srcOrd="0" destOrd="0" presId="urn:microsoft.com/office/officeart/2005/8/layout/hierarchy2"/>
     <dgm:cxn modelId="{ED2CE3F6-9A14-4441-B3D4-A95D6A13200A}" type="presParOf" srcId="{57D56F71-DFFB-427B-90A6-13E6B10EC4B4}" destId="{3ED33DBB-683D-4840-996D-4C9012BA6952}" srcOrd="1" destOrd="0" presId="urn:microsoft.com/office/officeart/2005/8/layout/hierarchy2"/>
-    <dgm:cxn modelId="{292434B3-8090-49DF-B258-5DF3E0BE55A4}" type="presParOf" srcId="{3ED33DBB-683D-4840-996D-4C9012BA6952}" destId="{22A0D473-2D2C-4751-9053-60186FA8FF15}" srcOrd="0" destOrd="0" presId="urn:microsoft.com/office/officeart/2005/8/layout/hierarchy2"/>
+    <dgm:cxn modelId="{980AA3EF-20B4-D74E-957B-EF2A0E612B4B}" type="presParOf" srcId="{3ED33DBB-683D-4840-996D-4C9012BA6952}" destId="{6B9363EB-7948-F34F-BF1E-44E3039B838D}" srcOrd="0" destOrd="0" presId="urn:microsoft.com/office/officeart/2005/8/layout/hierarchy2"/>
+    <dgm:cxn modelId="{BDB2E4C9-B463-2245-BA90-DDF74191D3DD}" type="presParOf" srcId="{6B9363EB-7948-F34F-BF1E-44E3039B838D}" destId="{3E132D62-E9AA-7C4C-8A0C-D9B98C8B7DA5}" srcOrd="0" destOrd="0" presId="urn:microsoft.com/office/officeart/2005/8/layout/hierarchy2"/>
+    <dgm:cxn modelId="{B3168DB8-129E-044F-81B1-6EBB2F31A528}" type="presParOf" srcId="{3ED33DBB-683D-4840-996D-4C9012BA6952}" destId="{18923C2C-2635-1741-8669-FBDBD4022F65}" srcOrd="1" destOrd="0" presId="urn:microsoft.com/office/officeart/2005/8/layout/hierarchy2"/>
+    <dgm:cxn modelId="{FC9D0C02-FAB9-5B46-9BF1-B0DD054CD4CF}" type="presParOf" srcId="{18923C2C-2635-1741-8669-FBDBD4022F65}" destId="{FE0B6EC9-F1BC-6C47-8583-594A6D82CD37}" srcOrd="0" destOrd="0" presId="urn:microsoft.com/office/officeart/2005/8/layout/hierarchy2"/>
+    <dgm:cxn modelId="{A7A4888A-8CC5-684A-99E5-8A369368AA0F}" type="presParOf" srcId="{18923C2C-2635-1741-8669-FBDBD4022F65}" destId="{E96E0F35-F4D5-6940-B477-7C754C1EA3AD}" srcOrd="1" destOrd="0" presId="urn:microsoft.com/office/officeart/2005/8/layout/hierarchy2"/>
+    <dgm:cxn modelId="{CF2C3A2B-F94A-414C-8D35-0BE53B9D75B8}" type="presParOf" srcId="{E96E0F35-F4D5-6940-B477-7C754C1EA3AD}" destId="{F88AE255-BCD3-5D46-969E-DCD806380A57}" srcOrd="0" destOrd="0" presId="urn:microsoft.com/office/officeart/2005/8/layout/hierarchy2"/>
+    <dgm:cxn modelId="{80B26AA5-FBED-C249-9CF8-5A05145226AB}" type="presParOf" srcId="{F88AE255-BCD3-5D46-969E-DCD806380A57}" destId="{B0DC831E-C05A-B547-B879-42FB406190AF}" srcOrd="0" destOrd="0" presId="urn:microsoft.com/office/officeart/2005/8/layout/hierarchy2"/>
+    <dgm:cxn modelId="{B713A352-62AA-9D4F-804F-B0448A3A82E0}" type="presParOf" srcId="{E96E0F35-F4D5-6940-B477-7C754C1EA3AD}" destId="{D9B6D75C-8875-7347-8CA8-0F4C0376108E}" srcOrd="1" destOrd="0" presId="urn:microsoft.com/office/officeart/2005/8/layout/hierarchy2"/>
+    <dgm:cxn modelId="{0012CABB-24E8-E543-ADB6-D3EF70A8D746}" type="presParOf" srcId="{D9B6D75C-8875-7347-8CA8-0F4C0376108E}" destId="{0631C909-C124-5C43-AFDD-D4465BC236C0}" srcOrd="0" destOrd="0" presId="urn:microsoft.com/office/officeart/2005/8/layout/hierarchy2"/>
+    <dgm:cxn modelId="{5412A080-3A5D-6142-B63E-3BD01EF16B6E}" type="presParOf" srcId="{D9B6D75C-8875-7347-8CA8-0F4C0376108E}" destId="{0CCAAE81-1AD0-9542-85D9-D67FE79F8099}" srcOrd="1" destOrd="0" presId="urn:microsoft.com/office/officeart/2005/8/layout/hierarchy2"/>
+    <dgm:cxn modelId="{C97E3284-7ABB-C94D-B69C-8A135DA514D8}" type="presParOf" srcId="{0CCAAE81-1AD0-9542-85D9-D67FE79F8099}" destId="{D8708AFE-ACEC-634A-A8C9-9E6950027C6A}" srcOrd="0" destOrd="0" presId="urn:microsoft.com/office/officeart/2005/8/layout/hierarchy2"/>
+    <dgm:cxn modelId="{9B28F921-1CCF-A94B-AB4B-1A4CECA347B6}" type="presParOf" srcId="{D8708AFE-ACEC-634A-A8C9-9E6950027C6A}" destId="{5EB967F3-F20F-394C-859E-E98E8CC46CE0}" srcOrd="0" destOrd="0" presId="urn:microsoft.com/office/officeart/2005/8/layout/hierarchy2"/>
+    <dgm:cxn modelId="{BCFCC617-1A04-5144-85A2-733A2A6EEB87}" type="presParOf" srcId="{0CCAAE81-1AD0-9542-85D9-D67FE79F8099}" destId="{C04819CE-C46A-8B4C-BFAE-E6C6F4D1A641}" srcOrd="1" destOrd="0" presId="urn:microsoft.com/office/officeart/2005/8/layout/hierarchy2"/>
+    <dgm:cxn modelId="{D45FF6EA-956C-4446-A8B5-19016ED4984F}" type="presParOf" srcId="{C04819CE-C46A-8B4C-BFAE-E6C6F4D1A641}" destId="{6C5AF935-9CBC-364D-8050-687E4CB708DD}" srcOrd="0" destOrd="0" presId="urn:microsoft.com/office/officeart/2005/8/layout/hierarchy2"/>
+    <dgm:cxn modelId="{0CA1688C-FB84-5049-B283-ECD8A1D31DEC}" type="presParOf" srcId="{C04819CE-C46A-8B4C-BFAE-E6C6F4D1A641}" destId="{DE685E8D-5C63-0B4D-B112-7DA4A14C5953}" srcOrd="1" destOrd="0" presId="urn:microsoft.com/office/officeart/2005/8/layout/hierarchy2"/>
+    <dgm:cxn modelId="{1AE4A8F6-B7BD-C242-833F-13CB1BB4F4FC}" type="presParOf" srcId="{0CCAAE81-1AD0-9542-85D9-D67FE79F8099}" destId="{72C0C2EF-2F17-B64D-9319-36E59198B271}" srcOrd="2" destOrd="0" presId="urn:microsoft.com/office/officeart/2005/8/layout/hierarchy2"/>
+    <dgm:cxn modelId="{1D5E2995-218F-4A4A-BDCF-B42D58DDE38D}" type="presParOf" srcId="{72C0C2EF-2F17-B64D-9319-36E59198B271}" destId="{31D4D5DF-2044-D142-88ED-6055A9D3E542}" srcOrd="0" destOrd="0" presId="urn:microsoft.com/office/officeart/2005/8/layout/hierarchy2"/>
+    <dgm:cxn modelId="{3C397633-5189-CA46-9062-FE166DDD9DEF}" type="presParOf" srcId="{0CCAAE81-1AD0-9542-85D9-D67FE79F8099}" destId="{9BEAD450-347D-7E48-9F81-A62D723C27EB}" srcOrd="3" destOrd="0" presId="urn:microsoft.com/office/officeart/2005/8/layout/hierarchy2"/>
+    <dgm:cxn modelId="{9399E906-5B41-FF44-9A5E-C618ED25AEE9}" type="presParOf" srcId="{9BEAD450-347D-7E48-9F81-A62D723C27EB}" destId="{53DBB290-46A4-354F-A6D5-8096E6E903F5}" srcOrd="0" destOrd="0" presId="urn:microsoft.com/office/officeart/2005/8/layout/hierarchy2"/>
+    <dgm:cxn modelId="{C264063D-D43F-9449-AA05-285B875AE7FE}" type="presParOf" srcId="{9BEAD450-347D-7E48-9F81-A62D723C27EB}" destId="{CA6567D1-39A0-A049-8019-979490879AB5}" srcOrd="1" destOrd="0" presId="urn:microsoft.com/office/officeart/2005/8/layout/hierarchy2"/>
+    <dgm:cxn modelId="{63BBE82D-E7AA-E34F-A8DF-A2C44960D4F4}" type="presParOf" srcId="{E96E0F35-F4D5-6940-B477-7C754C1EA3AD}" destId="{5468245B-3736-C64C-BFB4-7E45693BEDE3}" srcOrd="2" destOrd="0" presId="urn:microsoft.com/office/officeart/2005/8/layout/hierarchy2"/>
+    <dgm:cxn modelId="{7822A4F3-B83F-3A48-BE06-CFB694D246EC}" type="presParOf" srcId="{5468245B-3736-C64C-BFB4-7E45693BEDE3}" destId="{3D572281-173E-A342-8635-7B6861FB9328}" srcOrd="0" destOrd="0" presId="urn:microsoft.com/office/officeart/2005/8/layout/hierarchy2"/>
+    <dgm:cxn modelId="{2C8505AE-2486-2D45-9C12-35362360B403}" type="presParOf" srcId="{E96E0F35-F4D5-6940-B477-7C754C1EA3AD}" destId="{30719FE1-D463-D845-A94D-A5565A260E25}" srcOrd="3" destOrd="0" presId="urn:microsoft.com/office/officeart/2005/8/layout/hierarchy2"/>
+    <dgm:cxn modelId="{71C92152-D94F-C442-86FA-44B370D33C97}" type="presParOf" srcId="{30719FE1-D463-D845-A94D-A5565A260E25}" destId="{EADB709B-B6C4-3943-98DA-576F545A4668}" srcOrd="0" destOrd="0" presId="urn:microsoft.com/office/officeart/2005/8/layout/hierarchy2"/>
+    <dgm:cxn modelId="{6FFFA850-F154-EF48-8355-3E68502D5565}" type="presParOf" srcId="{30719FE1-D463-D845-A94D-A5565A260E25}" destId="{8A2106AC-AF7D-DD48-9547-7B8EB29B9BA8}" srcOrd="1" destOrd="0" presId="urn:microsoft.com/office/officeart/2005/8/layout/hierarchy2"/>
+    <dgm:cxn modelId="{FA08C2A9-E957-F845-8B60-4EAC1F173317}" type="presParOf" srcId="{E96E0F35-F4D5-6940-B477-7C754C1EA3AD}" destId="{E76A51DA-143A-264F-9801-9A52C63FCB97}" srcOrd="4" destOrd="0" presId="urn:microsoft.com/office/officeart/2005/8/layout/hierarchy2"/>
+    <dgm:cxn modelId="{01D5FC97-1754-9C49-AF7C-AE00D606C17C}" type="presParOf" srcId="{E76A51DA-143A-264F-9801-9A52C63FCB97}" destId="{97AB2268-0251-8A4D-80FE-0206C1F8FD49}" srcOrd="0" destOrd="0" presId="urn:microsoft.com/office/officeart/2005/8/layout/hierarchy2"/>
+    <dgm:cxn modelId="{F7B311FD-E27D-654C-967D-FD31584B2224}" type="presParOf" srcId="{E96E0F35-F4D5-6940-B477-7C754C1EA3AD}" destId="{D78A9C9A-5A2F-1442-85A9-24F9F1C92561}" srcOrd="5" destOrd="0" presId="urn:microsoft.com/office/officeart/2005/8/layout/hierarchy2"/>
+    <dgm:cxn modelId="{FB875E10-3123-7F41-B4EB-F1A198D53C91}" type="presParOf" srcId="{D78A9C9A-5A2F-1442-85A9-24F9F1C92561}" destId="{1F7A19F5-7367-1F4D-8522-081B5BF83E58}" srcOrd="0" destOrd="0" presId="urn:microsoft.com/office/officeart/2005/8/layout/hierarchy2"/>
+    <dgm:cxn modelId="{344F2368-A945-DE47-AE8D-5B750360D536}" type="presParOf" srcId="{D78A9C9A-5A2F-1442-85A9-24F9F1C92561}" destId="{844231C6-0D58-154A-BF51-9BF0B8C20045}" srcOrd="1" destOrd="0" presId="urn:microsoft.com/office/officeart/2005/8/layout/hierarchy2"/>
+    <dgm:cxn modelId="{292434B3-8090-49DF-B258-5DF3E0BE55A4}" type="presParOf" srcId="{3ED33DBB-683D-4840-996D-4C9012BA6952}" destId="{22A0D473-2D2C-4751-9053-60186FA8FF15}" srcOrd="2" destOrd="0" presId="urn:microsoft.com/office/officeart/2005/8/layout/hierarchy2"/>
     <dgm:cxn modelId="{385BF338-465A-4A64-931C-A54F75CEF010}" type="presParOf" srcId="{22A0D473-2D2C-4751-9053-60186FA8FF15}" destId="{F82F6AB9-CED6-46E2-A6F4-D0BD300D3AD4}" srcOrd="0" destOrd="0" presId="urn:microsoft.com/office/officeart/2005/8/layout/hierarchy2"/>
-    <dgm:cxn modelId="{638D9AA0-34CF-4385-AD74-327B81B22DDE}" type="presParOf" srcId="{3ED33DBB-683D-4840-996D-4C9012BA6952}" destId="{745ACD0A-9BF9-4BC7-8F2B-69501A892131}" srcOrd="1" destOrd="0" presId="urn:microsoft.com/office/officeart/2005/8/layout/hierarchy2"/>
+    <dgm:cxn modelId="{638D9AA0-34CF-4385-AD74-327B81B22DDE}" type="presParOf" srcId="{3ED33DBB-683D-4840-996D-4C9012BA6952}" destId="{745ACD0A-9BF9-4BC7-8F2B-69501A892131}" srcOrd="3" destOrd="0" presId="urn:microsoft.com/office/officeart/2005/8/layout/hierarchy2"/>
     <dgm:cxn modelId="{C6943E94-27A9-4042-A389-153A33539144}" type="presParOf" srcId="{745ACD0A-9BF9-4BC7-8F2B-69501A892131}" destId="{4749729A-D121-4BBF-98CE-48CA10C2FAE2}" srcOrd="0" destOrd="0" presId="urn:microsoft.com/office/officeart/2005/8/layout/hierarchy2"/>
     <dgm:cxn modelId="{ED0FF026-3549-4A36-A40A-1177FBB4A7AC}" type="presParOf" srcId="{745ACD0A-9BF9-4BC7-8F2B-69501A892131}" destId="{19EA20D8-DE8B-4B72-AC3D-A48DF48D5430}" srcOrd="1" destOrd="0" presId="urn:microsoft.com/office/officeart/2005/8/layout/hierarchy2"/>
     <dgm:cxn modelId="{6D2FE682-3E92-4F53-8F54-8997BBB1D588}" type="presParOf" srcId="{19EA20D8-DE8B-4B72-AC3D-A48DF48D5430}" destId="{90028366-DC65-48F5-AA66-BC9322AAE176}" srcOrd="0" destOrd="0" presId="urn:microsoft.com/office/officeart/2005/8/layout/hierarchy2"/>
@@ -6281,26 +6840,6 @@
     <dgm:cxn modelId="{4644C380-81BF-41A9-BA03-398381C16B34}" type="presParOf" srcId="{19EA20D8-DE8B-4B72-AC3D-A48DF48D5430}" destId="{46BB0B3C-299E-49EA-9A98-42C9AAC5956A}" srcOrd="3" destOrd="0" presId="urn:microsoft.com/office/officeart/2005/8/layout/hierarchy2"/>
     <dgm:cxn modelId="{35962011-F221-4689-A2DD-892A65DC693A}" type="presParOf" srcId="{46BB0B3C-299E-49EA-9A98-42C9AAC5956A}" destId="{4817CED8-EB4C-45B4-A3D5-6CA858B48CE6}" srcOrd="0" destOrd="0" presId="urn:microsoft.com/office/officeart/2005/8/layout/hierarchy2"/>
     <dgm:cxn modelId="{F0B71A8B-BAA9-4FAA-B4B1-1A39EB9FF377}" type="presParOf" srcId="{46BB0B3C-299E-49EA-9A98-42C9AAC5956A}" destId="{B46E5B98-3BD1-487F-B66F-EB686A7919F2}" srcOrd="1" destOrd="0" presId="urn:microsoft.com/office/officeart/2005/8/layout/hierarchy2"/>
-    <dgm:cxn modelId="{235E5465-A725-4DCA-AC6F-CCC386C7FD92}" type="presParOf" srcId="{3ED33DBB-683D-4840-996D-4C9012BA6952}" destId="{E5DDBAD3-14EC-41FA-8503-8E186AB1BA1C}" srcOrd="2" destOrd="0" presId="urn:microsoft.com/office/officeart/2005/8/layout/hierarchy2"/>
-    <dgm:cxn modelId="{D82DFE27-7085-49DD-878C-7547B1566573}" type="presParOf" srcId="{E5DDBAD3-14EC-41FA-8503-8E186AB1BA1C}" destId="{AD898438-E19F-4702-85EF-57C7414B0525}" srcOrd="0" destOrd="0" presId="urn:microsoft.com/office/officeart/2005/8/layout/hierarchy2"/>
-    <dgm:cxn modelId="{6917B74A-E202-400C-8B51-4CDF79AFB0EF}" type="presParOf" srcId="{3ED33DBB-683D-4840-996D-4C9012BA6952}" destId="{ADD346C2-D9B6-4461-A835-54B2A3D72D19}" srcOrd="3" destOrd="0" presId="urn:microsoft.com/office/officeart/2005/8/layout/hierarchy2"/>
-    <dgm:cxn modelId="{BE8464BD-1DD3-4032-82D1-EA7C4CA15DE5}" type="presParOf" srcId="{ADD346C2-D9B6-4461-A835-54B2A3D72D19}" destId="{92800B67-239D-4522-8267-E3E01FE8D2E7}" srcOrd="0" destOrd="0" presId="urn:microsoft.com/office/officeart/2005/8/layout/hierarchy2"/>
-    <dgm:cxn modelId="{3DA39046-2591-481F-8163-385B540509A4}" type="presParOf" srcId="{ADD346C2-D9B6-4461-A835-54B2A3D72D19}" destId="{3BBD6BEA-AED3-4400-9076-F9E1D81B2DFF}" srcOrd="1" destOrd="0" presId="urn:microsoft.com/office/officeart/2005/8/layout/hierarchy2"/>
-    <dgm:cxn modelId="{B865D96E-DDE2-4EB3-8DCD-31FD976EA9AF}" type="presParOf" srcId="{3BBD6BEA-AED3-4400-9076-F9E1D81B2DFF}" destId="{3042C2B1-53C5-4A68-AE0E-698A73DCC7BE}" srcOrd="0" destOrd="0" presId="urn:microsoft.com/office/officeart/2005/8/layout/hierarchy2"/>
-    <dgm:cxn modelId="{BC26AA13-F832-4026-86BA-426E3DADD8CD}" type="presParOf" srcId="{3042C2B1-53C5-4A68-AE0E-698A73DCC7BE}" destId="{4EA53F5E-2286-4DC6-A257-DD00B8176891}" srcOrd="0" destOrd="0" presId="urn:microsoft.com/office/officeart/2005/8/layout/hierarchy2"/>
-    <dgm:cxn modelId="{324E896D-53EF-48CC-8F45-AC96655E0801}" type="presParOf" srcId="{3BBD6BEA-AED3-4400-9076-F9E1D81B2DFF}" destId="{0A51825A-7F21-480C-954F-B67F7535128C}" srcOrd="1" destOrd="0" presId="urn:microsoft.com/office/officeart/2005/8/layout/hierarchy2"/>
-    <dgm:cxn modelId="{98ED06DF-2F57-4428-B3BF-A4109C8E29D2}" type="presParOf" srcId="{0A51825A-7F21-480C-954F-B67F7535128C}" destId="{0F801627-69FE-4E10-B3FE-2DD93FFE0049}" srcOrd="0" destOrd="0" presId="urn:microsoft.com/office/officeart/2005/8/layout/hierarchy2"/>
-    <dgm:cxn modelId="{971D50E8-FC1D-4325-930D-9C8F76BE377B}" type="presParOf" srcId="{0A51825A-7F21-480C-954F-B67F7535128C}" destId="{8197D22C-1560-4338-A187-D9E88311EABB}" srcOrd="1" destOrd="0" presId="urn:microsoft.com/office/officeart/2005/8/layout/hierarchy2"/>
-    <dgm:cxn modelId="{59ED67DB-0F67-4F47-9B92-873B6D9EE065}" type="presParOf" srcId="{3BBD6BEA-AED3-4400-9076-F9E1D81B2DFF}" destId="{816138AD-8A73-4F90-853A-7ACD8216A1B2}" srcOrd="2" destOrd="0" presId="urn:microsoft.com/office/officeart/2005/8/layout/hierarchy2"/>
-    <dgm:cxn modelId="{B9DEF82E-2AA2-49E8-93D2-81FE9647B139}" type="presParOf" srcId="{816138AD-8A73-4F90-853A-7ACD8216A1B2}" destId="{11AF5A8E-F246-464E-AAFA-0944DE4A3585}" srcOrd="0" destOrd="0" presId="urn:microsoft.com/office/officeart/2005/8/layout/hierarchy2"/>
-    <dgm:cxn modelId="{F1DE5C5E-E7BA-457A-9B7B-CA50742C00EB}" type="presParOf" srcId="{3BBD6BEA-AED3-4400-9076-F9E1D81B2DFF}" destId="{C9C02764-5D1E-4A31-BF75-8DD985B3E0BF}" srcOrd="3" destOrd="0" presId="urn:microsoft.com/office/officeart/2005/8/layout/hierarchy2"/>
-    <dgm:cxn modelId="{682BC329-37AA-45F0-BFF1-6EAC52B1A3D0}" type="presParOf" srcId="{C9C02764-5D1E-4A31-BF75-8DD985B3E0BF}" destId="{07897C94-E4E2-458F-B04A-E5193C8E03A3}" srcOrd="0" destOrd="0" presId="urn:microsoft.com/office/officeart/2005/8/layout/hierarchy2"/>
-    <dgm:cxn modelId="{150F83C1-2C98-4636-97DE-7D970B5FB675}" type="presParOf" srcId="{C9C02764-5D1E-4A31-BF75-8DD985B3E0BF}" destId="{E5DFDAD5-65EE-46EA-819D-A42CB3707BD8}" srcOrd="1" destOrd="0" presId="urn:microsoft.com/office/officeart/2005/8/layout/hierarchy2"/>
-    <dgm:cxn modelId="{E89AC561-75E4-4C02-9050-507224D5534F}" type="presParOf" srcId="{3BBD6BEA-AED3-4400-9076-F9E1D81B2DFF}" destId="{AED4CB94-EB07-44CD-8FDF-A30591839F4E}" srcOrd="4" destOrd="0" presId="urn:microsoft.com/office/officeart/2005/8/layout/hierarchy2"/>
-    <dgm:cxn modelId="{2F82E8EB-1BAD-4A4F-B918-B04749262776}" type="presParOf" srcId="{AED4CB94-EB07-44CD-8FDF-A30591839F4E}" destId="{609CC242-BDBB-4546-B6A6-91A6F2B45A60}" srcOrd="0" destOrd="0" presId="urn:microsoft.com/office/officeart/2005/8/layout/hierarchy2"/>
-    <dgm:cxn modelId="{156F9E36-76AA-4446-A825-B8373BD342CA}" type="presParOf" srcId="{3BBD6BEA-AED3-4400-9076-F9E1D81B2DFF}" destId="{26AAEB7E-7C49-4F16-A583-DD9042BFC0CA}" srcOrd="5" destOrd="0" presId="urn:microsoft.com/office/officeart/2005/8/layout/hierarchy2"/>
-    <dgm:cxn modelId="{EF9FABEC-E9A4-4217-B12F-D64EC13EE04C}" type="presParOf" srcId="{26AAEB7E-7C49-4F16-A583-DD9042BFC0CA}" destId="{AE6071DD-3548-4F9E-8296-DD4EDC483D45}" srcOrd="0" destOrd="0" presId="urn:microsoft.com/office/officeart/2005/8/layout/hierarchy2"/>
-    <dgm:cxn modelId="{52935B32-FA1A-400D-9D10-47ED9614543B}" type="presParOf" srcId="{26AAEB7E-7C49-4F16-A583-DD9042BFC0CA}" destId="{C51466F3-3154-42D8-A308-B977360FFA09}" srcOrd="1" destOrd="0" presId="urn:microsoft.com/office/officeart/2005/8/layout/hierarchy2"/>
   </dgm:cxnLst>
   <dgm:bg/>
   <dgm:whole/>
@@ -6327,8 +6866,8 @@
       </dsp:nvSpPr>
       <dsp:spPr>
         <a:xfrm>
-          <a:off x="666855" y="1328291"/>
-          <a:ext cx="3056719" cy="1153417"/>
+          <a:off x="3656" y="1178346"/>
+          <a:ext cx="2445375" cy="922734"/>
         </a:xfrm>
         <a:prstGeom prst="roundRect">
           <a:avLst>
@@ -6371,12 +6910,12 @@
         </a:fontRef>
       </dsp:style>
       <dsp:txBody>
-        <a:bodyPr spcFirstLastPara="0" vert="horz" wrap="square" lIns="21590" tIns="21590" rIns="21590" bIns="21590" numCol="1" spcCol="1270" anchor="ctr" anchorCtr="0">
+        <a:bodyPr spcFirstLastPara="0" vert="horz" wrap="square" lIns="17145" tIns="17145" rIns="17145" bIns="17145" numCol="1" spcCol="1270" anchor="ctr" anchorCtr="0">
           <a:noAutofit/>
         </a:bodyPr>
         <a:lstStyle/>
         <a:p>
-          <a:pPr lvl="0" algn="ctr" defTabSz="1511300">
+          <a:pPr lvl="0" algn="ctr" defTabSz="1200150">
             <a:lnSpc>
               <a:spcPct val="90000"/>
             </a:lnSpc>
@@ -6388,15 +6927,15 @@
             </a:spcAft>
           </a:pPr>
           <a:r>
-            <a:rPr lang="en-US" sz="3400" kern="1200" dirty="0" smtClean="0"/>
+            <a:rPr lang="en-US" sz="2700" kern="1200" dirty="0" smtClean="0"/>
             <a:t>Total Run Time</a:t>
           </a:r>
-          <a:endParaRPr lang="en-US" sz="3400" kern="1200" dirty="0"/>
+          <a:endParaRPr lang="en-US" sz="2700" kern="1200" dirty="0"/>
         </a:p>
       </dsp:txBody>
       <dsp:txXfrm>
-        <a:off x="700637" y="1362073"/>
-        <a:ext cx="2989155" cy="1085853"/>
+        <a:off x="30682" y="1205372"/>
+        <a:ext cx="2391323" cy="868682"/>
       </dsp:txXfrm>
     </dsp:sp>
     <dsp:sp modelId="{BDB1E3B9-19B5-4AB8-A16D-38BB6B9C1E05}">
@@ -6406,8 +6945,8 @@
       </dsp:nvSpPr>
       <dsp:spPr>
         <a:xfrm rot="18289469">
-          <a:off x="3377034" y="1214538"/>
-          <a:ext cx="1615814" cy="54492"/>
+          <a:off x="2171799" y="1087344"/>
+          <a:ext cx="1292651" cy="43593"/>
         </a:xfrm>
         <a:custGeom>
           <a:avLst/>
@@ -6418,10 +6957,10 @@
           <a:pathLst>
             <a:path>
               <a:moveTo>
-                <a:pt x="0" y="27246"/>
+                <a:pt x="0" y="21796"/>
               </a:moveTo>
               <a:lnTo>
-                <a:pt x="1615814" y="27246"/>
+                <a:pt x="1292651" y="21796"/>
               </a:lnTo>
             </a:path>
           </a:pathLst>
@@ -6474,8 +7013,8 @@
         </a:p>
       </dsp:txBody>
       <dsp:txXfrm>
-        <a:off x="4144546" y="1201389"/>
-        <a:ext cx="80790" cy="80790"/>
+        <a:off x="2785808" y="1076825"/>
+        <a:ext cx="64632" cy="64632"/>
       </dsp:txXfrm>
     </dsp:sp>
     <dsp:sp modelId="{7B6181A9-F281-43B7-BE74-32AA0B11D9CD}">
@@ -6485,8 +7024,8 @@
       </dsp:nvSpPr>
       <dsp:spPr>
         <a:xfrm>
-          <a:off x="4646308" y="1860"/>
-          <a:ext cx="2306835" cy="1153417"/>
+          <a:off x="3187218" y="117202"/>
+          <a:ext cx="1845468" cy="922734"/>
         </a:xfrm>
         <a:prstGeom prst="roundRect">
           <a:avLst>
@@ -6529,12 +7068,12 @@
         </a:fontRef>
       </dsp:style>
       <dsp:txBody>
-        <a:bodyPr spcFirstLastPara="0" vert="horz" wrap="square" lIns="21590" tIns="21590" rIns="21590" bIns="21590" numCol="1" spcCol="1270" anchor="ctr" anchorCtr="0">
+        <a:bodyPr spcFirstLastPara="0" vert="horz" wrap="square" lIns="17145" tIns="17145" rIns="17145" bIns="17145" numCol="1" spcCol="1270" anchor="ctr" anchorCtr="0">
           <a:noAutofit/>
         </a:bodyPr>
         <a:lstStyle/>
         <a:p>
-          <a:pPr lvl="0" algn="ctr" defTabSz="1511300">
+          <a:pPr lvl="0" algn="ctr" defTabSz="1200150">
             <a:lnSpc>
               <a:spcPct val="90000"/>
             </a:lnSpc>
@@ -6546,15 +7085,15 @@
             </a:spcAft>
           </a:pPr>
           <a:r>
-            <a:rPr lang="en-US" sz="3400" kern="1200" dirty="0" smtClean="0"/>
+            <a:rPr lang="en-US" sz="2700" kern="1200" dirty="0" smtClean="0"/>
             <a:t>On CPU Time</a:t>
           </a:r>
-          <a:endParaRPr lang="en-US" sz="3400" kern="1200" dirty="0"/>
+          <a:endParaRPr lang="en-US" sz="2700" kern="1200" dirty="0"/>
         </a:p>
       </dsp:txBody>
       <dsp:txXfrm>
-        <a:off x="4680090" y="35642"/>
-        <a:ext cx="2239271" cy="1085853"/>
+        <a:off x="3214244" y="144228"/>
+        <a:ext cx="1791416" cy="868682"/>
       </dsp:txXfrm>
     </dsp:sp>
     <dsp:sp modelId="{9C022E0E-CBD6-4D8B-8A7E-380B1CD72A19}">
@@ -6564,8 +7103,8 @@
       </dsp:nvSpPr>
       <dsp:spPr>
         <a:xfrm>
-          <a:off x="3723574" y="1877753"/>
-          <a:ext cx="922734" cy="54492"/>
+          <a:off x="2449031" y="1617916"/>
+          <a:ext cx="738187" cy="43593"/>
         </a:xfrm>
         <a:custGeom>
           <a:avLst/>
@@ -6576,10 +7115,10 @@
           <a:pathLst>
             <a:path>
               <a:moveTo>
-                <a:pt x="0" y="27246"/>
+                <a:pt x="0" y="21796"/>
               </a:moveTo>
               <a:lnTo>
-                <a:pt x="922734" y="27246"/>
+                <a:pt x="738187" y="21796"/>
               </a:lnTo>
             </a:path>
           </a:pathLst>
@@ -6632,8 +7171,8 @@
         </a:p>
       </dsp:txBody>
       <dsp:txXfrm>
-        <a:off x="4161873" y="1881931"/>
-        <a:ext cx="46136" cy="46136"/>
+        <a:off x="2799670" y="1621259"/>
+        <a:ext cx="36909" cy="36909"/>
       </dsp:txXfrm>
     </dsp:sp>
     <dsp:sp modelId="{AD9C6181-0775-46AE-B420-CF9EABFC421E}">
@@ -6643,8 +7182,8 @@
       </dsp:nvSpPr>
       <dsp:spPr>
         <a:xfrm>
-          <a:off x="4646308" y="1328291"/>
-          <a:ext cx="2306835" cy="1153417"/>
+          <a:off x="3187218" y="1178346"/>
+          <a:ext cx="1845468" cy="922734"/>
         </a:xfrm>
         <a:prstGeom prst="roundRect">
           <a:avLst>
@@ -6687,12 +7226,12 @@
         </a:fontRef>
       </dsp:style>
       <dsp:txBody>
-        <a:bodyPr spcFirstLastPara="0" vert="horz" wrap="square" lIns="21590" tIns="21590" rIns="21590" bIns="21590" numCol="1" spcCol="1270" anchor="ctr" anchorCtr="0">
+        <a:bodyPr spcFirstLastPara="0" vert="horz" wrap="square" lIns="17145" tIns="17145" rIns="17145" bIns="17145" numCol="1" spcCol="1270" anchor="ctr" anchorCtr="0">
           <a:noAutofit/>
         </a:bodyPr>
         <a:lstStyle/>
         <a:p>
-          <a:pPr lvl="0" algn="ctr" defTabSz="1511300">
+          <a:pPr lvl="0" algn="ctr" defTabSz="1200150">
             <a:lnSpc>
               <a:spcPct val="90000"/>
             </a:lnSpc>
@@ -6704,26 +7243,26 @@
             </a:spcAft>
           </a:pPr>
           <a:r>
-            <a:rPr lang="en-US" sz="3400" kern="1200" dirty="0" smtClean="0"/>
+            <a:rPr lang="en-US" sz="2700" kern="1200" dirty="0" smtClean="0"/>
             <a:t>On Run Queue Time</a:t>
           </a:r>
-          <a:endParaRPr lang="en-US" sz="3400" kern="1200" dirty="0"/>
+          <a:endParaRPr lang="en-US" sz="2700" kern="1200" dirty="0"/>
         </a:p>
       </dsp:txBody>
       <dsp:txXfrm>
-        <a:off x="4680090" y="1362073"/>
-        <a:ext cx="2239271" cy="1085853"/>
+        <a:off x="3214244" y="1205372"/>
+        <a:ext cx="1791416" cy="868682"/>
       </dsp:txXfrm>
     </dsp:sp>
-    <dsp:sp modelId="{E114B57D-08C5-4F0D-B669-01AB62E56025}">
+    <dsp:sp modelId="{65D5DFCC-AAEA-B44A-9666-24178307B025}">
       <dsp:nvSpPr>
         <dsp:cNvPr id="0" name=""/>
         <dsp:cNvSpPr/>
       </dsp:nvSpPr>
       <dsp:spPr>
         <a:xfrm rot="3310531">
-          <a:off x="3377034" y="2540969"/>
-          <a:ext cx="1615814" cy="54492"/>
+          <a:off x="2171799" y="2148489"/>
+          <a:ext cx="1292651" cy="43593"/>
         </a:xfrm>
         <a:custGeom>
           <a:avLst/>
@@ -6734,10 +7273,10 @@
           <a:pathLst>
             <a:path>
               <a:moveTo>
-                <a:pt x="0" y="27246"/>
+                <a:pt x="0" y="21796"/>
               </a:moveTo>
               <a:lnTo>
-                <a:pt x="1615814" y="27246"/>
+                <a:pt x="1292651" y="21796"/>
               </a:lnTo>
             </a:path>
           </a:pathLst>
@@ -6786,23 +7325,23 @@
               <a:spcPct val="35000"/>
             </a:spcAft>
           </a:pPr>
-          <a:endParaRPr lang="en-US" sz="500" kern="1200"/>
+          <a:endParaRPr lang="zh-CN" altLang="en-US" sz="500" kern="1200"/>
         </a:p>
       </dsp:txBody>
       <dsp:txXfrm>
-        <a:off x="4144546" y="2527819"/>
-        <a:ext cx="80790" cy="80790"/>
+        <a:off x="2785808" y="2137969"/>
+        <a:ext cx="64632" cy="64632"/>
       </dsp:txXfrm>
     </dsp:sp>
-    <dsp:sp modelId="{11C42E8F-F779-41D4-8780-B71845E8DC76}">
+    <dsp:sp modelId="{05FC3B35-A68C-4B49-8768-D68EDBA32E68}">
       <dsp:nvSpPr>
         <dsp:cNvPr id="0" name=""/>
         <dsp:cNvSpPr/>
       </dsp:nvSpPr>
       <dsp:spPr>
         <a:xfrm>
-          <a:off x="4646308" y="2654721"/>
-          <a:ext cx="2306835" cy="1153417"/>
+          <a:off x="3187218" y="2239491"/>
+          <a:ext cx="1845468" cy="922734"/>
         </a:xfrm>
         <a:prstGeom prst="roundRect">
           <a:avLst>
@@ -6845,12 +7384,12 @@
         </a:fontRef>
       </dsp:style>
       <dsp:txBody>
-        <a:bodyPr spcFirstLastPara="0" vert="horz" wrap="square" lIns="21590" tIns="21590" rIns="21590" bIns="21590" numCol="1" spcCol="1270" anchor="ctr" anchorCtr="0">
+        <a:bodyPr spcFirstLastPara="0" vert="horz" wrap="square" lIns="17145" tIns="17145" rIns="17145" bIns="17145" numCol="1" spcCol="1270" anchor="ctr" anchorCtr="0">
           <a:noAutofit/>
         </a:bodyPr>
         <a:lstStyle/>
         <a:p>
-          <a:pPr lvl="0" algn="ctr" defTabSz="1511300">
+          <a:pPr lvl="0" algn="ctr" defTabSz="1200150">
             <a:lnSpc>
               <a:spcPct val="90000"/>
             </a:lnSpc>
@@ -6862,38 +7401,105 @@
             </a:spcAft>
           </a:pPr>
           <a:r>
-            <a:rPr lang="en-US" sz="3400" kern="1200" dirty="0" smtClean="0"/>
+            <a:rPr lang="en-US" sz="2700" kern="1200" dirty="0" smtClean="0"/>
             <a:t>Sleep Time</a:t>
           </a:r>
-          <a:endParaRPr lang="en-US" sz="3400" kern="1200" dirty="0"/>
+          <a:endParaRPr lang="en-US" sz="2700" kern="1200" dirty="0"/>
         </a:p>
       </dsp:txBody>
       <dsp:txXfrm>
-        <a:off x="4680090" y="2688503"/>
-        <a:ext cx="2239271" cy="1085853"/>
+        <a:off x="3214244" y="2266517"/>
+        <a:ext cx="1791416" cy="868682"/>
       </dsp:txXfrm>
     </dsp:sp>
-  </dsp:spTree>
-</dsp:drawing>
-</file>
-
-<file path=ppt/diagrams/drawing2.xml><?xml version="1.0" encoding="utf-8"?>
-<dsp:drawing xmlns:dgm="http://schemas.openxmlformats.org/drawingml/2006/diagram" xmlns:dsp="http://schemas.microsoft.com/office/drawing/2008/diagram" xmlns:a="http://schemas.openxmlformats.org/drawingml/2006/main">
-  <dsp:spTree>
-    <dsp:nvGrpSpPr>
-      <dsp:cNvPr id="0" name=""/>
-      <dsp:cNvGrpSpPr/>
-    </dsp:nvGrpSpPr>
-    <dsp:grpSpPr/>
-    <dsp:sp modelId="{77D5B7ED-7ACC-4DCE-A020-FEFCF15028ED}">
+    <dsp:sp modelId="{5ACC3E85-B970-7B45-9419-9A2C31F419E2}">
+      <dsp:nvSpPr>
+        <dsp:cNvPr id="0" name=""/>
+        <dsp:cNvSpPr/>
+      </dsp:nvSpPr>
+      <dsp:spPr>
+        <a:xfrm rot="19457599">
+          <a:off x="4947241" y="2413775"/>
+          <a:ext cx="909080" cy="43593"/>
+        </a:xfrm>
+        <a:custGeom>
+          <a:avLst/>
+          <a:gdLst/>
+          <a:ahLst/>
+          <a:cxnLst/>
+          <a:rect l="0" t="0" r="0" b="0"/>
+          <a:pathLst>
+            <a:path>
+              <a:moveTo>
+                <a:pt x="0" y="21796"/>
+              </a:moveTo>
+              <a:lnTo>
+                <a:pt x="909080" y="21796"/>
+              </a:lnTo>
+            </a:path>
+          </a:pathLst>
+        </a:custGeom>
+        <a:noFill/>
+        <a:ln w="25400" cap="flat" cmpd="sng" algn="ctr">
+          <a:solidFill>
+            <a:schemeClr val="accent1">
+              <a:shade val="80000"/>
+              <a:hueOff val="0"/>
+              <a:satOff val="0"/>
+              <a:lumOff val="0"/>
+              <a:alphaOff val="0"/>
+            </a:schemeClr>
+          </a:solidFill>
+          <a:prstDash val="solid"/>
+        </a:ln>
+        <a:effectLst/>
+      </dsp:spPr>
+      <dsp:style>
+        <a:lnRef idx="2">
+          <a:scrgbClr r="0" g="0" b="0"/>
+        </a:lnRef>
+        <a:fillRef idx="0">
+          <a:scrgbClr r="0" g="0" b="0"/>
+        </a:fillRef>
+        <a:effectRef idx="0">
+          <a:scrgbClr r="0" g="0" b="0"/>
+        </a:effectRef>
+        <a:fontRef idx="minor"/>
+      </dsp:style>
+      <dsp:txBody>
+        <a:bodyPr spcFirstLastPara="0" vert="horz" wrap="square" lIns="12700" tIns="0" rIns="12700" bIns="0" numCol="1" spcCol="1270" anchor="ctr" anchorCtr="0">
+          <a:noAutofit/>
+        </a:bodyPr>
+        <a:lstStyle/>
+        <a:p>
+          <a:pPr lvl="0" algn="ctr" defTabSz="222250">
+            <a:lnSpc>
+              <a:spcPct val="90000"/>
+            </a:lnSpc>
+            <a:spcBef>
+              <a:spcPct val="0"/>
+            </a:spcBef>
+            <a:spcAft>
+              <a:spcPct val="35000"/>
+            </a:spcAft>
+          </a:pPr>
+          <a:endParaRPr lang="zh-CN" altLang="en-US" sz="500" kern="1200"/>
+        </a:p>
+      </dsp:txBody>
+      <dsp:txXfrm>
+        <a:off x="5379054" y="2412845"/>
+        <a:ext cx="45454" cy="45454"/>
+      </dsp:txXfrm>
+    </dsp:sp>
+    <dsp:sp modelId="{1E110BD0-E14E-7447-A871-9B5A056063A2}">
       <dsp:nvSpPr>
         <dsp:cNvPr id="0" name=""/>
         <dsp:cNvSpPr/>
       </dsp:nvSpPr>
       <dsp:spPr>
         <a:xfrm>
-          <a:off x="1427075" y="1928175"/>
-          <a:ext cx="1625618" cy="669612"/>
+          <a:off x="5770875" y="1708918"/>
+          <a:ext cx="1845468" cy="922734"/>
         </a:xfrm>
         <a:prstGeom prst="roundRect">
           <a:avLst>
@@ -6936,12 +7542,12 @@
         </a:fontRef>
       </dsp:style>
       <dsp:txBody>
-        <a:bodyPr spcFirstLastPara="0" vert="horz" wrap="square" lIns="13335" tIns="13335" rIns="13335" bIns="13335" numCol="1" spcCol="1270" anchor="ctr" anchorCtr="0">
+        <a:bodyPr spcFirstLastPara="0" vert="horz" wrap="square" lIns="17145" tIns="17145" rIns="17145" bIns="17145" numCol="1" spcCol="1270" anchor="ctr" anchorCtr="0">
           <a:noAutofit/>
         </a:bodyPr>
         <a:lstStyle/>
         <a:p>
-          <a:pPr lvl="0" algn="ctr" defTabSz="933450">
+          <a:pPr lvl="0" algn="ctr" defTabSz="1200150">
             <a:lnSpc>
               <a:spcPct val="90000"/>
             </a:lnSpc>
@@ -6953,26 +7559,34 @@
             </a:spcAft>
           </a:pPr>
           <a:r>
-            <a:rPr lang="en-US" sz="2100" kern="1200" dirty="0" smtClean="0"/>
-            <a:t>On CPU Time</a:t>
+            <a:rPr lang="en-US" altLang="zh-CN" sz="2700" kern="1200" smtClean="0"/>
+            <a:t>Block</a:t>
           </a:r>
-          <a:endParaRPr lang="en-US" sz="2100" kern="1200" dirty="0"/>
+          <a:r>
+            <a:rPr lang="zh-CN" altLang="en-US" sz="2700" kern="1200" smtClean="0"/>
+            <a:t> </a:t>
+          </a:r>
+          <a:r>
+            <a:rPr lang="en-US" altLang="zh-CN" sz="2700" kern="1200" smtClean="0"/>
+            <a:t>Time</a:t>
+          </a:r>
+          <a:endParaRPr lang="en-US" sz="2700" kern="1200" dirty="0"/>
         </a:p>
       </dsp:txBody>
       <dsp:txXfrm>
-        <a:off x="1446687" y="1947787"/>
-        <a:ext cx="1586394" cy="630388"/>
+        <a:off x="5797901" y="1735944"/>
+        <a:ext cx="1791416" cy="868682"/>
       </dsp:txXfrm>
     </dsp:sp>
-    <dsp:sp modelId="{3BD51468-9745-4803-A8D0-22A7618B1535}">
+    <dsp:sp modelId="{56F2A713-A4F0-854D-9936-C3D64EA5A219}">
       <dsp:nvSpPr>
         <dsp:cNvPr id="0" name=""/>
         <dsp:cNvSpPr/>
       </dsp:nvSpPr>
       <dsp:spPr>
-        <a:xfrm rot="17350740">
-          <a:off x="2505232" y="1479611"/>
-          <a:ext cx="1630613" cy="26630"/>
+        <a:xfrm rot="2142401">
+          <a:off x="4947241" y="2944347"/>
+          <a:ext cx="909080" cy="43593"/>
         </a:xfrm>
         <a:custGeom>
           <a:avLst/>
@@ -6983,10 +7597,10 @@
           <a:pathLst>
             <a:path>
               <a:moveTo>
-                <a:pt x="0" y="13315"/>
+                <a:pt x="0" y="21796"/>
               </a:moveTo>
               <a:lnTo>
-                <a:pt x="1630613" y="13315"/>
+                <a:pt x="909080" y="21796"/>
               </a:lnTo>
             </a:path>
           </a:pathLst>
@@ -6995,7 +7609,7 @@
         <a:ln w="25400" cap="flat" cmpd="sng" algn="ctr">
           <a:solidFill>
             <a:schemeClr val="accent1">
-              <a:shade val="60000"/>
+              <a:shade val="80000"/>
               <a:hueOff val="0"/>
               <a:satOff val="0"/>
               <a:lumOff val="0"/>
@@ -7035,23 +7649,23 @@
               <a:spcPct val="35000"/>
             </a:spcAft>
           </a:pPr>
-          <a:endParaRPr lang="en-US" sz="500" kern="1200"/>
+          <a:endParaRPr lang="zh-CN" altLang="en-US" sz="500" kern="1200"/>
         </a:p>
       </dsp:txBody>
       <dsp:txXfrm>
-        <a:off x="3279773" y="1452161"/>
-        <a:ext cx="81530" cy="81530"/>
+        <a:off x="5379054" y="2943417"/>
+        <a:ext cx="45454" cy="45454"/>
       </dsp:txXfrm>
     </dsp:sp>
-    <dsp:sp modelId="{CFAF3A27-0351-4D9D-9792-07531DB192BF}">
+    <dsp:sp modelId="{FF54701D-228B-204D-AB6D-2A38C0126D74}">
       <dsp:nvSpPr>
         <dsp:cNvPr id="0" name=""/>
         <dsp:cNvSpPr/>
       </dsp:nvSpPr>
       <dsp:spPr>
         <a:xfrm>
-          <a:off x="3588383" y="388065"/>
-          <a:ext cx="1339225" cy="669612"/>
+          <a:off x="5770875" y="2770063"/>
+          <a:ext cx="1845468" cy="922734"/>
         </a:xfrm>
         <a:prstGeom prst="roundRect">
           <a:avLst>
@@ -7094,12 +7708,12 @@
         </a:fontRef>
       </dsp:style>
       <dsp:txBody>
-        <a:bodyPr spcFirstLastPara="0" vert="horz" wrap="square" lIns="13335" tIns="13335" rIns="13335" bIns="13335" numCol="1" spcCol="1270" anchor="ctr" anchorCtr="0">
+        <a:bodyPr spcFirstLastPara="0" vert="horz" wrap="square" lIns="17145" tIns="17145" rIns="17145" bIns="17145" numCol="1" spcCol="1270" anchor="ctr" anchorCtr="0">
           <a:noAutofit/>
         </a:bodyPr>
         <a:lstStyle/>
         <a:p>
-          <a:pPr lvl="0" algn="ctr" defTabSz="933450">
+          <a:pPr lvl="0" algn="ctr" defTabSz="1200150">
             <a:lnSpc>
               <a:spcPct val="90000"/>
             </a:lnSpc>
@@ -7111,415 +7725,46 @@
             </a:spcAft>
           </a:pPr>
           <a:r>
-            <a:rPr lang="en-US" sz="2100" kern="1200" dirty="0" smtClean="0"/>
-            <a:t>User</a:t>
+            <a:rPr lang="en-US" altLang="zh-CN" sz="2700" kern="1200" dirty="0" smtClean="0"/>
+            <a:t>Sleep</a:t>
           </a:r>
-          <a:endParaRPr lang="en-US" sz="2100" kern="1200" dirty="0"/>
+          <a:r>
+            <a:rPr lang="zh-CN" altLang="en-US" sz="2700" kern="1200" dirty="0" smtClean="0"/>
+            <a:t> </a:t>
+          </a:r>
+          <a:r>
+            <a:rPr lang="en-US" altLang="zh-CN" sz="2700" kern="1200" dirty="0" smtClean="0"/>
+            <a:t>Time</a:t>
+          </a:r>
+          <a:endParaRPr lang="en-US" sz="2700" kern="1200" dirty="0"/>
         </a:p>
       </dsp:txBody>
       <dsp:txXfrm>
-        <a:off x="3607995" y="407677"/>
-        <a:ext cx="1300001" cy="630388"/>
+        <a:off x="5797901" y="2797089"/>
+        <a:ext cx="1791416" cy="868682"/>
       </dsp:txXfrm>
     </dsp:sp>
-    <dsp:sp modelId="{C5D1B19A-2617-4DA1-B46A-C7811F1168E8}">
-      <dsp:nvSpPr>
-        <dsp:cNvPr id="0" name=""/>
-        <dsp:cNvSpPr/>
-      </dsp:nvSpPr>
-      <dsp:spPr>
-        <a:xfrm rot="19457599">
-          <a:off x="4865602" y="517043"/>
-          <a:ext cx="659704" cy="26630"/>
-        </a:xfrm>
-        <a:custGeom>
-          <a:avLst/>
-          <a:gdLst/>
-          <a:ahLst/>
-          <a:cxnLst/>
-          <a:rect l="0" t="0" r="0" b="0"/>
-          <a:pathLst>
-            <a:path>
-              <a:moveTo>
-                <a:pt x="0" y="13315"/>
-              </a:moveTo>
-              <a:lnTo>
-                <a:pt x="659704" y="13315"/>
-              </a:lnTo>
-            </a:path>
-          </a:pathLst>
-        </a:custGeom>
-        <a:noFill/>
-        <a:ln w="25400" cap="flat" cmpd="sng" algn="ctr">
-          <a:solidFill>
-            <a:schemeClr val="accent1">
-              <a:shade val="80000"/>
-              <a:hueOff val="0"/>
-              <a:satOff val="0"/>
-              <a:lumOff val="0"/>
-              <a:alphaOff val="0"/>
-            </a:schemeClr>
-          </a:solidFill>
-          <a:prstDash val="solid"/>
-        </a:ln>
-        <a:effectLst/>
-      </dsp:spPr>
-      <dsp:style>
-        <a:lnRef idx="2">
-          <a:scrgbClr r="0" g="0" b="0"/>
-        </a:lnRef>
-        <a:fillRef idx="0">
-          <a:scrgbClr r="0" g="0" b="0"/>
-        </a:fillRef>
-        <a:effectRef idx="0">
-          <a:scrgbClr r="0" g="0" b="0"/>
-        </a:effectRef>
-        <a:fontRef idx="minor"/>
-      </dsp:style>
-      <dsp:txBody>
-        <a:bodyPr spcFirstLastPara="0" vert="horz" wrap="square" lIns="12700" tIns="0" rIns="12700" bIns="0" numCol="1" spcCol="1270" anchor="ctr" anchorCtr="0">
-          <a:noAutofit/>
-        </a:bodyPr>
-        <a:lstStyle/>
-        <a:p>
-          <a:pPr lvl="0" algn="ctr" defTabSz="222250">
-            <a:lnSpc>
-              <a:spcPct val="90000"/>
-            </a:lnSpc>
-            <a:spcBef>
-              <a:spcPct val="0"/>
-            </a:spcBef>
-            <a:spcAft>
-              <a:spcPct val="35000"/>
-            </a:spcAft>
-          </a:pPr>
-          <a:endParaRPr lang="en-US" sz="500" kern="1200"/>
-        </a:p>
-      </dsp:txBody>
-      <dsp:txXfrm>
-        <a:off x="5178961" y="513866"/>
-        <a:ext cx="32985" cy="32985"/>
-      </dsp:txXfrm>
-    </dsp:sp>
-    <dsp:sp modelId="{025AF68A-F2D0-40A7-BC96-D3E2EC6F7344}">
+  </dsp:spTree>
+</dsp:drawing>
+</file>
+
+<file path=ppt/diagrams/drawing2.xml><?xml version="1.0" encoding="utf-8"?>
+<dsp:drawing xmlns:dgm="http://schemas.openxmlformats.org/drawingml/2006/diagram" xmlns:dsp="http://schemas.microsoft.com/office/drawing/2008/diagram" xmlns:a="http://schemas.openxmlformats.org/drawingml/2006/main">
+  <dsp:spTree>
+    <dsp:nvGrpSpPr>
+      <dsp:cNvPr id="0" name=""/>
+      <dsp:cNvGrpSpPr/>
+    </dsp:nvGrpSpPr>
+    <dsp:grpSpPr/>
+    <dsp:sp modelId="{77D5B7ED-7ACC-4DCE-A020-FEFCF15028ED}">
       <dsp:nvSpPr>
         <dsp:cNvPr id="0" name=""/>
         <dsp:cNvSpPr/>
       </dsp:nvSpPr>
       <dsp:spPr>
         <a:xfrm>
-          <a:off x="5463299" y="3038"/>
-          <a:ext cx="1339225" cy="669612"/>
-        </a:xfrm>
-        <a:prstGeom prst="roundRect">
-          <a:avLst>
-            <a:gd name="adj" fmla="val 10000"/>
-          </a:avLst>
-        </a:prstGeom>
-        <a:solidFill>
-          <a:schemeClr val="accent2">
-            <a:lumMod val="75000"/>
-          </a:schemeClr>
-        </a:solidFill>
-        <a:ln w="25400" cap="flat" cmpd="sng" algn="ctr">
-          <a:solidFill>
-            <a:schemeClr val="lt1">
-              <a:hueOff val="0"/>
-              <a:satOff val="0"/>
-              <a:lumOff val="0"/>
-              <a:alphaOff val="0"/>
-            </a:schemeClr>
-          </a:solidFill>
-          <a:prstDash val="solid"/>
-        </a:ln>
-        <a:effectLst/>
-      </dsp:spPr>
-      <dsp:style>
-        <a:lnRef idx="2">
-          <a:scrgbClr r="0" g="0" b="0"/>
-        </a:lnRef>
-        <a:fillRef idx="1">
-          <a:scrgbClr r="0" g="0" b="0"/>
-        </a:fillRef>
-        <a:effectRef idx="0">
-          <a:scrgbClr r="0" g="0" b="0"/>
-        </a:effectRef>
-        <a:fontRef idx="minor">
-          <a:schemeClr val="lt1"/>
-        </a:fontRef>
-      </dsp:style>
-      <dsp:txBody>
-        <a:bodyPr spcFirstLastPara="0" vert="horz" wrap="square" lIns="13335" tIns="13335" rIns="13335" bIns="13335" numCol="1" spcCol="1270" anchor="ctr" anchorCtr="0">
-          <a:noAutofit/>
-        </a:bodyPr>
-        <a:lstStyle/>
-        <a:p>
-          <a:pPr lvl="0" algn="ctr" defTabSz="933450">
-            <a:lnSpc>
-              <a:spcPct val="90000"/>
-            </a:lnSpc>
-            <a:spcBef>
-              <a:spcPct val="0"/>
-            </a:spcBef>
-            <a:spcAft>
-              <a:spcPct val="35000"/>
-            </a:spcAft>
-          </a:pPr>
-          <a:r>
-            <a:rPr lang="en-US" sz="2100" kern="1200" dirty="0" smtClean="0"/>
-            <a:t>Logical Loop</a:t>
-          </a:r>
-          <a:endParaRPr lang="en-US" sz="2100" kern="1200" dirty="0"/>
-        </a:p>
-      </dsp:txBody>
-      <dsp:txXfrm>
-        <a:off x="5482911" y="22650"/>
-        <a:ext cx="1300001" cy="630388"/>
-      </dsp:txXfrm>
-    </dsp:sp>
-    <dsp:sp modelId="{6F571075-BADD-44D6-A8FD-E2A7E2857B94}">
-      <dsp:nvSpPr>
-        <dsp:cNvPr id="0" name=""/>
-        <dsp:cNvSpPr/>
-      </dsp:nvSpPr>
-      <dsp:spPr>
-        <a:xfrm rot="2142401">
-          <a:off x="4865602" y="902070"/>
-          <a:ext cx="659704" cy="26630"/>
-        </a:xfrm>
-        <a:custGeom>
-          <a:avLst/>
-          <a:gdLst/>
-          <a:ahLst/>
-          <a:cxnLst/>
-          <a:rect l="0" t="0" r="0" b="0"/>
-          <a:pathLst>
-            <a:path>
-              <a:moveTo>
-                <a:pt x="0" y="13315"/>
-              </a:moveTo>
-              <a:lnTo>
-                <a:pt x="659704" y="13315"/>
-              </a:lnTo>
-            </a:path>
-          </a:pathLst>
-        </a:custGeom>
-        <a:noFill/>
-        <a:ln w="25400" cap="flat" cmpd="sng" algn="ctr">
-          <a:solidFill>
-            <a:schemeClr val="accent1">
-              <a:shade val="80000"/>
-              <a:hueOff val="0"/>
-              <a:satOff val="0"/>
-              <a:lumOff val="0"/>
-              <a:alphaOff val="0"/>
-            </a:schemeClr>
-          </a:solidFill>
-          <a:prstDash val="solid"/>
-        </a:ln>
-        <a:effectLst/>
-      </dsp:spPr>
-      <dsp:style>
-        <a:lnRef idx="2">
-          <a:scrgbClr r="0" g="0" b="0"/>
-        </a:lnRef>
-        <a:fillRef idx="0">
-          <a:scrgbClr r="0" g="0" b="0"/>
-        </a:fillRef>
-        <a:effectRef idx="0">
-          <a:scrgbClr r="0" g="0" b="0"/>
-        </a:effectRef>
-        <a:fontRef idx="minor"/>
-      </dsp:style>
-      <dsp:txBody>
-        <a:bodyPr spcFirstLastPara="0" vert="horz" wrap="square" lIns="12700" tIns="0" rIns="12700" bIns="0" numCol="1" spcCol="1270" anchor="ctr" anchorCtr="0">
-          <a:noAutofit/>
-        </a:bodyPr>
-        <a:lstStyle/>
-        <a:p>
-          <a:pPr lvl="0" algn="ctr" defTabSz="222250">
-            <a:lnSpc>
-              <a:spcPct val="90000"/>
-            </a:lnSpc>
-            <a:spcBef>
-              <a:spcPct val="0"/>
-            </a:spcBef>
-            <a:spcAft>
-              <a:spcPct val="35000"/>
-            </a:spcAft>
-          </a:pPr>
-          <a:endParaRPr lang="en-US" sz="500" kern="1200"/>
-        </a:p>
-      </dsp:txBody>
-      <dsp:txXfrm>
-        <a:off x="5178961" y="898893"/>
-        <a:ext cx="32985" cy="32985"/>
-      </dsp:txXfrm>
-    </dsp:sp>
-    <dsp:sp modelId="{84254D9F-0DE8-4CD5-8255-C4F0E77AE9E0}">
-      <dsp:nvSpPr>
-        <dsp:cNvPr id="0" name=""/>
-        <dsp:cNvSpPr/>
-      </dsp:nvSpPr>
-      <dsp:spPr>
-        <a:xfrm>
-          <a:off x="5463299" y="773093"/>
-          <a:ext cx="1339225" cy="669612"/>
-        </a:xfrm>
-        <a:prstGeom prst="roundRect">
-          <a:avLst>
-            <a:gd name="adj" fmla="val 10000"/>
-          </a:avLst>
-        </a:prstGeom>
-        <a:solidFill>
-          <a:schemeClr val="accent2">
-            <a:lumMod val="75000"/>
-          </a:schemeClr>
-        </a:solidFill>
-        <a:ln w="25400" cap="flat" cmpd="sng" algn="ctr">
-          <a:solidFill>
-            <a:schemeClr val="lt1">
-              <a:hueOff val="0"/>
-              <a:satOff val="0"/>
-              <a:lumOff val="0"/>
-              <a:alphaOff val="0"/>
-            </a:schemeClr>
-          </a:solidFill>
-          <a:prstDash val="solid"/>
-        </a:ln>
-        <a:effectLst/>
-      </dsp:spPr>
-      <dsp:style>
-        <a:lnRef idx="2">
-          <a:scrgbClr r="0" g="0" b="0"/>
-        </a:lnRef>
-        <a:fillRef idx="1">
-          <a:scrgbClr r="0" g="0" b="0"/>
-        </a:fillRef>
-        <a:effectRef idx="0">
-          <a:scrgbClr r="0" g="0" b="0"/>
-        </a:effectRef>
-        <a:fontRef idx="minor">
-          <a:schemeClr val="lt1"/>
-        </a:fontRef>
-      </dsp:style>
-      <dsp:txBody>
-        <a:bodyPr spcFirstLastPara="0" vert="horz" wrap="square" lIns="13335" tIns="13335" rIns="13335" bIns="13335" numCol="1" spcCol="1270" anchor="ctr" anchorCtr="0">
-          <a:noAutofit/>
-        </a:bodyPr>
-        <a:lstStyle/>
-        <a:p>
-          <a:pPr lvl="0" algn="ctr" defTabSz="933450">
-            <a:lnSpc>
-              <a:spcPct val="90000"/>
-            </a:lnSpc>
-            <a:spcBef>
-              <a:spcPct val="0"/>
-            </a:spcBef>
-            <a:spcAft>
-              <a:spcPct val="35000"/>
-            </a:spcAft>
-          </a:pPr>
-          <a:r>
-            <a:rPr lang="en-US" sz="2100" kern="1200" dirty="0" smtClean="0"/>
-            <a:t>Spin Lock Contention</a:t>
-          </a:r>
-          <a:endParaRPr lang="en-US" sz="2100" kern="1200" dirty="0"/>
-        </a:p>
-      </dsp:txBody>
-      <dsp:txXfrm>
-        <a:off x="5482911" y="792705"/>
-        <a:ext cx="1300001" cy="630388"/>
-      </dsp:txXfrm>
-    </dsp:sp>
-    <dsp:sp modelId="{D4CFCE08-54C0-45F9-8763-05D8B2A8EDEF}">
-      <dsp:nvSpPr>
-        <dsp:cNvPr id="0" name=""/>
-        <dsp:cNvSpPr/>
-      </dsp:nvSpPr>
-      <dsp:spPr>
-        <a:xfrm>
-          <a:off x="3052693" y="2249666"/>
-          <a:ext cx="535690" cy="26630"/>
-        </a:xfrm>
-        <a:custGeom>
-          <a:avLst/>
-          <a:gdLst/>
-          <a:ahLst/>
-          <a:cxnLst/>
-          <a:rect l="0" t="0" r="0" b="0"/>
-          <a:pathLst>
-            <a:path>
-              <a:moveTo>
-                <a:pt x="0" y="13315"/>
-              </a:moveTo>
-              <a:lnTo>
-                <a:pt x="535690" y="13315"/>
-              </a:lnTo>
-            </a:path>
-          </a:pathLst>
-        </a:custGeom>
-        <a:noFill/>
-        <a:ln w="25400" cap="flat" cmpd="sng" algn="ctr">
-          <a:solidFill>
-            <a:schemeClr val="accent1">
-              <a:shade val="60000"/>
-              <a:hueOff val="0"/>
-              <a:satOff val="0"/>
-              <a:lumOff val="0"/>
-              <a:alphaOff val="0"/>
-            </a:schemeClr>
-          </a:solidFill>
-          <a:prstDash val="solid"/>
-        </a:ln>
-        <a:effectLst/>
-      </dsp:spPr>
-      <dsp:style>
-        <a:lnRef idx="2">
-          <a:scrgbClr r="0" g="0" b="0"/>
-        </a:lnRef>
-        <a:fillRef idx="0">
-          <a:scrgbClr r="0" g="0" b="0"/>
-        </a:fillRef>
-        <a:effectRef idx="0">
-          <a:scrgbClr r="0" g="0" b="0"/>
-        </a:effectRef>
-        <a:fontRef idx="minor"/>
-      </dsp:style>
-      <dsp:txBody>
-        <a:bodyPr spcFirstLastPara="0" vert="horz" wrap="square" lIns="12700" tIns="0" rIns="12700" bIns="0" numCol="1" spcCol="1270" anchor="ctr" anchorCtr="0">
-          <a:noAutofit/>
-        </a:bodyPr>
-        <a:lstStyle/>
-        <a:p>
-          <a:pPr lvl="0" algn="ctr" defTabSz="222250">
-            <a:lnSpc>
-              <a:spcPct val="90000"/>
-            </a:lnSpc>
-            <a:spcBef>
-              <a:spcPct val="0"/>
-            </a:spcBef>
-            <a:spcAft>
-              <a:spcPct val="35000"/>
-            </a:spcAft>
-          </a:pPr>
-          <a:endParaRPr lang="en-US" sz="500" kern="1200"/>
-        </a:p>
-      </dsp:txBody>
-      <dsp:txXfrm>
-        <a:off x="3307146" y="2249589"/>
-        <a:ext cx="26784" cy="26784"/>
-      </dsp:txXfrm>
-    </dsp:sp>
-    <dsp:sp modelId="{2DBF9A3F-0ED9-42A9-A983-CFD99ADAD0AB}">
-      <dsp:nvSpPr>
-        <dsp:cNvPr id="0" name=""/>
-        <dsp:cNvSpPr/>
-      </dsp:nvSpPr>
-      <dsp:spPr>
-        <a:xfrm>
-          <a:off x="3588383" y="1928175"/>
-          <a:ext cx="1339225" cy="669612"/>
+          <a:off x="1817371" y="1812236"/>
+          <a:ext cx="1389555" cy="572375"/>
         </a:xfrm>
         <a:prstGeom prst="roundRect">
           <a:avLst>
@@ -7562,12 +7807,12 @@
         </a:fontRef>
       </dsp:style>
       <dsp:txBody>
-        <a:bodyPr spcFirstLastPara="0" vert="horz" wrap="square" lIns="13335" tIns="13335" rIns="13335" bIns="13335" numCol="1" spcCol="1270" anchor="ctr" anchorCtr="0">
+        <a:bodyPr spcFirstLastPara="0" vert="horz" wrap="square" lIns="11430" tIns="11430" rIns="11430" bIns="11430" numCol="1" spcCol="1270" anchor="ctr" anchorCtr="0">
           <a:noAutofit/>
         </a:bodyPr>
         <a:lstStyle/>
         <a:p>
-          <a:pPr lvl="0" algn="ctr" defTabSz="933450">
+          <a:pPr lvl="0" algn="ctr" defTabSz="800100">
             <a:lnSpc>
               <a:spcPct val="90000"/>
             </a:lnSpc>
@@ -7579,26 +7824,26 @@
             </a:spcAft>
           </a:pPr>
           <a:r>
-            <a:rPr lang="en-US" sz="2100" kern="1200" dirty="0" smtClean="0"/>
-            <a:t>Kernel</a:t>
+            <a:rPr lang="en-US" sz="1800" kern="1200" dirty="0" smtClean="0"/>
+            <a:t>On CPU Time</a:t>
           </a:r>
-          <a:endParaRPr lang="en-US" sz="2100" kern="1200" dirty="0"/>
+          <a:endParaRPr lang="en-US" sz="1800" kern="1200" dirty="0"/>
         </a:p>
       </dsp:txBody>
       <dsp:txXfrm>
-        <a:off x="3607995" y="1947787"/>
-        <a:ext cx="1300001" cy="630388"/>
+        <a:off x="1834135" y="1829000"/>
+        <a:ext cx="1356027" cy="538847"/>
       </dsp:txXfrm>
     </dsp:sp>
-    <dsp:sp modelId="{367C2107-8A65-4CAB-B9DA-C15A4076C114}">
+    <dsp:sp modelId="{3BD51468-9745-4803-A8D0-22A7618B1535}">
       <dsp:nvSpPr>
         <dsp:cNvPr id="0" name=""/>
         <dsp:cNvSpPr/>
       </dsp:nvSpPr>
       <dsp:spPr>
-        <a:xfrm rot="19457599">
-          <a:off x="4865602" y="2057152"/>
-          <a:ext cx="659704" cy="26630"/>
+        <a:xfrm rot="17230830">
+          <a:off x="2660781" y="1346531"/>
+          <a:ext cx="1550192" cy="22763"/>
         </a:xfrm>
         <a:custGeom>
           <a:avLst/>
@@ -7609,320 +7854,10 @@
           <a:pathLst>
             <a:path>
               <a:moveTo>
-                <a:pt x="0" y="13315"/>
+                <a:pt x="0" y="11381"/>
               </a:moveTo>
               <a:lnTo>
-                <a:pt x="659704" y="13315"/>
-              </a:lnTo>
-            </a:path>
-          </a:pathLst>
-        </a:custGeom>
-        <a:noFill/>
-        <a:ln w="25400" cap="flat" cmpd="sng" algn="ctr">
-          <a:solidFill>
-            <a:schemeClr val="accent1">
-              <a:shade val="80000"/>
-              <a:hueOff val="0"/>
-              <a:satOff val="0"/>
-              <a:lumOff val="0"/>
-              <a:alphaOff val="0"/>
-            </a:schemeClr>
-          </a:solidFill>
-          <a:prstDash val="solid"/>
-        </a:ln>
-        <a:effectLst/>
-      </dsp:spPr>
-      <dsp:style>
-        <a:lnRef idx="2">
-          <a:scrgbClr r="0" g="0" b="0"/>
-        </a:lnRef>
-        <a:fillRef idx="0">
-          <a:scrgbClr r="0" g="0" b="0"/>
-        </a:fillRef>
-        <a:effectRef idx="0">
-          <a:scrgbClr r="0" g="0" b="0"/>
-        </a:effectRef>
-        <a:fontRef idx="minor"/>
-      </dsp:style>
-      <dsp:txBody>
-        <a:bodyPr spcFirstLastPara="0" vert="horz" wrap="square" lIns="12700" tIns="0" rIns="12700" bIns="0" numCol="1" spcCol="1270" anchor="ctr" anchorCtr="0">
-          <a:noAutofit/>
-        </a:bodyPr>
-        <a:lstStyle/>
-        <a:p>
-          <a:pPr lvl="0" algn="ctr" defTabSz="222250">
-            <a:lnSpc>
-              <a:spcPct val="90000"/>
-            </a:lnSpc>
-            <a:spcBef>
-              <a:spcPct val="0"/>
-            </a:spcBef>
-            <a:spcAft>
-              <a:spcPct val="35000"/>
-            </a:spcAft>
-          </a:pPr>
-          <a:endParaRPr lang="en-US" sz="500" kern="1200"/>
-        </a:p>
-      </dsp:txBody>
-      <dsp:txXfrm>
-        <a:off x="5178961" y="2053975"/>
-        <a:ext cx="32985" cy="32985"/>
-      </dsp:txXfrm>
-    </dsp:sp>
-    <dsp:sp modelId="{FC1D8B7F-D034-49D7-BFAD-9FBFEAC847B8}">
-      <dsp:nvSpPr>
-        <dsp:cNvPr id="0" name=""/>
-        <dsp:cNvSpPr/>
-      </dsp:nvSpPr>
-      <dsp:spPr>
-        <a:xfrm>
-          <a:off x="5463299" y="1543147"/>
-          <a:ext cx="1339225" cy="669612"/>
-        </a:xfrm>
-        <a:prstGeom prst="roundRect">
-          <a:avLst>
-            <a:gd name="adj" fmla="val 10000"/>
-          </a:avLst>
-        </a:prstGeom>
-        <a:solidFill>
-          <a:schemeClr val="accent2">
-            <a:lumMod val="75000"/>
-          </a:schemeClr>
-        </a:solidFill>
-        <a:ln w="25400" cap="flat" cmpd="sng" algn="ctr">
-          <a:solidFill>
-            <a:schemeClr val="lt1">
-              <a:hueOff val="0"/>
-              <a:satOff val="0"/>
-              <a:lumOff val="0"/>
-              <a:alphaOff val="0"/>
-            </a:schemeClr>
-          </a:solidFill>
-          <a:prstDash val="solid"/>
-        </a:ln>
-        <a:effectLst/>
-      </dsp:spPr>
-      <dsp:style>
-        <a:lnRef idx="2">
-          <a:scrgbClr r="0" g="0" b="0"/>
-        </a:lnRef>
-        <a:fillRef idx="1">
-          <a:scrgbClr r="0" g="0" b="0"/>
-        </a:fillRef>
-        <a:effectRef idx="0">
-          <a:scrgbClr r="0" g="0" b="0"/>
-        </a:effectRef>
-        <a:fontRef idx="minor">
-          <a:schemeClr val="lt1"/>
-        </a:fontRef>
-      </dsp:style>
-      <dsp:txBody>
-        <a:bodyPr spcFirstLastPara="0" vert="horz" wrap="square" lIns="13335" tIns="13335" rIns="13335" bIns="13335" numCol="1" spcCol="1270" anchor="ctr" anchorCtr="0">
-          <a:noAutofit/>
-        </a:bodyPr>
-        <a:lstStyle/>
-        <a:p>
-          <a:pPr lvl="0" algn="ctr" defTabSz="933450">
-            <a:lnSpc>
-              <a:spcPct val="90000"/>
-            </a:lnSpc>
-            <a:spcBef>
-              <a:spcPct val="0"/>
-            </a:spcBef>
-            <a:spcAft>
-              <a:spcPct val="35000"/>
-            </a:spcAft>
-          </a:pPr>
-          <a:r>
-            <a:rPr lang="en-US" sz="2100" kern="1200" dirty="0" smtClean="0"/>
-            <a:t>Logical Loop</a:t>
-          </a:r>
-          <a:endParaRPr lang="en-US" sz="2100" kern="1200" dirty="0"/>
-        </a:p>
-      </dsp:txBody>
-      <dsp:txXfrm>
-        <a:off x="5482911" y="1562759"/>
-        <a:ext cx="1300001" cy="630388"/>
-      </dsp:txXfrm>
-    </dsp:sp>
-    <dsp:sp modelId="{DE909B79-761E-4C45-82BF-BC85B50F5031}">
-      <dsp:nvSpPr>
-        <dsp:cNvPr id="0" name=""/>
-        <dsp:cNvSpPr/>
-      </dsp:nvSpPr>
-      <dsp:spPr>
-        <a:xfrm rot="2142401">
-          <a:off x="4865602" y="2442179"/>
-          <a:ext cx="659704" cy="26630"/>
-        </a:xfrm>
-        <a:custGeom>
-          <a:avLst/>
-          <a:gdLst/>
-          <a:ahLst/>
-          <a:cxnLst/>
-          <a:rect l="0" t="0" r="0" b="0"/>
-          <a:pathLst>
-            <a:path>
-              <a:moveTo>
-                <a:pt x="0" y="13315"/>
-              </a:moveTo>
-              <a:lnTo>
-                <a:pt x="659704" y="13315"/>
-              </a:lnTo>
-            </a:path>
-          </a:pathLst>
-        </a:custGeom>
-        <a:noFill/>
-        <a:ln w="25400" cap="flat" cmpd="sng" algn="ctr">
-          <a:solidFill>
-            <a:schemeClr val="accent1">
-              <a:shade val="80000"/>
-              <a:hueOff val="0"/>
-              <a:satOff val="0"/>
-              <a:lumOff val="0"/>
-              <a:alphaOff val="0"/>
-            </a:schemeClr>
-          </a:solidFill>
-          <a:prstDash val="solid"/>
-        </a:ln>
-        <a:effectLst/>
-      </dsp:spPr>
-      <dsp:style>
-        <a:lnRef idx="2">
-          <a:scrgbClr r="0" g="0" b="0"/>
-        </a:lnRef>
-        <a:fillRef idx="0">
-          <a:scrgbClr r="0" g="0" b="0"/>
-        </a:fillRef>
-        <a:effectRef idx="0">
-          <a:scrgbClr r="0" g="0" b="0"/>
-        </a:effectRef>
-        <a:fontRef idx="minor"/>
-      </dsp:style>
-      <dsp:txBody>
-        <a:bodyPr spcFirstLastPara="0" vert="horz" wrap="square" lIns="12700" tIns="0" rIns="12700" bIns="0" numCol="1" spcCol="1270" anchor="ctr" anchorCtr="0">
-          <a:noAutofit/>
-        </a:bodyPr>
-        <a:lstStyle/>
-        <a:p>
-          <a:pPr lvl="0" algn="ctr" defTabSz="222250">
-            <a:lnSpc>
-              <a:spcPct val="90000"/>
-            </a:lnSpc>
-            <a:spcBef>
-              <a:spcPct val="0"/>
-            </a:spcBef>
-            <a:spcAft>
-              <a:spcPct val="35000"/>
-            </a:spcAft>
-          </a:pPr>
-          <a:endParaRPr lang="en-US" sz="500" kern="1200"/>
-        </a:p>
-      </dsp:txBody>
-      <dsp:txXfrm>
-        <a:off x="5178961" y="2439002"/>
-        <a:ext cx="32985" cy="32985"/>
-      </dsp:txXfrm>
-    </dsp:sp>
-    <dsp:sp modelId="{2E2C8185-AC1B-45C0-841F-D50293761017}">
-      <dsp:nvSpPr>
-        <dsp:cNvPr id="0" name=""/>
-        <dsp:cNvSpPr/>
-      </dsp:nvSpPr>
-      <dsp:spPr>
-        <a:xfrm>
-          <a:off x="5463299" y="2313202"/>
-          <a:ext cx="1339225" cy="669612"/>
-        </a:xfrm>
-        <a:prstGeom prst="roundRect">
-          <a:avLst>
-            <a:gd name="adj" fmla="val 10000"/>
-          </a:avLst>
-        </a:prstGeom>
-        <a:solidFill>
-          <a:schemeClr val="accent2">
-            <a:lumMod val="75000"/>
-          </a:schemeClr>
-        </a:solidFill>
-        <a:ln w="25400" cap="flat" cmpd="sng" algn="ctr">
-          <a:solidFill>
-            <a:schemeClr val="lt1">
-              <a:hueOff val="0"/>
-              <a:satOff val="0"/>
-              <a:lumOff val="0"/>
-              <a:alphaOff val="0"/>
-            </a:schemeClr>
-          </a:solidFill>
-          <a:prstDash val="solid"/>
-        </a:ln>
-        <a:effectLst/>
-      </dsp:spPr>
-      <dsp:style>
-        <a:lnRef idx="2">
-          <a:scrgbClr r="0" g="0" b="0"/>
-        </a:lnRef>
-        <a:fillRef idx="1">
-          <a:scrgbClr r="0" g="0" b="0"/>
-        </a:fillRef>
-        <a:effectRef idx="0">
-          <a:scrgbClr r="0" g="0" b="0"/>
-        </a:effectRef>
-        <a:fontRef idx="minor">
-          <a:schemeClr val="lt1"/>
-        </a:fontRef>
-      </dsp:style>
-      <dsp:txBody>
-        <a:bodyPr spcFirstLastPara="0" vert="horz" wrap="square" lIns="13335" tIns="13335" rIns="13335" bIns="13335" numCol="1" spcCol="1270" anchor="ctr" anchorCtr="0">
-          <a:noAutofit/>
-        </a:bodyPr>
-        <a:lstStyle/>
-        <a:p>
-          <a:pPr lvl="0" algn="ctr" defTabSz="933450">
-            <a:lnSpc>
-              <a:spcPct val="90000"/>
-            </a:lnSpc>
-            <a:spcBef>
-              <a:spcPct val="0"/>
-            </a:spcBef>
-            <a:spcAft>
-              <a:spcPct val="35000"/>
-            </a:spcAft>
-          </a:pPr>
-          <a:r>
-            <a:rPr lang="en-US" sz="2100" kern="1200" dirty="0" smtClean="0"/>
-            <a:t>Spin Lock Contention</a:t>
-          </a:r>
-          <a:endParaRPr lang="en-US" sz="2100" kern="1200" dirty="0"/>
-        </a:p>
-      </dsp:txBody>
-      <dsp:txXfrm>
-        <a:off x="5482911" y="2332814"/>
-        <a:ext cx="1300001" cy="630388"/>
-      </dsp:txXfrm>
-    </dsp:sp>
-    <dsp:sp modelId="{0294FCED-1AA5-4D67-888E-A34813BD2D50}">
-      <dsp:nvSpPr>
-        <dsp:cNvPr id="0" name=""/>
-        <dsp:cNvSpPr/>
-      </dsp:nvSpPr>
-      <dsp:spPr>
-        <a:xfrm rot="4249260">
-          <a:off x="2505232" y="3019720"/>
-          <a:ext cx="1630613" cy="26630"/>
-        </a:xfrm>
-        <a:custGeom>
-          <a:avLst/>
-          <a:gdLst/>
-          <a:ahLst/>
-          <a:cxnLst/>
-          <a:rect l="0" t="0" r="0" b="0"/>
-          <a:pathLst>
-            <a:path>
-              <a:moveTo>
-                <a:pt x="0" y="13315"/>
-              </a:moveTo>
-              <a:lnTo>
-                <a:pt x="1630613" y="13315"/>
+                <a:pt x="1550192" y="11381"/>
               </a:lnTo>
             </a:path>
           </a:pathLst>
@@ -7975,19 +7910,19 @@
         </a:p>
       </dsp:txBody>
       <dsp:txXfrm>
-        <a:off x="3279773" y="2992270"/>
-        <a:ext cx="81530" cy="81530"/>
+        <a:off x="3397122" y="1319158"/>
+        <a:ext cx="77509" cy="77509"/>
       </dsp:txXfrm>
     </dsp:sp>
-    <dsp:sp modelId="{21FEDBC0-F0AC-4E2E-9AB8-913C3BCB0A1C}">
+    <dsp:sp modelId="{CFAF3A27-0351-4D9D-9792-07531DB192BF}">
       <dsp:nvSpPr>
         <dsp:cNvPr id="0" name=""/>
         <dsp:cNvSpPr/>
       </dsp:nvSpPr>
       <dsp:spPr>
         <a:xfrm>
-          <a:off x="3588383" y="3468284"/>
-          <a:ext cx="1339225" cy="669612"/>
+          <a:off x="3664827" y="331215"/>
+          <a:ext cx="1144750" cy="572375"/>
         </a:xfrm>
         <a:prstGeom prst="roundRect">
           <a:avLst>
@@ -8030,12 +7965,12 @@
         </a:fontRef>
       </dsp:style>
       <dsp:txBody>
-        <a:bodyPr spcFirstLastPara="0" vert="horz" wrap="square" lIns="13335" tIns="13335" rIns="13335" bIns="13335" numCol="1" spcCol="1270" anchor="ctr" anchorCtr="0">
+        <a:bodyPr spcFirstLastPara="0" vert="horz" wrap="square" lIns="11430" tIns="11430" rIns="11430" bIns="11430" numCol="1" spcCol="1270" anchor="ctr" anchorCtr="0">
           <a:noAutofit/>
         </a:bodyPr>
         <a:lstStyle/>
         <a:p>
-          <a:pPr lvl="0" algn="ctr" defTabSz="933450">
+          <a:pPr lvl="0" algn="ctr" defTabSz="800100">
             <a:lnSpc>
               <a:spcPct val="90000"/>
             </a:lnSpc>
@@ -8047,26 +7982,26 @@
             </a:spcAft>
           </a:pPr>
           <a:r>
-            <a:rPr lang="en-US" sz="2100" kern="1200" dirty="0" smtClean="0"/>
-            <a:t>IRQ</a:t>
+            <a:rPr lang="en-US" sz="1800" kern="1200" dirty="0" smtClean="0"/>
+            <a:t>User</a:t>
           </a:r>
-          <a:endParaRPr lang="en-US" sz="2100" kern="1200" dirty="0"/>
+          <a:endParaRPr lang="en-US" sz="1800" kern="1200" dirty="0"/>
         </a:p>
       </dsp:txBody>
       <dsp:txXfrm>
-        <a:off x="3607995" y="3487896"/>
-        <a:ext cx="1300001" cy="630388"/>
+        <a:off x="3681591" y="347979"/>
+        <a:ext cx="1111222" cy="538847"/>
       </dsp:txXfrm>
     </dsp:sp>
-    <dsp:sp modelId="{6BBE356C-44E2-4EA1-A2C1-D397DAB2F98A}">
+    <dsp:sp modelId="{C5D1B19A-2617-4DA1-B46A-C7811F1168E8}">
       <dsp:nvSpPr>
         <dsp:cNvPr id="0" name=""/>
         <dsp:cNvSpPr/>
       </dsp:nvSpPr>
       <dsp:spPr>
         <a:xfrm rot="19457599">
-          <a:off x="4865602" y="3597261"/>
-          <a:ext cx="659704" cy="26630"/>
+          <a:off x="4756574" y="441463"/>
+          <a:ext cx="563905" cy="22763"/>
         </a:xfrm>
         <a:custGeom>
           <a:avLst/>
@@ -8077,10 +8012,10 @@
           <a:pathLst>
             <a:path>
               <a:moveTo>
-                <a:pt x="0" y="13315"/>
+                <a:pt x="0" y="11381"/>
               </a:moveTo>
               <a:lnTo>
-                <a:pt x="659704" y="13315"/>
+                <a:pt x="563905" y="11381"/>
               </a:lnTo>
             </a:path>
           </a:pathLst>
@@ -8133,19 +8068,19 @@
         </a:p>
       </dsp:txBody>
       <dsp:txXfrm>
-        <a:off x="5178961" y="3594084"/>
-        <a:ext cx="32985" cy="32985"/>
+        <a:off x="5024430" y="438747"/>
+        <a:ext cx="28195" cy="28195"/>
       </dsp:txXfrm>
     </dsp:sp>
-    <dsp:sp modelId="{AF7DBF4C-44AB-4FB5-B5AA-65ECDE244D90}">
+    <dsp:sp modelId="{025AF68A-F2D0-40A7-BC96-D3E2EC6F7344}">
       <dsp:nvSpPr>
         <dsp:cNvPr id="0" name=""/>
         <dsp:cNvSpPr/>
       </dsp:nvSpPr>
       <dsp:spPr>
         <a:xfrm>
-          <a:off x="5463299" y="3083257"/>
-          <a:ext cx="1339225" cy="669612"/>
+          <a:off x="5267477" y="2099"/>
+          <a:ext cx="1144750" cy="572375"/>
         </a:xfrm>
         <a:prstGeom prst="roundRect">
           <a:avLst>
@@ -8185,12 +8120,12 @@
         </a:fontRef>
       </dsp:style>
       <dsp:txBody>
-        <a:bodyPr spcFirstLastPara="0" vert="horz" wrap="square" lIns="13335" tIns="13335" rIns="13335" bIns="13335" numCol="1" spcCol="1270" anchor="ctr" anchorCtr="0">
+        <a:bodyPr spcFirstLastPara="0" vert="horz" wrap="square" lIns="11430" tIns="11430" rIns="11430" bIns="11430" numCol="1" spcCol="1270" anchor="ctr" anchorCtr="0">
           <a:noAutofit/>
         </a:bodyPr>
         <a:lstStyle/>
         <a:p>
-          <a:pPr lvl="0" algn="ctr" defTabSz="933450">
+          <a:pPr lvl="0" algn="ctr" defTabSz="800100">
             <a:lnSpc>
               <a:spcPct val="90000"/>
             </a:lnSpc>
@@ -8202,26 +8137,26 @@
             </a:spcAft>
           </a:pPr>
           <a:r>
-            <a:rPr lang="en-US" sz="2100" kern="1200" dirty="0" smtClean="0"/>
-            <a:t>IRQ Balance</a:t>
+            <a:rPr lang="en-US" sz="1800" kern="1200" dirty="0" smtClean="0"/>
+            <a:t>Logical Loop</a:t>
           </a:r>
-          <a:endParaRPr lang="en-US" sz="2100" kern="1200" dirty="0"/>
+          <a:endParaRPr lang="en-US" sz="1800" kern="1200" dirty="0"/>
         </a:p>
       </dsp:txBody>
       <dsp:txXfrm>
-        <a:off x="5482911" y="3102869"/>
-        <a:ext cx="1300001" cy="630388"/>
+        <a:off x="5284241" y="18863"/>
+        <a:ext cx="1111222" cy="538847"/>
       </dsp:txXfrm>
     </dsp:sp>
-    <dsp:sp modelId="{EF881A6E-79C2-46F6-B3F8-AB0BE84C7A0D}">
+    <dsp:sp modelId="{6F571075-BADD-44D6-A8FD-E2A7E2857B94}">
       <dsp:nvSpPr>
         <dsp:cNvPr id="0" name=""/>
         <dsp:cNvSpPr/>
       </dsp:nvSpPr>
       <dsp:spPr>
         <a:xfrm rot="2142401">
-          <a:off x="4865602" y="3982288"/>
-          <a:ext cx="659704" cy="26630"/>
+          <a:off x="4756574" y="770578"/>
+          <a:ext cx="563905" cy="22763"/>
         </a:xfrm>
         <a:custGeom>
           <a:avLst/>
@@ -8232,10 +8167,10 @@
           <a:pathLst>
             <a:path>
               <a:moveTo>
-                <a:pt x="0" y="13315"/>
+                <a:pt x="0" y="11381"/>
               </a:moveTo>
               <a:lnTo>
-                <a:pt x="659704" y="13315"/>
+                <a:pt x="563905" y="11381"/>
               </a:lnTo>
             </a:path>
           </a:pathLst>
@@ -8288,19 +8223,19 @@
         </a:p>
       </dsp:txBody>
       <dsp:txXfrm>
-        <a:off x="5178961" y="3979111"/>
-        <a:ext cx="32985" cy="32985"/>
+        <a:off x="5024430" y="767863"/>
+        <a:ext cx="28195" cy="28195"/>
       </dsp:txXfrm>
     </dsp:sp>
-    <dsp:sp modelId="{65806DB4-3C57-44C6-9E99-3719E74524CB}">
+    <dsp:sp modelId="{84254D9F-0DE8-4CD5-8255-C4F0E77AE9E0}">
       <dsp:nvSpPr>
         <dsp:cNvPr id="0" name=""/>
         <dsp:cNvSpPr/>
       </dsp:nvSpPr>
       <dsp:spPr>
         <a:xfrm>
-          <a:off x="5463299" y="3853311"/>
-          <a:ext cx="1339225" cy="669612"/>
+          <a:off x="5267477" y="660330"/>
+          <a:ext cx="1144750" cy="572375"/>
         </a:xfrm>
         <a:prstGeom prst="roundRect">
           <a:avLst>
@@ -8340,12 +8275,12 @@
         </a:fontRef>
       </dsp:style>
       <dsp:txBody>
-        <a:bodyPr spcFirstLastPara="0" vert="horz" wrap="square" lIns="13335" tIns="13335" rIns="13335" bIns="13335" numCol="1" spcCol="1270" anchor="ctr" anchorCtr="0">
+        <a:bodyPr spcFirstLastPara="0" vert="horz" wrap="square" lIns="11430" tIns="11430" rIns="11430" bIns="11430" numCol="1" spcCol="1270" anchor="ctr" anchorCtr="0">
           <a:noAutofit/>
         </a:bodyPr>
         <a:lstStyle/>
         <a:p>
-          <a:pPr lvl="0" algn="ctr" defTabSz="933450">
+          <a:pPr lvl="0" algn="ctr" defTabSz="800100">
             <a:lnSpc>
               <a:spcPct val="90000"/>
             </a:lnSpc>
@@ -8357,15 +8292,1122 @@
             </a:spcAft>
           </a:pPr>
           <a:r>
-            <a:rPr lang="en-US" sz="2100" kern="1200" dirty="0" smtClean="0"/>
+            <a:rPr lang="en-US" sz="1800" kern="1200" dirty="0" smtClean="0"/>
+            <a:t>Spin Lock Contention</a:t>
+          </a:r>
+          <a:endParaRPr lang="en-US" sz="1800" kern="1200" dirty="0"/>
+        </a:p>
+      </dsp:txBody>
+      <dsp:txXfrm>
+        <a:off x="5284241" y="677094"/>
+        <a:ext cx="1111222" cy="538847"/>
+      </dsp:txXfrm>
+    </dsp:sp>
+    <dsp:sp modelId="{D4CFCE08-54C0-45F9-8763-05D8B2A8EDEF}">
+      <dsp:nvSpPr>
+        <dsp:cNvPr id="0" name=""/>
+        <dsp:cNvSpPr/>
+      </dsp:nvSpPr>
+      <dsp:spPr>
+        <a:xfrm rot="20413970">
+          <a:off x="3192591" y="2004762"/>
+          <a:ext cx="486571" cy="22763"/>
+        </a:xfrm>
+        <a:custGeom>
+          <a:avLst/>
+          <a:gdLst/>
+          <a:ahLst/>
+          <a:cxnLst/>
+          <a:rect l="0" t="0" r="0" b="0"/>
+          <a:pathLst>
+            <a:path>
+              <a:moveTo>
+                <a:pt x="0" y="11381"/>
+              </a:moveTo>
+              <a:lnTo>
+                <a:pt x="486571" y="11381"/>
+              </a:lnTo>
+            </a:path>
+          </a:pathLst>
+        </a:custGeom>
+        <a:noFill/>
+        <a:ln w="25400" cap="flat" cmpd="sng" algn="ctr">
+          <a:solidFill>
+            <a:schemeClr val="accent1">
+              <a:shade val="60000"/>
+              <a:hueOff val="0"/>
+              <a:satOff val="0"/>
+              <a:lumOff val="0"/>
+              <a:alphaOff val="0"/>
+            </a:schemeClr>
+          </a:solidFill>
+          <a:prstDash val="solid"/>
+        </a:ln>
+        <a:effectLst/>
+      </dsp:spPr>
+      <dsp:style>
+        <a:lnRef idx="2">
+          <a:scrgbClr r="0" g="0" b="0"/>
+        </a:lnRef>
+        <a:fillRef idx="0">
+          <a:scrgbClr r="0" g="0" b="0"/>
+        </a:fillRef>
+        <a:effectRef idx="0">
+          <a:scrgbClr r="0" g="0" b="0"/>
+        </a:effectRef>
+        <a:fontRef idx="minor"/>
+      </dsp:style>
+      <dsp:txBody>
+        <a:bodyPr spcFirstLastPara="0" vert="horz" wrap="square" lIns="12700" tIns="0" rIns="12700" bIns="0" numCol="1" spcCol="1270" anchor="ctr" anchorCtr="0">
+          <a:noAutofit/>
+        </a:bodyPr>
+        <a:lstStyle/>
+        <a:p>
+          <a:pPr lvl="0" algn="ctr" defTabSz="222250">
+            <a:lnSpc>
+              <a:spcPct val="90000"/>
+            </a:lnSpc>
+            <a:spcBef>
+              <a:spcPct val="0"/>
+            </a:spcBef>
+            <a:spcAft>
+              <a:spcPct val="35000"/>
+            </a:spcAft>
+          </a:pPr>
+          <a:endParaRPr lang="en-US" sz="500" kern="1200"/>
+        </a:p>
+      </dsp:txBody>
+      <dsp:txXfrm>
+        <a:off x="3423712" y="2003980"/>
+        <a:ext cx="24328" cy="24328"/>
+      </dsp:txXfrm>
+    </dsp:sp>
+    <dsp:sp modelId="{2DBF9A3F-0ED9-42A9-A983-CFD99ADAD0AB}">
+      <dsp:nvSpPr>
+        <dsp:cNvPr id="0" name=""/>
+        <dsp:cNvSpPr/>
+      </dsp:nvSpPr>
+      <dsp:spPr>
+        <a:xfrm>
+          <a:off x="3664827" y="1647678"/>
+          <a:ext cx="1144750" cy="572375"/>
+        </a:xfrm>
+        <a:prstGeom prst="roundRect">
+          <a:avLst>
+            <a:gd name="adj" fmla="val 10000"/>
+          </a:avLst>
+        </a:prstGeom>
+        <a:solidFill>
+          <a:schemeClr val="accent1">
+            <a:hueOff val="0"/>
+            <a:satOff val="0"/>
+            <a:lumOff val="0"/>
+            <a:alphaOff val="0"/>
+          </a:schemeClr>
+        </a:solidFill>
+        <a:ln w="25400" cap="flat" cmpd="sng" algn="ctr">
+          <a:solidFill>
+            <a:schemeClr val="lt1">
+              <a:hueOff val="0"/>
+              <a:satOff val="0"/>
+              <a:lumOff val="0"/>
+              <a:alphaOff val="0"/>
+            </a:schemeClr>
+          </a:solidFill>
+          <a:prstDash val="solid"/>
+        </a:ln>
+        <a:effectLst/>
+      </dsp:spPr>
+      <dsp:style>
+        <a:lnRef idx="2">
+          <a:scrgbClr r="0" g="0" b="0"/>
+        </a:lnRef>
+        <a:fillRef idx="1">
+          <a:scrgbClr r="0" g="0" b="0"/>
+        </a:fillRef>
+        <a:effectRef idx="0">
+          <a:scrgbClr r="0" g="0" b="0"/>
+        </a:effectRef>
+        <a:fontRef idx="minor">
+          <a:schemeClr val="lt1"/>
+        </a:fontRef>
+      </dsp:style>
+      <dsp:txBody>
+        <a:bodyPr spcFirstLastPara="0" vert="horz" wrap="square" lIns="11430" tIns="11430" rIns="11430" bIns="11430" numCol="1" spcCol="1270" anchor="ctr" anchorCtr="0">
+          <a:noAutofit/>
+        </a:bodyPr>
+        <a:lstStyle/>
+        <a:p>
+          <a:pPr lvl="0" algn="ctr" defTabSz="800100">
+            <a:lnSpc>
+              <a:spcPct val="90000"/>
+            </a:lnSpc>
+            <a:spcBef>
+              <a:spcPct val="0"/>
+            </a:spcBef>
+            <a:spcAft>
+              <a:spcPct val="35000"/>
+            </a:spcAft>
+          </a:pPr>
+          <a:r>
+            <a:rPr lang="en-US" sz="1800" kern="1200" dirty="0" smtClean="0"/>
+            <a:t>Kernel</a:t>
+          </a:r>
+          <a:endParaRPr lang="en-US" sz="1800" kern="1200" dirty="0"/>
+        </a:p>
+      </dsp:txBody>
+      <dsp:txXfrm>
+        <a:off x="3681591" y="1664442"/>
+        <a:ext cx="1111222" cy="538847"/>
+      </dsp:txXfrm>
+    </dsp:sp>
+    <dsp:sp modelId="{367C2107-8A65-4CAB-B9DA-C15A4076C114}">
+      <dsp:nvSpPr>
+        <dsp:cNvPr id="0" name=""/>
+        <dsp:cNvSpPr/>
+      </dsp:nvSpPr>
+      <dsp:spPr>
+        <a:xfrm rot="19457599">
+          <a:off x="4756574" y="1757926"/>
+          <a:ext cx="563905" cy="22763"/>
+        </a:xfrm>
+        <a:custGeom>
+          <a:avLst/>
+          <a:gdLst/>
+          <a:ahLst/>
+          <a:cxnLst/>
+          <a:rect l="0" t="0" r="0" b="0"/>
+          <a:pathLst>
+            <a:path>
+              <a:moveTo>
+                <a:pt x="0" y="11381"/>
+              </a:moveTo>
+              <a:lnTo>
+                <a:pt x="563905" y="11381"/>
+              </a:lnTo>
+            </a:path>
+          </a:pathLst>
+        </a:custGeom>
+        <a:noFill/>
+        <a:ln w="25400" cap="flat" cmpd="sng" algn="ctr">
+          <a:solidFill>
+            <a:schemeClr val="accent1">
+              <a:shade val="80000"/>
+              <a:hueOff val="0"/>
+              <a:satOff val="0"/>
+              <a:lumOff val="0"/>
+              <a:alphaOff val="0"/>
+            </a:schemeClr>
+          </a:solidFill>
+          <a:prstDash val="solid"/>
+        </a:ln>
+        <a:effectLst/>
+      </dsp:spPr>
+      <dsp:style>
+        <a:lnRef idx="2">
+          <a:scrgbClr r="0" g="0" b="0"/>
+        </a:lnRef>
+        <a:fillRef idx="0">
+          <a:scrgbClr r="0" g="0" b="0"/>
+        </a:fillRef>
+        <a:effectRef idx="0">
+          <a:scrgbClr r="0" g="0" b="0"/>
+        </a:effectRef>
+        <a:fontRef idx="minor"/>
+      </dsp:style>
+      <dsp:txBody>
+        <a:bodyPr spcFirstLastPara="0" vert="horz" wrap="square" lIns="12700" tIns="0" rIns="12700" bIns="0" numCol="1" spcCol="1270" anchor="ctr" anchorCtr="0">
+          <a:noAutofit/>
+        </a:bodyPr>
+        <a:lstStyle/>
+        <a:p>
+          <a:pPr lvl="0" algn="ctr" defTabSz="222250">
+            <a:lnSpc>
+              <a:spcPct val="90000"/>
+            </a:lnSpc>
+            <a:spcBef>
+              <a:spcPct val="0"/>
+            </a:spcBef>
+            <a:spcAft>
+              <a:spcPct val="35000"/>
+            </a:spcAft>
+          </a:pPr>
+          <a:endParaRPr lang="en-US" sz="500" kern="1200"/>
+        </a:p>
+      </dsp:txBody>
+      <dsp:txXfrm>
+        <a:off x="5024430" y="1755210"/>
+        <a:ext cx="28195" cy="28195"/>
+      </dsp:txXfrm>
+    </dsp:sp>
+    <dsp:sp modelId="{FC1D8B7F-D034-49D7-BFAD-9FBFEAC847B8}">
+      <dsp:nvSpPr>
+        <dsp:cNvPr id="0" name=""/>
+        <dsp:cNvSpPr/>
+      </dsp:nvSpPr>
+      <dsp:spPr>
+        <a:xfrm>
+          <a:off x="5267477" y="1318562"/>
+          <a:ext cx="1144750" cy="572375"/>
+        </a:xfrm>
+        <a:prstGeom prst="roundRect">
+          <a:avLst>
+            <a:gd name="adj" fmla="val 10000"/>
+          </a:avLst>
+        </a:prstGeom>
+        <a:solidFill>
+          <a:schemeClr val="accent2">
+            <a:lumMod val="75000"/>
+          </a:schemeClr>
+        </a:solidFill>
+        <a:ln w="25400" cap="flat" cmpd="sng" algn="ctr">
+          <a:solidFill>
+            <a:schemeClr val="lt1">
+              <a:hueOff val="0"/>
+              <a:satOff val="0"/>
+              <a:lumOff val="0"/>
+              <a:alphaOff val="0"/>
+            </a:schemeClr>
+          </a:solidFill>
+          <a:prstDash val="solid"/>
+        </a:ln>
+        <a:effectLst/>
+      </dsp:spPr>
+      <dsp:style>
+        <a:lnRef idx="2">
+          <a:scrgbClr r="0" g="0" b="0"/>
+        </a:lnRef>
+        <a:fillRef idx="1">
+          <a:scrgbClr r="0" g="0" b="0"/>
+        </a:fillRef>
+        <a:effectRef idx="0">
+          <a:scrgbClr r="0" g="0" b="0"/>
+        </a:effectRef>
+        <a:fontRef idx="minor">
+          <a:schemeClr val="lt1"/>
+        </a:fontRef>
+      </dsp:style>
+      <dsp:txBody>
+        <a:bodyPr spcFirstLastPara="0" vert="horz" wrap="square" lIns="11430" tIns="11430" rIns="11430" bIns="11430" numCol="1" spcCol="1270" anchor="ctr" anchorCtr="0">
+          <a:noAutofit/>
+        </a:bodyPr>
+        <a:lstStyle/>
+        <a:p>
+          <a:pPr lvl="0" algn="ctr" defTabSz="800100">
+            <a:lnSpc>
+              <a:spcPct val="90000"/>
+            </a:lnSpc>
+            <a:spcBef>
+              <a:spcPct val="0"/>
+            </a:spcBef>
+            <a:spcAft>
+              <a:spcPct val="35000"/>
+            </a:spcAft>
+          </a:pPr>
+          <a:r>
+            <a:rPr lang="en-US" sz="1800" kern="1200" dirty="0" smtClean="0"/>
+            <a:t>Logical Loop</a:t>
+          </a:r>
+          <a:endParaRPr lang="en-US" sz="1800" kern="1200" dirty="0"/>
+        </a:p>
+      </dsp:txBody>
+      <dsp:txXfrm>
+        <a:off x="5284241" y="1335326"/>
+        <a:ext cx="1111222" cy="538847"/>
+      </dsp:txXfrm>
+    </dsp:sp>
+    <dsp:sp modelId="{DE909B79-761E-4C45-82BF-BC85B50F5031}">
+      <dsp:nvSpPr>
+        <dsp:cNvPr id="0" name=""/>
+        <dsp:cNvSpPr/>
+      </dsp:nvSpPr>
+      <dsp:spPr>
+        <a:xfrm rot="2142401">
+          <a:off x="4756574" y="2087041"/>
+          <a:ext cx="563905" cy="22763"/>
+        </a:xfrm>
+        <a:custGeom>
+          <a:avLst/>
+          <a:gdLst/>
+          <a:ahLst/>
+          <a:cxnLst/>
+          <a:rect l="0" t="0" r="0" b="0"/>
+          <a:pathLst>
+            <a:path>
+              <a:moveTo>
+                <a:pt x="0" y="11381"/>
+              </a:moveTo>
+              <a:lnTo>
+                <a:pt x="563905" y="11381"/>
+              </a:lnTo>
+            </a:path>
+          </a:pathLst>
+        </a:custGeom>
+        <a:noFill/>
+        <a:ln w="25400" cap="flat" cmpd="sng" algn="ctr">
+          <a:solidFill>
+            <a:schemeClr val="accent1">
+              <a:shade val="80000"/>
+              <a:hueOff val="0"/>
+              <a:satOff val="0"/>
+              <a:lumOff val="0"/>
+              <a:alphaOff val="0"/>
+            </a:schemeClr>
+          </a:solidFill>
+          <a:prstDash val="solid"/>
+        </a:ln>
+        <a:effectLst/>
+      </dsp:spPr>
+      <dsp:style>
+        <a:lnRef idx="2">
+          <a:scrgbClr r="0" g="0" b="0"/>
+        </a:lnRef>
+        <a:fillRef idx="0">
+          <a:scrgbClr r="0" g="0" b="0"/>
+        </a:fillRef>
+        <a:effectRef idx="0">
+          <a:scrgbClr r="0" g="0" b="0"/>
+        </a:effectRef>
+        <a:fontRef idx="minor"/>
+      </dsp:style>
+      <dsp:txBody>
+        <a:bodyPr spcFirstLastPara="0" vert="horz" wrap="square" lIns="12700" tIns="0" rIns="12700" bIns="0" numCol="1" spcCol="1270" anchor="ctr" anchorCtr="0">
+          <a:noAutofit/>
+        </a:bodyPr>
+        <a:lstStyle/>
+        <a:p>
+          <a:pPr lvl="0" algn="ctr" defTabSz="222250">
+            <a:lnSpc>
+              <a:spcPct val="90000"/>
+            </a:lnSpc>
+            <a:spcBef>
+              <a:spcPct val="0"/>
+            </a:spcBef>
+            <a:spcAft>
+              <a:spcPct val="35000"/>
+            </a:spcAft>
+          </a:pPr>
+          <a:endParaRPr lang="en-US" sz="500" kern="1200"/>
+        </a:p>
+      </dsp:txBody>
+      <dsp:txXfrm>
+        <a:off x="5024430" y="2084325"/>
+        <a:ext cx="28195" cy="28195"/>
+      </dsp:txXfrm>
+    </dsp:sp>
+    <dsp:sp modelId="{2E2C8185-AC1B-45C0-841F-D50293761017}">
+      <dsp:nvSpPr>
+        <dsp:cNvPr id="0" name=""/>
+        <dsp:cNvSpPr/>
+      </dsp:nvSpPr>
+      <dsp:spPr>
+        <a:xfrm>
+          <a:off x="5267477" y="1976793"/>
+          <a:ext cx="1144750" cy="572375"/>
+        </a:xfrm>
+        <a:prstGeom prst="roundRect">
+          <a:avLst>
+            <a:gd name="adj" fmla="val 10000"/>
+          </a:avLst>
+        </a:prstGeom>
+        <a:solidFill>
+          <a:schemeClr val="accent2">
+            <a:lumMod val="75000"/>
+          </a:schemeClr>
+        </a:solidFill>
+        <a:ln w="25400" cap="flat" cmpd="sng" algn="ctr">
+          <a:solidFill>
+            <a:schemeClr val="lt1">
+              <a:hueOff val="0"/>
+              <a:satOff val="0"/>
+              <a:lumOff val="0"/>
+              <a:alphaOff val="0"/>
+            </a:schemeClr>
+          </a:solidFill>
+          <a:prstDash val="solid"/>
+        </a:ln>
+        <a:effectLst/>
+      </dsp:spPr>
+      <dsp:style>
+        <a:lnRef idx="2">
+          <a:scrgbClr r="0" g="0" b="0"/>
+        </a:lnRef>
+        <a:fillRef idx="1">
+          <a:scrgbClr r="0" g="0" b="0"/>
+        </a:fillRef>
+        <a:effectRef idx="0">
+          <a:scrgbClr r="0" g="0" b="0"/>
+        </a:effectRef>
+        <a:fontRef idx="minor">
+          <a:schemeClr val="lt1"/>
+        </a:fontRef>
+      </dsp:style>
+      <dsp:txBody>
+        <a:bodyPr spcFirstLastPara="0" vert="horz" wrap="square" lIns="11430" tIns="11430" rIns="11430" bIns="11430" numCol="1" spcCol="1270" anchor="ctr" anchorCtr="0">
+          <a:noAutofit/>
+        </a:bodyPr>
+        <a:lstStyle/>
+        <a:p>
+          <a:pPr lvl="0" algn="ctr" defTabSz="800100">
+            <a:lnSpc>
+              <a:spcPct val="90000"/>
+            </a:lnSpc>
+            <a:spcBef>
+              <a:spcPct val="0"/>
+            </a:spcBef>
+            <a:spcAft>
+              <a:spcPct val="35000"/>
+            </a:spcAft>
+          </a:pPr>
+          <a:r>
+            <a:rPr lang="en-US" sz="1800" kern="1200" dirty="0" smtClean="0"/>
+            <a:t>Spin Lock Contention</a:t>
+          </a:r>
+          <a:endParaRPr lang="en-US" sz="1800" kern="1200" dirty="0"/>
+        </a:p>
+      </dsp:txBody>
+      <dsp:txXfrm>
+        <a:off x="5284241" y="1993557"/>
+        <a:ext cx="1111222" cy="538847"/>
+      </dsp:txXfrm>
+    </dsp:sp>
+    <dsp:sp modelId="{0294FCED-1AA5-4D67-888E-A34813BD2D50}">
+      <dsp:nvSpPr>
+        <dsp:cNvPr id="0" name=""/>
+        <dsp:cNvSpPr/>
+      </dsp:nvSpPr>
+      <dsp:spPr>
+        <a:xfrm rot="4369170">
+          <a:off x="2660781" y="2827552"/>
+          <a:ext cx="1550192" cy="22763"/>
+        </a:xfrm>
+        <a:custGeom>
+          <a:avLst/>
+          <a:gdLst/>
+          <a:ahLst/>
+          <a:cxnLst/>
+          <a:rect l="0" t="0" r="0" b="0"/>
+          <a:pathLst>
+            <a:path>
+              <a:moveTo>
+                <a:pt x="0" y="11381"/>
+              </a:moveTo>
+              <a:lnTo>
+                <a:pt x="1550192" y="11381"/>
+              </a:lnTo>
+            </a:path>
+          </a:pathLst>
+        </a:custGeom>
+        <a:noFill/>
+        <a:ln w="25400" cap="flat" cmpd="sng" algn="ctr">
+          <a:solidFill>
+            <a:schemeClr val="accent1">
+              <a:shade val="60000"/>
+              <a:hueOff val="0"/>
+              <a:satOff val="0"/>
+              <a:lumOff val="0"/>
+              <a:alphaOff val="0"/>
+            </a:schemeClr>
+          </a:solidFill>
+          <a:prstDash val="solid"/>
+        </a:ln>
+        <a:effectLst/>
+      </dsp:spPr>
+      <dsp:style>
+        <a:lnRef idx="2">
+          <a:scrgbClr r="0" g="0" b="0"/>
+        </a:lnRef>
+        <a:fillRef idx="0">
+          <a:scrgbClr r="0" g="0" b="0"/>
+        </a:fillRef>
+        <a:effectRef idx="0">
+          <a:scrgbClr r="0" g="0" b="0"/>
+        </a:effectRef>
+        <a:fontRef idx="minor"/>
+      </dsp:style>
+      <dsp:txBody>
+        <a:bodyPr spcFirstLastPara="0" vert="horz" wrap="square" lIns="12700" tIns="0" rIns="12700" bIns="0" numCol="1" spcCol="1270" anchor="ctr" anchorCtr="0">
+          <a:noAutofit/>
+        </a:bodyPr>
+        <a:lstStyle/>
+        <a:p>
+          <a:pPr lvl="0" algn="ctr" defTabSz="222250">
+            <a:lnSpc>
+              <a:spcPct val="90000"/>
+            </a:lnSpc>
+            <a:spcBef>
+              <a:spcPct val="0"/>
+            </a:spcBef>
+            <a:spcAft>
+              <a:spcPct val="35000"/>
+            </a:spcAft>
+          </a:pPr>
+          <a:endParaRPr lang="en-US" sz="500" kern="1200"/>
+        </a:p>
+      </dsp:txBody>
+      <dsp:txXfrm>
+        <a:off x="3397122" y="2800179"/>
+        <a:ext cx="77509" cy="77509"/>
+      </dsp:txXfrm>
+    </dsp:sp>
+    <dsp:sp modelId="{21FEDBC0-F0AC-4E2E-9AB8-913C3BCB0A1C}">
+      <dsp:nvSpPr>
+        <dsp:cNvPr id="0" name=""/>
+        <dsp:cNvSpPr/>
+      </dsp:nvSpPr>
+      <dsp:spPr>
+        <a:xfrm>
+          <a:off x="3664827" y="3293256"/>
+          <a:ext cx="1144750" cy="572375"/>
+        </a:xfrm>
+        <a:prstGeom prst="roundRect">
+          <a:avLst>
+            <a:gd name="adj" fmla="val 10000"/>
+          </a:avLst>
+        </a:prstGeom>
+        <a:solidFill>
+          <a:schemeClr val="accent1">
+            <a:hueOff val="0"/>
+            <a:satOff val="0"/>
+            <a:lumOff val="0"/>
+            <a:alphaOff val="0"/>
+          </a:schemeClr>
+        </a:solidFill>
+        <a:ln w="25400" cap="flat" cmpd="sng" algn="ctr">
+          <a:solidFill>
+            <a:schemeClr val="lt1">
+              <a:hueOff val="0"/>
+              <a:satOff val="0"/>
+              <a:lumOff val="0"/>
+              <a:alphaOff val="0"/>
+            </a:schemeClr>
+          </a:solidFill>
+          <a:prstDash val="solid"/>
+        </a:ln>
+        <a:effectLst/>
+      </dsp:spPr>
+      <dsp:style>
+        <a:lnRef idx="2">
+          <a:scrgbClr r="0" g="0" b="0"/>
+        </a:lnRef>
+        <a:fillRef idx="1">
+          <a:scrgbClr r="0" g="0" b="0"/>
+        </a:fillRef>
+        <a:effectRef idx="0">
+          <a:scrgbClr r="0" g="0" b="0"/>
+        </a:effectRef>
+        <a:fontRef idx="minor">
+          <a:schemeClr val="lt1"/>
+        </a:fontRef>
+      </dsp:style>
+      <dsp:txBody>
+        <a:bodyPr spcFirstLastPara="0" vert="horz" wrap="square" lIns="11430" tIns="11430" rIns="11430" bIns="11430" numCol="1" spcCol="1270" anchor="ctr" anchorCtr="0">
+          <a:noAutofit/>
+        </a:bodyPr>
+        <a:lstStyle/>
+        <a:p>
+          <a:pPr lvl="0" algn="ctr" defTabSz="800100">
+            <a:lnSpc>
+              <a:spcPct val="90000"/>
+            </a:lnSpc>
+            <a:spcBef>
+              <a:spcPct val="0"/>
+            </a:spcBef>
+            <a:spcAft>
+              <a:spcPct val="35000"/>
+            </a:spcAft>
+          </a:pPr>
+          <a:r>
+            <a:rPr lang="en-US" sz="1800" kern="1200" dirty="0" smtClean="0"/>
+            <a:t>IRQ</a:t>
+          </a:r>
+          <a:endParaRPr lang="en-US" sz="1800" kern="1200" dirty="0"/>
+        </a:p>
+      </dsp:txBody>
+      <dsp:txXfrm>
+        <a:off x="3681591" y="3310020"/>
+        <a:ext cx="1111222" cy="538847"/>
+      </dsp:txXfrm>
+    </dsp:sp>
+    <dsp:sp modelId="{6BBE356C-44E2-4EA1-A2C1-D397DAB2F98A}">
+      <dsp:nvSpPr>
+        <dsp:cNvPr id="0" name=""/>
+        <dsp:cNvSpPr/>
+      </dsp:nvSpPr>
+      <dsp:spPr>
+        <a:xfrm rot="18289469">
+          <a:off x="4637609" y="3238946"/>
+          <a:ext cx="801836" cy="22763"/>
+        </a:xfrm>
+        <a:custGeom>
+          <a:avLst/>
+          <a:gdLst/>
+          <a:ahLst/>
+          <a:cxnLst/>
+          <a:rect l="0" t="0" r="0" b="0"/>
+          <a:pathLst>
+            <a:path>
+              <a:moveTo>
+                <a:pt x="0" y="11381"/>
+              </a:moveTo>
+              <a:lnTo>
+                <a:pt x="801836" y="11381"/>
+              </a:lnTo>
+            </a:path>
+          </a:pathLst>
+        </a:custGeom>
+        <a:noFill/>
+        <a:ln w="25400" cap="flat" cmpd="sng" algn="ctr">
+          <a:solidFill>
+            <a:schemeClr val="accent1">
+              <a:shade val="80000"/>
+              <a:hueOff val="0"/>
+              <a:satOff val="0"/>
+              <a:lumOff val="0"/>
+              <a:alphaOff val="0"/>
+            </a:schemeClr>
+          </a:solidFill>
+          <a:prstDash val="solid"/>
+        </a:ln>
+        <a:effectLst/>
+      </dsp:spPr>
+      <dsp:style>
+        <a:lnRef idx="2">
+          <a:scrgbClr r="0" g="0" b="0"/>
+        </a:lnRef>
+        <a:fillRef idx="0">
+          <a:scrgbClr r="0" g="0" b="0"/>
+        </a:fillRef>
+        <a:effectRef idx="0">
+          <a:scrgbClr r="0" g="0" b="0"/>
+        </a:effectRef>
+        <a:fontRef idx="minor"/>
+      </dsp:style>
+      <dsp:txBody>
+        <a:bodyPr spcFirstLastPara="0" vert="horz" wrap="square" lIns="12700" tIns="0" rIns="12700" bIns="0" numCol="1" spcCol="1270" anchor="ctr" anchorCtr="0">
+          <a:noAutofit/>
+        </a:bodyPr>
+        <a:lstStyle/>
+        <a:p>
+          <a:pPr lvl="0" algn="ctr" defTabSz="222250">
+            <a:lnSpc>
+              <a:spcPct val="90000"/>
+            </a:lnSpc>
+            <a:spcBef>
+              <a:spcPct val="0"/>
+            </a:spcBef>
+            <a:spcAft>
+              <a:spcPct val="35000"/>
+            </a:spcAft>
+          </a:pPr>
+          <a:endParaRPr lang="en-US" sz="500" kern="1200"/>
+        </a:p>
+      </dsp:txBody>
+      <dsp:txXfrm>
+        <a:off x="5018481" y="3230282"/>
+        <a:ext cx="40091" cy="40091"/>
+      </dsp:txXfrm>
+    </dsp:sp>
+    <dsp:sp modelId="{AF7DBF4C-44AB-4FB5-B5AA-65ECDE244D90}">
+      <dsp:nvSpPr>
+        <dsp:cNvPr id="0" name=""/>
+        <dsp:cNvSpPr/>
+      </dsp:nvSpPr>
+      <dsp:spPr>
+        <a:xfrm>
+          <a:off x="5267477" y="2635025"/>
+          <a:ext cx="1144750" cy="572375"/>
+        </a:xfrm>
+        <a:prstGeom prst="roundRect">
+          <a:avLst>
+            <a:gd name="adj" fmla="val 10000"/>
+          </a:avLst>
+        </a:prstGeom>
+        <a:solidFill>
+          <a:schemeClr val="accent2">
+            <a:lumMod val="75000"/>
+          </a:schemeClr>
+        </a:solidFill>
+        <a:ln w="25400" cap="flat" cmpd="sng" algn="ctr">
+          <a:solidFill>
+            <a:schemeClr val="lt1">
+              <a:hueOff val="0"/>
+              <a:satOff val="0"/>
+              <a:lumOff val="0"/>
+              <a:alphaOff val="0"/>
+            </a:schemeClr>
+          </a:solidFill>
+          <a:prstDash val="solid"/>
+        </a:ln>
+        <a:effectLst/>
+      </dsp:spPr>
+      <dsp:style>
+        <a:lnRef idx="2">
+          <a:scrgbClr r="0" g="0" b="0"/>
+        </a:lnRef>
+        <a:fillRef idx="1">
+          <a:scrgbClr r="0" g="0" b="0"/>
+        </a:fillRef>
+        <a:effectRef idx="0">
+          <a:scrgbClr r="0" g="0" b="0"/>
+        </a:effectRef>
+        <a:fontRef idx="minor">
+          <a:schemeClr val="lt1"/>
+        </a:fontRef>
+      </dsp:style>
+      <dsp:txBody>
+        <a:bodyPr spcFirstLastPara="0" vert="horz" wrap="square" lIns="11430" tIns="11430" rIns="11430" bIns="11430" numCol="1" spcCol="1270" anchor="ctr" anchorCtr="0">
+          <a:noAutofit/>
+        </a:bodyPr>
+        <a:lstStyle/>
+        <a:p>
+          <a:pPr lvl="0" algn="ctr" defTabSz="800100">
+            <a:lnSpc>
+              <a:spcPct val="90000"/>
+            </a:lnSpc>
+            <a:spcBef>
+              <a:spcPct val="0"/>
+            </a:spcBef>
+            <a:spcAft>
+              <a:spcPct val="35000"/>
+            </a:spcAft>
+          </a:pPr>
+          <a:r>
+            <a:rPr lang="en-US" sz="1800" kern="1200" dirty="0" smtClean="0"/>
+            <a:t>IRQ Balance</a:t>
+          </a:r>
+          <a:endParaRPr lang="en-US" sz="1800" kern="1200" dirty="0"/>
+        </a:p>
+      </dsp:txBody>
+      <dsp:txXfrm>
+        <a:off x="5284241" y="2651789"/>
+        <a:ext cx="1111222" cy="538847"/>
+      </dsp:txXfrm>
+    </dsp:sp>
+    <dsp:sp modelId="{EF881A6E-79C2-46F6-B3F8-AB0BE84C7A0D}">
+      <dsp:nvSpPr>
+        <dsp:cNvPr id="0" name=""/>
+        <dsp:cNvSpPr/>
+      </dsp:nvSpPr>
+      <dsp:spPr>
+        <a:xfrm>
+          <a:off x="4809577" y="3568062"/>
+          <a:ext cx="457900" cy="22763"/>
+        </a:xfrm>
+        <a:custGeom>
+          <a:avLst/>
+          <a:gdLst/>
+          <a:ahLst/>
+          <a:cxnLst/>
+          <a:rect l="0" t="0" r="0" b="0"/>
+          <a:pathLst>
+            <a:path>
+              <a:moveTo>
+                <a:pt x="0" y="11381"/>
+              </a:moveTo>
+              <a:lnTo>
+                <a:pt x="457900" y="11381"/>
+              </a:lnTo>
+            </a:path>
+          </a:pathLst>
+        </a:custGeom>
+        <a:noFill/>
+        <a:ln w="25400" cap="flat" cmpd="sng" algn="ctr">
+          <a:solidFill>
+            <a:schemeClr val="accent1">
+              <a:shade val="80000"/>
+              <a:hueOff val="0"/>
+              <a:satOff val="0"/>
+              <a:lumOff val="0"/>
+              <a:alphaOff val="0"/>
+            </a:schemeClr>
+          </a:solidFill>
+          <a:prstDash val="solid"/>
+        </a:ln>
+        <a:effectLst/>
+      </dsp:spPr>
+      <dsp:style>
+        <a:lnRef idx="2">
+          <a:scrgbClr r="0" g="0" b="0"/>
+        </a:lnRef>
+        <a:fillRef idx="0">
+          <a:scrgbClr r="0" g="0" b="0"/>
+        </a:fillRef>
+        <a:effectRef idx="0">
+          <a:scrgbClr r="0" g="0" b="0"/>
+        </a:effectRef>
+        <a:fontRef idx="minor"/>
+      </dsp:style>
+      <dsp:txBody>
+        <a:bodyPr spcFirstLastPara="0" vert="horz" wrap="square" lIns="12700" tIns="0" rIns="12700" bIns="0" numCol="1" spcCol="1270" anchor="ctr" anchorCtr="0">
+          <a:noAutofit/>
+        </a:bodyPr>
+        <a:lstStyle/>
+        <a:p>
+          <a:pPr lvl="0" algn="ctr" defTabSz="222250">
+            <a:lnSpc>
+              <a:spcPct val="90000"/>
+            </a:lnSpc>
+            <a:spcBef>
+              <a:spcPct val="0"/>
+            </a:spcBef>
+            <a:spcAft>
+              <a:spcPct val="35000"/>
+            </a:spcAft>
+          </a:pPr>
+          <a:endParaRPr lang="en-US" sz="500" kern="1200"/>
+        </a:p>
+      </dsp:txBody>
+      <dsp:txXfrm>
+        <a:off x="5027080" y="3567996"/>
+        <a:ext cx="22895" cy="22895"/>
+      </dsp:txXfrm>
+    </dsp:sp>
+    <dsp:sp modelId="{65806DB4-3C57-44C6-9E99-3719E74524CB}">
+      <dsp:nvSpPr>
+        <dsp:cNvPr id="0" name=""/>
+        <dsp:cNvSpPr/>
+      </dsp:nvSpPr>
+      <dsp:spPr>
+        <a:xfrm>
+          <a:off x="5267477" y="3293256"/>
+          <a:ext cx="1144750" cy="572375"/>
+        </a:xfrm>
+        <a:prstGeom prst="roundRect">
+          <a:avLst>
+            <a:gd name="adj" fmla="val 10000"/>
+          </a:avLst>
+        </a:prstGeom>
+        <a:solidFill>
+          <a:schemeClr val="accent2">
+            <a:lumMod val="75000"/>
+          </a:schemeClr>
+        </a:solidFill>
+        <a:ln w="25400" cap="flat" cmpd="sng" algn="ctr">
+          <a:solidFill>
+            <a:schemeClr val="lt1">
+              <a:hueOff val="0"/>
+              <a:satOff val="0"/>
+              <a:lumOff val="0"/>
+              <a:alphaOff val="0"/>
+            </a:schemeClr>
+          </a:solidFill>
+          <a:prstDash val="solid"/>
+        </a:ln>
+        <a:effectLst/>
+      </dsp:spPr>
+      <dsp:style>
+        <a:lnRef idx="2">
+          <a:scrgbClr r="0" g="0" b="0"/>
+        </a:lnRef>
+        <a:fillRef idx="1">
+          <a:scrgbClr r="0" g="0" b="0"/>
+        </a:fillRef>
+        <a:effectRef idx="0">
+          <a:scrgbClr r="0" g="0" b="0"/>
+        </a:effectRef>
+        <a:fontRef idx="minor">
+          <a:schemeClr val="lt1"/>
+        </a:fontRef>
+      </dsp:style>
+      <dsp:txBody>
+        <a:bodyPr spcFirstLastPara="0" vert="horz" wrap="square" lIns="11430" tIns="11430" rIns="11430" bIns="11430" numCol="1" spcCol="1270" anchor="ctr" anchorCtr="0">
+          <a:noAutofit/>
+        </a:bodyPr>
+        <a:lstStyle/>
+        <a:p>
+          <a:pPr lvl="0" algn="ctr" defTabSz="800100">
+            <a:lnSpc>
+              <a:spcPct val="90000"/>
+            </a:lnSpc>
+            <a:spcBef>
+              <a:spcPct val="0"/>
+            </a:spcBef>
+            <a:spcAft>
+              <a:spcPct val="35000"/>
+            </a:spcAft>
+          </a:pPr>
+          <a:r>
+            <a:rPr lang="en-US" sz="1800" kern="1200" dirty="0" smtClean="0"/>
             <a:t>IRQ Loop</a:t>
           </a:r>
-          <a:endParaRPr lang="en-US" sz="2100" kern="1200" dirty="0"/>
+          <a:endParaRPr lang="en-US" sz="1800" kern="1200" dirty="0"/>
         </a:p>
       </dsp:txBody>
       <dsp:txXfrm>
-        <a:off x="5482911" y="3872923"/>
-        <a:ext cx="1300001" cy="630388"/>
+        <a:off x="5284241" y="3310020"/>
+        <a:ext cx="1111222" cy="538847"/>
+      </dsp:txXfrm>
+    </dsp:sp>
+    <dsp:sp modelId="{7471EE1C-875C-8940-89C6-7CE0261AE55B}">
+      <dsp:nvSpPr>
+        <dsp:cNvPr id="0" name=""/>
+        <dsp:cNvSpPr/>
+      </dsp:nvSpPr>
+      <dsp:spPr>
+        <a:xfrm rot="3310531">
+          <a:off x="4637609" y="3897178"/>
+          <a:ext cx="801836" cy="22763"/>
+        </a:xfrm>
+        <a:custGeom>
+          <a:avLst/>
+          <a:gdLst/>
+          <a:ahLst/>
+          <a:cxnLst/>
+          <a:rect l="0" t="0" r="0" b="0"/>
+          <a:pathLst>
+            <a:path>
+              <a:moveTo>
+                <a:pt x="0" y="11381"/>
+              </a:moveTo>
+              <a:lnTo>
+                <a:pt x="801836" y="11381"/>
+              </a:lnTo>
+            </a:path>
+          </a:pathLst>
+        </a:custGeom>
+        <a:noFill/>
+        <a:ln w="25400" cap="flat" cmpd="sng" algn="ctr">
+          <a:solidFill>
+            <a:schemeClr val="accent1">
+              <a:shade val="80000"/>
+              <a:hueOff val="0"/>
+              <a:satOff val="0"/>
+              <a:lumOff val="0"/>
+              <a:alphaOff val="0"/>
+            </a:schemeClr>
+          </a:solidFill>
+          <a:prstDash val="solid"/>
+        </a:ln>
+        <a:effectLst/>
+      </dsp:spPr>
+      <dsp:style>
+        <a:lnRef idx="2">
+          <a:scrgbClr r="0" g="0" b="0"/>
+        </a:lnRef>
+        <a:fillRef idx="0">
+          <a:scrgbClr r="0" g="0" b="0"/>
+        </a:fillRef>
+        <a:effectRef idx="0">
+          <a:scrgbClr r="0" g="0" b="0"/>
+        </a:effectRef>
+        <a:fontRef idx="minor"/>
+      </dsp:style>
+      <dsp:txBody>
+        <a:bodyPr spcFirstLastPara="0" vert="horz" wrap="square" lIns="12700" tIns="0" rIns="12700" bIns="0" numCol="1" spcCol="1270" anchor="ctr" anchorCtr="0">
+          <a:noAutofit/>
+        </a:bodyPr>
+        <a:lstStyle/>
+        <a:p>
+          <a:pPr lvl="0" algn="ctr" defTabSz="222250">
+            <a:lnSpc>
+              <a:spcPct val="90000"/>
+            </a:lnSpc>
+            <a:spcBef>
+              <a:spcPct val="0"/>
+            </a:spcBef>
+            <a:spcAft>
+              <a:spcPct val="35000"/>
+            </a:spcAft>
+          </a:pPr>
+          <a:endParaRPr lang="zh-CN" altLang="en-US" sz="500" kern="1200"/>
+        </a:p>
+      </dsp:txBody>
+      <dsp:txXfrm>
+        <a:off x="5018481" y="3888514"/>
+        <a:ext cx="40091" cy="40091"/>
+      </dsp:txXfrm>
+    </dsp:sp>
+    <dsp:sp modelId="{09EE6E93-0F6D-404B-B174-A8A7E621E1BF}">
+      <dsp:nvSpPr>
+        <dsp:cNvPr id="0" name=""/>
+        <dsp:cNvSpPr/>
+      </dsp:nvSpPr>
+      <dsp:spPr>
+        <a:xfrm>
+          <a:off x="5267477" y="3951488"/>
+          <a:ext cx="1144750" cy="572375"/>
+        </a:xfrm>
+        <a:prstGeom prst="roundRect">
+          <a:avLst>
+            <a:gd name="adj" fmla="val 10000"/>
+          </a:avLst>
+        </a:prstGeom>
+        <a:solidFill>
+          <a:schemeClr val="accent2">
+            <a:lumMod val="75000"/>
+          </a:schemeClr>
+        </a:solidFill>
+        <a:ln w="25400" cap="flat" cmpd="sng" algn="ctr">
+          <a:solidFill>
+            <a:schemeClr val="lt1">
+              <a:hueOff val="0"/>
+              <a:satOff val="0"/>
+              <a:lumOff val="0"/>
+              <a:alphaOff val="0"/>
+            </a:schemeClr>
+          </a:solidFill>
+          <a:prstDash val="solid"/>
+        </a:ln>
+        <a:effectLst/>
+      </dsp:spPr>
+      <dsp:style>
+        <a:lnRef idx="2">
+          <a:scrgbClr r="0" g="0" b="0"/>
+        </a:lnRef>
+        <a:fillRef idx="1">
+          <a:scrgbClr r="0" g="0" b="0"/>
+        </a:fillRef>
+        <a:effectRef idx="0">
+          <a:scrgbClr r="0" g="0" b="0"/>
+        </a:effectRef>
+        <a:fontRef idx="minor">
+          <a:schemeClr val="lt1"/>
+        </a:fontRef>
+      </dsp:style>
+      <dsp:txBody>
+        <a:bodyPr spcFirstLastPara="0" vert="horz" wrap="square" lIns="11430" tIns="11430" rIns="11430" bIns="11430" numCol="1" spcCol="1270" anchor="ctr" anchorCtr="0">
+          <a:noAutofit/>
+        </a:bodyPr>
+        <a:lstStyle/>
+        <a:p>
+          <a:pPr lvl="0" algn="ctr" defTabSz="800100">
+            <a:lnSpc>
+              <a:spcPct val="90000"/>
+            </a:lnSpc>
+            <a:spcBef>
+              <a:spcPct val="0"/>
+            </a:spcBef>
+            <a:spcAft>
+              <a:spcPct val="35000"/>
+            </a:spcAft>
+          </a:pPr>
+          <a:r>
+            <a:rPr lang="en-US" altLang="zh-CN" sz="1800" kern="1200" dirty="0" smtClean="0"/>
+            <a:t>Long</a:t>
+          </a:r>
+          <a:r>
+            <a:rPr lang="zh-CN" altLang="en-US" sz="1800" kern="1200" dirty="0" smtClean="0"/>
+            <a:t> </a:t>
+          </a:r>
+          <a:r>
+            <a:rPr lang="en-US" altLang="zh-CN" sz="1800" kern="1200" dirty="0" smtClean="0"/>
+            <a:t>IRQ</a:t>
+          </a:r>
+          <a:r>
+            <a:rPr lang="zh-CN" altLang="en-US" sz="1800" kern="1200" dirty="0" smtClean="0"/>
+            <a:t> </a:t>
+          </a:r>
+          <a:r>
+            <a:rPr lang="en-US" altLang="zh-CN" sz="1800" kern="1200" dirty="0" smtClean="0"/>
+            <a:t>Off</a:t>
+          </a:r>
+          <a:endParaRPr lang="en-US" sz="1800" kern="1200" dirty="0"/>
+        </a:p>
+      </dsp:txBody>
+      <dsp:txXfrm>
+        <a:off x="5284241" y="3968252"/>
+        <a:ext cx="1111222" cy="538847"/>
       </dsp:txXfrm>
     </dsp:sp>
   </dsp:spTree>
@@ -10037,8 +11079,8 @@
       </dsp:nvSpPr>
       <dsp:spPr>
         <a:xfrm>
-          <a:off x="1045410" y="1626890"/>
-          <a:ext cx="1615468" cy="807734"/>
+          <a:off x="305300" y="2317926"/>
+          <a:ext cx="1465192" cy="732596"/>
         </a:xfrm>
         <a:prstGeom prst="roundRect">
           <a:avLst>
@@ -10081,12 +11123,12 @@
         </a:fontRef>
       </dsp:style>
       <dsp:txBody>
-        <a:bodyPr spcFirstLastPara="0" vert="horz" wrap="square" lIns="12065" tIns="12065" rIns="12065" bIns="12065" numCol="1" spcCol="1270" anchor="ctr" anchorCtr="0">
+        <a:bodyPr spcFirstLastPara="0" vert="horz" wrap="square" lIns="10160" tIns="10160" rIns="10160" bIns="10160" numCol="1" spcCol="1270" anchor="ctr" anchorCtr="0">
           <a:noAutofit/>
         </a:bodyPr>
         <a:lstStyle/>
         <a:p>
-          <a:pPr lvl="0" algn="ctr" defTabSz="844550">
+          <a:pPr lvl="0" algn="ctr" defTabSz="711200">
             <a:lnSpc>
               <a:spcPct val="90000"/>
             </a:lnSpc>
@@ -10098,26 +11140,26 @@
             </a:spcAft>
           </a:pPr>
           <a:r>
-            <a:rPr lang="en-US" sz="1900" kern="1200" dirty="0" smtClean="0"/>
+            <a:rPr lang="en-US" sz="1600" kern="1200" dirty="0" smtClean="0"/>
             <a:t>Sleep time</a:t>
           </a:r>
-          <a:endParaRPr lang="en-US" sz="1900" kern="1200" dirty="0"/>
+          <a:endParaRPr lang="en-US" sz="1600" kern="1200" dirty="0"/>
         </a:p>
       </dsp:txBody>
       <dsp:txXfrm>
-        <a:off x="1069068" y="1650548"/>
-        <a:ext cx="1568152" cy="760418"/>
+        <a:off x="326757" y="2339383"/>
+        <a:ext cx="1422278" cy="689682"/>
       </dsp:txXfrm>
     </dsp:sp>
-    <dsp:sp modelId="{22A0D473-2D2C-4751-9053-60186FA8FF15}">
+    <dsp:sp modelId="{6B9363EB-7948-F34F-BF1E-44E3039B838D}">
       <dsp:nvSpPr>
         <dsp:cNvPr id="0" name=""/>
         <dsp:cNvSpPr/>
       </dsp:nvSpPr>
       <dsp:spPr>
         <a:xfrm rot="17945813">
-          <a:off x="2319564" y="1434137"/>
-          <a:ext cx="1328816" cy="32124"/>
+          <a:off x="1460928" y="2143102"/>
+          <a:ext cx="1205205" cy="29135"/>
         </a:xfrm>
         <a:custGeom>
           <a:avLst/>
@@ -10128,10 +11170,10 @@
           <a:pathLst>
             <a:path>
               <a:moveTo>
-                <a:pt x="0" y="16062"/>
+                <a:pt x="0" y="14567"/>
               </a:moveTo>
               <a:lnTo>
-                <a:pt x="1328816" y="16062"/>
+                <a:pt x="1205205" y="14567"/>
               </a:lnTo>
             </a:path>
           </a:pathLst>
@@ -10180,23 +11222,23 @@
               <a:spcPct val="35000"/>
             </a:spcAft>
           </a:pPr>
-          <a:endParaRPr lang="en-US" sz="500" kern="1200"/>
+          <a:endParaRPr lang="zh-CN" altLang="en-US" sz="500" kern="1200"/>
         </a:p>
       </dsp:txBody>
       <dsp:txXfrm>
-        <a:off x="2950751" y="1416978"/>
-        <a:ext cx="66440" cy="66440"/>
+        <a:off x="2033400" y="2127540"/>
+        <a:ext cx="60260" cy="60260"/>
       </dsp:txXfrm>
     </dsp:sp>
-    <dsp:sp modelId="{4749729A-D121-4BBF-98CE-48CA10C2FAE2}">
+    <dsp:sp modelId="{FE0B6EC9-F1BC-6C47-8583-594A6D82CD37}">
       <dsp:nvSpPr>
         <dsp:cNvPr id="0" name=""/>
         <dsp:cNvSpPr/>
       </dsp:nvSpPr>
       <dsp:spPr>
         <a:xfrm>
-          <a:off x="3307065" y="465773"/>
-          <a:ext cx="1615468" cy="807734"/>
+          <a:off x="2356569" y="1264819"/>
+          <a:ext cx="1465192" cy="732596"/>
         </a:xfrm>
         <a:prstGeom prst="roundRect">
           <a:avLst>
@@ -10239,12 +11281,12 @@
         </a:fontRef>
       </dsp:style>
       <dsp:txBody>
-        <a:bodyPr spcFirstLastPara="0" vert="horz" wrap="square" lIns="12065" tIns="12065" rIns="12065" bIns="12065" numCol="1" spcCol="1270" anchor="ctr" anchorCtr="0">
+        <a:bodyPr spcFirstLastPara="0" vert="horz" wrap="square" lIns="10160" tIns="10160" rIns="10160" bIns="10160" numCol="1" spcCol="1270" anchor="ctr" anchorCtr="0">
           <a:noAutofit/>
         </a:bodyPr>
         <a:lstStyle/>
         <a:p>
-          <a:pPr lvl="0" algn="ctr" defTabSz="844550">
+          <a:pPr lvl="0" algn="ctr" defTabSz="711200">
             <a:lnSpc>
               <a:spcPct val="90000"/>
             </a:lnSpc>
@@ -10256,26 +11298,44 @@
             </a:spcAft>
           </a:pPr>
           <a:r>
-            <a:rPr lang="en-US" sz="1900" kern="1200" dirty="0" smtClean="0"/>
-            <a:t>Interruptible</a:t>
+            <a:rPr lang="en-US" altLang="zh-CN" sz="1600" kern="1200" dirty="0" smtClean="0"/>
+            <a:t>Block time</a:t>
           </a:r>
-          <a:endParaRPr lang="en-US" sz="1900" kern="1200" dirty="0"/>
+          <a:endParaRPr lang="zh-CN" altLang="en-US" sz="1600" kern="1200" dirty="0" smtClean="0"/>
+        </a:p>
+        <a:p>
+          <a:pPr lvl="0" algn="ctr" defTabSz="711200">
+            <a:lnSpc>
+              <a:spcPct val="90000"/>
+            </a:lnSpc>
+            <a:spcBef>
+              <a:spcPct val="0"/>
+            </a:spcBef>
+            <a:spcAft>
+              <a:spcPct val="35000"/>
+            </a:spcAft>
+          </a:pPr>
+          <a:r>
+            <a:rPr lang="en-US" sz="1600" kern="1200" dirty="0" smtClean="0"/>
+            <a:t>(Uninterruptible)</a:t>
+          </a:r>
+          <a:endParaRPr lang="en-US" sz="1600" kern="1200" dirty="0"/>
         </a:p>
       </dsp:txBody>
       <dsp:txXfrm>
-        <a:off x="3330723" y="489431"/>
-        <a:ext cx="1568152" cy="760418"/>
+        <a:off x="2378026" y="1286276"/>
+        <a:ext cx="1422278" cy="689682"/>
       </dsp:txXfrm>
     </dsp:sp>
-    <dsp:sp modelId="{90028366-DC65-48F5-AA66-BC9322AAE176}">
+    <dsp:sp modelId="{F88AE255-BCD3-5D46-969E-DCD806380A57}">
       <dsp:nvSpPr>
         <dsp:cNvPr id="0" name=""/>
         <dsp:cNvSpPr/>
       </dsp:nvSpPr>
       <dsp:spPr>
-        <a:xfrm rot="19457599">
-          <a:off x="4847736" y="621354"/>
-          <a:ext cx="795782" cy="32124"/>
+        <a:xfrm rot="18289469">
+          <a:off x="3601655" y="1195306"/>
+          <a:ext cx="1026288" cy="29135"/>
         </a:xfrm>
         <a:custGeom>
           <a:avLst/>
@@ -10286,10 +11346,10 @@
           <a:pathLst>
             <a:path>
               <a:moveTo>
-                <a:pt x="0" y="16062"/>
+                <a:pt x="0" y="14567"/>
               </a:moveTo>
               <a:lnTo>
-                <a:pt x="795782" y="16062"/>
+                <a:pt x="1026288" y="14567"/>
               </a:lnTo>
             </a:path>
           </a:pathLst>
@@ -10338,23 +11398,23 @@
               <a:spcPct val="35000"/>
             </a:spcAft>
           </a:pPr>
-          <a:endParaRPr lang="en-US" sz="500" kern="1200"/>
+          <a:endParaRPr lang="zh-CN" altLang="en-US" sz="500" kern="1200"/>
         </a:p>
       </dsp:txBody>
       <dsp:txXfrm>
-        <a:off x="5225733" y="617522"/>
-        <a:ext cx="39789" cy="39789"/>
+        <a:off x="4089142" y="1184217"/>
+        <a:ext cx="51314" cy="51314"/>
       </dsp:txXfrm>
     </dsp:sp>
-    <dsp:sp modelId="{D86F7B4D-7DE6-4216-B966-BF26033ABF4D}">
+    <dsp:sp modelId="{0631C909-C124-5C43-AFDD-D4465BC236C0}">
       <dsp:nvSpPr>
         <dsp:cNvPr id="0" name=""/>
         <dsp:cNvSpPr/>
       </dsp:nvSpPr>
       <dsp:spPr>
         <a:xfrm>
-          <a:off x="5568721" y="1325"/>
-          <a:ext cx="1615468" cy="807734"/>
+          <a:off x="4407838" y="422333"/>
+          <a:ext cx="1465192" cy="732596"/>
         </a:xfrm>
         <a:prstGeom prst="roundRect">
           <a:avLst>
@@ -10394,12 +11454,12 @@
         </a:fontRef>
       </dsp:style>
       <dsp:txBody>
-        <a:bodyPr spcFirstLastPara="0" vert="horz" wrap="square" lIns="12065" tIns="12065" rIns="12065" bIns="12065" numCol="1" spcCol="1270" anchor="ctr" anchorCtr="0">
+        <a:bodyPr spcFirstLastPara="0" vert="horz" wrap="square" lIns="10160" tIns="10160" rIns="10160" bIns="10160" numCol="1" spcCol="1270" anchor="ctr" anchorCtr="0">
           <a:noAutofit/>
         </a:bodyPr>
         <a:lstStyle/>
         <a:p>
-          <a:pPr lvl="0" algn="ctr" defTabSz="844550">
+          <a:pPr lvl="0" algn="ctr" defTabSz="711200">
             <a:lnSpc>
               <a:spcPct val="90000"/>
             </a:lnSpc>
@@ -10411,26 +11471,26 @@
             </a:spcAft>
           </a:pPr>
           <a:r>
-            <a:rPr lang="en-US" sz="1900" kern="1200" dirty="0" smtClean="0"/>
-            <a:t>Lock Contention</a:t>
+            <a:rPr lang="en-US" sz="1600" kern="1200" dirty="0" smtClean="0"/>
+            <a:t>IO Wait</a:t>
           </a:r>
-          <a:endParaRPr lang="en-US" sz="1900" kern="1200" dirty="0"/>
+          <a:endParaRPr lang="en-US" sz="1600" kern="1200" dirty="0"/>
         </a:p>
       </dsp:txBody>
       <dsp:txXfrm>
-        <a:off x="5592379" y="24983"/>
-        <a:ext cx="1568152" cy="760418"/>
+        <a:off x="4429295" y="443790"/>
+        <a:ext cx="1422278" cy="689682"/>
       </dsp:txXfrm>
     </dsp:sp>
-    <dsp:sp modelId="{82A18488-1057-427A-8AC0-513CF80E92AA}">
+    <dsp:sp modelId="{D8708AFE-ACEC-634A-A8C9-9E6950027C6A}">
       <dsp:nvSpPr>
         <dsp:cNvPr id="0" name=""/>
         <dsp:cNvSpPr/>
       </dsp:nvSpPr>
       <dsp:spPr>
-        <a:xfrm rot="2142401">
-          <a:off x="4847736" y="1085801"/>
-          <a:ext cx="795782" cy="32124"/>
+        <a:xfrm rot="19457599">
+          <a:off x="5805191" y="563442"/>
+          <a:ext cx="721755" cy="29135"/>
         </a:xfrm>
         <a:custGeom>
           <a:avLst/>
@@ -10441,10 +11501,10 @@
           <a:pathLst>
             <a:path>
               <a:moveTo>
-                <a:pt x="0" y="16062"/>
+                <a:pt x="0" y="14567"/>
               </a:moveTo>
               <a:lnTo>
-                <a:pt x="795782" y="16062"/>
+                <a:pt x="721755" y="14567"/>
               </a:lnTo>
             </a:path>
           </a:pathLst>
@@ -10493,23 +11553,23 @@
               <a:spcPct val="35000"/>
             </a:spcAft>
           </a:pPr>
-          <a:endParaRPr lang="en-US" sz="500" kern="1200"/>
+          <a:endParaRPr lang="zh-CN" altLang="en-US" sz="500" kern="1200"/>
         </a:p>
       </dsp:txBody>
       <dsp:txXfrm>
-        <a:off x="5225733" y="1081969"/>
-        <a:ext cx="39789" cy="39789"/>
+        <a:off x="6148025" y="559966"/>
+        <a:ext cx="36087" cy="36087"/>
       </dsp:txXfrm>
     </dsp:sp>
-    <dsp:sp modelId="{4817CED8-EB4C-45B4-A3D5-6CA858B48CE6}">
+    <dsp:sp modelId="{6C5AF935-9CBC-364D-8050-687E4CB708DD}">
       <dsp:nvSpPr>
         <dsp:cNvPr id="0" name=""/>
         <dsp:cNvSpPr/>
       </dsp:nvSpPr>
       <dsp:spPr>
         <a:xfrm>
-          <a:off x="5568721" y="930220"/>
-          <a:ext cx="1615468" cy="807734"/>
+          <a:off x="6459107" y="1091"/>
+          <a:ext cx="1465192" cy="732596"/>
         </a:xfrm>
         <a:prstGeom prst="roundRect">
           <a:avLst>
@@ -10549,12 +11609,12 @@
         </a:fontRef>
       </dsp:style>
       <dsp:txBody>
-        <a:bodyPr spcFirstLastPara="0" vert="horz" wrap="square" lIns="12065" tIns="12065" rIns="12065" bIns="12065" numCol="1" spcCol="1270" anchor="ctr" anchorCtr="0">
+        <a:bodyPr spcFirstLastPara="0" vert="horz" wrap="square" lIns="10160" tIns="10160" rIns="10160" bIns="10160" numCol="1" spcCol="1270" anchor="ctr" anchorCtr="0">
           <a:noAutofit/>
         </a:bodyPr>
         <a:lstStyle/>
         <a:p>
-          <a:pPr lvl="0" algn="ctr" defTabSz="844550">
+          <a:pPr lvl="0" algn="ctr" defTabSz="711200">
             <a:lnSpc>
               <a:spcPct val="90000"/>
             </a:lnSpc>
@@ -10566,26 +11626,34 @@
             </a:spcAft>
           </a:pPr>
           <a:r>
-            <a:rPr lang="en-US" sz="1900" kern="1200" dirty="0" smtClean="0"/>
-            <a:t>Wait an event</a:t>
+            <a:rPr lang="en-US" altLang="zh-CN" sz="1600" kern="1200" dirty="0" smtClean="0"/>
+            <a:t>Memory</a:t>
           </a:r>
-          <a:endParaRPr lang="en-US" sz="1900" kern="1200" dirty="0"/>
+          <a:r>
+            <a:rPr lang="zh-CN" altLang="en-US" sz="1600" kern="1200" dirty="0" smtClean="0"/>
+            <a:t> </a:t>
+          </a:r>
+          <a:r>
+            <a:rPr lang="en-US" altLang="zh-CN" sz="1600" kern="1200" dirty="0" smtClean="0"/>
+            <a:t>Pressure</a:t>
+          </a:r>
+          <a:endParaRPr lang="en-US" sz="1600" kern="1200" dirty="0"/>
         </a:p>
       </dsp:txBody>
       <dsp:txXfrm>
-        <a:off x="5592379" y="953878"/>
-        <a:ext cx="1568152" cy="760418"/>
+        <a:off x="6480564" y="22548"/>
+        <a:ext cx="1422278" cy="689682"/>
       </dsp:txXfrm>
     </dsp:sp>
-    <dsp:sp modelId="{E5DDBAD3-14EC-41FA-8503-8E186AB1BA1C}">
+    <dsp:sp modelId="{72C0C2EF-2F17-B64D-9319-36E59198B271}">
       <dsp:nvSpPr>
         <dsp:cNvPr id="0" name=""/>
         <dsp:cNvSpPr/>
       </dsp:nvSpPr>
       <dsp:spPr>
-        <a:xfrm rot="3654187">
-          <a:off x="2319564" y="2595254"/>
-          <a:ext cx="1328816" cy="32124"/>
+        <a:xfrm rot="2142401">
+          <a:off x="5805191" y="984685"/>
+          <a:ext cx="721755" cy="29135"/>
         </a:xfrm>
         <a:custGeom>
           <a:avLst/>
@@ -10596,10 +11664,491 @@
           <a:pathLst>
             <a:path>
               <a:moveTo>
-                <a:pt x="0" y="16062"/>
+                <a:pt x="0" y="14567"/>
               </a:moveTo>
               <a:lnTo>
-                <a:pt x="1328816" y="16062"/>
+                <a:pt x="721755" y="14567"/>
+              </a:lnTo>
+            </a:path>
+          </a:pathLst>
+        </a:custGeom>
+        <a:noFill/>
+        <a:ln w="25400" cap="flat" cmpd="sng" algn="ctr">
+          <a:solidFill>
+            <a:schemeClr val="accent1">
+              <a:shade val="80000"/>
+              <a:hueOff val="0"/>
+              <a:satOff val="0"/>
+              <a:lumOff val="0"/>
+              <a:alphaOff val="0"/>
+            </a:schemeClr>
+          </a:solidFill>
+          <a:prstDash val="solid"/>
+        </a:ln>
+        <a:effectLst/>
+      </dsp:spPr>
+      <dsp:style>
+        <a:lnRef idx="2">
+          <a:scrgbClr r="0" g="0" b="0"/>
+        </a:lnRef>
+        <a:fillRef idx="0">
+          <a:scrgbClr r="0" g="0" b="0"/>
+        </a:fillRef>
+        <a:effectRef idx="0">
+          <a:scrgbClr r="0" g="0" b="0"/>
+        </a:effectRef>
+        <a:fontRef idx="minor"/>
+      </dsp:style>
+      <dsp:txBody>
+        <a:bodyPr spcFirstLastPara="0" vert="horz" wrap="square" lIns="12700" tIns="0" rIns="12700" bIns="0" numCol="1" spcCol="1270" anchor="ctr" anchorCtr="0">
+          <a:noAutofit/>
+        </a:bodyPr>
+        <a:lstStyle/>
+        <a:p>
+          <a:pPr lvl="0" algn="ctr" defTabSz="222250">
+            <a:lnSpc>
+              <a:spcPct val="90000"/>
+            </a:lnSpc>
+            <a:spcBef>
+              <a:spcPct val="0"/>
+            </a:spcBef>
+            <a:spcAft>
+              <a:spcPct val="35000"/>
+            </a:spcAft>
+          </a:pPr>
+          <a:endParaRPr lang="zh-CN" altLang="en-US" sz="500" kern="1200"/>
+        </a:p>
+      </dsp:txBody>
+      <dsp:txXfrm>
+        <a:off x="6148025" y="981209"/>
+        <a:ext cx="36087" cy="36087"/>
+      </dsp:txXfrm>
+    </dsp:sp>
+    <dsp:sp modelId="{53DBB290-46A4-354F-A6D5-8096E6E903F5}">
+      <dsp:nvSpPr>
+        <dsp:cNvPr id="0" name=""/>
+        <dsp:cNvSpPr/>
+      </dsp:nvSpPr>
+      <dsp:spPr>
+        <a:xfrm>
+          <a:off x="6459107" y="843576"/>
+          <a:ext cx="1465192" cy="732596"/>
+        </a:xfrm>
+        <a:prstGeom prst="roundRect">
+          <a:avLst>
+            <a:gd name="adj" fmla="val 10000"/>
+          </a:avLst>
+        </a:prstGeom>
+        <a:solidFill>
+          <a:schemeClr val="accent2">
+            <a:lumMod val="75000"/>
+          </a:schemeClr>
+        </a:solidFill>
+        <a:ln w="25400" cap="flat" cmpd="sng" algn="ctr">
+          <a:solidFill>
+            <a:schemeClr val="lt1">
+              <a:hueOff val="0"/>
+              <a:satOff val="0"/>
+              <a:lumOff val="0"/>
+              <a:alphaOff val="0"/>
+            </a:schemeClr>
+          </a:solidFill>
+          <a:prstDash val="solid"/>
+        </a:ln>
+        <a:effectLst/>
+      </dsp:spPr>
+      <dsp:style>
+        <a:lnRef idx="2">
+          <a:scrgbClr r="0" g="0" b="0"/>
+        </a:lnRef>
+        <a:fillRef idx="1">
+          <a:scrgbClr r="0" g="0" b="0"/>
+        </a:fillRef>
+        <a:effectRef idx="0">
+          <a:scrgbClr r="0" g="0" b="0"/>
+        </a:effectRef>
+        <a:fontRef idx="minor">
+          <a:schemeClr val="lt1"/>
+        </a:fontRef>
+      </dsp:style>
+      <dsp:txBody>
+        <a:bodyPr spcFirstLastPara="0" vert="horz" wrap="square" lIns="10160" tIns="10160" rIns="10160" bIns="10160" numCol="1" spcCol="1270" anchor="ctr" anchorCtr="0">
+          <a:noAutofit/>
+        </a:bodyPr>
+        <a:lstStyle/>
+        <a:p>
+          <a:pPr lvl="0" algn="ctr" defTabSz="711200">
+            <a:lnSpc>
+              <a:spcPct val="90000"/>
+            </a:lnSpc>
+            <a:spcBef>
+              <a:spcPct val="0"/>
+            </a:spcBef>
+            <a:spcAft>
+              <a:spcPct val="35000"/>
+            </a:spcAft>
+          </a:pPr>
+          <a:r>
+            <a:rPr lang="en-US" altLang="zh-CN" sz="1600" kern="1200" dirty="0" smtClean="0"/>
+            <a:t>Disk</a:t>
+          </a:r>
+          <a:r>
+            <a:rPr lang="zh-CN" altLang="en-US" sz="1600" kern="1200" dirty="0" smtClean="0"/>
+            <a:t> </a:t>
+          </a:r>
+          <a:r>
+            <a:rPr lang="en-US" altLang="zh-CN" sz="1600" kern="1200" dirty="0" smtClean="0"/>
+            <a:t>IO</a:t>
+          </a:r>
+          <a:r>
+            <a:rPr lang="zh-CN" altLang="en-US" sz="1600" kern="1200" dirty="0" smtClean="0"/>
+            <a:t> </a:t>
+          </a:r>
+          <a:r>
+            <a:rPr lang="en-US" altLang="zh-CN" sz="1600" kern="1200" dirty="0" smtClean="0"/>
+            <a:t>Pressure</a:t>
+          </a:r>
+          <a:endParaRPr lang="en-US" sz="1600" kern="1200" dirty="0"/>
+        </a:p>
+      </dsp:txBody>
+      <dsp:txXfrm>
+        <a:off x="6480564" y="865033"/>
+        <a:ext cx="1422278" cy="689682"/>
+      </dsp:txXfrm>
+    </dsp:sp>
+    <dsp:sp modelId="{5468245B-3736-C64C-BFB4-7E45693BEDE3}">
+      <dsp:nvSpPr>
+        <dsp:cNvPr id="0" name=""/>
+        <dsp:cNvSpPr/>
+      </dsp:nvSpPr>
+      <dsp:spPr>
+        <a:xfrm>
+          <a:off x="3821761" y="1616549"/>
+          <a:ext cx="586076" cy="29135"/>
+        </a:xfrm>
+        <a:custGeom>
+          <a:avLst/>
+          <a:gdLst/>
+          <a:ahLst/>
+          <a:cxnLst/>
+          <a:rect l="0" t="0" r="0" b="0"/>
+          <a:pathLst>
+            <a:path>
+              <a:moveTo>
+                <a:pt x="0" y="14567"/>
+              </a:moveTo>
+              <a:lnTo>
+                <a:pt x="586076" y="14567"/>
+              </a:lnTo>
+            </a:path>
+          </a:pathLst>
+        </a:custGeom>
+        <a:noFill/>
+        <a:ln w="25400" cap="flat" cmpd="sng" algn="ctr">
+          <a:solidFill>
+            <a:schemeClr val="accent1">
+              <a:shade val="80000"/>
+              <a:hueOff val="0"/>
+              <a:satOff val="0"/>
+              <a:lumOff val="0"/>
+              <a:alphaOff val="0"/>
+            </a:schemeClr>
+          </a:solidFill>
+          <a:prstDash val="solid"/>
+        </a:ln>
+        <a:effectLst/>
+      </dsp:spPr>
+      <dsp:style>
+        <a:lnRef idx="2">
+          <a:scrgbClr r="0" g="0" b="0"/>
+        </a:lnRef>
+        <a:fillRef idx="0">
+          <a:scrgbClr r="0" g="0" b="0"/>
+        </a:fillRef>
+        <a:effectRef idx="0">
+          <a:scrgbClr r="0" g="0" b="0"/>
+        </a:effectRef>
+        <a:fontRef idx="minor"/>
+      </dsp:style>
+      <dsp:txBody>
+        <a:bodyPr spcFirstLastPara="0" vert="horz" wrap="square" lIns="12700" tIns="0" rIns="12700" bIns="0" numCol="1" spcCol="1270" anchor="ctr" anchorCtr="0">
+          <a:noAutofit/>
+        </a:bodyPr>
+        <a:lstStyle/>
+        <a:p>
+          <a:pPr lvl="0" algn="ctr" defTabSz="222250">
+            <a:lnSpc>
+              <a:spcPct val="90000"/>
+            </a:lnSpc>
+            <a:spcBef>
+              <a:spcPct val="0"/>
+            </a:spcBef>
+            <a:spcAft>
+              <a:spcPct val="35000"/>
+            </a:spcAft>
+          </a:pPr>
+          <a:endParaRPr lang="zh-CN" altLang="en-US" sz="500" kern="1200"/>
+        </a:p>
+      </dsp:txBody>
+      <dsp:txXfrm>
+        <a:off x="4100148" y="1616465"/>
+        <a:ext cx="29303" cy="29303"/>
+      </dsp:txXfrm>
+    </dsp:sp>
+    <dsp:sp modelId="{EADB709B-B6C4-3943-98DA-576F545A4668}">
+      <dsp:nvSpPr>
+        <dsp:cNvPr id="0" name=""/>
+        <dsp:cNvSpPr/>
+      </dsp:nvSpPr>
+      <dsp:spPr>
+        <a:xfrm>
+          <a:off x="4407838" y="1264819"/>
+          <a:ext cx="1465192" cy="732596"/>
+        </a:xfrm>
+        <a:prstGeom prst="roundRect">
+          <a:avLst>
+            <a:gd name="adj" fmla="val 10000"/>
+          </a:avLst>
+        </a:prstGeom>
+        <a:solidFill>
+          <a:schemeClr val="accent2">
+            <a:lumMod val="75000"/>
+          </a:schemeClr>
+        </a:solidFill>
+        <a:ln w="25400" cap="flat" cmpd="sng" algn="ctr">
+          <a:solidFill>
+            <a:schemeClr val="lt1">
+              <a:hueOff val="0"/>
+              <a:satOff val="0"/>
+              <a:lumOff val="0"/>
+              <a:alphaOff val="0"/>
+            </a:schemeClr>
+          </a:solidFill>
+          <a:prstDash val="solid"/>
+        </a:ln>
+        <a:effectLst/>
+      </dsp:spPr>
+      <dsp:style>
+        <a:lnRef idx="2">
+          <a:scrgbClr r="0" g="0" b="0"/>
+        </a:lnRef>
+        <a:fillRef idx="1">
+          <a:scrgbClr r="0" g="0" b="0"/>
+        </a:fillRef>
+        <a:effectRef idx="0">
+          <a:scrgbClr r="0" g="0" b="0"/>
+        </a:effectRef>
+        <a:fontRef idx="minor">
+          <a:schemeClr val="lt1"/>
+        </a:fontRef>
+      </dsp:style>
+      <dsp:txBody>
+        <a:bodyPr spcFirstLastPara="0" vert="horz" wrap="square" lIns="10160" tIns="10160" rIns="10160" bIns="10160" numCol="1" spcCol="1270" anchor="ctr" anchorCtr="0">
+          <a:noAutofit/>
+        </a:bodyPr>
+        <a:lstStyle/>
+        <a:p>
+          <a:pPr lvl="0" algn="ctr" defTabSz="711200">
+            <a:lnSpc>
+              <a:spcPct val="90000"/>
+            </a:lnSpc>
+            <a:spcBef>
+              <a:spcPct val="0"/>
+            </a:spcBef>
+            <a:spcAft>
+              <a:spcPct val="35000"/>
+            </a:spcAft>
+          </a:pPr>
+          <a:r>
+            <a:rPr lang="en-US" sz="1600" kern="1200" dirty="0" smtClean="0"/>
+            <a:t>Lock contention</a:t>
+          </a:r>
+          <a:endParaRPr lang="en-US" sz="1600" kern="1200" dirty="0"/>
+        </a:p>
+      </dsp:txBody>
+      <dsp:txXfrm>
+        <a:off x="4429295" y="1286276"/>
+        <a:ext cx="1422278" cy="689682"/>
+      </dsp:txXfrm>
+    </dsp:sp>
+    <dsp:sp modelId="{E76A51DA-143A-264F-9801-9A52C63FCB97}">
+      <dsp:nvSpPr>
+        <dsp:cNvPr id="0" name=""/>
+        <dsp:cNvSpPr/>
+      </dsp:nvSpPr>
+      <dsp:spPr>
+        <a:xfrm rot="3310531">
+          <a:off x="3601655" y="2037792"/>
+          <a:ext cx="1026288" cy="29135"/>
+        </a:xfrm>
+        <a:custGeom>
+          <a:avLst/>
+          <a:gdLst/>
+          <a:ahLst/>
+          <a:cxnLst/>
+          <a:rect l="0" t="0" r="0" b="0"/>
+          <a:pathLst>
+            <a:path>
+              <a:moveTo>
+                <a:pt x="0" y="14567"/>
+              </a:moveTo>
+              <a:lnTo>
+                <a:pt x="1026288" y="14567"/>
+              </a:lnTo>
+            </a:path>
+          </a:pathLst>
+        </a:custGeom>
+        <a:noFill/>
+        <a:ln w="25400" cap="flat" cmpd="sng" algn="ctr">
+          <a:solidFill>
+            <a:schemeClr val="accent1">
+              <a:shade val="80000"/>
+              <a:hueOff val="0"/>
+              <a:satOff val="0"/>
+              <a:lumOff val="0"/>
+              <a:alphaOff val="0"/>
+            </a:schemeClr>
+          </a:solidFill>
+          <a:prstDash val="solid"/>
+        </a:ln>
+        <a:effectLst/>
+      </dsp:spPr>
+      <dsp:style>
+        <a:lnRef idx="2">
+          <a:scrgbClr r="0" g="0" b="0"/>
+        </a:lnRef>
+        <a:fillRef idx="0">
+          <a:scrgbClr r="0" g="0" b="0"/>
+        </a:fillRef>
+        <a:effectRef idx="0">
+          <a:scrgbClr r="0" g="0" b="0"/>
+        </a:effectRef>
+        <a:fontRef idx="minor"/>
+      </dsp:style>
+      <dsp:txBody>
+        <a:bodyPr spcFirstLastPara="0" vert="horz" wrap="square" lIns="12700" tIns="0" rIns="12700" bIns="0" numCol="1" spcCol="1270" anchor="ctr" anchorCtr="0">
+          <a:noAutofit/>
+        </a:bodyPr>
+        <a:lstStyle/>
+        <a:p>
+          <a:pPr lvl="0" algn="ctr" defTabSz="222250">
+            <a:lnSpc>
+              <a:spcPct val="90000"/>
+            </a:lnSpc>
+            <a:spcBef>
+              <a:spcPct val="0"/>
+            </a:spcBef>
+            <a:spcAft>
+              <a:spcPct val="35000"/>
+            </a:spcAft>
+          </a:pPr>
+          <a:endParaRPr lang="zh-CN" altLang="en-US" sz="500" kern="1200"/>
+        </a:p>
+      </dsp:txBody>
+      <dsp:txXfrm>
+        <a:off x="4089142" y="2026702"/>
+        <a:ext cx="51314" cy="51314"/>
+      </dsp:txXfrm>
+    </dsp:sp>
+    <dsp:sp modelId="{1F7A19F5-7367-1F4D-8522-081B5BF83E58}">
+      <dsp:nvSpPr>
+        <dsp:cNvPr id="0" name=""/>
+        <dsp:cNvSpPr/>
+      </dsp:nvSpPr>
+      <dsp:spPr>
+        <a:xfrm>
+          <a:off x="4407838" y="2107304"/>
+          <a:ext cx="1465192" cy="732596"/>
+        </a:xfrm>
+        <a:prstGeom prst="roundRect">
+          <a:avLst>
+            <a:gd name="adj" fmla="val 10000"/>
+          </a:avLst>
+        </a:prstGeom>
+        <a:solidFill>
+          <a:schemeClr val="accent2">
+            <a:lumMod val="75000"/>
+          </a:schemeClr>
+        </a:solidFill>
+        <a:ln w="25400" cap="flat" cmpd="sng" algn="ctr">
+          <a:solidFill>
+            <a:schemeClr val="lt1">
+              <a:hueOff val="0"/>
+              <a:satOff val="0"/>
+              <a:lumOff val="0"/>
+              <a:alphaOff val="0"/>
+            </a:schemeClr>
+          </a:solidFill>
+          <a:prstDash val="solid"/>
+        </a:ln>
+        <a:effectLst/>
+      </dsp:spPr>
+      <dsp:style>
+        <a:lnRef idx="2">
+          <a:scrgbClr r="0" g="0" b="0"/>
+        </a:lnRef>
+        <a:fillRef idx="1">
+          <a:scrgbClr r="0" g="0" b="0"/>
+        </a:fillRef>
+        <a:effectRef idx="0">
+          <a:scrgbClr r="0" g="0" b="0"/>
+        </a:effectRef>
+        <a:fontRef idx="minor">
+          <a:schemeClr val="lt1"/>
+        </a:fontRef>
+      </dsp:style>
+      <dsp:txBody>
+        <a:bodyPr spcFirstLastPara="0" vert="horz" wrap="square" lIns="10160" tIns="10160" rIns="10160" bIns="10160" numCol="1" spcCol="1270" anchor="ctr" anchorCtr="0">
+          <a:noAutofit/>
+        </a:bodyPr>
+        <a:lstStyle/>
+        <a:p>
+          <a:pPr lvl="0" algn="ctr" defTabSz="711200">
+            <a:lnSpc>
+              <a:spcPct val="90000"/>
+            </a:lnSpc>
+            <a:spcBef>
+              <a:spcPct val="0"/>
+            </a:spcBef>
+            <a:spcAft>
+              <a:spcPct val="35000"/>
+            </a:spcAft>
+          </a:pPr>
+          <a:r>
+            <a:rPr lang="en-US" sz="1600" kern="1200" dirty="0" smtClean="0"/>
+            <a:t>Wait an event</a:t>
+          </a:r>
+          <a:endParaRPr lang="en-US" sz="1600" kern="1200" dirty="0"/>
+        </a:p>
+      </dsp:txBody>
+      <dsp:txXfrm>
+        <a:off x="4429295" y="2128761"/>
+        <a:ext cx="1422278" cy="689682"/>
+      </dsp:txXfrm>
+    </dsp:sp>
+    <dsp:sp modelId="{22A0D473-2D2C-4751-9053-60186FA8FF15}">
+      <dsp:nvSpPr>
+        <dsp:cNvPr id="0" name=""/>
+        <dsp:cNvSpPr/>
+      </dsp:nvSpPr>
+      <dsp:spPr>
+        <a:xfrm rot="3654187">
+          <a:off x="1460928" y="3196209"/>
+          <a:ext cx="1205205" cy="29135"/>
+        </a:xfrm>
+        <a:custGeom>
+          <a:avLst/>
+          <a:gdLst/>
+          <a:ahLst/>
+          <a:cxnLst/>
+          <a:rect l="0" t="0" r="0" b="0"/>
+          <a:pathLst>
+            <a:path>
+              <a:moveTo>
+                <a:pt x="0" y="14567"/>
+              </a:moveTo>
+              <a:lnTo>
+                <a:pt x="1205205" y="14567"/>
               </a:lnTo>
             </a:path>
           </a:pathLst>
@@ -10652,19 +12201,19 @@
         </a:p>
       </dsp:txBody>
       <dsp:txXfrm>
-        <a:off x="2950751" y="2578096"/>
-        <a:ext cx="66440" cy="66440"/>
+        <a:off x="2033400" y="3180647"/>
+        <a:ext cx="60260" cy="60260"/>
       </dsp:txXfrm>
     </dsp:sp>
-    <dsp:sp modelId="{92800B67-239D-4522-8267-E3E01FE8D2E7}">
+    <dsp:sp modelId="{4749729A-D121-4BBF-98CE-48CA10C2FAE2}">
       <dsp:nvSpPr>
         <dsp:cNvPr id="0" name=""/>
         <dsp:cNvSpPr/>
       </dsp:nvSpPr>
       <dsp:spPr>
         <a:xfrm>
-          <a:off x="3307065" y="2788008"/>
-          <a:ext cx="1615468" cy="807734"/>
+          <a:off x="2356569" y="3371033"/>
+          <a:ext cx="1465192" cy="732596"/>
         </a:xfrm>
         <a:prstGeom prst="roundRect">
           <a:avLst>
@@ -10707,12 +12256,12 @@
         </a:fontRef>
       </dsp:style>
       <dsp:txBody>
-        <a:bodyPr spcFirstLastPara="0" vert="horz" wrap="square" lIns="12065" tIns="12065" rIns="12065" bIns="12065" numCol="1" spcCol="1270" anchor="ctr" anchorCtr="0">
+        <a:bodyPr spcFirstLastPara="0" vert="horz" wrap="square" lIns="10160" tIns="10160" rIns="10160" bIns="10160" numCol="1" spcCol="1270" anchor="ctr" anchorCtr="0">
           <a:noAutofit/>
         </a:bodyPr>
         <a:lstStyle/>
         <a:p>
-          <a:pPr lvl="0" algn="ctr" defTabSz="844550">
+          <a:pPr lvl="0" algn="ctr" defTabSz="711200">
             <a:lnSpc>
               <a:spcPct val="90000"/>
             </a:lnSpc>
@@ -10724,26 +12273,44 @@
             </a:spcAft>
           </a:pPr>
           <a:r>
-            <a:rPr lang="en-US" sz="1900" kern="1200" dirty="0" smtClean="0"/>
-            <a:t>Uninterruptible</a:t>
+            <a:rPr lang="en-US" altLang="zh-CN" sz="1600" kern="1200" dirty="0" smtClean="0"/>
+            <a:t>Sleep time</a:t>
           </a:r>
-          <a:endParaRPr lang="en-US" sz="1900" kern="1200" dirty="0"/>
+          <a:endParaRPr lang="zh-CN" altLang="en-US" sz="1600" kern="1200" dirty="0" smtClean="0"/>
+        </a:p>
+        <a:p>
+          <a:pPr lvl="0" algn="ctr" defTabSz="711200">
+            <a:lnSpc>
+              <a:spcPct val="90000"/>
+            </a:lnSpc>
+            <a:spcBef>
+              <a:spcPct val="0"/>
+            </a:spcBef>
+            <a:spcAft>
+              <a:spcPct val="35000"/>
+            </a:spcAft>
+          </a:pPr>
+          <a:r>
+            <a:rPr lang="en-US" sz="1600" kern="1200" dirty="0" smtClean="0"/>
+            <a:t>(Interruptible)</a:t>
+          </a:r>
+          <a:endParaRPr lang="en-US" sz="1600" kern="1200" dirty="0"/>
         </a:p>
       </dsp:txBody>
       <dsp:txXfrm>
-        <a:off x="3330723" y="2811666"/>
-        <a:ext cx="1568152" cy="760418"/>
+        <a:off x="2378026" y="3392490"/>
+        <a:ext cx="1422278" cy="689682"/>
       </dsp:txXfrm>
     </dsp:sp>
-    <dsp:sp modelId="{3042C2B1-53C5-4A68-AE0E-698A73DCC7BE}">
+    <dsp:sp modelId="{90028366-DC65-48F5-AA66-BC9322AAE176}">
       <dsp:nvSpPr>
         <dsp:cNvPr id="0" name=""/>
         <dsp:cNvSpPr/>
       </dsp:nvSpPr>
       <dsp:spPr>
-        <a:xfrm rot="18289469">
-          <a:off x="4679853" y="2711366"/>
-          <a:ext cx="1131548" cy="32124"/>
+        <a:xfrm rot="19457599">
+          <a:off x="3753922" y="3512141"/>
+          <a:ext cx="721755" cy="29135"/>
         </a:xfrm>
         <a:custGeom>
           <a:avLst/>
@@ -10754,10 +12321,10 @@
           <a:pathLst>
             <a:path>
               <a:moveTo>
-                <a:pt x="0" y="16062"/>
+                <a:pt x="0" y="14567"/>
               </a:moveTo>
               <a:lnTo>
-                <a:pt x="1131548" y="16062"/>
+                <a:pt x="721755" y="14567"/>
               </a:lnTo>
             </a:path>
           </a:pathLst>
@@ -10810,19 +12377,19 @@
         </a:p>
       </dsp:txBody>
       <dsp:txXfrm>
-        <a:off x="5217339" y="2699139"/>
-        <a:ext cx="56577" cy="56577"/>
+        <a:off x="4096756" y="3508665"/>
+        <a:ext cx="36087" cy="36087"/>
       </dsp:txXfrm>
     </dsp:sp>
-    <dsp:sp modelId="{0F801627-69FE-4E10-B3FE-2DD93FFE0049}">
+    <dsp:sp modelId="{D86F7B4D-7DE6-4216-B966-BF26033ABF4D}">
       <dsp:nvSpPr>
         <dsp:cNvPr id="0" name=""/>
         <dsp:cNvSpPr/>
       </dsp:nvSpPr>
       <dsp:spPr>
         <a:xfrm>
-          <a:off x="5568721" y="1859114"/>
-          <a:ext cx="1615468" cy="807734"/>
+          <a:off x="4407838" y="2949790"/>
+          <a:ext cx="1465192" cy="732596"/>
         </a:xfrm>
         <a:prstGeom prst="roundRect">
           <a:avLst>
@@ -10862,12 +12429,12 @@
         </a:fontRef>
       </dsp:style>
       <dsp:txBody>
-        <a:bodyPr spcFirstLastPara="0" vert="horz" wrap="square" lIns="12065" tIns="12065" rIns="12065" bIns="12065" numCol="1" spcCol="1270" anchor="ctr" anchorCtr="0">
+        <a:bodyPr spcFirstLastPara="0" vert="horz" wrap="square" lIns="10160" tIns="10160" rIns="10160" bIns="10160" numCol="1" spcCol="1270" anchor="ctr" anchorCtr="0">
           <a:noAutofit/>
         </a:bodyPr>
         <a:lstStyle/>
         <a:p>
-          <a:pPr lvl="0" algn="ctr" defTabSz="844550">
+          <a:pPr lvl="0" algn="ctr" defTabSz="711200">
             <a:lnSpc>
               <a:spcPct val="90000"/>
             </a:lnSpc>
@@ -10879,26 +12446,26 @@
             </a:spcAft>
           </a:pPr>
           <a:r>
-            <a:rPr lang="en-US" sz="1900" kern="1200" dirty="0" smtClean="0"/>
-            <a:t>IO Wait</a:t>
+            <a:rPr lang="en-US" sz="1600" kern="1200" dirty="0" smtClean="0"/>
+            <a:t>Lock Contention</a:t>
           </a:r>
-          <a:endParaRPr lang="en-US" sz="1900" kern="1200" dirty="0"/>
+          <a:endParaRPr lang="en-US" sz="1600" kern="1200" dirty="0"/>
         </a:p>
       </dsp:txBody>
       <dsp:txXfrm>
-        <a:off x="5592379" y="1882772"/>
-        <a:ext cx="1568152" cy="760418"/>
+        <a:off x="4429295" y="2971247"/>
+        <a:ext cx="1422278" cy="689682"/>
       </dsp:txXfrm>
     </dsp:sp>
-    <dsp:sp modelId="{816138AD-8A73-4F90-853A-7ACD8216A1B2}">
+    <dsp:sp modelId="{82A18488-1057-427A-8AC0-513CF80E92AA}">
       <dsp:nvSpPr>
         <dsp:cNvPr id="0" name=""/>
         <dsp:cNvSpPr/>
       </dsp:nvSpPr>
       <dsp:spPr>
-        <a:xfrm>
-          <a:off x="4922534" y="3175813"/>
-          <a:ext cx="646187" cy="32124"/>
+        <a:xfrm rot="2142401">
+          <a:off x="3753922" y="3933384"/>
+          <a:ext cx="721755" cy="29135"/>
         </a:xfrm>
         <a:custGeom>
           <a:avLst/>
@@ -10909,10 +12476,10 @@
           <a:pathLst>
             <a:path>
               <a:moveTo>
-                <a:pt x="0" y="16062"/>
+                <a:pt x="0" y="14567"/>
               </a:moveTo>
               <a:lnTo>
-                <a:pt x="646187" y="16062"/>
+                <a:pt x="721755" y="14567"/>
               </a:lnTo>
             </a:path>
           </a:pathLst>
@@ -10965,19 +12532,19 @@
         </a:p>
       </dsp:txBody>
       <dsp:txXfrm>
-        <a:off x="5229473" y="3175721"/>
-        <a:ext cx="32309" cy="32309"/>
+        <a:off x="4096756" y="3929908"/>
+        <a:ext cx="36087" cy="36087"/>
       </dsp:txXfrm>
     </dsp:sp>
-    <dsp:sp modelId="{07897C94-E4E2-458F-B04A-E5193C8E03A3}">
+    <dsp:sp modelId="{4817CED8-EB4C-45B4-A3D5-6CA858B48CE6}">
       <dsp:nvSpPr>
         <dsp:cNvPr id="0" name=""/>
         <dsp:cNvSpPr/>
       </dsp:nvSpPr>
       <dsp:spPr>
         <a:xfrm>
-          <a:off x="5568721" y="2788008"/>
-          <a:ext cx="1615468" cy="807734"/>
+          <a:off x="4407838" y="3792275"/>
+          <a:ext cx="1465192" cy="732596"/>
         </a:xfrm>
         <a:prstGeom prst="roundRect">
           <a:avLst>
@@ -11017,12 +12584,12 @@
         </a:fontRef>
       </dsp:style>
       <dsp:txBody>
-        <a:bodyPr spcFirstLastPara="0" vert="horz" wrap="square" lIns="12065" tIns="12065" rIns="12065" bIns="12065" numCol="1" spcCol="1270" anchor="ctr" anchorCtr="0">
+        <a:bodyPr spcFirstLastPara="0" vert="horz" wrap="square" lIns="10160" tIns="10160" rIns="10160" bIns="10160" numCol="1" spcCol="1270" anchor="ctr" anchorCtr="0">
           <a:noAutofit/>
         </a:bodyPr>
         <a:lstStyle/>
         <a:p>
-          <a:pPr lvl="0" algn="ctr" defTabSz="844550">
+          <a:pPr lvl="0" algn="ctr" defTabSz="711200">
             <a:lnSpc>
               <a:spcPct val="90000"/>
             </a:lnSpc>
@@ -11034,170 +12601,15 @@
             </a:spcAft>
           </a:pPr>
           <a:r>
-            <a:rPr lang="en-US" sz="1900" kern="1200" dirty="0" smtClean="0"/>
-            <a:t>Lock contention</a:t>
+            <a:rPr lang="en-US" sz="1600" kern="1200" dirty="0" smtClean="0"/>
+            <a:t>Wait an event</a:t>
           </a:r>
-          <a:endParaRPr lang="en-US" sz="1900" kern="1200" dirty="0"/>
+          <a:endParaRPr lang="en-US" sz="1600" kern="1200" dirty="0"/>
         </a:p>
       </dsp:txBody>
       <dsp:txXfrm>
-        <a:off x="5592379" y="2811666"/>
-        <a:ext cx="1568152" cy="760418"/>
-      </dsp:txXfrm>
-    </dsp:sp>
-    <dsp:sp modelId="{AED4CB94-EB07-44CD-8FDF-A30591839F4E}">
-      <dsp:nvSpPr>
-        <dsp:cNvPr id="0" name=""/>
-        <dsp:cNvSpPr/>
-      </dsp:nvSpPr>
-      <dsp:spPr>
-        <a:xfrm rot="3310531">
-          <a:off x="4679853" y="3640260"/>
-          <a:ext cx="1131548" cy="32124"/>
-        </a:xfrm>
-        <a:custGeom>
-          <a:avLst/>
-          <a:gdLst/>
-          <a:ahLst/>
-          <a:cxnLst/>
-          <a:rect l="0" t="0" r="0" b="0"/>
-          <a:pathLst>
-            <a:path>
-              <a:moveTo>
-                <a:pt x="0" y="16062"/>
-              </a:moveTo>
-              <a:lnTo>
-                <a:pt x="1131548" y="16062"/>
-              </a:lnTo>
-            </a:path>
-          </a:pathLst>
-        </a:custGeom>
-        <a:noFill/>
-        <a:ln w="25400" cap="flat" cmpd="sng" algn="ctr">
-          <a:solidFill>
-            <a:schemeClr val="accent1">
-              <a:shade val="80000"/>
-              <a:hueOff val="0"/>
-              <a:satOff val="0"/>
-              <a:lumOff val="0"/>
-              <a:alphaOff val="0"/>
-            </a:schemeClr>
-          </a:solidFill>
-          <a:prstDash val="solid"/>
-        </a:ln>
-        <a:effectLst/>
-      </dsp:spPr>
-      <dsp:style>
-        <a:lnRef idx="2">
-          <a:scrgbClr r="0" g="0" b="0"/>
-        </a:lnRef>
-        <a:fillRef idx="0">
-          <a:scrgbClr r="0" g="0" b="0"/>
-        </a:fillRef>
-        <a:effectRef idx="0">
-          <a:scrgbClr r="0" g="0" b="0"/>
-        </a:effectRef>
-        <a:fontRef idx="minor"/>
-      </dsp:style>
-      <dsp:txBody>
-        <a:bodyPr spcFirstLastPara="0" vert="horz" wrap="square" lIns="12700" tIns="0" rIns="12700" bIns="0" numCol="1" spcCol="1270" anchor="ctr" anchorCtr="0">
-          <a:noAutofit/>
-        </a:bodyPr>
-        <a:lstStyle/>
-        <a:p>
-          <a:pPr lvl="0" algn="ctr" defTabSz="222250">
-            <a:lnSpc>
-              <a:spcPct val="90000"/>
-            </a:lnSpc>
-            <a:spcBef>
-              <a:spcPct val="0"/>
-            </a:spcBef>
-            <a:spcAft>
-              <a:spcPct val="35000"/>
-            </a:spcAft>
-          </a:pPr>
-          <a:endParaRPr lang="en-US" sz="500" kern="1200"/>
-        </a:p>
-      </dsp:txBody>
-      <dsp:txXfrm>
-        <a:off x="5217339" y="3628034"/>
-        <a:ext cx="56577" cy="56577"/>
-      </dsp:txXfrm>
-    </dsp:sp>
-    <dsp:sp modelId="{AE6071DD-3548-4F9E-8296-DD4EDC483D45}">
-      <dsp:nvSpPr>
-        <dsp:cNvPr id="0" name=""/>
-        <dsp:cNvSpPr/>
-      </dsp:nvSpPr>
-      <dsp:spPr>
-        <a:xfrm>
-          <a:off x="5568721" y="3716902"/>
-          <a:ext cx="1615468" cy="807734"/>
-        </a:xfrm>
-        <a:prstGeom prst="roundRect">
-          <a:avLst>
-            <a:gd name="adj" fmla="val 10000"/>
-          </a:avLst>
-        </a:prstGeom>
-        <a:solidFill>
-          <a:schemeClr val="accent2">
-            <a:lumMod val="75000"/>
-          </a:schemeClr>
-        </a:solidFill>
-        <a:ln w="25400" cap="flat" cmpd="sng" algn="ctr">
-          <a:solidFill>
-            <a:schemeClr val="lt1">
-              <a:hueOff val="0"/>
-              <a:satOff val="0"/>
-              <a:lumOff val="0"/>
-              <a:alphaOff val="0"/>
-            </a:schemeClr>
-          </a:solidFill>
-          <a:prstDash val="solid"/>
-        </a:ln>
-        <a:effectLst/>
-      </dsp:spPr>
-      <dsp:style>
-        <a:lnRef idx="2">
-          <a:scrgbClr r="0" g="0" b="0"/>
-        </a:lnRef>
-        <a:fillRef idx="1">
-          <a:scrgbClr r="0" g="0" b="0"/>
-        </a:fillRef>
-        <a:effectRef idx="0">
-          <a:scrgbClr r="0" g="0" b="0"/>
-        </a:effectRef>
-        <a:fontRef idx="minor">
-          <a:schemeClr val="lt1"/>
-        </a:fontRef>
-      </dsp:style>
-      <dsp:txBody>
-        <a:bodyPr spcFirstLastPara="0" vert="horz" wrap="square" lIns="12065" tIns="12065" rIns="12065" bIns="12065" numCol="1" spcCol="1270" anchor="ctr" anchorCtr="0">
-          <a:noAutofit/>
-        </a:bodyPr>
-        <a:lstStyle/>
-        <a:p>
-          <a:pPr lvl="0" algn="ctr" defTabSz="844550">
-            <a:lnSpc>
-              <a:spcPct val="90000"/>
-            </a:lnSpc>
-            <a:spcBef>
-              <a:spcPct val="0"/>
-            </a:spcBef>
-            <a:spcAft>
-              <a:spcPct val="35000"/>
-            </a:spcAft>
-          </a:pPr>
-          <a:r>
-            <a:rPr lang="en-US" sz="1900" kern="1200" dirty="0" smtClean="0"/>
-            <a:t>Wait an event</a:t>
-          </a:r>
-          <a:endParaRPr lang="en-US" sz="1900" kern="1200" dirty="0"/>
-        </a:p>
-      </dsp:txBody>
-      <dsp:txXfrm>
-        <a:off x="5592379" y="3740560"/>
-        <a:ext cx="1568152" cy="760418"/>
+        <a:off x="4429295" y="3813732"/>
+        <a:ext cx="1422278" cy="689682"/>
       </dsp:txXfrm>
     </dsp:sp>
   </dsp:spTree>
@@ -16802,7 +18214,7 @@
             <a:fld id="{1D8BD707-D9CF-40AE-B4C6-C98DA3205C09}" type="datetimeFigureOut">
               <a:rPr lang="en-US" smtClean="0"/>
               <a:pPr/>
-              <a:t>5/13/16</a:t>
+              <a:t>18/9/25</a:t>
             </a:fld>
             <a:endParaRPr lang="en-US"/>
           </a:p>
@@ -16969,7 +18381,7 @@
             <a:fld id="{1D8BD707-D9CF-40AE-B4C6-C98DA3205C09}" type="datetimeFigureOut">
               <a:rPr lang="en-US" smtClean="0"/>
               <a:pPr/>
-              <a:t>5/13/16</a:t>
+              <a:t>18/9/25</a:t>
             </a:fld>
             <a:endParaRPr lang="en-US"/>
           </a:p>
@@ -17146,7 +18558,7 @@
             <a:fld id="{1D8BD707-D9CF-40AE-B4C6-C98DA3205C09}" type="datetimeFigureOut">
               <a:rPr lang="en-US" smtClean="0"/>
               <a:pPr/>
-              <a:t>5/13/16</a:t>
+              <a:t>18/9/25</a:t>
             </a:fld>
             <a:endParaRPr lang="en-US"/>
           </a:p>
@@ -17313,7 +18725,7 @@
             <a:fld id="{1D8BD707-D9CF-40AE-B4C6-C98DA3205C09}" type="datetimeFigureOut">
               <a:rPr lang="en-US" smtClean="0"/>
               <a:pPr/>
-              <a:t>5/13/16</a:t>
+              <a:t>18/9/25</a:t>
             </a:fld>
             <a:endParaRPr lang="en-US"/>
           </a:p>
@@ -17556,7 +18968,7 @@
             <a:fld id="{1D8BD707-D9CF-40AE-B4C6-C98DA3205C09}" type="datetimeFigureOut">
               <a:rPr lang="en-US" smtClean="0"/>
               <a:pPr/>
-              <a:t>5/13/16</a:t>
+              <a:t>18/9/25</a:t>
             </a:fld>
             <a:endParaRPr lang="en-US"/>
           </a:p>
@@ -17841,7 +19253,7 @@
             <a:fld id="{1D8BD707-D9CF-40AE-B4C6-C98DA3205C09}" type="datetimeFigureOut">
               <a:rPr lang="en-US" smtClean="0"/>
               <a:pPr/>
-              <a:t>5/13/16</a:t>
+              <a:t>18/9/25</a:t>
             </a:fld>
             <a:endParaRPr lang="en-US"/>
           </a:p>
@@ -18260,7 +19672,7 @@
             <a:fld id="{1D8BD707-D9CF-40AE-B4C6-C98DA3205C09}" type="datetimeFigureOut">
               <a:rPr lang="en-US" smtClean="0"/>
               <a:pPr/>
-              <a:t>5/13/16</a:t>
+              <a:t>18/9/25</a:t>
             </a:fld>
             <a:endParaRPr lang="en-US"/>
           </a:p>
@@ -18375,7 +19787,7 @@
             <a:fld id="{1D8BD707-D9CF-40AE-B4C6-C98DA3205C09}" type="datetimeFigureOut">
               <a:rPr lang="en-US" smtClean="0"/>
               <a:pPr/>
-              <a:t>5/13/16</a:t>
+              <a:t>18/9/25</a:t>
             </a:fld>
             <a:endParaRPr lang="en-US"/>
           </a:p>
@@ -18467,7 +19879,7 @@
             <a:fld id="{1D8BD707-D9CF-40AE-B4C6-C98DA3205C09}" type="datetimeFigureOut">
               <a:rPr lang="en-US" smtClean="0"/>
               <a:pPr/>
-              <a:t>5/13/16</a:t>
+              <a:t>18/9/25</a:t>
             </a:fld>
             <a:endParaRPr lang="en-US"/>
           </a:p>
@@ -18741,7 +20153,7 @@
             <a:fld id="{1D8BD707-D9CF-40AE-B4C6-C98DA3205C09}" type="datetimeFigureOut">
               <a:rPr lang="en-US" smtClean="0"/>
               <a:pPr/>
-              <a:t>5/13/16</a:t>
+              <a:t>18/9/25</a:t>
             </a:fld>
             <a:endParaRPr lang="en-US"/>
           </a:p>
@@ -18991,7 +20403,7 @@
             <a:fld id="{1D8BD707-D9CF-40AE-B4C6-C98DA3205C09}" type="datetimeFigureOut">
               <a:rPr lang="en-US" smtClean="0"/>
               <a:pPr/>
-              <a:t>5/13/16</a:t>
+              <a:t>18/9/25</a:t>
             </a:fld>
             <a:endParaRPr lang="en-US"/>
           </a:p>
@@ -19201,7 +20613,7 @@
             <a:fld id="{1D8BD707-D9CF-40AE-B4C6-C98DA3205C09}" type="datetimeFigureOut">
               <a:rPr lang="en-US" smtClean="0"/>
               <a:pPr/>
-              <a:t>5/13/16</a:t>
+              <a:t>18/9/25</a:t>
             </a:fld>
             <a:endParaRPr lang="en-US"/>
           </a:p>
@@ -19589,19 +21001,7 @@
           <a:p>
             <a:r>
               <a:rPr lang="en-US" dirty="0" smtClean="0"/>
-              <a:t>Linux</a:t>
-            </a:r>
-            <a:r>
-              <a:rPr lang="en-US" dirty="0" smtClean="0"/>
-              <a:t> </a:t>
-            </a:r>
-            <a:r>
-              <a:rPr lang="en-US" dirty="0" smtClean="0"/>
-              <a:t>Latency </a:t>
-            </a:r>
-            <a:r>
-              <a:rPr lang="en-US" dirty="0" smtClean="0"/>
-              <a:t>Breakdown</a:t>
+              <a:t>Linux Latency Breakdown</a:t>
             </a:r>
             <a:endParaRPr lang="en-US" dirty="0"/>
           </a:p>
@@ -19624,8 +21024,25 @@
           <a:p>
             <a:r>
               <a:rPr lang="en-US" dirty="0" smtClean="0"/>
-              <a:t>Oliver Yang</a:t>
-            </a:r>
+              <a:t>Oliver </a:t>
+            </a:r>
+            <a:r>
+              <a:rPr lang="en-US" dirty="0" smtClean="0"/>
+              <a:t>Yang (</a:t>
+            </a:r>
+            <a:r>
+              <a:rPr lang="en-US" altLang="zh-CN" dirty="0" smtClean="0"/>
+              <a:t>http://</a:t>
+            </a:r>
+            <a:r>
+              <a:rPr lang="en-US" altLang="zh-CN" dirty="0" err="1" smtClean="0"/>
+              <a:t>oliveryang.net</a:t>
+            </a:r>
+            <a:r>
+              <a:rPr lang="en-US" altLang="zh-CN" dirty="0" smtClean="0"/>
+              <a:t>)</a:t>
+            </a:r>
+            <a:endParaRPr lang="en-US" dirty="0" smtClean="0"/>
           </a:p>
           <a:p>
             <a:r>
@@ -19700,7 +21117,7 @@
             <p:ph idx="1"/>
             <p:extLst>
               <p:ext uri="{D42A27DB-BD31-4B8C-83A1-F6EECF244321}">
-                <p14:modId xmlns:p14="http://schemas.microsoft.com/office/powerpoint/2010/main" val="1968149607"/>
+                <p14:modId xmlns:p14="http://schemas.microsoft.com/office/powerpoint/2010/main" val="1136980546"/>
               </p:ext>
             </p:extLst>
           </p:nvPr>
@@ -19944,15 +21361,7 @@
             <a:pPr lvl="1"/>
             <a:r>
               <a:rPr lang="en-US" dirty="0" smtClean="0"/>
-              <a:t>/</a:t>
-            </a:r>
-            <a:r>
-              <a:rPr lang="en-US" dirty="0" err="1" smtClean="0"/>
-              <a:t>proc</a:t>
-            </a:r>
-            <a:r>
-              <a:rPr lang="en-US" dirty="0" smtClean="0"/>
-              <a:t>/&lt;</a:t>
+              <a:t>/proc/&lt;</a:t>
             </a:r>
             <a:r>
               <a:rPr lang="en-US" dirty="0" err="1" smtClean="0"/>
@@ -20152,20 +21561,32 @@
         <p:spPr/>
         <p:txBody>
           <a:bodyPr>
-            <a:normAutofit fontScale="92500" lnSpcReduction="20000"/>
+            <a:normAutofit fontScale="85000" lnSpcReduction="10000"/>
           </a:bodyPr>
           <a:lstStyle/>
           <a:p>
             <a:r>
               <a:rPr lang="en-US" dirty="0" smtClean="0"/>
-              <a:t>UC1 – A FS Job or c API time distribution</a:t>
+              <a:t>UC1 </a:t>
+            </a:r>
+            <a:r>
+              <a:rPr lang="en-US" altLang="zh-CN" dirty="0" smtClean="0"/>
+              <a:t>- </a:t>
+            </a:r>
+            <a:r>
+              <a:rPr lang="en-US" dirty="0" smtClean="0"/>
+              <a:t>A FS Job or c API time distribution</a:t>
             </a:r>
           </a:p>
           <a:p>
             <a:pPr lvl="1"/>
             <a:r>
+              <a:rPr lang="en-US" altLang="zh-CN" dirty="0" smtClean="0"/>
+              <a:t>App</a:t>
+            </a:r>
+            <a:r>
               <a:rPr lang="en-US" dirty="0" smtClean="0"/>
-              <a:t>DDFS perf bug triage: On CPU/On </a:t>
+              <a:t> perf bug triage: On CPU/On </a:t>
             </a:r>
             <a:r>
               <a:rPr lang="en-US" dirty="0" err="1" smtClean="0"/>
@@ -20187,39 +21608,43 @@
             </a:r>
             <a:r>
               <a:rPr lang="en-US" dirty="0" smtClean="0"/>
-              <a:t> FS global time distribution</a:t>
+              <a:t> App global time distribution</a:t>
             </a:r>
           </a:p>
           <a:p>
             <a:pPr lvl="1"/>
             <a:r>
               <a:rPr lang="en-US" dirty="0" smtClean="0"/>
-              <a:t>Identify DDFS perf optimization room</a:t>
+              <a:t>Identify perf optimization room</a:t>
             </a:r>
           </a:p>
           <a:p>
             <a:r>
               <a:rPr lang="en-US" dirty="0" smtClean="0"/>
-              <a:t>UC3 - System worst scheduling latency</a:t>
+              <a:t>UC3 </a:t>
+            </a:r>
+            <a:r>
+              <a:rPr lang="mr-IN" altLang="zh-CN" dirty="0" smtClean="0"/>
+              <a:t>–</a:t>
+            </a:r>
+            <a:r>
+              <a:rPr lang="en-US" altLang="zh-CN" dirty="0" smtClean="0"/>
+              <a:t> Tail latency SLA caused by</a:t>
+            </a:r>
+            <a:r>
+              <a:rPr lang="en-US" dirty="0" smtClean="0"/>
+              <a:t> scheduling latency</a:t>
             </a:r>
           </a:p>
           <a:p>
             <a:pPr lvl="1"/>
             <a:r>
+              <a:rPr lang="en-US" altLang="zh-CN" dirty="0" smtClean="0"/>
+              <a:t>Watchdog </a:t>
+            </a:r>
+            <a:r>
               <a:rPr lang="en-US" dirty="0" smtClean="0"/>
-              <a:t>FS </a:t>
-            </a:r>
-            <a:r>
-              <a:rPr lang="en-US" dirty="0" err="1"/>
-              <a:t>H</a:t>
-            </a:r>
-            <a:r>
-              <a:rPr lang="en-US" dirty="0" err="1" smtClean="0"/>
-              <a:t>mon</a:t>
-            </a:r>
-            <a:r>
-              <a:rPr lang="en-US" dirty="0" smtClean="0"/>
-              <a:t> timeout requirement</a:t>
+              <a:t>timeout requirement</a:t>
             </a:r>
           </a:p>
           <a:p>
@@ -20233,16 +21658,13 @@
             <a:pPr lvl="1"/>
             <a:r>
               <a:rPr lang="en-US" dirty="0" smtClean="0"/>
-              <a:t>OS </a:t>
-            </a:r>
-            <a:r>
-              <a:rPr lang="en-US" dirty="0" err="1" smtClean="0"/>
-              <a:t>perf</a:t>
-            </a:r>
-            <a:r>
-              <a:rPr lang="en-US" dirty="0" smtClean="0"/>
-              <a:t> monitoring</a:t>
-            </a:r>
+              <a:t>OS perf monitoring </a:t>
+            </a:r>
+            <a:r>
+              <a:rPr lang="en-US" altLang="zh-CN" dirty="0" smtClean="0"/>
+              <a:t>timeout requirement</a:t>
+            </a:r>
+            <a:endParaRPr lang="en-US" dirty="0" smtClean="0"/>
           </a:p>
           <a:p>
             <a:r>
@@ -20253,8 +21675,12 @@
           <a:p>
             <a:pPr lvl="1"/>
             <a:r>
+              <a:rPr lang="en-US" dirty="0" err="1" smtClean="0"/>
+              <a:t>eg</a:t>
+            </a:r>
+            <a:r>
               <a:rPr lang="en-US" dirty="0" smtClean="0"/>
-              <a:t>SCHED_RR side effects or regressions</a:t>
+              <a:t>. SCHED_RR side effects or regressions</a:t>
             </a:r>
           </a:p>
           <a:p>
@@ -20345,7 +21771,7 @@
         <p:spPr/>
         <p:txBody>
           <a:bodyPr>
-            <a:normAutofit fontScale="92500" lnSpcReduction="10000"/>
+            <a:normAutofit/>
           </a:bodyPr>
           <a:lstStyle/>
           <a:p>
@@ -20380,74 +21806,25 @@
             <a:pPr lvl="1"/>
             <a:r>
               <a:rPr lang="en-US" dirty="0" smtClean="0"/>
-              <a:t>Pending issues: </a:t>
+              <a:t>Use Cases</a:t>
             </a:r>
           </a:p>
           <a:p>
             <a:pPr lvl="2"/>
             <a:r>
-              <a:rPr lang="en-US" dirty="0" smtClean="0">
-                <a:solidFill>
-                  <a:srgbClr val="FF0000"/>
-                </a:solidFill>
-              </a:rPr>
-              <a:t>DDFS </a:t>
-            </a:r>
-            <a:r>
-              <a:rPr lang="en-US" dirty="0">
-                <a:solidFill>
-                  <a:srgbClr val="FF0000"/>
-                </a:solidFill>
-              </a:rPr>
-              <a:t>doesn’t use </a:t>
-            </a:r>
-            <a:r>
-              <a:rPr lang="en-US" dirty="0" smtClean="0">
-                <a:solidFill>
-                  <a:srgbClr val="FF0000"/>
-                </a:solidFill>
-              </a:rPr>
-              <a:t>RUSAGE_THREAD</a:t>
-            </a:r>
-            <a:endParaRPr lang="en-US" dirty="0">
-              <a:solidFill>
-                <a:srgbClr val="FF0000"/>
-              </a:solidFill>
-            </a:endParaRPr>
+              <a:rPr lang="en-US" dirty="0" smtClean="0"/>
+              <a:t>Perf bug triage by per thread resource usage data</a:t>
+            </a:r>
           </a:p>
           <a:p>
-            <a:pPr lvl="2"/>
-            <a:r>
-              <a:rPr lang="en-US" dirty="0" smtClean="0">
-                <a:solidFill>
-                  <a:srgbClr val="FF0000"/>
-                </a:solidFill>
-              </a:rPr>
-              <a:t>Could ddfs perf trace have user/kernel/irq time?</a:t>
+            <a:pPr lvl="3"/>
+            <a:r>
+              <a:rPr lang="en-US" dirty="0" smtClean="0"/>
+              <a:t>Kernel or user problem?</a:t>
             </a:r>
           </a:p>
           <a:p>
-            <a:r>
-              <a:rPr lang="en-US" dirty="0" smtClean="0"/>
-              <a:t>Use Cases</a:t>
-            </a:r>
-          </a:p>
-          <a:p>
-            <a:pPr lvl="1"/>
-            <a:r>
-              <a:rPr lang="en-US" dirty="0" smtClean="0"/>
-              <a:t>Perf bug triage by per DDFS job data</a:t>
-            </a:r>
-          </a:p>
-          <a:p>
-            <a:pPr lvl="2"/>
-            <a:r>
-              <a:rPr lang="en-US" dirty="0" smtClean="0"/>
-              <a:t>Kernel or user problem?</a:t>
-            </a:r>
-          </a:p>
-          <a:p>
-            <a:pPr lvl="2"/>
+            <a:pPr lvl="3"/>
             <a:r>
               <a:rPr lang="en-US" dirty="0" smtClean="0"/>
               <a:t>SLEEP or RUN queue time problem?</a:t>
@@ -20735,24 +22112,19 @@
             <a:pPr lvl="1"/>
             <a:r>
               <a:rPr lang="en-US" dirty="0" smtClean="0"/>
-              <a:t>Pending issues:</a:t>
+              <a:t>Stopper issue</a:t>
             </a:r>
           </a:p>
           <a:p>
             <a:pPr lvl="2"/>
             <a:r>
-              <a:rPr lang="en-US" dirty="0" smtClean="0">
-                <a:solidFill>
-                  <a:srgbClr val="FF0000"/>
-                </a:solidFill>
-              </a:rPr>
-              <a:t>Can’t work due to DD_RAID, Multipath lock bugs.</a:t>
-            </a:r>
-            <a:endParaRPr lang="en-US" dirty="0">
-              <a:solidFill>
-                <a:srgbClr val="FF0000"/>
-              </a:solidFill>
-            </a:endParaRPr>
+              <a:rPr lang="en-US" dirty="0"/>
+              <a:t>C</a:t>
+            </a:r>
+            <a:r>
+              <a:rPr lang="en-US" dirty="0" smtClean="0"/>
+              <a:t>ouldn’t be used on production mode</a:t>
+            </a:r>
           </a:p>
           <a:p>
             <a:r>
@@ -20764,7 +22136,7 @@
             <a:pPr lvl="1"/>
             <a:r>
               <a:rPr lang="en-US" dirty="0" smtClean="0"/>
-              <a:t>Per DDFS Job or C API kernel hot lock</a:t>
+              <a:t>Per thread or C API kernel hot lock</a:t>
             </a:r>
           </a:p>
           <a:p>
@@ -20963,83 +22335,23 @@
         </p:spPr>
         <p:txBody>
           <a:bodyPr>
-            <a:normAutofit fontScale="92500" lnSpcReduction="20000"/>
+            <a:normAutofit/>
           </a:bodyPr>
           <a:lstStyle/>
           <a:p>
             <a:r>
+              <a:rPr lang="en-US" dirty="0"/>
+              <a:t>C</a:t>
+            </a:r>
+            <a:r>
               <a:rPr lang="en-US" dirty="0" smtClean="0"/>
-              <a:t>Kernel patches</a:t>
+              <a:t> APIs for per thread histogram</a:t>
             </a:r>
           </a:p>
           <a:p>
-            <a:pPr lvl="1"/>
-            <a:r>
-              <a:rPr lang="en-US" dirty="0" smtClean="0"/>
-              <a:t>Back port some patches from Linux mainline</a:t>
-            </a:r>
-          </a:p>
-          <a:p>
-            <a:pPr lvl="1"/>
-            <a:r>
-              <a:rPr lang="en-US" dirty="0"/>
-              <a:t>D</a:t>
-            </a:r>
-            <a:r>
-              <a:rPr lang="en-US" dirty="0" smtClean="0"/>
-              <a:t>o some customizations based on current code,</a:t>
-            </a:r>
-          </a:p>
-          <a:p>
-            <a:pPr lvl="2"/>
-            <a:r>
-              <a:rPr lang="en-US" dirty="0" smtClean="0"/>
-              <a:t>See function spec: </a:t>
-            </a:r>
-            <a:r>
-              <a:rPr lang="en-US" dirty="0" smtClean="0">
-                <a:hlinkClick r:id="rId2"/>
-              </a:rPr>
-              <a:t>Fine </a:t>
-            </a:r>
-            <a:r>
-              <a:rPr lang="en-US" dirty="0">
-                <a:hlinkClick r:id="rId2"/>
-              </a:rPr>
-              <a:t>grained scheduling stats for </a:t>
-            </a:r>
-            <a:r>
-              <a:rPr lang="en-US" dirty="0" smtClean="0">
-                <a:hlinkClick r:id="rId2"/>
-              </a:rPr>
-              <a:t>ddfs</a:t>
-            </a:r>
-            <a:endParaRPr lang="en-US" dirty="0" smtClean="0"/>
-          </a:p>
-          <a:p>
-            <a:r>
-              <a:rPr lang="en-US" dirty="0" smtClean="0"/>
-              <a:t>DDFS APIs for per job or per c histogram</a:t>
-            </a:r>
-          </a:p>
-          <a:p>
             <a:r>
               <a:rPr lang="en-US" dirty="0" smtClean="0"/>
               <a:t>User space system wide monitor tool</a:t>
-            </a:r>
-          </a:p>
-          <a:p>
-            <a:r>
-              <a:rPr lang="en-US" dirty="0" smtClean="0"/>
-              <a:t>Integrate </a:t>
-            </a:r>
-            <a:r>
-              <a:rPr lang="en-US" dirty="0" err="1" smtClean="0"/>
-              <a:t>schedstat</a:t>
-            </a:r>
-            <a:r>
-              <a:rPr lang="en-US" dirty="0" smtClean="0"/>
-              <a:t> with monweb/devweb</a:t>
             </a:r>
           </a:p>
           <a:p>
@@ -21109,19 +22421,13 @@
         </p:nvSpPr>
         <p:spPr/>
         <p:txBody>
-          <a:bodyPr>
-            <a:noAutofit/>
-          </a:bodyPr>
+          <a:bodyPr/>
           <a:lstStyle/>
           <a:p>
             <a:pPr algn="l"/>
             <a:r>
-              <a:rPr lang="en-US" dirty="0"/>
-              <a:t>The </a:t>
-            </a:r>
-            <a:r>
-              <a:rPr lang="en-US" dirty="0" err="1" smtClean="0"/>
-              <a:t>getrusage</a:t>
+              <a:rPr lang="en-US" dirty="0" smtClean="0"/>
+              <a:t>Q&amp;A</a:t>
             </a:r>
             <a:endParaRPr lang="en-US" dirty="0"/>
           </a:p>
@@ -21137,72 +22443,35 @@
             <p:ph idx="1"/>
           </p:nvPr>
         </p:nvSpPr>
-        <p:spPr>
-          <a:xfrm>
-            <a:off x="457200" y="1600200"/>
-            <a:ext cx="8458200" cy="4525963"/>
-          </a:xfrm>
-        </p:spPr>
+        <p:spPr/>
         <p:txBody>
           <a:bodyPr/>
           <a:lstStyle/>
           <a:p>
-            <a:r>
-              <a:rPr lang="en-US" dirty="0" smtClean="0"/>
-              <a:t>Kernel patches</a:t>
-            </a:r>
-          </a:p>
-          <a:p>
-            <a:pPr lvl="1"/>
-            <a:r>
-              <a:rPr lang="en-US" dirty="0" smtClean="0"/>
-              <a:t>Back </a:t>
-            </a:r>
-            <a:r>
-              <a:rPr lang="en-US" dirty="0"/>
-              <a:t>port </a:t>
-            </a:r>
-            <a:r>
-              <a:rPr lang="en-US" dirty="0" smtClean="0"/>
-              <a:t>RUSAGE_THREAD to 5.6.x</a:t>
-            </a:r>
-          </a:p>
-          <a:p>
-            <a:r>
-              <a:rPr lang="en-US" dirty="0" smtClean="0"/>
-              <a:t>DDFS changes</a:t>
-            </a:r>
-          </a:p>
-          <a:p>
-            <a:pPr lvl="1"/>
-            <a:r>
-              <a:rPr lang="en-US" dirty="0" smtClean="0"/>
-              <a:t>Migrate </a:t>
-            </a:r>
-            <a:r>
-              <a:rPr lang="en-US" dirty="0" err="1" smtClean="0"/>
-              <a:t>getrusage</a:t>
-            </a:r>
-            <a:r>
-              <a:rPr lang="en-US" dirty="0" smtClean="0"/>
-              <a:t> to </a:t>
-            </a:r>
-            <a:r>
-              <a:rPr lang="en-US" dirty="0"/>
-              <a:t>RUSAGE_THREAD</a:t>
-            </a:r>
             <a:endParaRPr lang="en-US" dirty="0" smtClean="0"/>
           </a:p>
           <a:p>
-            <a:pPr lvl="1"/>
+            <a:endParaRPr lang="en-US" dirty="0"/>
+          </a:p>
+          <a:p>
             <a:endParaRPr lang="en-US" dirty="0" smtClean="0"/>
+          </a:p>
+          <a:p>
+            <a:pPr marL="0" indent="0" algn="ctr">
+              <a:buNone/>
+            </a:pPr>
+            <a:r>
+              <a:rPr lang="en-US" dirty="0" smtClean="0"/>
+              <a:t>Questions and Comments?</a:t>
+            </a:r>
+            <a:endParaRPr lang="en-US" dirty="0"/>
           </a:p>
         </p:txBody>
       </p:sp>
     </p:spTree>
     <p:extLst>
       <p:ext uri="{BB962C8B-B14F-4D97-AF65-F5344CB8AC3E}">
-        <p14:creationId xmlns:p14="http://schemas.microsoft.com/office/powerpoint/2010/main" val="4015173417"/>
+        <p14:creationId xmlns:p14="http://schemas.microsoft.com/office/powerpoint/2010/main" val="2041655846"/>
       </p:ext>
     </p:extLst>
   </p:cSld>
@@ -21308,515 +22577,6 @@
     <p:extLst>
       <p:ext uri="{BB962C8B-B14F-4D97-AF65-F5344CB8AC3E}">
         <p14:creationId xmlns:p14="http://schemas.microsoft.com/office/powerpoint/2010/main" val="4195777233"/>
-      </p:ext>
-    </p:extLst>
-  </p:cSld>
-  <p:clrMapOvr>
-    <a:masterClrMapping/>
-  </p:clrMapOvr>
-</p:sld>
-</file>
-
-<file path=ppt/slides/slide20.xml><?xml version="1.0" encoding="utf-8"?>
-<p:sld xmlns:a="http://schemas.openxmlformats.org/drawingml/2006/main" xmlns:r="http://schemas.openxmlformats.org/officeDocument/2006/relationships" xmlns:p="http://schemas.openxmlformats.org/presentationml/2006/main">
-  <p:cSld>
-    <p:spTree>
-      <p:nvGrpSpPr>
-        <p:cNvPr id="1" name=""/>
-        <p:cNvGrpSpPr/>
-        <p:nvPr/>
-      </p:nvGrpSpPr>
-      <p:grpSpPr>
-        <a:xfrm>
-          <a:off x="0" y="0"/>
-          <a:ext cx="0" cy="0"/>
-          <a:chOff x="0" y="0"/>
-          <a:chExt cx="0" cy="0"/>
-        </a:xfrm>
-      </p:grpSpPr>
-      <p:sp>
-        <p:nvSpPr>
-          <p:cNvPr id="2" name="Title 1"/>
-          <p:cNvSpPr>
-            <a:spLocks noGrp="1"/>
-          </p:cNvSpPr>
-          <p:nvPr>
-            <p:ph type="title"/>
-          </p:nvPr>
-        </p:nvSpPr>
-        <p:spPr/>
-        <p:txBody>
-          <a:bodyPr>
-            <a:noAutofit/>
-          </a:bodyPr>
-          <a:lstStyle/>
-          <a:p>
-            <a:pPr algn="l"/>
-            <a:r>
-              <a:rPr lang="en-US" dirty="0" err="1" smtClean="0"/>
-              <a:t>LatencyTOP</a:t>
-            </a:r>
-            <a:endParaRPr lang="en-US" dirty="0"/>
-          </a:p>
-        </p:txBody>
-      </p:sp>
-      <p:sp>
-        <p:nvSpPr>
-          <p:cNvPr id="3" name="Content Placeholder 2"/>
-          <p:cNvSpPr>
-            <a:spLocks noGrp="1"/>
-          </p:cNvSpPr>
-          <p:nvPr>
-            <p:ph idx="1"/>
-          </p:nvPr>
-        </p:nvSpPr>
-        <p:spPr>
-          <a:xfrm>
-            <a:off x="457200" y="1600200"/>
-            <a:ext cx="8458200" cy="4525963"/>
-          </a:xfrm>
-        </p:spPr>
-        <p:txBody>
-          <a:bodyPr/>
-          <a:lstStyle/>
-          <a:p>
-            <a:r>
-              <a:rPr lang="en-US" dirty="0" smtClean="0"/>
-              <a:t>Kernel patches</a:t>
-            </a:r>
-          </a:p>
-          <a:p>
-            <a:pPr lvl="1"/>
-            <a:r>
-              <a:rPr lang="en-US" dirty="0" smtClean="0"/>
-              <a:t>DDOS customization for </a:t>
-            </a:r>
-            <a:r>
-              <a:rPr lang="en-US" dirty="0" err="1" smtClean="0"/>
-              <a:t>latencyTOP</a:t>
-            </a:r>
-            <a:endParaRPr lang="en-US" dirty="0" smtClean="0"/>
-          </a:p>
-          <a:p>
-            <a:pPr lvl="1"/>
-            <a:r>
-              <a:rPr lang="en-US" dirty="0" smtClean="0"/>
-              <a:t>New way to support per-thread </a:t>
-            </a:r>
-            <a:r>
-              <a:rPr lang="en-US" dirty="0" err="1" smtClean="0"/>
-              <a:t>latencytop</a:t>
-            </a:r>
-            <a:endParaRPr lang="en-US" dirty="0"/>
-          </a:p>
-          <a:p>
-            <a:r>
-              <a:rPr lang="en-US" dirty="0" smtClean="0"/>
-              <a:t>DDFS API for </a:t>
-            </a:r>
-            <a:r>
-              <a:rPr lang="en-US" dirty="0" err="1" smtClean="0"/>
-              <a:t>latencyTOP</a:t>
-            </a:r>
-            <a:endParaRPr lang="en-US" dirty="0" smtClean="0"/>
-          </a:p>
-          <a:p>
-            <a:pPr lvl="1"/>
-            <a:r>
-              <a:rPr lang="en-US" dirty="0"/>
-              <a:t>enable/disable/collect</a:t>
-            </a:r>
-            <a:endParaRPr lang="en-US" dirty="0" smtClean="0"/>
-          </a:p>
-          <a:p>
-            <a:pPr lvl="1"/>
-            <a:endParaRPr lang="en-US" dirty="0" smtClean="0"/>
-          </a:p>
-        </p:txBody>
-      </p:sp>
-    </p:spTree>
-    <p:extLst>
-      <p:ext uri="{BB962C8B-B14F-4D97-AF65-F5344CB8AC3E}">
-        <p14:creationId xmlns:p14="http://schemas.microsoft.com/office/powerpoint/2010/main" val="2806357285"/>
-      </p:ext>
-    </p:extLst>
-  </p:cSld>
-  <p:clrMapOvr>
-    <a:masterClrMapping/>
-  </p:clrMapOvr>
-</p:sld>
-</file>
-
-<file path=ppt/slides/slide21.xml><?xml version="1.0" encoding="utf-8"?>
-<p:sld xmlns:a="http://schemas.openxmlformats.org/drawingml/2006/main" xmlns:r="http://schemas.openxmlformats.org/officeDocument/2006/relationships" xmlns:p="http://schemas.openxmlformats.org/presentationml/2006/main">
-  <p:cSld>
-    <p:spTree>
-      <p:nvGrpSpPr>
-        <p:cNvPr id="1" name=""/>
-        <p:cNvGrpSpPr/>
-        <p:nvPr/>
-      </p:nvGrpSpPr>
-      <p:grpSpPr>
-        <a:xfrm>
-          <a:off x="0" y="0"/>
-          <a:ext cx="0" cy="0"/>
-          <a:chOff x="0" y="0"/>
-          <a:chExt cx="0" cy="0"/>
-        </a:xfrm>
-      </p:grpSpPr>
-      <p:sp>
-        <p:nvSpPr>
-          <p:cNvPr id="2" name="Title 1"/>
-          <p:cNvSpPr>
-            <a:spLocks noGrp="1"/>
-          </p:cNvSpPr>
-          <p:nvPr>
-            <p:ph type="title"/>
-          </p:nvPr>
-        </p:nvSpPr>
-        <p:spPr/>
-        <p:txBody>
-          <a:bodyPr/>
-          <a:lstStyle/>
-          <a:p>
-            <a:pPr algn="l"/>
-            <a:r>
-              <a:rPr lang="en-US" dirty="0" smtClean="0"/>
-              <a:t>Kernel lock contention</a:t>
-            </a:r>
-            <a:endParaRPr lang="en-US" dirty="0"/>
-          </a:p>
-        </p:txBody>
-      </p:sp>
-      <p:sp>
-        <p:nvSpPr>
-          <p:cNvPr id="3" name="Content Placeholder 2"/>
-          <p:cNvSpPr>
-            <a:spLocks noGrp="1"/>
-          </p:cNvSpPr>
-          <p:nvPr>
-            <p:ph idx="1"/>
-          </p:nvPr>
-        </p:nvSpPr>
-        <p:spPr>
-          <a:xfrm>
-            <a:off x="457200" y="1600200"/>
-            <a:ext cx="8534400" cy="4525963"/>
-          </a:xfrm>
-        </p:spPr>
-        <p:txBody>
-          <a:bodyPr>
-            <a:normAutofit/>
-          </a:bodyPr>
-          <a:lstStyle/>
-          <a:p>
-            <a:r>
-              <a:rPr lang="en-US" dirty="0" smtClean="0"/>
-              <a:t>Kernel patches</a:t>
-            </a:r>
-          </a:p>
-          <a:p>
-            <a:pPr lvl="1"/>
-            <a:r>
-              <a:rPr lang="en-US" dirty="0" smtClean="0"/>
-              <a:t>Kernel customizations to enable </a:t>
-            </a:r>
-            <a:r>
-              <a:rPr lang="en-US" dirty="0" err="1" smtClean="0"/>
-              <a:t>lock_stat</a:t>
-            </a:r>
-            <a:endParaRPr lang="en-US" dirty="0" smtClean="0"/>
-          </a:p>
-          <a:p>
-            <a:r>
-              <a:rPr lang="en-US" dirty="0" smtClean="0"/>
-              <a:t>Driver patches</a:t>
-            </a:r>
-          </a:p>
-          <a:p>
-            <a:pPr lvl="1"/>
-            <a:r>
-              <a:rPr lang="en-US" dirty="0" smtClean="0"/>
-              <a:t>Fix DD_RAID, multi-path lock usage bugs</a:t>
-            </a:r>
-          </a:p>
-          <a:p>
-            <a:r>
-              <a:rPr lang="en-US" dirty="0" smtClean="0"/>
-              <a:t>DDFS APIs for lockstat</a:t>
-            </a:r>
-          </a:p>
-          <a:p>
-            <a:pPr lvl="1"/>
-            <a:r>
-              <a:rPr lang="en-US" dirty="0" smtClean="0"/>
-              <a:t>enable/disable/collect</a:t>
-            </a:r>
-          </a:p>
-          <a:p>
-            <a:pPr lvl="1"/>
-            <a:endParaRPr lang="en-US" dirty="0" smtClean="0"/>
-          </a:p>
-        </p:txBody>
-      </p:sp>
-    </p:spTree>
-    <p:extLst>
-      <p:ext uri="{BB962C8B-B14F-4D97-AF65-F5344CB8AC3E}">
-        <p14:creationId xmlns:p14="http://schemas.microsoft.com/office/powerpoint/2010/main" val="1180569937"/>
-      </p:ext>
-    </p:extLst>
-  </p:cSld>
-  <p:clrMapOvr>
-    <a:masterClrMapping/>
-  </p:clrMapOvr>
-</p:sld>
-</file>
-
-<file path=ppt/slides/slide22.xml><?xml version="1.0" encoding="utf-8"?>
-<p:sld xmlns:a="http://schemas.openxmlformats.org/drawingml/2006/main" xmlns:r="http://schemas.openxmlformats.org/officeDocument/2006/relationships" xmlns:p="http://schemas.openxmlformats.org/presentationml/2006/main">
-  <p:cSld>
-    <p:spTree>
-      <p:nvGrpSpPr>
-        <p:cNvPr id="1" name=""/>
-        <p:cNvGrpSpPr/>
-        <p:nvPr/>
-      </p:nvGrpSpPr>
-      <p:grpSpPr>
-        <a:xfrm>
-          <a:off x="0" y="0"/>
-          <a:ext cx="0" cy="0"/>
-          <a:chOff x="0" y="0"/>
-          <a:chExt cx="0" cy="0"/>
-        </a:xfrm>
-      </p:grpSpPr>
-      <p:sp>
-        <p:nvSpPr>
-          <p:cNvPr id="2" name="Title 1"/>
-          <p:cNvSpPr>
-            <a:spLocks noGrp="1"/>
-          </p:cNvSpPr>
-          <p:nvPr>
-            <p:ph type="title"/>
-          </p:nvPr>
-        </p:nvSpPr>
-        <p:spPr/>
-        <p:txBody>
-          <a:bodyPr/>
-          <a:lstStyle/>
-          <a:p>
-            <a:pPr algn="l"/>
-            <a:r>
-              <a:rPr lang="en-US" dirty="0" err="1" smtClean="0"/>
-              <a:t>IRQtime</a:t>
-            </a:r>
-            <a:r>
-              <a:rPr lang="en-US" dirty="0" smtClean="0"/>
-              <a:t>/</a:t>
-            </a:r>
-            <a:r>
-              <a:rPr lang="en-US" dirty="0" err="1" smtClean="0"/>
-              <a:t>IRQtop</a:t>
-            </a:r>
-            <a:endParaRPr lang="en-US" dirty="0"/>
-          </a:p>
-        </p:txBody>
-      </p:sp>
-      <p:sp>
-        <p:nvSpPr>
-          <p:cNvPr id="3" name="Content Placeholder 2"/>
-          <p:cNvSpPr>
-            <a:spLocks noGrp="1"/>
-          </p:cNvSpPr>
-          <p:nvPr>
-            <p:ph idx="1"/>
-          </p:nvPr>
-        </p:nvSpPr>
-        <p:spPr>
-          <a:xfrm>
-            <a:off x="457200" y="1600200"/>
-            <a:ext cx="8534400" cy="4525963"/>
-          </a:xfrm>
-          <a:ln>
-            <a:solidFill>
-              <a:schemeClr val="accent1"/>
-            </a:solidFill>
-          </a:ln>
-        </p:spPr>
-        <p:txBody>
-          <a:bodyPr>
-            <a:normAutofit/>
-          </a:bodyPr>
-          <a:lstStyle/>
-          <a:p>
-            <a:r>
-              <a:rPr lang="en-US" dirty="0" smtClean="0"/>
-              <a:t>Kernel patches</a:t>
-            </a:r>
-          </a:p>
-          <a:p>
-            <a:pPr lvl="1"/>
-            <a:r>
-              <a:rPr lang="en-US" dirty="0" smtClean="0"/>
-              <a:t>Kernel customizations for </a:t>
-            </a:r>
-            <a:r>
-              <a:rPr lang="en-US" dirty="0" err="1" smtClean="0"/>
-              <a:t>IRQtime</a:t>
-            </a:r>
-            <a:r>
-              <a:rPr lang="en-US" dirty="0" smtClean="0"/>
-              <a:t>/</a:t>
-            </a:r>
-            <a:r>
-              <a:rPr lang="en-US" dirty="0" err="1" smtClean="0"/>
-              <a:t>ITQtop</a:t>
-            </a:r>
-            <a:endParaRPr lang="en-US" dirty="0" smtClean="0"/>
-          </a:p>
-          <a:p>
-            <a:pPr lvl="1"/>
-            <a:r>
-              <a:rPr lang="en-US" dirty="0" err="1" smtClean="0"/>
-              <a:t>IRQtime</a:t>
-            </a:r>
-            <a:r>
-              <a:rPr lang="en-US" dirty="0" smtClean="0"/>
-              <a:t> should be implemented before </a:t>
-            </a:r>
-            <a:r>
-              <a:rPr lang="en-US" dirty="0" err="1" smtClean="0"/>
-              <a:t>irqTOP</a:t>
-            </a:r>
-            <a:r>
-              <a:rPr lang="en-US" dirty="0" smtClean="0"/>
-              <a:t>.</a:t>
-            </a:r>
-          </a:p>
-          <a:p>
-            <a:r>
-              <a:rPr lang="en-US" dirty="0" smtClean="0"/>
-              <a:t>DDFS APIs for lockstat</a:t>
-            </a:r>
-          </a:p>
-          <a:p>
-            <a:pPr lvl="1"/>
-            <a:r>
-              <a:rPr lang="en-US" dirty="0" smtClean="0"/>
-              <a:t>enable/disable/collect </a:t>
-            </a:r>
-            <a:r>
-              <a:rPr lang="en-US" dirty="0" err="1" smtClean="0"/>
-              <a:t>IRQtime</a:t>
-            </a:r>
-            <a:r>
-              <a:rPr lang="en-US" dirty="0" smtClean="0"/>
-              <a:t>/</a:t>
-            </a:r>
-            <a:r>
-              <a:rPr lang="en-US" dirty="0" err="1" smtClean="0"/>
-              <a:t>IRQtop</a:t>
-            </a:r>
-            <a:endParaRPr lang="en-US" dirty="0" smtClean="0"/>
-          </a:p>
-          <a:p>
-            <a:pPr lvl="1"/>
-            <a:endParaRPr lang="en-US" dirty="0" smtClean="0"/>
-          </a:p>
-        </p:txBody>
-      </p:sp>
-    </p:spTree>
-    <p:extLst>
-      <p:ext uri="{BB962C8B-B14F-4D97-AF65-F5344CB8AC3E}">
-        <p14:creationId xmlns:p14="http://schemas.microsoft.com/office/powerpoint/2010/main" val="247236912"/>
-      </p:ext>
-    </p:extLst>
-  </p:cSld>
-  <p:clrMapOvr>
-    <a:masterClrMapping/>
-  </p:clrMapOvr>
-</p:sld>
-</file>
-
-<file path=ppt/slides/slide23.xml><?xml version="1.0" encoding="utf-8"?>
-<p:sld xmlns:a="http://schemas.openxmlformats.org/drawingml/2006/main" xmlns:r="http://schemas.openxmlformats.org/officeDocument/2006/relationships" xmlns:p="http://schemas.openxmlformats.org/presentationml/2006/main">
-  <p:cSld>
-    <p:spTree>
-      <p:nvGrpSpPr>
-        <p:cNvPr id="1" name=""/>
-        <p:cNvGrpSpPr/>
-        <p:nvPr/>
-      </p:nvGrpSpPr>
-      <p:grpSpPr>
-        <a:xfrm>
-          <a:off x="0" y="0"/>
-          <a:ext cx="0" cy="0"/>
-          <a:chOff x="0" y="0"/>
-          <a:chExt cx="0" cy="0"/>
-        </a:xfrm>
-      </p:grpSpPr>
-      <p:sp>
-        <p:nvSpPr>
-          <p:cNvPr id="2" name="Title 1"/>
-          <p:cNvSpPr>
-            <a:spLocks noGrp="1"/>
-          </p:cNvSpPr>
-          <p:nvPr>
-            <p:ph type="title"/>
-          </p:nvPr>
-        </p:nvSpPr>
-        <p:spPr/>
-        <p:txBody>
-          <a:bodyPr/>
-          <a:lstStyle/>
-          <a:p>
-            <a:pPr algn="l"/>
-            <a:r>
-              <a:rPr lang="en-US" dirty="0" smtClean="0"/>
-              <a:t>Q&amp;A</a:t>
-            </a:r>
-            <a:endParaRPr lang="en-US" dirty="0"/>
-          </a:p>
-        </p:txBody>
-      </p:sp>
-      <p:sp>
-        <p:nvSpPr>
-          <p:cNvPr id="3" name="Content Placeholder 2"/>
-          <p:cNvSpPr>
-            <a:spLocks noGrp="1"/>
-          </p:cNvSpPr>
-          <p:nvPr>
-            <p:ph idx="1"/>
-          </p:nvPr>
-        </p:nvSpPr>
-        <p:spPr/>
-        <p:txBody>
-          <a:bodyPr/>
-          <a:lstStyle/>
-          <a:p>
-            <a:endParaRPr lang="en-US" dirty="0" smtClean="0"/>
-          </a:p>
-          <a:p>
-            <a:endParaRPr lang="en-US" dirty="0"/>
-          </a:p>
-          <a:p>
-            <a:endParaRPr lang="en-US" dirty="0" smtClean="0"/>
-          </a:p>
-          <a:p>
-            <a:pPr marL="0" indent="0" algn="ctr">
-              <a:buNone/>
-            </a:pPr>
-            <a:r>
-              <a:rPr lang="en-US" dirty="0" smtClean="0"/>
-              <a:t>Questions and Comments?</a:t>
-            </a:r>
-            <a:endParaRPr lang="en-US" dirty="0"/>
-          </a:p>
-        </p:txBody>
-      </p:sp>
-    </p:spTree>
-    <p:extLst>
-      <p:ext uri="{BB962C8B-B14F-4D97-AF65-F5344CB8AC3E}">
-        <p14:creationId xmlns:p14="http://schemas.microsoft.com/office/powerpoint/2010/main" val="2041655846"/>
       </p:ext>
     </p:extLst>
   </p:cSld>
@@ -22015,7 +22775,7 @@
         <p:spPr/>
         <p:txBody>
           <a:bodyPr>
-            <a:normAutofit fontScale="92500"/>
+            <a:normAutofit fontScale="85000" lnSpcReduction="20000"/>
           </a:bodyPr>
           <a:lstStyle/>
           <a:p>
@@ -22063,47 +22823,87 @@
           <a:p>
             <a:pPr lvl="2"/>
             <a:r>
-              <a:rPr lang="en-US" dirty="0" smtClean="0"/>
-              <a:t>Latency is bad, CPU has low utilization at same time</a:t>
+              <a:rPr lang="en-US" altLang="zh-CN" dirty="0" smtClean="0"/>
+              <a:t>Latency </a:t>
+            </a:r>
+            <a:r>
+              <a:rPr lang="en-US" altLang="zh-CN" dirty="0"/>
+              <a:t>is bad, CPU is </a:t>
+            </a:r>
+            <a:r>
+              <a:rPr lang="en-US" altLang="zh-CN" dirty="0" smtClean="0"/>
+              <a:t>overloaded</a:t>
             </a:r>
           </a:p>
           <a:p>
             <a:pPr lvl="3"/>
             <a:r>
-              <a:rPr lang="en-US" dirty="0" smtClean="0"/>
-              <a:t>Sleep time issue?</a:t>
-            </a:r>
+              <a:rPr lang="en-US" altLang="zh-CN" dirty="0" smtClean="0"/>
+              <a:t>On-CPU analysis</a:t>
+            </a:r>
+            <a:endParaRPr lang="en-US" altLang="zh-CN" dirty="0"/>
+          </a:p>
+          <a:p>
+            <a:pPr lvl="4"/>
+            <a:r>
+              <a:rPr lang="en-US" altLang="zh-CN" dirty="0"/>
+              <a:t>High CPU run time in application code?</a:t>
+            </a:r>
+          </a:p>
+          <a:p>
+            <a:pPr lvl="4"/>
+            <a:r>
+              <a:rPr lang="en-US" altLang="zh-CN" dirty="0" err="1"/>
+              <a:t>runq</a:t>
+            </a:r>
+            <a:r>
+              <a:rPr lang="en-US" altLang="zh-CN" dirty="0"/>
+              <a:t> waiting?</a:t>
+            </a:r>
+          </a:p>
+          <a:p>
+            <a:pPr lvl="4"/>
+            <a:r>
+              <a:rPr lang="en-US" altLang="zh-CN" dirty="0"/>
+              <a:t>Overhead of context switch</a:t>
+            </a:r>
+            <a:r>
+              <a:rPr lang="en-US" altLang="zh-CN" dirty="0" smtClean="0"/>
+              <a:t>?</a:t>
+            </a:r>
+            <a:endParaRPr lang="en-US" dirty="0" smtClean="0"/>
           </a:p>
           <a:p>
             <a:pPr lvl="2"/>
             <a:r>
               <a:rPr lang="en-US" dirty="0" smtClean="0"/>
-              <a:t>Latency is bad, CPU is overloaded</a:t>
+              <a:t>Latency is bad, CPU has low utilization at same time</a:t>
             </a:r>
           </a:p>
           <a:p>
             <a:pPr lvl="3"/>
             <a:r>
-              <a:rPr lang="en-US" dirty="0" smtClean="0"/>
-              <a:t>High CPU run time in application code?</a:t>
+              <a:rPr lang="en-US" altLang="zh-CN" dirty="0" smtClean="0"/>
+              <a:t>Off-CPU analysis</a:t>
             </a:r>
           </a:p>
           <a:p>
-            <a:pPr lvl="3"/>
-            <a:r>
-              <a:rPr lang="en-US" dirty="0" err="1" smtClean="0"/>
-              <a:t>runq</a:t>
-            </a:r>
-            <a:r>
-              <a:rPr lang="en-US" dirty="0" smtClean="0"/>
-              <a:t> waiting?</a:t>
-            </a:r>
+            <a:pPr lvl="4"/>
+            <a:r>
+              <a:rPr lang="en-US" altLang="zh-CN" dirty="0" smtClean="0"/>
+              <a:t>Block time issue</a:t>
+            </a:r>
+            <a:r>
+              <a:rPr lang="en-US" altLang="zh-CN" dirty="0"/>
+              <a:t>?</a:t>
+            </a:r>
+            <a:endParaRPr lang="en-US" dirty="0" smtClean="0"/>
           </a:p>
           <a:p>
-            <a:pPr lvl="3"/>
+            <a:pPr lvl="4"/>
             <a:r>
               <a:rPr lang="en-US" dirty="0" smtClean="0"/>
-              <a:t>Overhead of context switch?</a:t>
+              <a:t>Sleep time issue?</a:t>
             </a:r>
           </a:p>
           <a:p>
@@ -22241,15 +23041,7 @@
             </a:r>
             <a:r>
               <a:rPr lang="en-US" dirty="0" smtClean="0"/>
-              <a:t>. Small issues could be </a:t>
-            </a:r>
-            <a:r>
-              <a:rPr lang="en-US" dirty="0" err="1" smtClean="0"/>
-              <a:t>hiden</a:t>
-            </a:r>
-            <a:r>
-              <a:rPr lang="en-US" dirty="0" smtClean="0"/>
-              <a:t> by global trace</a:t>
+              <a:t>. Small issues could be hidden by global trace</a:t>
             </a:r>
           </a:p>
           <a:p>
@@ -22266,13 +23058,8 @@
             </a:r>
             <a:r>
               <a:rPr lang="en-US" dirty="0" smtClean="0"/>
-              <a:t>. Not </a:t>
-            </a:r>
-            <a:r>
-              <a:rPr lang="en-US" smtClean="0"/>
-              <a:t>reproducible by micro-benchmark   </a:t>
-            </a:r>
-            <a:endParaRPr lang="en-US" dirty="0" smtClean="0"/>
+              <a:t>. Not reproducible by micro-benchmark   </a:t>
+            </a:r>
           </a:p>
           <a:p>
             <a:endParaRPr lang="en-US" dirty="0"/>
@@ -23323,7 +24110,7 @@
             <p:ph idx="1"/>
             <p:extLst>
               <p:ext uri="{D42A27DB-BD31-4B8C-83A1-F6EECF244321}">
-                <p14:modId xmlns:p14="http://schemas.microsoft.com/office/powerpoint/2010/main" val="3753889102"/>
+                <p14:modId xmlns:p14="http://schemas.microsoft.com/office/powerpoint/2010/main" val="3800980505"/>
               </p:ext>
             </p:extLst>
           </p:nvPr>
@@ -23436,7 +24223,7 @@
             <p:ph idx="1"/>
             <p:extLst>
               <p:ext uri="{D42A27DB-BD31-4B8C-83A1-F6EECF244321}">
-                <p14:modId xmlns:p14="http://schemas.microsoft.com/office/powerpoint/2010/main" val="741821251"/>
+                <p14:modId xmlns:p14="http://schemas.microsoft.com/office/powerpoint/2010/main" val="4091157132"/>
               </p:ext>
             </p:extLst>
           </p:nvPr>

--- a/slides/2016/linux_latency_breakdown.pptx
+++ b/slides/2016/linux_latency_breakdown.pptx
@@ -2,15 +2,15 @@
 <file path=ppt/presentation.xml><?xml version="1.0" encoding="utf-8"?>
 <p:presentation xmlns:a="http://schemas.openxmlformats.org/drawingml/2006/main" xmlns:r="http://schemas.openxmlformats.org/officeDocument/2006/relationships" xmlns:p="http://schemas.openxmlformats.org/presentationml/2006/main" saveSubsetFonts="1">
   <p:sldMasterIdLst>
-    <p:sldMasterId id="2147483648" r:id="rId1"/>
+    <p:sldMasterId id="2147483739" r:id="rId1"/>
   </p:sldMasterIdLst>
   <p:sldIdLst>
     <p:sldId id="256" r:id="rId2"/>
     <p:sldId id="257" r:id="rId3"/>
     <p:sldId id="259" r:id="rId4"/>
-    <p:sldId id="278" r:id="rId5"/>
-    <p:sldId id="277" r:id="rId6"/>
-    <p:sldId id="263" r:id="rId7"/>
+    <p:sldId id="277" r:id="rId5"/>
+    <p:sldId id="263" r:id="rId6"/>
+    <p:sldId id="278" r:id="rId7"/>
     <p:sldId id="258" r:id="rId8"/>
     <p:sldId id="260" r:id="rId9"/>
     <p:sldId id="261" r:id="rId10"/>
@@ -6882,7 +6882,7 @@
             <a:alphaOff val="0"/>
           </a:schemeClr>
         </a:solidFill>
-        <a:ln w="25400" cap="flat" cmpd="sng" algn="ctr">
+        <a:ln w="26425" cap="flat" cmpd="sng" algn="ctr">
           <a:solidFill>
             <a:schemeClr val="lt1">
               <a:hueOff val="0"/>
@@ -6910,12 +6910,12 @@
         </a:fontRef>
       </dsp:style>
       <dsp:txBody>
-        <a:bodyPr spcFirstLastPara="0" vert="horz" wrap="square" lIns="17145" tIns="17145" rIns="17145" bIns="17145" numCol="1" spcCol="1270" anchor="ctr" anchorCtr="0">
+        <a:bodyPr spcFirstLastPara="0" vert="horz" wrap="square" lIns="15875" tIns="15875" rIns="15875" bIns="15875" numCol="1" spcCol="1270" anchor="ctr" anchorCtr="0">
           <a:noAutofit/>
         </a:bodyPr>
         <a:lstStyle/>
         <a:p>
-          <a:pPr lvl="0" algn="ctr" defTabSz="1200150">
+          <a:pPr lvl="0" algn="ctr" defTabSz="1111250">
             <a:lnSpc>
               <a:spcPct val="90000"/>
             </a:lnSpc>
@@ -6927,10 +6927,10 @@
             </a:spcAft>
           </a:pPr>
           <a:r>
-            <a:rPr lang="en-US" sz="2700" kern="1200" dirty="0" smtClean="0"/>
+            <a:rPr lang="en-US" sz="2500" kern="1200" dirty="0" smtClean="0"/>
             <a:t>Total Run Time</a:t>
           </a:r>
-          <a:endParaRPr lang="en-US" sz="2700" kern="1200" dirty="0"/>
+          <a:endParaRPr lang="en-US" sz="2500" kern="1200" dirty="0"/>
         </a:p>
       </dsp:txBody>
       <dsp:txXfrm>
@@ -6966,7 +6966,7 @@
           </a:pathLst>
         </a:custGeom>
         <a:noFill/>
-        <a:ln w="25400" cap="flat" cmpd="sng" algn="ctr">
+        <a:ln w="26425" cap="flat" cmpd="sng" algn="ctr">
           <a:solidFill>
             <a:schemeClr val="accent1">
               <a:shade val="60000"/>
@@ -7040,7 +7040,7 @@
             <a:alphaOff val="0"/>
           </a:schemeClr>
         </a:solidFill>
-        <a:ln w="25400" cap="flat" cmpd="sng" algn="ctr">
+        <a:ln w="26425" cap="flat" cmpd="sng" algn="ctr">
           <a:solidFill>
             <a:schemeClr val="lt1">
               <a:hueOff val="0"/>
@@ -7068,12 +7068,12 @@
         </a:fontRef>
       </dsp:style>
       <dsp:txBody>
-        <a:bodyPr spcFirstLastPara="0" vert="horz" wrap="square" lIns="17145" tIns="17145" rIns="17145" bIns="17145" numCol="1" spcCol="1270" anchor="ctr" anchorCtr="0">
+        <a:bodyPr spcFirstLastPara="0" vert="horz" wrap="square" lIns="15875" tIns="15875" rIns="15875" bIns="15875" numCol="1" spcCol="1270" anchor="ctr" anchorCtr="0">
           <a:noAutofit/>
         </a:bodyPr>
         <a:lstStyle/>
         <a:p>
-          <a:pPr lvl="0" algn="ctr" defTabSz="1200150">
+          <a:pPr lvl="0" algn="ctr" defTabSz="1111250">
             <a:lnSpc>
               <a:spcPct val="90000"/>
             </a:lnSpc>
@@ -7085,10 +7085,10 @@
             </a:spcAft>
           </a:pPr>
           <a:r>
-            <a:rPr lang="en-US" sz="2700" kern="1200" dirty="0" smtClean="0"/>
+            <a:rPr lang="en-US" sz="2500" kern="1200" dirty="0" smtClean="0"/>
             <a:t>On CPU Time</a:t>
           </a:r>
-          <a:endParaRPr lang="en-US" sz="2700" kern="1200" dirty="0"/>
+          <a:endParaRPr lang="en-US" sz="2500" kern="1200" dirty="0"/>
         </a:p>
       </dsp:txBody>
       <dsp:txXfrm>
@@ -7124,7 +7124,7 @@
           </a:pathLst>
         </a:custGeom>
         <a:noFill/>
-        <a:ln w="25400" cap="flat" cmpd="sng" algn="ctr">
+        <a:ln w="26425" cap="flat" cmpd="sng" algn="ctr">
           <a:solidFill>
             <a:schemeClr val="accent1">
               <a:shade val="60000"/>
@@ -7198,7 +7198,7 @@
             <a:alphaOff val="0"/>
           </a:schemeClr>
         </a:solidFill>
-        <a:ln w="25400" cap="flat" cmpd="sng" algn="ctr">
+        <a:ln w="26425" cap="flat" cmpd="sng" algn="ctr">
           <a:solidFill>
             <a:schemeClr val="lt1">
               <a:hueOff val="0"/>
@@ -7226,12 +7226,12 @@
         </a:fontRef>
       </dsp:style>
       <dsp:txBody>
-        <a:bodyPr spcFirstLastPara="0" vert="horz" wrap="square" lIns="17145" tIns="17145" rIns="17145" bIns="17145" numCol="1" spcCol="1270" anchor="ctr" anchorCtr="0">
+        <a:bodyPr spcFirstLastPara="0" vert="horz" wrap="square" lIns="15875" tIns="15875" rIns="15875" bIns="15875" numCol="1" spcCol="1270" anchor="ctr" anchorCtr="0">
           <a:noAutofit/>
         </a:bodyPr>
         <a:lstStyle/>
         <a:p>
-          <a:pPr lvl="0" algn="ctr" defTabSz="1200150">
+          <a:pPr lvl="0" algn="ctr" defTabSz="1111250">
             <a:lnSpc>
               <a:spcPct val="90000"/>
             </a:lnSpc>
@@ -7243,10 +7243,10 @@
             </a:spcAft>
           </a:pPr>
           <a:r>
-            <a:rPr lang="en-US" sz="2700" kern="1200" dirty="0" smtClean="0"/>
+            <a:rPr lang="en-US" sz="2500" kern="1200" dirty="0" smtClean="0"/>
             <a:t>On Run Queue Time</a:t>
           </a:r>
-          <a:endParaRPr lang="en-US" sz="2700" kern="1200" dirty="0"/>
+          <a:endParaRPr lang="en-US" sz="2500" kern="1200" dirty="0"/>
         </a:p>
       </dsp:txBody>
       <dsp:txXfrm>
@@ -7282,7 +7282,7 @@
           </a:pathLst>
         </a:custGeom>
         <a:noFill/>
-        <a:ln w="25400" cap="flat" cmpd="sng" algn="ctr">
+        <a:ln w="26425" cap="flat" cmpd="sng" algn="ctr">
           <a:solidFill>
             <a:schemeClr val="accent1">
               <a:shade val="60000"/>
@@ -7356,7 +7356,7 @@
             <a:alphaOff val="0"/>
           </a:schemeClr>
         </a:solidFill>
-        <a:ln w="25400" cap="flat" cmpd="sng" algn="ctr">
+        <a:ln w="26425" cap="flat" cmpd="sng" algn="ctr">
           <a:solidFill>
             <a:schemeClr val="lt1">
               <a:hueOff val="0"/>
@@ -7384,12 +7384,12 @@
         </a:fontRef>
       </dsp:style>
       <dsp:txBody>
-        <a:bodyPr spcFirstLastPara="0" vert="horz" wrap="square" lIns="17145" tIns="17145" rIns="17145" bIns="17145" numCol="1" spcCol="1270" anchor="ctr" anchorCtr="0">
+        <a:bodyPr spcFirstLastPara="0" vert="horz" wrap="square" lIns="15875" tIns="15875" rIns="15875" bIns="15875" numCol="1" spcCol="1270" anchor="ctr" anchorCtr="0">
           <a:noAutofit/>
         </a:bodyPr>
         <a:lstStyle/>
         <a:p>
-          <a:pPr lvl="0" algn="ctr" defTabSz="1200150">
+          <a:pPr lvl="0" algn="ctr" defTabSz="1111250">
             <a:lnSpc>
               <a:spcPct val="90000"/>
             </a:lnSpc>
@@ -7401,10 +7401,10 @@
             </a:spcAft>
           </a:pPr>
           <a:r>
-            <a:rPr lang="en-US" sz="2700" kern="1200" dirty="0" smtClean="0"/>
+            <a:rPr lang="en-US" sz="2500" kern="1200" dirty="0" smtClean="0"/>
             <a:t>Sleep Time</a:t>
           </a:r>
-          <a:endParaRPr lang="en-US" sz="2700" kern="1200" dirty="0"/>
+          <a:endParaRPr lang="en-US" sz="2500" kern="1200" dirty="0"/>
         </a:p>
       </dsp:txBody>
       <dsp:txXfrm>
@@ -7440,7 +7440,7 @@
           </a:pathLst>
         </a:custGeom>
         <a:noFill/>
-        <a:ln w="25400" cap="flat" cmpd="sng" algn="ctr">
+        <a:ln w="26425" cap="flat" cmpd="sng" algn="ctr">
           <a:solidFill>
             <a:schemeClr val="accent1">
               <a:shade val="80000"/>
@@ -7514,7 +7514,7 @@
             <a:alphaOff val="0"/>
           </a:schemeClr>
         </a:solidFill>
-        <a:ln w="25400" cap="flat" cmpd="sng" algn="ctr">
+        <a:ln w="26425" cap="flat" cmpd="sng" algn="ctr">
           <a:solidFill>
             <a:schemeClr val="lt1">
               <a:hueOff val="0"/>
@@ -7542,12 +7542,12 @@
         </a:fontRef>
       </dsp:style>
       <dsp:txBody>
-        <a:bodyPr spcFirstLastPara="0" vert="horz" wrap="square" lIns="17145" tIns="17145" rIns="17145" bIns="17145" numCol="1" spcCol="1270" anchor="ctr" anchorCtr="0">
+        <a:bodyPr spcFirstLastPara="0" vert="horz" wrap="square" lIns="15875" tIns="15875" rIns="15875" bIns="15875" numCol="1" spcCol="1270" anchor="ctr" anchorCtr="0">
           <a:noAutofit/>
         </a:bodyPr>
         <a:lstStyle/>
         <a:p>
-          <a:pPr lvl="0" algn="ctr" defTabSz="1200150">
+          <a:pPr lvl="0" algn="ctr" defTabSz="1111250">
             <a:lnSpc>
               <a:spcPct val="90000"/>
             </a:lnSpc>
@@ -7559,18 +7559,18 @@
             </a:spcAft>
           </a:pPr>
           <a:r>
-            <a:rPr lang="en-US" altLang="zh-CN" sz="2700" kern="1200" smtClean="0"/>
+            <a:rPr lang="en-US" altLang="zh-CN" sz="2500" kern="1200" smtClean="0"/>
             <a:t>Block</a:t>
           </a:r>
           <a:r>
-            <a:rPr lang="zh-CN" altLang="en-US" sz="2700" kern="1200" smtClean="0"/>
+            <a:rPr lang="zh-CN" altLang="en-US" sz="2500" kern="1200" smtClean="0"/>
             <a:t> </a:t>
           </a:r>
           <a:r>
-            <a:rPr lang="en-US" altLang="zh-CN" sz="2700" kern="1200" smtClean="0"/>
+            <a:rPr lang="en-US" altLang="zh-CN" sz="2500" kern="1200" smtClean="0"/>
             <a:t>Time</a:t>
           </a:r>
-          <a:endParaRPr lang="en-US" sz="2700" kern="1200" dirty="0"/>
+          <a:endParaRPr lang="en-US" sz="2500" kern="1200" dirty="0"/>
         </a:p>
       </dsp:txBody>
       <dsp:txXfrm>
@@ -7606,7 +7606,7 @@
           </a:pathLst>
         </a:custGeom>
         <a:noFill/>
-        <a:ln w="25400" cap="flat" cmpd="sng" algn="ctr">
+        <a:ln w="26425" cap="flat" cmpd="sng" algn="ctr">
           <a:solidFill>
             <a:schemeClr val="accent1">
               <a:shade val="80000"/>
@@ -7680,7 +7680,7 @@
             <a:alphaOff val="0"/>
           </a:schemeClr>
         </a:solidFill>
-        <a:ln w="25400" cap="flat" cmpd="sng" algn="ctr">
+        <a:ln w="26425" cap="flat" cmpd="sng" algn="ctr">
           <a:solidFill>
             <a:schemeClr val="lt1">
               <a:hueOff val="0"/>
@@ -7708,12 +7708,12 @@
         </a:fontRef>
       </dsp:style>
       <dsp:txBody>
-        <a:bodyPr spcFirstLastPara="0" vert="horz" wrap="square" lIns="17145" tIns="17145" rIns="17145" bIns="17145" numCol="1" spcCol="1270" anchor="ctr" anchorCtr="0">
+        <a:bodyPr spcFirstLastPara="0" vert="horz" wrap="square" lIns="15875" tIns="15875" rIns="15875" bIns="15875" numCol="1" spcCol="1270" anchor="ctr" anchorCtr="0">
           <a:noAutofit/>
         </a:bodyPr>
         <a:lstStyle/>
         <a:p>
-          <a:pPr lvl="0" algn="ctr" defTabSz="1200150">
+          <a:pPr lvl="0" algn="ctr" defTabSz="1111250">
             <a:lnSpc>
               <a:spcPct val="90000"/>
             </a:lnSpc>
@@ -7725,18 +7725,18 @@
             </a:spcAft>
           </a:pPr>
           <a:r>
-            <a:rPr lang="en-US" altLang="zh-CN" sz="2700" kern="1200" dirty="0" smtClean="0"/>
+            <a:rPr lang="en-US" altLang="zh-CN" sz="2500" kern="1200" dirty="0" smtClean="0"/>
             <a:t>Sleep</a:t>
           </a:r>
           <a:r>
-            <a:rPr lang="zh-CN" altLang="en-US" sz="2700" kern="1200" dirty="0" smtClean="0"/>
+            <a:rPr lang="zh-CN" altLang="en-US" sz="2500" kern="1200" dirty="0" smtClean="0"/>
             <a:t> </a:t>
           </a:r>
           <a:r>
-            <a:rPr lang="en-US" altLang="zh-CN" sz="2700" kern="1200" dirty="0" smtClean="0"/>
+            <a:rPr lang="en-US" altLang="zh-CN" sz="2500" kern="1200" dirty="0" smtClean="0"/>
             <a:t>Time</a:t>
           </a:r>
-          <a:endParaRPr lang="en-US" sz="2700" kern="1200" dirty="0"/>
+          <a:endParaRPr lang="en-US" sz="2500" kern="1200" dirty="0"/>
         </a:p>
       </dsp:txBody>
       <dsp:txXfrm>
@@ -7779,7 +7779,7 @@
             <a:alphaOff val="0"/>
           </a:schemeClr>
         </a:solidFill>
-        <a:ln w="25400" cap="flat" cmpd="sng" algn="ctr">
+        <a:ln w="26425" cap="flat" cmpd="sng" algn="ctr">
           <a:solidFill>
             <a:schemeClr val="lt1">
               <a:hueOff val="0"/>
@@ -7807,12 +7807,12 @@
         </a:fontRef>
       </dsp:style>
       <dsp:txBody>
-        <a:bodyPr spcFirstLastPara="0" vert="horz" wrap="square" lIns="11430" tIns="11430" rIns="11430" bIns="11430" numCol="1" spcCol="1270" anchor="ctr" anchorCtr="0">
+        <a:bodyPr spcFirstLastPara="0" vert="horz" wrap="square" lIns="10795" tIns="10795" rIns="10795" bIns="10795" numCol="1" spcCol="1270" anchor="ctr" anchorCtr="0">
           <a:noAutofit/>
         </a:bodyPr>
         <a:lstStyle/>
         <a:p>
-          <a:pPr lvl="0" algn="ctr" defTabSz="800100">
+          <a:pPr lvl="0" algn="ctr" defTabSz="755650">
             <a:lnSpc>
               <a:spcPct val="90000"/>
             </a:lnSpc>
@@ -7824,10 +7824,10 @@
             </a:spcAft>
           </a:pPr>
           <a:r>
-            <a:rPr lang="en-US" sz="1800" kern="1200" dirty="0" smtClean="0"/>
+            <a:rPr lang="en-US" sz="1700" kern="1200" dirty="0" smtClean="0"/>
             <a:t>On CPU Time</a:t>
           </a:r>
-          <a:endParaRPr lang="en-US" sz="1800" kern="1200" dirty="0"/>
+          <a:endParaRPr lang="en-US" sz="1700" kern="1200" dirty="0"/>
         </a:p>
       </dsp:txBody>
       <dsp:txXfrm>
@@ -7863,7 +7863,7 @@
           </a:pathLst>
         </a:custGeom>
         <a:noFill/>
-        <a:ln w="25400" cap="flat" cmpd="sng" algn="ctr">
+        <a:ln w="26425" cap="flat" cmpd="sng" algn="ctr">
           <a:solidFill>
             <a:schemeClr val="accent1">
               <a:shade val="60000"/>
@@ -7937,7 +7937,7 @@
             <a:alphaOff val="0"/>
           </a:schemeClr>
         </a:solidFill>
-        <a:ln w="25400" cap="flat" cmpd="sng" algn="ctr">
+        <a:ln w="26425" cap="flat" cmpd="sng" algn="ctr">
           <a:solidFill>
             <a:schemeClr val="lt1">
               <a:hueOff val="0"/>
@@ -7965,12 +7965,12 @@
         </a:fontRef>
       </dsp:style>
       <dsp:txBody>
-        <a:bodyPr spcFirstLastPara="0" vert="horz" wrap="square" lIns="11430" tIns="11430" rIns="11430" bIns="11430" numCol="1" spcCol="1270" anchor="ctr" anchorCtr="0">
+        <a:bodyPr spcFirstLastPara="0" vert="horz" wrap="square" lIns="10795" tIns="10795" rIns="10795" bIns="10795" numCol="1" spcCol="1270" anchor="ctr" anchorCtr="0">
           <a:noAutofit/>
         </a:bodyPr>
         <a:lstStyle/>
         <a:p>
-          <a:pPr lvl="0" algn="ctr" defTabSz="800100">
+          <a:pPr lvl="0" algn="ctr" defTabSz="755650">
             <a:lnSpc>
               <a:spcPct val="90000"/>
             </a:lnSpc>
@@ -7982,10 +7982,10 @@
             </a:spcAft>
           </a:pPr>
           <a:r>
-            <a:rPr lang="en-US" sz="1800" kern="1200" dirty="0" smtClean="0"/>
+            <a:rPr lang="en-US" sz="1700" kern="1200" dirty="0" smtClean="0"/>
             <a:t>User</a:t>
           </a:r>
-          <a:endParaRPr lang="en-US" sz="1800" kern="1200" dirty="0"/>
+          <a:endParaRPr lang="en-US" sz="1700" kern="1200" dirty="0"/>
         </a:p>
       </dsp:txBody>
       <dsp:txXfrm>
@@ -8021,7 +8021,7 @@
           </a:pathLst>
         </a:custGeom>
         <a:noFill/>
-        <a:ln w="25400" cap="flat" cmpd="sng" algn="ctr">
+        <a:ln w="26425" cap="flat" cmpd="sng" algn="ctr">
           <a:solidFill>
             <a:schemeClr val="accent1">
               <a:shade val="80000"/>
@@ -8092,7 +8092,7 @@
             <a:lumMod val="75000"/>
           </a:schemeClr>
         </a:solidFill>
-        <a:ln w="25400" cap="flat" cmpd="sng" algn="ctr">
+        <a:ln w="26425" cap="flat" cmpd="sng" algn="ctr">
           <a:solidFill>
             <a:schemeClr val="lt1">
               <a:hueOff val="0"/>
@@ -8120,12 +8120,12 @@
         </a:fontRef>
       </dsp:style>
       <dsp:txBody>
-        <a:bodyPr spcFirstLastPara="0" vert="horz" wrap="square" lIns="11430" tIns="11430" rIns="11430" bIns="11430" numCol="1" spcCol="1270" anchor="ctr" anchorCtr="0">
+        <a:bodyPr spcFirstLastPara="0" vert="horz" wrap="square" lIns="10795" tIns="10795" rIns="10795" bIns="10795" numCol="1" spcCol="1270" anchor="ctr" anchorCtr="0">
           <a:noAutofit/>
         </a:bodyPr>
         <a:lstStyle/>
         <a:p>
-          <a:pPr lvl="0" algn="ctr" defTabSz="800100">
+          <a:pPr lvl="0" algn="ctr" defTabSz="755650">
             <a:lnSpc>
               <a:spcPct val="90000"/>
             </a:lnSpc>
@@ -8137,10 +8137,10 @@
             </a:spcAft>
           </a:pPr>
           <a:r>
-            <a:rPr lang="en-US" sz="1800" kern="1200" dirty="0" smtClean="0"/>
+            <a:rPr lang="en-US" sz="1700" kern="1200" dirty="0" smtClean="0"/>
             <a:t>Logical Loop</a:t>
           </a:r>
-          <a:endParaRPr lang="en-US" sz="1800" kern="1200" dirty="0"/>
+          <a:endParaRPr lang="en-US" sz="1700" kern="1200" dirty="0"/>
         </a:p>
       </dsp:txBody>
       <dsp:txXfrm>
@@ -8176,7 +8176,7 @@
           </a:pathLst>
         </a:custGeom>
         <a:noFill/>
-        <a:ln w="25400" cap="flat" cmpd="sng" algn="ctr">
+        <a:ln w="26425" cap="flat" cmpd="sng" algn="ctr">
           <a:solidFill>
             <a:schemeClr val="accent1">
               <a:shade val="80000"/>
@@ -8247,7 +8247,7 @@
             <a:lumMod val="75000"/>
           </a:schemeClr>
         </a:solidFill>
-        <a:ln w="25400" cap="flat" cmpd="sng" algn="ctr">
+        <a:ln w="26425" cap="flat" cmpd="sng" algn="ctr">
           <a:solidFill>
             <a:schemeClr val="lt1">
               <a:hueOff val="0"/>
@@ -8275,12 +8275,12 @@
         </a:fontRef>
       </dsp:style>
       <dsp:txBody>
-        <a:bodyPr spcFirstLastPara="0" vert="horz" wrap="square" lIns="11430" tIns="11430" rIns="11430" bIns="11430" numCol="1" spcCol="1270" anchor="ctr" anchorCtr="0">
+        <a:bodyPr spcFirstLastPara="0" vert="horz" wrap="square" lIns="10795" tIns="10795" rIns="10795" bIns="10795" numCol="1" spcCol="1270" anchor="ctr" anchorCtr="0">
           <a:noAutofit/>
         </a:bodyPr>
         <a:lstStyle/>
         <a:p>
-          <a:pPr lvl="0" algn="ctr" defTabSz="800100">
+          <a:pPr lvl="0" algn="ctr" defTabSz="755650">
             <a:lnSpc>
               <a:spcPct val="90000"/>
             </a:lnSpc>
@@ -8292,10 +8292,10 @@
             </a:spcAft>
           </a:pPr>
           <a:r>
-            <a:rPr lang="en-US" sz="1800" kern="1200" dirty="0" smtClean="0"/>
+            <a:rPr lang="en-US" sz="1700" kern="1200" dirty="0" smtClean="0"/>
             <a:t>Spin Lock Contention</a:t>
           </a:r>
-          <a:endParaRPr lang="en-US" sz="1800" kern="1200" dirty="0"/>
+          <a:endParaRPr lang="en-US" sz="1700" kern="1200" dirty="0"/>
         </a:p>
       </dsp:txBody>
       <dsp:txXfrm>
@@ -8331,7 +8331,7 @@
           </a:pathLst>
         </a:custGeom>
         <a:noFill/>
-        <a:ln w="25400" cap="flat" cmpd="sng" algn="ctr">
+        <a:ln w="26425" cap="flat" cmpd="sng" algn="ctr">
           <a:solidFill>
             <a:schemeClr val="accent1">
               <a:shade val="60000"/>
@@ -8405,7 +8405,7 @@
             <a:alphaOff val="0"/>
           </a:schemeClr>
         </a:solidFill>
-        <a:ln w="25400" cap="flat" cmpd="sng" algn="ctr">
+        <a:ln w="26425" cap="flat" cmpd="sng" algn="ctr">
           <a:solidFill>
             <a:schemeClr val="lt1">
               <a:hueOff val="0"/>
@@ -8433,12 +8433,12 @@
         </a:fontRef>
       </dsp:style>
       <dsp:txBody>
-        <a:bodyPr spcFirstLastPara="0" vert="horz" wrap="square" lIns="11430" tIns="11430" rIns="11430" bIns="11430" numCol="1" spcCol="1270" anchor="ctr" anchorCtr="0">
+        <a:bodyPr spcFirstLastPara="0" vert="horz" wrap="square" lIns="10795" tIns="10795" rIns="10795" bIns="10795" numCol="1" spcCol="1270" anchor="ctr" anchorCtr="0">
           <a:noAutofit/>
         </a:bodyPr>
         <a:lstStyle/>
         <a:p>
-          <a:pPr lvl="0" algn="ctr" defTabSz="800100">
+          <a:pPr lvl="0" algn="ctr" defTabSz="755650">
             <a:lnSpc>
               <a:spcPct val="90000"/>
             </a:lnSpc>
@@ -8450,10 +8450,10 @@
             </a:spcAft>
           </a:pPr>
           <a:r>
-            <a:rPr lang="en-US" sz="1800" kern="1200" dirty="0" smtClean="0"/>
+            <a:rPr lang="en-US" sz="1700" kern="1200" dirty="0" smtClean="0"/>
             <a:t>Kernel</a:t>
           </a:r>
-          <a:endParaRPr lang="en-US" sz="1800" kern="1200" dirty="0"/>
+          <a:endParaRPr lang="en-US" sz="1700" kern="1200" dirty="0"/>
         </a:p>
       </dsp:txBody>
       <dsp:txXfrm>
@@ -8489,7 +8489,7 @@
           </a:pathLst>
         </a:custGeom>
         <a:noFill/>
-        <a:ln w="25400" cap="flat" cmpd="sng" algn="ctr">
+        <a:ln w="26425" cap="flat" cmpd="sng" algn="ctr">
           <a:solidFill>
             <a:schemeClr val="accent1">
               <a:shade val="80000"/>
@@ -8560,7 +8560,7 @@
             <a:lumMod val="75000"/>
           </a:schemeClr>
         </a:solidFill>
-        <a:ln w="25400" cap="flat" cmpd="sng" algn="ctr">
+        <a:ln w="26425" cap="flat" cmpd="sng" algn="ctr">
           <a:solidFill>
             <a:schemeClr val="lt1">
               <a:hueOff val="0"/>
@@ -8588,12 +8588,12 @@
         </a:fontRef>
       </dsp:style>
       <dsp:txBody>
-        <a:bodyPr spcFirstLastPara="0" vert="horz" wrap="square" lIns="11430" tIns="11430" rIns="11430" bIns="11430" numCol="1" spcCol="1270" anchor="ctr" anchorCtr="0">
+        <a:bodyPr spcFirstLastPara="0" vert="horz" wrap="square" lIns="10795" tIns="10795" rIns="10795" bIns="10795" numCol="1" spcCol="1270" anchor="ctr" anchorCtr="0">
           <a:noAutofit/>
         </a:bodyPr>
         <a:lstStyle/>
         <a:p>
-          <a:pPr lvl="0" algn="ctr" defTabSz="800100">
+          <a:pPr lvl="0" algn="ctr" defTabSz="755650">
             <a:lnSpc>
               <a:spcPct val="90000"/>
             </a:lnSpc>
@@ -8605,10 +8605,10 @@
             </a:spcAft>
           </a:pPr>
           <a:r>
-            <a:rPr lang="en-US" sz="1800" kern="1200" dirty="0" smtClean="0"/>
+            <a:rPr lang="en-US" sz="1700" kern="1200" dirty="0" smtClean="0"/>
             <a:t>Logical Loop</a:t>
           </a:r>
-          <a:endParaRPr lang="en-US" sz="1800" kern="1200" dirty="0"/>
+          <a:endParaRPr lang="en-US" sz="1700" kern="1200" dirty="0"/>
         </a:p>
       </dsp:txBody>
       <dsp:txXfrm>
@@ -8644,7 +8644,7 @@
           </a:pathLst>
         </a:custGeom>
         <a:noFill/>
-        <a:ln w="25400" cap="flat" cmpd="sng" algn="ctr">
+        <a:ln w="26425" cap="flat" cmpd="sng" algn="ctr">
           <a:solidFill>
             <a:schemeClr val="accent1">
               <a:shade val="80000"/>
@@ -8715,7 +8715,7 @@
             <a:lumMod val="75000"/>
           </a:schemeClr>
         </a:solidFill>
-        <a:ln w="25400" cap="flat" cmpd="sng" algn="ctr">
+        <a:ln w="26425" cap="flat" cmpd="sng" algn="ctr">
           <a:solidFill>
             <a:schemeClr val="lt1">
               <a:hueOff val="0"/>
@@ -8743,12 +8743,12 @@
         </a:fontRef>
       </dsp:style>
       <dsp:txBody>
-        <a:bodyPr spcFirstLastPara="0" vert="horz" wrap="square" lIns="11430" tIns="11430" rIns="11430" bIns="11430" numCol="1" spcCol="1270" anchor="ctr" anchorCtr="0">
+        <a:bodyPr spcFirstLastPara="0" vert="horz" wrap="square" lIns="10795" tIns="10795" rIns="10795" bIns="10795" numCol="1" spcCol="1270" anchor="ctr" anchorCtr="0">
           <a:noAutofit/>
         </a:bodyPr>
         <a:lstStyle/>
         <a:p>
-          <a:pPr lvl="0" algn="ctr" defTabSz="800100">
+          <a:pPr lvl="0" algn="ctr" defTabSz="755650">
             <a:lnSpc>
               <a:spcPct val="90000"/>
             </a:lnSpc>
@@ -8760,10 +8760,10 @@
             </a:spcAft>
           </a:pPr>
           <a:r>
-            <a:rPr lang="en-US" sz="1800" kern="1200" dirty="0" smtClean="0"/>
+            <a:rPr lang="en-US" sz="1700" kern="1200" dirty="0" smtClean="0"/>
             <a:t>Spin Lock Contention</a:t>
           </a:r>
-          <a:endParaRPr lang="en-US" sz="1800" kern="1200" dirty="0"/>
+          <a:endParaRPr lang="en-US" sz="1700" kern="1200" dirty="0"/>
         </a:p>
       </dsp:txBody>
       <dsp:txXfrm>
@@ -8799,7 +8799,7 @@
           </a:pathLst>
         </a:custGeom>
         <a:noFill/>
-        <a:ln w="25400" cap="flat" cmpd="sng" algn="ctr">
+        <a:ln w="26425" cap="flat" cmpd="sng" algn="ctr">
           <a:solidFill>
             <a:schemeClr val="accent1">
               <a:shade val="60000"/>
@@ -8873,7 +8873,7 @@
             <a:alphaOff val="0"/>
           </a:schemeClr>
         </a:solidFill>
-        <a:ln w="25400" cap="flat" cmpd="sng" algn="ctr">
+        <a:ln w="26425" cap="flat" cmpd="sng" algn="ctr">
           <a:solidFill>
             <a:schemeClr val="lt1">
               <a:hueOff val="0"/>
@@ -8901,12 +8901,12 @@
         </a:fontRef>
       </dsp:style>
       <dsp:txBody>
-        <a:bodyPr spcFirstLastPara="0" vert="horz" wrap="square" lIns="11430" tIns="11430" rIns="11430" bIns="11430" numCol="1" spcCol="1270" anchor="ctr" anchorCtr="0">
+        <a:bodyPr spcFirstLastPara="0" vert="horz" wrap="square" lIns="10795" tIns="10795" rIns="10795" bIns="10795" numCol="1" spcCol="1270" anchor="ctr" anchorCtr="0">
           <a:noAutofit/>
         </a:bodyPr>
         <a:lstStyle/>
         <a:p>
-          <a:pPr lvl="0" algn="ctr" defTabSz="800100">
+          <a:pPr lvl="0" algn="ctr" defTabSz="755650">
             <a:lnSpc>
               <a:spcPct val="90000"/>
             </a:lnSpc>
@@ -8918,10 +8918,10 @@
             </a:spcAft>
           </a:pPr>
           <a:r>
-            <a:rPr lang="en-US" sz="1800" kern="1200" dirty="0" smtClean="0"/>
+            <a:rPr lang="en-US" sz="1700" kern="1200" dirty="0" smtClean="0"/>
             <a:t>IRQ</a:t>
           </a:r>
-          <a:endParaRPr lang="en-US" sz="1800" kern="1200" dirty="0"/>
+          <a:endParaRPr lang="en-US" sz="1700" kern="1200" dirty="0"/>
         </a:p>
       </dsp:txBody>
       <dsp:txXfrm>
@@ -8957,7 +8957,7 @@
           </a:pathLst>
         </a:custGeom>
         <a:noFill/>
-        <a:ln w="25400" cap="flat" cmpd="sng" algn="ctr">
+        <a:ln w="26425" cap="flat" cmpd="sng" algn="ctr">
           <a:solidFill>
             <a:schemeClr val="accent1">
               <a:shade val="80000"/>
@@ -9028,7 +9028,7 @@
             <a:lumMod val="75000"/>
           </a:schemeClr>
         </a:solidFill>
-        <a:ln w="25400" cap="flat" cmpd="sng" algn="ctr">
+        <a:ln w="26425" cap="flat" cmpd="sng" algn="ctr">
           <a:solidFill>
             <a:schemeClr val="lt1">
               <a:hueOff val="0"/>
@@ -9056,12 +9056,12 @@
         </a:fontRef>
       </dsp:style>
       <dsp:txBody>
-        <a:bodyPr spcFirstLastPara="0" vert="horz" wrap="square" lIns="11430" tIns="11430" rIns="11430" bIns="11430" numCol="1" spcCol="1270" anchor="ctr" anchorCtr="0">
+        <a:bodyPr spcFirstLastPara="0" vert="horz" wrap="square" lIns="10795" tIns="10795" rIns="10795" bIns="10795" numCol="1" spcCol="1270" anchor="ctr" anchorCtr="0">
           <a:noAutofit/>
         </a:bodyPr>
         <a:lstStyle/>
         <a:p>
-          <a:pPr lvl="0" algn="ctr" defTabSz="800100">
+          <a:pPr lvl="0" algn="ctr" defTabSz="755650">
             <a:lnSpc>
               <a:spcPct val="90000"/>
             </a:lnSpc>
@@ -9073,10 +9073,10 @@
             </a:spcAft>
           </a:pPr>
           <a:r>
-            <a:rPr lang="en-US" sz="1800" kern="1200" dirty="0" smtClean="0"/>
+            <a:rPr lang="en-US" sz="1700" kern="1200" dirty="0" smtClean="0"/>
             <a:t>IRQ Balance</a:t>
           </a:r>
-          <a:endParaRPr lang="en-US" sz="1800" kern="1200" dirty="0"/>
+          <a:endParaRPr lang="en-US" sz="1700" kern="1200" dirty="0"/>
         </a:p>
       </dsp:txBody>
       <dsp:txXfrm>
@@ -9112,7 +9112,7 @@
           </a:pathLst>
         </a:custGeom>
         <a:noFill/>
-        <a:ln w="25400" cap="flat" cmpd="sng" algn="ctr">
+        <a:ln w="26425" cap="flat" cmpd="sng" algn="ctr">
           <a:solidFill>
             <a:schemeClr val="accent1">
               <a:shade val="80000"/>
@@ -9183,7 +9183,7 @@
             <a:lumMod val="75000"/>
           </a:schemeClr>
         </a:solidFill>
-        <a:ln w="25400" cap="flat" cmpd="sng" algn="ctr">
+        <a:ln w="26425" cap="flat" cmpd="sng" algn="ctr">
           <a:solidFill>
             <a:schemeClr val="lt1">
               <a:hueOff val="0"/>
@@ -9211,12 +9211,12 @@
         </a:fontRef>
       </dsp:style>
       <dsp:txBody>
-        <a:bodyPr spcFirstLastPara="0" vert="horz" wrap="square" lIns="11430" tIns="11430" rIns="11430" bIns="11430" numCol="1" spcCol="1270" anchor="ctr" anchorCtr="0">
+        <a:bodyPr spcFirstLastPara="0" vert="horz" wrap="square" lIns="10795" tIns="10795" rIns="10795" bIns="10795" numCol="1" spcCol="1270" anchor="ctr" anchorCtr="0">
           <a:noAutofit/>
         </a:bodyPr>
         <a:lstStyle/>
         <a:p>
-          <a:pPr lvl="0" algn="ctr" defTabSz="800100">
+          <a:pPr lvl="0" algn="ctr" defTabSz="755650">
             <a:lnSpc>
               <a:spcPct val="90000"/>
             </a:lnSpc>
@@ -9228,10 +9228,10 @@
             </a:spcAft>
           </a:pPr>
           <a:r>
-            <a:rPr lang="en-US" sz="1800" kern="1200" dirty="0" smtClean="0"/>
+            <a:rPr lang="en-US" sz="1700" kern="1200" dirty="0" smtClean="0"/>
             <a:t>IRQ Loop</a:t>
           </a:r>
-          <a:endParaRPr lang="en-US" sz="1800" kern="1200" dirty="0"/>
+          <a:endParaRPr lang="en-US" sz="1700" kern="1200" dirty="0"/>
         </a:p>
       </dsp:txBody>
       <dsp:txXfrm>
@@ -9267,7 +9267,7 @@
           </a:pathLst>
         </a:custGeom>
         <a:noFill/>
-        <a:ln w="25400" cap="flat" cmpd="sng" algn="ctr">
+        <a:ln w="26425" cap="flat" cmpd="sng" algn="ctr">
           <a:solidFill>
             <a:schemeClr val="accent1">
               <a:shade val="80000"/>
@@ -9338,7 +9338,7 @@
             <a:lumMod val="75000"/>
           </a:schemeClr>
         </a:solidFill>
-        <a:ln w="25400" cap="flat" cmpd="sng" algn="ctr">
+        <a:ln w="26425" cap="flat" cmpd="sng" algn="ctr">
           <a:solidFill>
             <a:schemeClr val="lt1">
               <a:hueOff val="0"/>
@@ -9366,12 +9366,12 @@
         </a:fontRef>
       </dsp:style>
       <dsp:txBody>
-        <a:bodyPr spcFirstLastPara="0" vert="horz" wrap="square" lIns="11430" tIns="11430" rIns="11430" bIns="11430" numCol="1" spcCol="1270" anchor="ctr" anchorCtr="0">
+        <a:bodyPr spcFirstLastPara="0" vert="horz" wrap="square" lIns="10795" tIns="10795" rIns="10795" bIns="10795" numCol="1" spcCol="1270" anchor="ctr" anchorCtr="0">
           <a:noAutofit/>
         </a:bodyPr>
         <a:lstStyle/>
         <a:p>
-          <a:pPr lvl="0" algn="ctr" defTabSz="800100">
+          <a:pPr lvl="0" algn="ctr" defTabSz="755650">
             <a:lnSpc>
               <a:spcPct val="90000"/>
             </a:lnSpc>
@@ -9383,26 +9383,26 @@
             </a:spcAft>
           </a:pPr>
           <a:r>
-            <a:rPr lang="en-US" altLang="zh-CN" sz="1800" kern="1200" dirty="0" smtClean="0"/>
+            <a:rPr lang="en-US" altLang="zh-CN" sz="1700" kern="1200" dirty="0" smtClean="0"/>
             <a:t>Long</a:t>
           </a:r>
           <a:r>
-            <a:rPr lang="zh-CN" altLang="en-US" sz="1800" kern="1200" dirty="0" smtClean="0"/>
+            <a:rPr lang="zh-CN" altLang="en-US" sz="1700" kern="1200" dirty="0" smtClean="0"/>
             <a:t> </a:t>
           </a:r>
           <a:r>
-            <a:rPr lang="en-US" altLang="zh-CN" sz="1800" kern="1200" dirty="0" smtClean="0"/>
+            <a:rPr lang="en-US" altLang="zh-CN" sz="1700" kern="1200" dirty="0" smtClean="0"/>
             <a:t>IRQ</a:t>
           </a:r>
           <a:r>
-            <a:rPr lang="zh-CN" altLang="en-US" sz="1800" kern="1200" dirty="0" smtClean="0"/>
+            <a:rPr lang="zh-CN" altLang="en-US" sz="1700" kern="1200" dirty="0" smtClean="0"/>
             <a:t> </a:t>
           </a:r>
           <a:r>
-            <a:rPr lang="en-US" altLang="zh-CN" sz="1800" kern="1200" dirty="0" smtClean="0"/>
+            <a:rPr lang="en-US" altLang="zh-CN" sz="1700" kern="1200" dirty="0" smtClean="0"/>
             <a:t>Off</a:t>
           </a:r>
-          <a:endParaRPr lang="en-US" sz="1800" kern="1200" dirty="0"/>
+          <a:endParaRPr lang="en-US" sz="1700" kern="1200" dirty="0"/>
         </a:p>
       </dsp:txBody>
       <dsp:txXfrm>
@@ -9445,7 +9445,7 @@
             <a:alphaOff val="0"/>
           </a:schemeClr>
         </a:solidFill>
-        <a:ln w="25400" cap="flat" cmpd="sng" algn="ctr">
+        <a:ln w="26425" cap="flat" cmpd="sng" algn="ctr">
           <a:solidFill>
             <a:schemeClr val="lt1">
               <a:hueOff val="0"/>
@@ -9529,7 +9529,7 @@
           </a:pathLst>
         </a:custGeom>
         <a:noFill/>
-        <a:ln w="25400" cap="flat" cmpd="sng" algn="ctr">
+        <a:ln w="26425" cap="flat" cmpd="sng" algn="ctr">
           <a:solidFill>
             <a:schemeClr val="accent1">
               <a:shade val="60000"/>
@@ -9603,7 +9603,7 @@
             <a:alphaOff val="0"/>
           </a:schemeClr>
         </a:solidFill>
-        <a:ln w="25400" cap="flat" cmpd="sng" algn="ctr">
+        <a:ln w="26425" cap="flat" cmpd="sng" algn="ctr">
           <a:solidFill>
             <a:schemeClr val="lt1">
               <a:hueOff val="0"/>
@@ -9631,12 +9631,12 @@
         </a:fontRef>
       </dsp:style>
       <dsp:txBody>
-        <a:bodyPr spcFirstLastPara="0" vert="horz" wrap="square" lIns="10795" tIns="10795" rIns="10795" bIns="10795" numCol="1" spcCol="1270" anchor="ctr" anchorCtr="0">
+        <a:bodyPr spcFirstLastPara="0" vert="horz" wrap="square" lIns="10160" tIns="10160" rIns="10160" bIns="10160" numCol="1" spcCol="1270" anchor="ctr" anchorCtr="0">
           <a:noAutofit/>
         </a:bodyPr>
         <a:lstStyle/>
         <a:p>
-          <a:pPr lvl="0" algn="ctr" defTabSz="755650">
+          <a:pPr lvl="0" algn="ctr" defTabSz="711200">
             <a:lnSpc>
               <a:spcPct val="90000"/>
             </a:lnSpc>
@@ -9648,10 +9648,10 @@
             </a:spcAft>
           </a:pPr>
           <a:r>
-            <a:rPr lang="en-US" sz="1700" kern="1200" dirty="0" smtClean="0"/>
+            <a:rPr lang="en-US" sz="1600" kern="1200" dirty="0" smtClean="0"/>
             <a:t>Tick Preemption</a:t>
           </a:r>
-          <a:endParaRPr lang="en-US" sz="1700" kern="1200" dirty="0"/>
+          <a:endParaRPr lang="en-US" sz="1600" kern="1200" dirty="0"/>
         </a:p>
       </dsp:txBody>
       <dsp:txXfrm>
@@ -9687,7 +9687,7 @@
           </a:pathLst>
         </a:custGeom>
         <a:noFill/>
-        <a:ln w="25400" cap="flat" cmpd="sng" algn="ctr">
+        <a:ln w="26425" cap="flat" cmpd="sng" algn="ctr">
           <a:solidFill>
             <a:schemeClr val="accent1">
               <a:shade val="80000"/>
@@ -9758,7 +9758,7 @@
             <a:lumMod val="75000"/>
           </a:schemeClr>
         </a:solidFill>
-        <a:ln w="25400" cap="flat" cmpd="sng" algn="ctr">
+        <a:ln w="26425" cap="flat" cmpd="sng" algn="ctr">
           <a:solidFill>
             <a:schemeClr val="lt1">
               <a:hueOff val="0"/>
@@ -9786,12 +9786,12 @@
         </a:fontRef>
       </dsp:style>
       <dsp:txBody>
-        <a:bodyPr spcFirstLastPara="0" vert="horz" wrap="square" lIns="10795" tIns="10795" rIns="10795" bIns="10795" numCol="1" spcCol="1270" anchor="ctr" anchorCtr="0">
+        <a:bodyPr spcFirstLastPara="0" vert="horz" wrap="square" lIns="10160" tIns="10160" rIns="10160" bIns="10160" numCol="1" spcCol="1270" anchor="ctr" anchorCtr="0">
           <a:noAutofit/>
         </a:bodyPr>
         <a:lstStyle/>
         <a:p>
-          <a:pPr lvl="0" algn="ctr" defTabSz="755650">
+          <a:pPr lvl="0" algn="ctr" defTabSz="711200">
             <a:lnSpc>
               <a:spcPct val="90000"/>
             </a:lnSpc>
@@ -9803,10 +9803,10 @@
             </a:spcAft>
           </a:pPr>
           <a:r>
-            <a:rPr lang="en-US" sz="1700" kern="1200" dirty="0" smtClean="0"/>
+            <a:rPr lang="en-US" sz="1600" kern="1200" dirty="0" smtClean="0"/>
             <a:t>Sched Granularity</a:t>
           </a:r>
-          <a:endParaRPr lang="en-US" sz="1700" kern="1200" dirty="0"/>
+          <a:endParaRPr lang="en-US" sz="1600" kern="1200" dirty="0"/>
         </a:p>
       </dsp:txBody>
       <dsp:txXfrm>
@@ -9842,7 +9842,7 @@
           </a:pathLst>
         </a:custGeom>
         <a:noFill/>
-        <a:ln w="25400" cap="flat" cmpd="sng" algn="ctr">
+        <a:ln w="26425" cap="flat" cmpd="sng" algn="ctr">
           <a:solidFill>
             <a:schemeClr val="accent1">
               <a:shade val="80000"/>
@@ -9913,7 +9913,7 @@
             <a:lumMod val="75000"/>
           </a:schemeClr>
         </a:solidFill>
-        <a:ln w="25400" cap="flat" cmpd="sng" algn="ctr">
+        <a:ln w="26425" cap="flat" cmpd="sng" algn="ctr">
           <a:solidFill>
             <a:schemeClr val="lt1">
               <a:hueOff val="0"/>
@@ -9941,12 +9941,12 @@
         </a:fontRef>
       </dsp:style>
       <dsp:txBody>
-        <a:bodyPr spcFirstLastPara="0" vert="horz" wrap="square" lIns="10795" tIns="10795" rIns="10795" bIns="10795" numCol="1" spcCol="1270" anchor="ctr" anchorCtr="0">
+        <a:bodyPr spcFirstLastPara="0" vert="horz" wrap="square" lIns="10160" tIns="10160" rIns="10160" bIns="10160" numCol="1" spcCol="1270" anchor="ctr" anchorCtr="0">
           <a:noAutofit/>
         </a:bodyPr>
         <a:lstStyle/>
         <a:p>
-          <a:pPr lvl="0" algn="ctr" defTabSz="755650">
+          <a:pPr lvl="0" algn="ctr" defTabSz="711200">
             <a:lnSpc>
               <a:spcPct val="90000"/>
             </a:lnSpc>
@@ -9958,10 +9958,10 @@
             </a:spcAft>
           </a:pPr>
           <a:r>
-            <a:rPr lang="en-US" sz="1700" kern="1200" dirty="0" smtClean="0"/>
+            <a:rPr lang="en-US" sz="1600" kern="1200" dirty="0" smtClean="0"/>
             <a:t>Sched Latency</a:t>
           </a:r>
-          <a:endParaRPr lang="en-US" sz="1700" kern="1200" dirty="0"/>
+          <a:endParaRPr lang="en-US" sz="1600" kern="1200" dirty="0"/>
         </a:p>
       </dsp:txBody>
       <dsp:txXfrm>
@@ -9997,7 +9997,7 @@
           </a:pathLst>
         </a:custGeom>
         <a:noFill/>
-        <a:ln w="25400" cap="flat" cmpd="sng" algn="ctr">
+        <a:ln w="26425" cap="flat" cmpd="sng" algn="ctr">
           <a:solidFill>
             <a:schemeClr val="accent1">
               <a:shade val="80000"/>
@@ -10068,7 +10068,7 @@
             <a:lumMod val="75000"/>
           </a:schemeClr>
         </a:solidFill>
-        <a:ln w="25400" cap="flat" cmpd="sng" algn="ctr">
+        <a:ln w="26425" cap="flat" cmpd="sng" algn="ctr">
           <a:solidFill>
             <a:schemeClr val="lt1">
               <a:hueOff val="0"/>
@@ -10096,12 +10096,12 @@
         </a:fontRef>
       </dsp:style>
       <dsp:txBody>
-        <a:bodyPr spcFirstLastPara="0" vert="horz" wrap="square" lIns="10795" tIns="10795" rIns="10795" bIns="10795" numCol="1" spcCol="1270" anchor="ctr" anchorCtr="0">
+        <a:bodyPr spcFirstLastPara="0" vert="horz" wrap="square" lIns="10160" tIns="10160" rIns="10160" bIns="10160" numCol="1" spcCol="1270" anchor="ctr" anchorCtr="0">
           <a:noAutofit/>
         </a:bodyPr>
         <a:lstStyle/>
         <a:p>
-          <a:pPr lvl="0" algn="ctr" defTabSz="755650">
+          <a:pPr lvl="0" algn="ctr" defTabSz="711200">
             <a:lnSpc>
               <a:spcPct val="90000"/>
             </a:lnSpc>
@@ -10113,10 +10113,10 @@
             </a:spcAft>
           </a:pPr>
           <a:r>
-            <a:rPr lang="en-US" sz="1700" kern="1200" dirty="0" smtClean="0"/>
+            <a:rPr lang="en-US" sz="1600" kern="1200" dirty="0" smtClean="0"/>
             <a:t>CPU Bandwidth</a:t>
           </a:r>
-          <a:endParaRPr lang="en-US" sz="1700" kern="1200" dirty="0"/>
+          <a:endParaRPr lang="en-US" sz="1600" kern="1200" dirty="0"/>
         </a:p>
       </dsp:txBody>
       <dsp:txXfrm>
@@ -10152,7 +10152,7 @@
           </a:pathLst>
         </a:custGeom>
         <a:noFill/>
-        <a:ln w="25400" cap="flat" cmpd="sng" algn="ctr">
+        <a:ln w="26425" cap="flat" cmpd="sng" algn="ctr">
           <a:solidFill>
             <a:schemeClr val="accent1">
               <a:shade val="60000"/>
@@ -10226,7 +10226,7 @@
             <a:alphaOff val="0"/>
           </a:schemeClr>
         </a:solidFill>
-        <a:ln w="25400" cap="flat" cmpd="sng" algn="ctr">
+        <a:ln w="26425" cap="flat" cmpd="sng" algn="ctr">
           <a:solidFill>
             <a:schemeClr val="lt1">
               <a:hueOff val="0"/>
@@ -10254,12 +10254,12 @@
         </a:fontRef>
       </dsp:style>
       <dsp:txBody>
-        <a:bodyPr spcFirstLastPara="0" vert="horz" wrap="square" lIns="10795" tIns="10795" rIns="10795" bIns="10795" numCol="1" spcCol="1270" anchor="ctr" anchorCtr="0">
+        <a:bodyPr spcFirstLastPara="0" vert="horz" wrap="square" lIns="10160" tIns="10160" rIns="10160" bIns="10160" numCol="1" spcCol="1270" anchor="ctr" anchorCtr="0">
           <a:noAutofit/>
         </a:bodyPr>
         <a:lstStyle/>
         <a:p>
-          <a:pPr lvl="0" algn="ctr" defTabSz="755650">
+          <a:pPr lvl="0" algn="ctr" defTabSz="711200">
             <a:lnSpc>
               <a:spcPct val="90000"/>
             </a:lnSpc>
@@ -10271,10 +10271,10 @@
             </a:spcAft>
           </a:pPr>
           <a:r>
-            <a:rPr lang="en-US" sz="1700" kern="1200" dirty="0" smtClean="0"/>
+            <a:rPr lang="en-US" sz="1600" kern="1200" dirty="0" smtClean="0"/>
             <a:t>Wake Up Preemption</a:t>
           </a:r>
-          <a:endParaRPr lang="en-US" sz="1700" kern="1200" dirty="0"/>
+          <a:endParaRPr lang="en-US" sz="1600" kern="1200" dirty="0"/>
         </a:p>
       </dsp:txBody>
       <dsp:txXfrm>
@@ -10310,7 +10310,7 @@
           </a:pathLst>
         </a:custGeom>
         <a:noFill/>
-        <a:ln w="25400" cap="flat" cmpd="sng" algn="ctr">
+        <a:ln w="26425" cap="flat" cmpd="sng" algn="ctr">
           <a:solidFill>
             <a:schemeClr val="accent1">
               <a:shade val="80000"/>
@@ -10381,7 +10381,7 @@
             <a:lumMod val="75000"/>
           </a:schemeClr>
         </a:solidFill>
-        <a:ln w="25400" cap="flat" cmpd="sng" algn="ctr">
+        <a:ln w="26425" cap="flat" cmpd="sng" algn="ctr">
           <a:solidFill>
             <a:schemeClr val="lt1">
               <a:hueOff val="0"/>
@@ -10409,12 +10409,12 @@
         </a:fontRef>
       </dsp:style>
       <dsp:txBody>
-        <a:bodyPr spcFirstLastPara="0" vert="horz" wrap="square" lIns="10795" tIns="10795" rIns="10795" bIns="10795" numCol="1" spcCol="1270" anchor="ctr" anchorCtr="0">
+        <a:bodyPr spcFirstLastPara="0" vert="horz" wrap="square" lIns="10160" tIns="10160" rIns="10160" bIns="10160" numCol="1" spcCol="1270" anchor="ctr" anchorCtr="0">
           <a:noAutofit/>
         </a:bodyPr>
         <a:lstStyle/>
         <a:p>
-          <a:pPr lvl="0" algn="ctr" defTabSz="755650">
+          <a:pPr lvl="0" algn="ctr" defTabSz="711200">
             <a:lnSpc>
               <a:spcPct val="90000"/>
             </a:lnSpc>
@@ -10426,10 +10426,10 @@
             </a:spcAft>
           </a:pPr>
           <a:r>
-            <a:rPr lang="en-US" sz="1700" kern="1200" dirty="0" smtClean="0"/>
+            <a:rPr lang="en-US" sz="1600" kern="1200" dirty="0" smtClean="0"/>
             <a:t>Wakeup Granularity</a:t>
           </a:r>
-          <a:endParaRPr lang="en-US" sz="1700" kern="1200" dirty="0"/>
+          <a:endParaRPr lang="en-US" sz="1600" kern="1200" dirty="0"/>
         </a:p>
       </dsp:txBody>
       <dsp:txXfrm>
@@ -10465,7 +10465,7 @@
           </a:pathLst>
         </a:custGeom>
         <a:noFill/>
-        <a:ln w="25400" cap="flat" cmpd="sng" algn="ctr">
+        <a:ln w="26425" cap="flat" cmpd="sng" algn="ctr">
           <a:solidFill>
             <a:schemeClr val="accent1">
               <a:shade val="80000"/>
@@ -10536,7 +10536,7 @@
             <a:lumMod val="75000"/>
           </a:schemeClr>
         </a:solidFill>
-        <a:ln w="25400" cap="flat" cmpd="sng" algn="ctr">
+        <a:ln w="26425" cap="flat" cmpd="sng" algn="ctr">
           <a:solidFill>
             <a:schemeClr val="lt1">
               <a:hueOff val="0"/>
@@ -10564,12 +10564,12 @@
         </a:fontRef>
       </dsp:style>
       <dsp:txBody>
-        <a:bodyPr spcFirstLastPara="0" vert="horz" wrap="square" lIns="10795" tIns="10795" rIns="10795" bIns="10795" numCol="1" spcCol="1270" anchor="ctr" anchorCtr="0">
+        <a:bodyPr spcFirstLastPara="0" vert="horz" wrap="square" lIns="10160" tIns="10160" rIns="10160" bIns="10160" numCol="1" spcCol="1270" anchor="ctr" anchorCtr="0">
           <a:noAutofit/>
         </a:bodyPr>
         <a:lstStyle/>
         <a:p>
-          <a:pPr lvl="0" algn="ctr" defTabSz="755650">
+          <a:pPr lvl="0" algn="ctr" defTabSz="711200">
             <a:lnSpc>
               <a:spcPct val="90000"/>
             </a:lnSpc>
@@ -10581,10 +10581,10 @@
             </a:spcAft>
           </a:pPr>
           <a:r>
-            <a:rPr lang="en-US" sz="1700" kern="1200" dirty="0" smtClean="0"/>
+            <a:rPr lang="en-US" sz="1600" kern="1200" dirty="0" smtClean="0"/>
             <a:t>Cache Locality</a:t>
           </a:r>
-          <a:endParaRPr lang="en-US" sz="1700" kern="1200" dirty="0"/>
+          <a:endParaRPr lang="en-US" sz="1600" kern="1200" dirty="0"/>
         </a:p>
       </dsp:txBody>
       <dsp:txXfrm>
@@ -10620,7 +10620,7 @@
           </a:pathLst>
         </a:custGeom>
         <a:noFill/>
-        <a:ln w="25400" cap="flat" cmpd="sng" algn="ctr">
+        <a:ln w="26425" cap="flat" cmpd="sng" algn="ctr">
           <a:solidFill>
             <a:schemeClr val="accent1">
               <a:shade val="60000"/>
@@ -10694,7 +10694,7 @@
             <a:alphaOff val="0"/>
           </a:schemeClr>
         </a:solidFill>
-        <a:ln w="25400" cap="flat" cmpd="sng" algn="ctr">
+        <a:ln w="26425" cap="flat" cmpd="sng" algn="ctr">
           <a:solidFill>
             <a:schemeClr val="lt1">
               <a:hueOff val="0"/>
@@ -10722,12 +10722,12 @@
         </a:fontRef>
       </dsp:style>
       <dsp:txBody>
-        <a:bodyPr spcFirstLastPara="0" vert="horz" wrap="square" lIns="10795" tIns="10795" rIns="10795" bIns="10795" numCol="1" spcCol="1270" anchor="ctr" anchorCtr="0">
+        <a:bodyPr spcFirstLastPara="0" vert="horz" wrap="square" lIns="10160" tIns="10160" rIns="10160" bIns="10160" numCol="1" spcCol="1270" anchor="ctr" anchorCtr="0">
           <a:noAutofit/>
         </a:bodyPr>
         <a:lstStyle/>
         <a:p>
-          <a:pPr lvl="0" algn="ctr" defTabSz="755650">
+          <a:pPr lvl="0" algn="ctr" defTabSz="711200">
             <a:lnSpc>
               <a:spcPct val="90000"/>
             </a:lnSpc>
@@ -10739,10 +10739,10 @@
             </a:spcAft>
           </a:pPr>
           <a:r>
-            <a:rPr lang="en-US" sz="1700" kern="1200" dirty="0" smtClean="0"/>
+            <a:rPr lang="en-US" sz="1600" kern="1200" dirty="0" smtClean="0"/>
             <a:t>CPU Load Balance</a:t>
           </a:r>
-          <a:endParaRPr lang="en-US" sz="1700" kern="1200" dirty="0"/>
+          <a:endParaRPr lang="en-US" sz="1600" kern="1200" dirty="0"/>
         </a:p>
       </dsp:txBody>
       <dsp:txXfrm>
@@ -10778,7 +10778,7 @@
           </a:pathLst>
         </a:custGeom>
         <a:noFill/>
-        <a:ln w="25400" cap="flat" cmpd="sng" algn="ctr">
+        <a:ln w="26425" cap="flat" cmpd="sng" algn="ctr">
           <a:solidFill>
             <a:schemeClr val="accent1">
               <a:shade val="80000"/>
@@ -10849,7 +10849,7 @@
             <a:lumMod val="75000"/>
           </a:schemeClr>
         </a:solidFill>
-        <a:ln w="25400" cap="flat" cmpd="sng" algn="ctr">
+        <a:ln w="26425" cap="flat" cmpd="sng" algn="ctr">
           <a:solidFill>
             <a:schemeClr val="lt1">
               <a:hueOff val="0"/>
@@ -10877,12 +10877,12 @@
         </a:fontRef>
       </dsp:style>
       <dsp:txBody>
-        <a:bodyPr spcFirstLastPara="0" vert="horz" wrap="square" lIns="10795" tIns="10795" rIns="10795" bIns="10795" numCol="1" spcCol="1270" anchor="ctr" anchorCtr="0">
+        <a:bodyPr spcFirstLastPara="0" vert="horz" wrap="square" lIns="10160" tIns="10160" rIns="10160" bIns="10160" numCol="1" spcCol="1270" anchor="ctr" anchorCtr="0">
           <a:noAutofit/>
         </a:bodyPr>
         <a:lstStyle/>
         <a:p>
-          <a:pPr lvl="0" algn="ctr" defTabSz="755650">
+          <a:pPr lvl="0" algn="ctr" defTabSz="711200">
             <a:lnSpc>
               <a:spcPct val="90000"/>
             </a:lnSpc>
@@ -10894,10 +10894,10 @@
             </a:spcAft>
           </a:pPr>
           <a:r>
-            <a:rPr lang="en-US" sz="1700" kern="1200" dirty="0" smtClean="0"/>
+            <a:rPr lang="en-US" sz="1600" kern="1200" dirty="0" smtClean="0"/>
             <a:t>Migration Cost</a:t>
           </a:r>
-          <a:endParaRPr lang="en-US" sz="1700" kern="1200" dirty="0"/>
+          <a:endParaRPr lang="en-US" sz="1600" kern="1200" dirty="0"/>
         </a:p>
       </dsp:txBody>
       <dsp:txXfrm>
@@ -10933,7 +10933,7 @@
           </a:pathLst>
         </a:custGeom>
         <a:noFill/>
-        <a:ln w="25400" cap="flat" cmpd="sng" algn="ctr">
+        <a:ln w="26425" cap="flat" cmpd="sng" algn="ctr">
           <a:solidFill>
             <a:schemeClr val="accent1">
               <a:shade val="80000"/>
@@ -11004,7 +11004,7 @@
             <a:lumMod val="75000"/>
           </a:schemeClr>
         </a:solidFill>
-        <a:ln w="25400" cap="flat" cmpd="sng" algn="ctr">
+        <a:ln w="26425" cap="flat" cmpd="sng" algn="ctr">
           <a:solidFill>
             <a:schemeClr val="lt1">
               <a:hueOff val="0"/>
@@ -11032,12 +11032,12 @@
         </a:fontRef>
       </dsp:style>
       <dsp:txBody>
-        <a:bodyPr spcFirstLastPara="0" vert="horz" wrap="square" lIns="10795" tIns="10795" rIns="10795" bIns="10795" numCol="1" spcCol="1270" anchor="ctr" anchorCtr="0">
+        <a:bodyPr spcFirstLastPara="0" vert="horz" wrap="square" lIns="10160" tIns="10160" rIns="10160" bIns="10160" numCol="1" spcCol="1270" anchor="ctr" anchorCtr="0">
           <a:noAutofit/>
         </a:bodyPr>
         <a:lstStyle/>
         <a:p>
-          <a:pPr lvl="0" algn="ctr" defTabSz="755650">
+          <a:pPr lvl="0" algn="ctr" defTabSz="711200">
             <a:lnSpc>
               <a:spcPct val="90000"/>
             </a:lnSpc>
@@ -11049,10 +11049,10 @@
             </a:spcAft>
           </a:pPr>
           <a:r>
-            <a:rPr lang="en-US" sz="1700" kern="1200" dirty="0" smtClean="0"/>
+            <a:rPr lang="en-US" sz="1600" kern="1200" dirty="0" smtClean="0"/>
             <a:t>Cache Locality</a:t>
           </a:r>
-          <a:endParaRPr lang="en-US" sz="1700" kern="1200" dirty="0"/>
+          <a:endParaRPr lang="en-US" sz="1600" kern="1200" dirty="0"/>
         </a:p>
       </dsp:txBody>
       <dsp:txXfrm>
@@ -11095,7 +11095,7 @@
             <a:alphaOff val="0"/>
           </a:schemeClr>
         </a:solidFill>
-        <a:ln w="25400" cap="flat" cmpd="sng" algn="ctr">
+        <a:ln w="26425" cap="flat" cmpd="sng" algn="ctr">
           <a:solidFill>
             <a:schemeClr val="lt1">
               <a:hueOff val="0"/>
@@ -11123,12 +11123,12 @@
         </a:fontRef>
       </dsp:style>
       <dsp:txBody>
-        <a:bodyPr spcFirstLastPara="0" vert="horz" wrap="square" lIns="10160" tIns="10160" rIns="10160" bIns="10160" numCol="1" spcCol="1270" anchor="ctr" anchorCtr="0">
+        <a:bodyPr spcFirstLastPara="0" vert="horz" wrap="square" lIns="9525" tIns="9525" rIns="9525" bIns="9525" numCol="1" spcCol="1270" anchor="ctr" anchorCtr="0">
           <a:noAutofit/>
         </a:bodyPr>
         <a:lstStyle/>
         <a:p>
-          <a:pPr lvl="0" algn="ctr" defTabSz="711200">
+          <a:pPr lvl="0" algn="ctr" defTabSz="666750">
             <a:lnSpc>
               <a:spcPct val="90000"/>
             </a:lnSpc>
@@ -11140,10 +11140,10 @@
             </a:spcAft>
           </a:pPr>
           <a:r>
-            <a:rPr lang="en-US" sz="1600" kern="1200" dirty="0" smtClean="0"/>
+            <a:rPr lang="en-US" sz="1500" kern="1200" dirty="0" smtClean="0"/>
             <a:t>Sleep time</a:t>
           </a:r>
-          <a:endParaRPr lang="en-US" sz="1600" kern="1200" dirty="0"/>
+          <a:endParaRPr lang="en-US" sz="1500" kern="1200" dirty="0"/>
         </a:p>
       </dsp:txBody>
       <dsp:txXfrm>
@@ -11179,7 +11179,7 @@
           </a:pathLst>
         </a:custGeom>
         <a:noFill/>
-        <a:ln w="25400" cap="flat" cmpd="sng" algn="ctr">
+        <a:ln w="26425" cap="flat" cmpd="sng" algn="ctr">
           <a:solidFill>
             <a:schemeClr val="accent1">
               <a:shade val="60000"/>
@@ -11253,7 +11253,7 @@
             <a:alphaOff val="0"/>
           </a:schemeClr>
         </a:solidFill>
-        <a:ln w="25400" cap="flat" cmpd="sng" algn="ctr">
+        <a:ln w="26425" cap="flat" cmpd="sng" algn="ctr">
           <a:solidFill>
             <a:schemeClr val="lt1">
               <a:hueOff val="0"/>
@@ -11281,12 +11281,12 @@
         </a:fontRef>
       </dsp:style>
       <dsp:txBody>
-        <a:bodyPr spcFirstLastPara="0" vert="horz" wrap="square" lIns="10160" tIns="10160" rIns="10160" bIns="10160" numCol="1" spcCol="1270" anchor="ctr" anchorCtr="0">
+        <a:bodyPr spcFirstLastPara="0" vert="horz" wrap="square" lIns="9525" tIns="9525" rIns="9525" bIns="9525" numCol="1" spcCol="1270" anchor="ctr" anchorCtr="0">
           <a:noAutofit/>
         </a:bodyPr>
         <a:lstStyle/>
         <a:p>
-          <a:pPr lvl="0" algn="ctr" defTabSz="711200">
+          <a:pPr lvl="0" algn="ctr" defTabSz="666750">
             <a:lnSpc>
               <a:spcPct val="90000"/>
             </a:lnSpc>
@@ -11298,13 +11298,13 @@
             </a:spcAft>
           </a:pPr>
           <a:r>
-            <a:rPr lang="en-US" altLang="zh-CN" sz="1600" kern="1200" dirty="0" smtClean="0"/>
+            <a:rPr lang="en-US" altLang="zh-CN" sz="1500" kern="1200" dirty="0" smtClean="0"/>
             <a:t>Block time</a:t>
           </a:r>
-          <a:endParaRPr lang="zh-CN" altLang="en-US" sz="1600" kern="1200" dirty="0" smtClean="0"/>
-        </a:p>
-        <a:p>
-          <a:pPr lvl="0" algn="ctr" defTabSz="711200">
+          <a:endParaRPr lang="zh-CN" altLang="en-US" sz="1500" kern="1200" dirty="0" smtClean="0"/>
+        </a:p>
+        <a:p>
+          <a:pPr lvl="0" algn="ctr" defTabSz="666750">
             <a:lnSpc>
               <a:spcPct val="90000"/>
             </a:lnSpc>
@@ -11316,10 +11316,10 @@
             </a:spcAft>
           </a:pPr>
           <a:r>
-            <a:rPr lang="en-US" sz="1600" kern="1200" dirty="0" smtClean="0"/>
+            <a:rPr lang="en-US" sz="1500" kern="1200" dirty="0" smtClean="0"/>
             <a:t>(Uninterruptible)</a:t>
           </a:r>
-          <a:endParaRPr lang="en-US" sz="1600" kern="1200" dirty="0"/>
+          <a:endParaRPr lang="en-US" sz="1500" kern="1200" dirty="0"/>
         </a:p>
       </dsp:txBody>
       <dsp:txXfrm>
@@ -11355,7 +11355,7 @@
           </a:pathLst>
         </a:custGeom>
         <a:noFill/>
-        <a:ln w="25400" cap="flat" cmpd="sng" algn="ctr">
+        <a:ln w="26425" cap="flat" cmpd="sng" algn="ctr">
           <a:solidFill>
             <a:schemeClr val="accent1">
               <a:shade val="80000"/>
@@ -11426,7 +11426,7 @@
             <a:lumMod val="75000"/>
           </a:schemeClr>
         </a:solidFill>
-        <a:ln w="25400" cap="flat" cmpd="sng" algn="ctr">
+        <a:ln w="26425" cap="flat" cmpd="sng" algn="ctr">
           <a:solidFill>
             <a:schemeClr val="lt1">
               <a:hueOff val="0"/>
@@ -11454,12 +11454,12 @@
         </a:fontRef>
       </dsp:style>
       <dsp:txBody>
-        <a:bodyPr spcFirstLastPara="0" vert="horz" wrap="square" lIns="10160" tIns="10160" rIns="10160" bIns="10160" numCol="1" spcCol="1270" anchor="ctr" anchorCtr="0">
+        <a:bodyPr spcFirstLastPara="0" vert="horz" wrap="square" lIns="9525" tIns="9525" rIns="9525" bIns="9525" numCol="1" spcCol="1270" anchor="ctr" anchorCtr="0">
           <a:noAutofit/>
         </a:bodyPr>
         <a:lstStyle/>
         <a:p>
-          <a:pPr lvl="0" algn="ctr" defTabSz="711200">
+          <a:pPr lvl="0" algn="ctr" defTabSz="666750">
             <a:lnSpc>
               <a:spcPct val="90000"/>
             </a:lnSpc>
@@ -11471,10 +11471,10 @@
             </a:spcAft>
           </a:pPr>
           <a:r>
-            <a:rPr lang="en-US" sz="1600" kern="1200" dirty="0" smtClean="0"/>
+            <a:rPr lang="en-US" sz="1500" kern="1200" dirty="0" smtClean="0"/>
             <a:t>IO Wait</a:t>
           </a:r>
-          <a:endParaRPr lang="en-US" sz="1600" kern="1200" dirty="0"/>
+          <a:endParaRPr lang="en-US" sz="1500" kern="1200" dirty="0"/>
         </a:p>
       </dsp:txBody>
       <dsp:txXfrm>
@@ -11510,7 +11510,7 @@
           </a:pathLst>
         </a:custGeom>
         <a:noFill/>
-        <a:ln w="25400" cap="flat" cmpd="sng" algn="ctr">
+        <a:ln w="26425" cap="flat" cmpd="sng" algn="ctr">
           <a:solidFill>
             <a:schemeClr val="accent1">
               <a:shade val="80000"/>
@@ -11581,7 +11581,7 @@
             <a:lumMod val="75000"/>
           </a:schemeClr>
         </a:solidFill>
-        <a:ln w="25400" cap="flat" cmpd="sng" algn="ctr">
+        <a:ln w="26425" cap="flat" cmpd="sng" algn="ctr">
           <a:solidFill>
             <a:schemeClr val="lt1">
               <a:hueOff val="0"/>
@@ -11609,12 +11609,12 @@
         </a:fontRef>
       </dsp:style>
       <dsp:txBody>
-        <a:bodyPr spcFirstLastPara="0" vert="horz" wrap="square" lIns="10160" tIns="10160" rIns="10160" bIns="10160" numCol="1" spcCol="1270" anchor="ctr" anchorCtr="0">
+        <a:bodyPr spcFirstLastPara="0" vert="horz" wrap="square" lIns="9525" tIns="9525" rIns="9525" bIns="9525" numCol="1" spcCol="1270" anchor="ctr" anchorCtr="0">
           <a:noAutofit/>
         </a:bodyPr>
         <a:lstStyle/>
         <a:p>
-          <a:pPr lvl="0" algn="ctr" defTabSz="711200">
+          <a:pPr lvl="0" algn="ctr" defTabSz="666750">
             <a:lnSpc>
               <a:spcPct val="90000"/>
             </a:lnSpc>
@@ -11626,18 +11626,18 @@
             </a:spcAft>
           </a:pPr>
           <a:r>
-            <a:rPr lang="en-US" altLang="zh-CN" sz="1600" kern="1200" dirty="0" smtClean="0"/>
+            <a:rPr lang="en-US" altLang="zh-CN" sz="1500" kern="1200" dirty="0" smtClean="0"/>
             <a:t>Memory</a:t>
           </a:r>
           <a:r>
-            <a:rPr lang="zh-CN" altLang="en-US" sz="1600" kern="1200" dirty="0" smtClean="0"/>
+            <a:rPr lang="zh-CN" altLang="en-US" sz="1500" kern="1200" dirty="0" smtClean="0"/>
             <a:t> </a:t>
           </a:r>
           <a:r>
-            <a:rPr lang="en-US" altLang="zh-CN" sz="1600" kern="1200" dirty="0" smtClean="0"/>
+            <a:rPr lang="en-US" altLang="zh-CN" sz="1500" kern="1200" dirty="0" smtClean="0"/>
             <a:t>Pressure</a:t>
           </a:r>
-          <a:endParaRPr lang="en-US" sz="1600" kern="1200" dirty="0"/>
+          <a:endParaRPr lang="en-US" sz="1500" kern="1200" dirty="0"/>
         </a:p>
       </dsp:txBody>
       <dsp:txXfrm>
@@ -11673,7 +11673,7 @@
           </a:pathLst>
         </a:custGeom>
         <a:noFill/>
-        <a:ln w="25400" cap="flat" cmpd="sng" algn="ctr">
+        <a:ln w="26425" cap="flat" cmpd="sng" algn="ctr">
           <a:solidFill>
             <a:schemeClr val="accent1">
               <a:shade val="80000"/>
@@ -11744,7 +11744,7 @@
             <a:lumMod val="75000"/>
           </a:schemeClr>
         </a:solidFill>
-        <a:ln w="25400" cap="flat" cmpd="sng" algn="ctr">
+        <a:ln w="26425" cap="flat" cmpd="sng" algn="ctr">
           <a:solidFill>
             <a:schemeClr val="lt1">
               <a:hueOff val="0"/>
@@ -11772,12 +11772,12 @@
         </a:fontRef>
       </dsp:style>
       <dsp:txBody>
-        <a:bodyPr spcFirstLastPara="0" vert="horz" wrap="square" lIns="10160" tIns="10160" rIns="10160" bIns="10160" numCol="1" spcCol="1270" anchor="ctr" anchorCtr="0">
+        <a:bodyPr spcFirstLastPara="0" vert="horz" wrap="square" lIns="9525" tIns="9525" rIns="9525" bIns="9525" numCol="1" spcCol="1270" anchor="ctr" anchorCtr="0">
           <a:noAutofit/>
         </a:bodyPr>
         <a:lstStyle/>
         <a:p>
-          <a:pPr lvl="0" algn="ctr" defTabSz="711200">
+          <a:pPr lvl="0" algn="ctr" defTabSz="666750">
             <a:lnSpc>
               <a:spcPct val="90000"/>
             </a:lnSpc>
@@ -11789,26 +11789,26 @@
             </a:spcAft>
           </a:pPr>
           <a:r>
-            <a:rPr lang="en-US" altLang="zh-CN" sz="1600" kern="1200" dirty="0" smtClean="0"/>
+            <a:rPr lang="en-US" altLang="zh-CN" sz="1500" kern="1200" dirty="0" smtClean="0"/>
             <a:t>Disk</a:t>
           </a:r>
           <a:r>
-            <a:rPr lang="zh-CN" altLang="en-US" sz="1600" kern="1200" dirty="0" smtClean="0"/>
+            <a:rPr lang="zh-CN" altLang="en-US" sz="1500" kern="1200" dirty="0" smtClean="0"/>
             <a:t> </a:t>
           </a:r>
           <a:r>
-            <a:rPr lang="en-US" altLang="zh-CN" sz="1600" kern="1200" dirty="0" smtClean="0"/>
+            <a:rPr lang="en-US" altLang="zh-CN" sz="1500" kern="1200" dirty="0" smtClean="0"/>
             <a:t>IO</a:t>
           </a:r>
           <a:r>
-            <a:rPr lang="zh-CN" altLang="en-US" sz="1600" kern="1200" dirty="0" smtClean="0"/>
+            <a:rPr lang="zh-CN" altLang="en-US" sz="1500" kern="1200" dirty="0" smtClean="0"/>
             <a:t> </a:t>
           </a:r>
           <a:r>
-            <a:rPr lang="en-US" altLang="zh-CN" sz="1600" kern="1200" dirty="0" smtClean="0"/>
+            <a:rPr lang="en-US" altLang="zh-CN" sz="1500" kern="1200" dirty="0" smtClean="0"/>
             <a:t>Pressure</a:t>
           </a:r>
-          <a:endParaRPr lang="en-US" sz="1600" kern="1200" dirty="0"/>
+          <a:endParaRPr lang="en-US" sz="1500" kern="1200" dirty="0"/>
         </a:p>
       </dsp:txBody>
       <dsp:txXfrm>
@@ -11844,7 +11844,7 @@
           </a:pathLst>
         </a:custGeom>
         <a:noFill/>
-        <a:ln w="25400" cap="flat" cmpd="sng" algn="ctr">
+        <a:ln w="26425" cap="flat" cmpd="sng" algn="ctr">
           <a:solidFill>
             <a:schemeClr val="accent1">
               <a:shade val="80000"/>
@@ -11915,7 +11915,7 @@
             <a:lumMod val="75000"/>
           </a:schemeClr>
         </a:solidFill>
-        <a:ln w="25400" cap="flat" cmpd="sng" algn="ctr">
+        <a:ln w="26425" cap="flat" cmpd="sng" algn="ctr">
           <a:solidFill>
             <a:schemeClr val="lt1">
               <a:hueOff val="0"/>
@@ -11943,12 +11943,12 @@
         </a:fontRef>
       </dsp:style>
       <dsp:txBody>
-        <a:bodyPr spcFirstLastPara="0" vert="horz" wrap="square" lIns="10160" tIns="10160" rIns="10160" bIns="10160" numCol="1" spcCol="1270" anchor="ctr" anchorCtr="0">
+        <a:bodyPr spcFirstLastPara="0" vert="horz" wrap="square" lIns="9525" tIns="9525" rIns="9525" bIns="9525" numCol="1" spcCol="1270" anchor="ctr" anchorCtr="0">
           <a:noAutofit/>
         </a:bodyPr>
         <a:lstStyle/>
         <a:p>
-          <a:pPr lvl="0" algn="ctr" defTabSz="711200">
+          <a:pPr lvl="0" algn="ctr" defTabSz="666750">
             <a:lnSpc>
               <a:spcPct val="90000"/>
             </a:lnSpc>
@@ -11960,10 +11960,10 @@
             </a:spcAft>
           </a:pPr>
           <a:r>
-            <a:rPr lang="en-US" sz="1600" kern="1200" dirty="0" smtClean="0"/>
+            <a:rPr lang="en-US" sz="1500" kern="1200" dirty="0" smtClean="0"/>
             <a:t>Lock contention</a:t>
           </a:r>
-          <a:endParaRPr lang="en-US" sz="1600" kern="1200" dirty="0"/>
+          <a:endParaRPr lang="en-US" sz="1500" kern="1200" dirty="0"/>
         </a:p>
       </dsp:txBody>
       <dsp:txXfrm>
@@ -11999,7 +11999,7 @@
           </a:pathLst>
         </a:custGeom>
         <a:noFill/>
-        <a:ln w="25400" cap="flat" cmpd="sng" algn="ctr">
+        <a:ln w="26425" cap="flat" cmpd="sng" algn="ctr">
           <a:solidFill>
             <a:schemeClr val="accent1">
               <a:shade val="80000"/>
@@ -12070,7 +12070,7 @@
             <a:lumMod val="75000"/>
           </a:schemeClr>
         </a:solidFill>
-        <a:ln w="25400" cap="flat" cmpd="sng" algn="ctr">
+        <a:ln w="26425" cap="flat" cmpd="sng" algn="ctr">
           <a:solidFill>
             <a:schemeClr val="lt1">
               <a:hueOff val="0"/>
@@ -12098,12 +12098,12 @@
         </a:fontRef>
       </dsp:style>
       <dsp:txBody>
-        <a:bodyPr spcFirstLastPara="0" vert="horz" wrap="square" lIns="10160" tIns="10160" rIns="10160" bIns="10160" numCol="1" spcCol="1270" anchor="ctr" anchorCtr="0">
+        <a:bodyPr spcFirstLastPara="0" vert="horz" wrap="square" lIns="9525" tIns="9525" rIns="9525" bIns="9525" numCol="1" spcCol="1270" anchor="ctr" anchorCtr="0">
           <a:noAutofit/>
         </a:bodyPr>
         <a:lstStyle/>
         <a:p>
-          <a:pPr lvl="0" algn="ctr" defTabSz="711200">
+          <a:pPr lvl="0" algn="ctr" defTabSz="666750">
             <a:lnSpc>
               <a:spcPct val="90000"/>
             </a:lnSpc>
@@ -12115,10 +12115,10 @@
             </a:spcAft>
           </a:pPr>
           <a:r>
-            <a:rPr lang="en-US" sz="1600" kern="1200" dirty="0" smtClean="0"/>
+            <a:rPr lang="en-US" sz="1500" kern="1200" dirty="0" smtClean="0"/>
             <a:t>Wait an event</a:t>
           </a:r>
-          <a:endParaRPr lang="en-US" sz="1600" kern="1200" dirty="0"/>
+          <a:endParaRPr lang="en-US" sz="1500" kern="1200" dirty="0"/>
         </a:p>
       </dsp:txBody>
       <dsp:txXfrm>
@@ -12154,7 +12154,7 @@
           </a:pathLst>
         </a:custGeom>
         <a:noFill/>
-        <a:ln w="25400" cap="flat" cmpd="sng" algn="ctr">
+        <a:ln w="26425" cap="flat" cmpd="sng" algn="ctr">
           <a:solidFill>
             <a:schemeClr val="accent1">
               <a:shade val="60000"/>
@@ -12228,7 +12228,7 @@
             <a:alphaOff val="0"/>
           </a:schemeClr>
         </a:solidFill>
-        <a:ln w="25400" cap="flat" cmpd="sng" algn="ctr">
+        <a:ln w="26425" cap="flat" cmpd="sng" algn="ctr">
           <a:solidFill>
             <a:schemeClr val="lt1">
               <a:hueOff val="0"/>
@@ -12256,12 +12256,12 @@
         </a:fontRef>
       </dsp:style>
       <dsp:txBody>
-        <a:bodyPr spcFirstLastPara="0" vert="horz" wrap="square" lIns="10160" tIns="10160" rIns="10160" bIns="10160" numCol="1" spcCol="1270" anchor="ctr" anchorCtr="0">
+        <a:bodyPr spcFirstLastPara="0" vert="horz" wrap="square" lIns="9525" tIns="9525" rIns="9525" bIns="9525" numCol="1" spcCol="1270" anchor="ctr" anchorCtr="0">
           <a:noAutofit/>
         </a:bodyPr>
         <a:lstStyle/>
         <a:p>
-          <a:pPr lvl="0" algn="ctr" defTabSz="711200">
+          <a:pPr lvl="0" algn="ctr" defTabSz="666750">
             <a:lnSpc>
               <a:spcPct val="90000"/>
             </a:lnSpc>
@@ -12273,13 +12273,13 @@
             </a:spcAft>
           </a:pPr>
           <a:r>
-            <a:rPr lang="en-US" altLang="zh-CN" sz="1600" kern="1200" dirty="0" smtClean="0"/>
+            <a:rPr lang="en-US" altLang="zh-CN" sz="1500" kern="1200" dirty="0" smtClean="0"/>
             <a:t>Sleep time</a:t>
           </a:r>
-          <a:endParaRPr lang="zh-CN" altLang="en-US" sz="1600" kern="1200" dirty="0" smtClean="0"/>
-        </a:p>
-        <a:p>
-          <a:pPr lvl="0" algn="ctr" defTabSz="711200">
+          <a:endParaRPr lang="zh-CN" altLang="en-US" sz="1500" kern="1200" dirty="0" smtClean="0"/>
+        </a:p>
+        <a:p>
+          <a:pPr lvl="0" algn="ctr" defTabSz="666750">
             <a:lnSpc>
               <a:spcPct val="90000"/>
             </a:lnSpc>
@@ -12291,10 +12291,10 @@
             </a:spcAft>
           </a:pPr>
           <a:r>
-            <a:rPr lang="en-US" sz="1600" kern="1200" dirty="0" smtClean="0"/>
+            <a:rPr lang="en-US" sz="1500" kern="1200" dirty="0" smtClean="0"/>
             <a:t>(Interruptible)</a:t>
           </a:r>
-          <a:endParaRPr lang="en-US" sz="1600" kern="1200" dirty="0"/>
+          <a:endParaRPr lang="en-US" sz="1500" kern="1200" dirty="0"/>
         </a:p>
       </dsp:txBody>
       <dsp:txXfrm>
@@ -12330,7 +12330,7 @@
           </a:pathLst>
         </a:custGeom>
         <a:noFill/>
-        <a:ln w="25400" cap="flat" cmpd="sng" algn="ctr">
+        <a:ln w="26425" cap="flat" cmpd="sng" algn="ctr">
           <a:solidFill>
             <a:schemeClr val="accent1">
               <a:shade val="80000"/>
@@ -12401,7 +12401,7 @@
             <a:lumMod val="75000"/>
           </a:schemeClr>
         </a:solidFill>
-        <a:ln w="25400" cap="flat" cmpd="sng" algn="ctr">
+        <a:ln w="26425" cap="flat" cmpd="sng" algn="ctr">
           <a:solidFill>
             <a:schemeClr val="lt1">
               <a:hueOff val="0"/>
@@ -12429,12 +12429,12 @@
         </a:fontRef>
       </dsp:style>
       <dsp:txBody>
-        <a:bodyPr spcFirstLastPara="0" vert="horz" wrap="square" lIns="10160" tIns="10160" rIns="10160" bIns="10160" numCol="1" spcCol="1270" anchor="ctr" anchorCtr="0">
+        <a:bodyPr spcFirstLastPara="0" vert="horz" wrap="square" lIns="9525" tIns="9525" rIns="9525" bIns="9525" numCol="1" spcCol="1270" anchor="ctr" anchorCtr="0">
           <a:noAutofit/>
         </a:bodyPr>
         <a:lstStyle/>
         <a:p>
-          <a:pPr lvl="0" algn="ctr" defTabSz="711200">
+          <a:pPr lvl="0" algn="ctr" defTabSz="666750">
             <a:lnSpc>
               <a:spcPct val="90000"/>
             </a:lnSpc>
@@ -12446,10 +12446,10 @@
             </a:spcAft>
           </a:pPr>
           <a:r>
-            <a:rPr lang="en-US" sz="1600" kern="1200" dirty="0" smtClean="0"/>
+            <a:rPr lang="en-US" sz="1500" kern="1200" dirty="0" smtClean="0"/>
             <a:t>Lock Contention</a:t>
           </a:r>
-          <a:endParaRPr lang="en-US" sz="1600" kern="1200" dirty="0"/>
+          <a:endParaRPr lang="en-US" sz="1500" kern="1200" dirty="0"/>
         </a:p>
       </dsp:txBody>
       <dsp:txXfrm>
@@ -12485,7 +12485,7 @@
           </a:pathLst>
         </a:custGeom>
         <a:noFill/>
-        <a:ln w="25400" cap="flat" cmpd="sng" algn="ctr">
+        <a:ln w="26425" cap="flat" cmpd="sng" algn="ctr">
           <a:solidFill>
             <a:schemeClr val="accent1">
               <a:shade val="80000"/>
@@ -12556,7 +12556,7 @@
             <a:lumMod val="75000"/>
           </a:schemeClr>
         </a:solidFill>
-        <a:ln w="25400" cap="flat" cmpd="sng" algn="ctr">
+        <a:ln w="26425" cap="flat" cmpd="sng" algn="ctr">
           <a:solidFill>
             <a:schemeClr val="lt1">
               <a:hueOff val="0"/>
@@ -12584,12 +12584,12 @@
         </a:fontRef>
       </dsp:style>
       <dsp:txBody>
-        <a:bodyPr spcFirstLastPara="0" vert="horz" wrap="square" lIns="10160" tIns="10160" rIns="10160" bIns="10160" numCol="1" spcCol="1270" anchor="ctr" anchorCtr="0">
+        <a:bodyPr spcFirstLastPara="0" vert="horz" wrap="square" lIns="9525" tIns="9525" rIns="9525" bIns="9525" numCol="1" spcCol="1270" anchor="ctr" anchorCtr="0">
           <a:noAutofit/>
         </a:bodyPr>
         <a:lstStyle/>
         <a:p>
-          <a:pPr lvl="0" algn="ctr" defTabSz="711200">
+          <a:pPr lvl="0" algn="ctr" defTabSz="666750">
             <a:lnSpc>
               <a:spcPct val="90000"/>
             </a:lnSpc>
@@ -12601,10 +12601,10 @@
             </a:spcAft>
           </a:pPr>
           <a:r>
-            <a:rPr lang="en-US" sz="1600" kern="1200" dirty="0" smtClean="0"/>
+            <a:rPr lang="en-US" sz="1500" kern="1200" dirty="0" smtClean="0"/>
             <a:t>Wait an event</a:t>
           </a:r>
-          <a:endParaRPr lang="en-US" sz="1600" kern="1200" dirty="0"/>
+          <a:endParaRPr lang="en-US" sz="1500" kern="1200" dirty="0"/>
         </a:p>
       </dsp:txBody>
       <dsp:txXfrm>
@@ -18034,7 +18034,7 @@
 
 <file path=ppt/slideLayouts/slideLayout1.xml><?xml version="1.0" encoding="utf-8"?>
 <p:sldLayout xmlns:a="http://schemas.openxmlformats.org/drawingml/2006/main" xmlns:r="http://schemas.openxmlformats.org/officeDocument/2006/relationships" xmlns:p="http://schemas.openxmlformats.org/presentationml/2006/main" type="title" preserve="1">
-  <p:cSld name="Title Slide">
+  <p:cSld name="标题幻灯片">
     <p:spTree>
       <p:nvGrpSpPr>
         <p:cNvPr id="1" name=""/>
@@ -18061,19 +18061,25 @@
         </p:nvSpPr>
         <p:spPr>
           <a:xfrm>
-            <a:off x="685800" y="2130425"/>
-            <a:ext cx="7772400" cy="1470025"/>
+            <a:off x="685800" y="1371600"/>
+            <a:ext cx="7848600" cy="1927225"/>
           </a:xfrm>
         </p:spPr>
         <p:txBody>
-          <a:bodyPr/>
-          <a:lstStyle/>
+          <a:bodyPr anchor="b">
+            <a:noAutofit/>
+          </a:bodyPr>
+          <a:lstStyle>
+            <a:lvl1pPr>
+              <a:defRPr sz="5400" cap="all" baseline="0"/>
+            </a:lvl1pPr>
+          </a:lstStyle>
           <a:p>
             <a:r>
-              <a:rPr lang="en-US" smtClean="0"/>
-              <a:t>Click to edit Master title style</a:t>
-            </a:r>
-            <a:endParaRPr lang="en-US"/>
+              <a:rPr lang="zh-CN" altLang="x-none" smtClean="0"/>
+              <a:t>单击此处编辑母版标题样式</a:t>
+            </a:r>
+            <a:endParaRPr lang="en-US" dirty="0"/>
           </a:p>
         </p:txBody>
       </p:sp>
@@ -18089,19 +18095,20 @@
         </p:nvSpPr>
         <p:spPr>
           <a:xfrm>
-            <a:off x="1371600" y="3886200"/>
+            <a:off x="685800" y="3505200"/>
             <a:ext cx="6400800" cy="1752600"/>
           </a:xfrm>
         </p:spPr>
         <p:txBody>
           <a:bodyPr/>
           <a:lstStyle>
-            <a:lvl1pPr marL="0" indent="0" algn="ctr">
+            <a:lvl1pPr marL="0" indent="0" algn="l">
               <a:buNone/>
               <a:defRPr>
                 <a:solidFill>
                   <a:schemeClr val="tx1">
-                    <a:tint val="75000"/>
+                    <a:lumMod val="75000"/>
+                    <a:lumOff val="25000"/>
                   </a:schemeClr>
                 </a:solidFill>
               </a:defRPr>
@@ -18189,10 +18196,10 @@
           </a:lstStyle>
           <a:p>
             <a:r>
-              <a:rPr lang="en-US" smtClean="0"/>
-              <a:t>Click to edit Master subtitle style</a:t>
-            </a:r>
-            <a:endParaRPr lang="en-US"/>
+              <a:rPr lang="zh-CN" altLang="x-none" smtClean="0"/>
+              <a:t>单击此处编辑母版副标题样式</a:t>
+            </a:r>
+            <a:endParaRPr lang="en-US" dirty="0"/>
           </a:p>
         </p:txBody>
       </p:sp>
@@ -18263,6 +18270,41 @@
           </a:p>
         </p:txBody>
       </p:sp>
+      <p:cxnSp>
+        <p:nvCxnSpPr>
+          <p:cNvPr id="8" name="Straight Connector 7"/>
+          <p:cNvCxnSpPr/>
+          <p:nvPr/>
+        </p:nvCxnSpPr>
+        <p:spPr>
+          <a:xfrm>
+            <a:off x="685800" y="3398520"/>
+            <a:ext cx="7848600" cy="1588"/>
+          </a:xfrm>
+          <a:prstGeom prst="line">
+            <a:avLst/>
+          </a:prstGeom>
+          <a:ln w="19050">
+            <a:solidFill>
+              <a:schemeClr val="tx2"/>
+            </a:solidFill>
+          </a:ln>
+        </p:spPr>
+        <p:style>
+          <a:lnRef idx="1">
+            <a:schemeClr val="accent1"/>
+          </a:lnRef>
+          <a:fillRef idx="0">
+            <a:schemeClr val="accent1"/>
+          </a:fillRef>
+          <a:effectRef idx="0">
+            <a:schemeClr val="accent1"/>
+          </a:effectRef>
+          <a:fontRef idx="minor">
+            <a:schemeClr val="tx1"/>
+          </a:fontRef>
+        </p:style>
+      </p:cxnSp>
     </p:spTree>
   </p:cSld>
   <p:clrMapOvr>
@@ -18273,7 +18315,7 @@
 
 <file path=ppt/slideLayouts/slideLayout10.xml><?xml version="1.0" encoding="utf-8"?>
 <p:sldLayout xmlns:a="http://schemas.openxmlformats.org/drawingml/2006/main" xmlns:r="http://schemas.openxmlformats.org/officeDocument/2006/relationships" xmlns:p="http://schemas.openxmlformats.org/presentationml/2006/main" type="vertTx" preserve="1">
-  <p:cSld name="Title and Vertical Text">
+  <p:cSld name="标题和竖排文本">
     <p:spTree>
       <p:nvGrpSpPr>
         <p:cNvPr id="1" name=""/>
@@ -18304,8 +18346,8 @@
           <a:lstStyle/>
           <a:p>
             <a:r>
-              <a:rPr lang="en-US" smtClean="0"/>
-              <a:t>Click to edit Master title style</a:t>
+              <a:rPr lang="zh-CN" altLang="x-none" smtClean="0"/>
+              <a:t>单击此处编辑母版标题样式</a:t>
             </a:r>
             <a:endParaRPr lang="en-US"/>
           </a:p>
@@ -18328,36 +18370,36 @@
           <a:p>
             <a:pPr lvl="0"/>
             <a:r>
-              <a:rPr lang="en-US" smtClean="0"/>
-              <a:t>Click to edit Master text styles</a:t>
+              <a:rPr lang="zh-CN" altLang="x-none" smtClean="0"/>
+              <a:t>单击此处编辑母版文本样式</a:t>
             </a:r>
           </a:p>
           <a:p>
             <a:pPr lvl="1"/>
             <a:r>
-              <a:rPr lang="en-US" smtClean="0"/>
-              <a:t>Second level</a:t>
+              <a:rPr lang="zh-CN" altLang="x-none" smtClean="0"/>
+              <a:t>二级</a:t>
             </a:r>
           </a:p>
           <a:p>
             <a:pPr lvl="2"/>
             <a:r>
-              <a:rPr lang="en-US" smtClean="0"/>
-              <a:t>Third level</a:t>
+              <a:rPr lang="zh-CN" altLang="x-none" smtClean="0"/>
+              <a:t>三级</a:t>
             </a:r>
           </a:p>
           <a:p>
             <a:pPr lvl="3"/>
             <a:r>
-              <a:rPr lang="en-US" smtClean="0"/>
-              <a:t>Fourth level</a:t>
+              <a:rPr lang="zh-CN" altLang="x-none" smtClean="0"/>
+              <a:t>四级</a:t>
             </a:r>
           </a:p>
           <a:p>
             <a:pPr lvl="4"/>
             <a:r>
-              <a:rPr lang="en-US" smtClean="0"/>
-              <a:t>Fifth level</a:t>
+              <a:rPr lang="zh-CN" altLang="x-none" smtClean="0"/>
+              <a:t>五级</a:t>
             </a:r>
             <a:endParaRPr lang="en-US"/>
           </a:p>
@@ -18440,7 +18482,7 @@
 
 <file path=ppt/slideLayouts/slideLayout11.xml><?xml version="1.0" encoding="utf-8"?>
 <p:sldLayout xmlns:a="http://schemas.openxmlformats.org/drawingml/2006/main" xmlns:r="http://schemas.openxmlformats.org/officeDocument/2006/relationships" xmlns:p="http://schemas.openxmlformats.org/presentationml/2006/main" type="vertTitleAndTx" preserve="1">
-  <p:cSld name="Vertical Title and Text">
+  <p:cSld name="竖排标题和文本">
     <p:spTree>
       <p:nvGrpSpPr>
         <p:cNvPr id="1" name=""/>
@@ -18467,19 +18509,19 @@
         </p:nvSpPr>
         <p:spPr>
           <a:xfrm>
-            <a:off x="6629400" y="274638"/>
-            <a:ext cx="2057400" cy="5851525"/>
+            <a:off x="6629400" y="609600"/>
+            <a:ext cx="2057400" cy="5867400"/>
           </a:xfrm>
         </p:spPr>
         <p:txBody>
-          <a:bodyPr vert="eaVert"/>
+          <a:bodyPr vert="eaVert" anchor="b"/>
           <a:lstStyle/>
           <a:p>
             <a:r>
-              <a:rPr lang="en-US" smtClean="0"/>
-              <a:t>Click to edit Master title style</a:t>
-            </a:r>
-            <a:endParaRPr lang="en-US"/>
+              <a:rPr lang="zh-CN" altLang="x-none" smtClean="0"/>
+              <a:t>单击此处编辑母版标题样式</a:t>
+            </a:r>
+            <a:endParaRPr lang="en-US" dirty="0"/>
           </a:p>
         </p:txBody>
       </p:sp>
@@ -18495,8 +18537,8 @@
         </p:nvSpPr>
         <p:spPr>
           <a:xfrm>
-            <a:off x="457200" y="274638"/>
-            <a:ext cx="6019800" cy="5851525"/>
+            <a:off x="457200" y="609600"/>
+            <a:ext cx="6019800" cy="5867400"/>
           </a:xfrm>
         </p:spPr>
         <p:txBody>
@@ -18505,38 +18547,38 @@
           <a:p>
             <a:pPr lvl="0"/>
             <a:r>
-              <a:rPr lang="en-US" smtClean="0"/>
-              <a:t>Click to edit Master text styles</a:t>
+              <a:rPr lang="zh-CN" altLang="x-none" smtClean="0"/>
+              <a:t>单击此处编辑母版文本样式</a:t>
             </a:r>
           </a:p>
           <a:p>
             <a:pPr lvl="1"/>
             <a:r>
-              <a:rPr lang="en-US" smtClean="0"/>
-              <a:t>Second level</a:t>
+              <a:rPr lang="zh-CN" altLang="x-none" smtClean="0"/>
+              <a:t>二级</a:t>
             </a:r>
           </a:p>
           <a:p>
             <a:pPr lvl="2"/>
             <a:r>
-              <a:rPr lang="en-US" smtClean="0"/>
-              <a:t>Third level</a:t>
+              <a:rPr lang="zh-CN" altLang="x-none" smtClean="0"/>
+              <a:t>三级</a:t>
             </a:r>
           </a:p>
           <a:p>
             <a:pPr lvl="3"/>
             <a:r>
-              <a:rPr lang="en-US" smtClean="0"/>
-              <a:t>Fourth level</a:t>
+              <a:rPr lang="zh-CN" altLang="x-none" smtClean="0"/>
+              <a:t>四级</a:t>
             </a:r>
           </a:p>
           <a:p>
             <a:pPr lvl="4"/>
             <a:r>
-              <a:rPr lang="en-US" smtClean="0"/>
-              <a:t>Fifth level</a:t>
-            </a:r>
-            <a:endParaRPr lang="en-US"/>
+              <a:rPr lang="zh-CN" altLang="x-none" smtClean="0"/>
+              <a:t>五级</a:t>
+            </a:r>
+            <a:endParaRPr lang="en-US" dirty="0"/>
           </a:p>
         </p:txBody>
       </p:sp>
@@ -18617,7 +18659,7 @@
 
 <file path=ppt/slideLayouts/slideLayout2.xml><?xml version="1.0" encoding="utf-8"?>
 <p:sldLayout xmlns:a="http://schemas.openxmlformats.org/drawingml/2006/main" xmlns:r="http://schemas.openxmlformats.org/officeDocument/2006/relationships" xmlns:p="http://schemas.openxmlformats.org/presentationml/2006/main" type="obj" preserve="1">
-  <p:cSld name="Title and Content">
+  <p:cSld name="标题和内容">
     <p:spTree>
       <p:nvGrpSpPr>
         <p:cNvPr id="1" name=""/>
@@ -18648,8 +18690,8 @@
           <a:lstStyle/>
           <a:p>
             <a:r>
-              <a:rPr lang="en-US" smtClean="0"/>
-              <a:t>Click to edit Master title style</a:t>
+              <a:rPr lang="zh-CN" altLang="x-none" smtClean="0"/>
+              <a:t>单击此处编辑母版标题样式</a:t>
             </a:r>
             <a:endParaRPr lang="en-US"/>
           </a:p>
@@ -18672,36 +18714,36 @@
           <a:p>
             <a:pPr lvl="0"/>
             <a:r>
-              <a:rPr lang="en-US" smtClean="0"/>
-              <a:t>Click to edit Master text styles</a:t>
+              <a:rPr lang="zh-CN" altLang="x-none" smtClean="0"/>
+              <a:t>单击此处编辑母版文本样式</a:t>
             </a:r>
           </a:p>
           <a:p>
             <a:pPr lvl="1"/>
             <a:r>
-              <a:rPr lang="en-US" smtClean="0"/>
-              <a:t>Second level</a:t>
+              <a:rPr lang="zh-CN" altLang="x-none" smtClean="0"/>
+              <a:t>二级</a:t>
             </a:r>
           </a:p>
           <a:p>
             <a:pPr lvl="2"/>
             <a:r>
-              <a:rPr lang="en-US" smtClean="0"/>
-              <a:t>Third level</a:t>
+              <a:rPr lang="zh-CN" altLang="x-none" smtClean="0"/>
+              <a:t>三级</a:t>
             </a:r>
           </a:p>
           <a:p>
             <a:pPr lvl="3"/>
             <a:r>
-              <a:rPr lang="en-US" smtClean="0"/>
-              <a:t>Fourth level</a:t>
+              <a:rPr lang="zh-CN" altLang="x-none" smtClean="0"/>
+              <a:t>四级</a:t>
             </a:r>
           </a:p>
           <a:p>
             <a:pPr lvl="4"/>
             <a:r>
-              <a:rPr lang="en-US" smtClean="0"/>
-              <a:t>Fifth level</a:t>
+              <a:rPr lang="zh-CN" altLang="x-none" smtClean="0"/>
+              <a:t>五级</a:t>
             </a:r>
             <a:endParaRPr lang="en-US"/>
           </a:p>
@@ -18784,7 +18826,12 @@
 
 <file path=ppt/slideLayouts/slideLayout3.xml><?xml version="1.0" encoding="utf-8"?>
 <p:sldLayout xmlns:a="http://schemas.openxmlformats.org/drawingml/2006/main" xmlns:r="http://schemas.openxmlformats.org/officeDocument/2006/relationships" xmlns:p="http://schemas.openxmlformats.org/presentationml/2006/main" type="secHead" preserve="1">
-  <p:cSld name="Section Header">
+  <p:cSld name="节标题">
+    <p:bg>
+      <p:bgRef idx="1001">
+        <a:schemeClr val="bg2"/>
+      </p:bgRef>
+    </p:bg>
     <p:spTree>
       <p:nvGrpSpPr>
         <p:cNvPr id="1" name=""/>
@@ -18811,23 +18858,25 @@
         </p:nvSpPr>
         <p:spPr>
           <a:xfrm>
-            <a:off x="722313" y="4406900"/>
-            <a:ext cx="7772400" cy="1362075"/>
+            <a:off x="722313" y="2362200"/>
+            <a:ext cx="7772400" cy="2200275"/>
           </a:xfrm>
         </p:spPr>
         <p:txBody>
-          <a:bodyPr anchor="t"/>
+          <a:bodyPr anchor="b">
+            <a:normAutofit/>
+          </a:bodyPr>
           <a:lstStyle>
             <a:lvl1pPr algn="l">
-              <a:defRPr sz="4000" b="1" cap="all"/>
+              <a:defRPr sz="4800" b="0" cap="all"/>
             </a:lvl1pPr>
           </a:lstStyle>
           <a:p>
             <a:r>
-              <a:rPr lang="en-US" smtClean="0"/>
-              <a:t>Click to edit Master title style</a:t>
-            </a:r>
-            <a:endParaRPr lang="en-US"/>
+              <a:rPr lang="zh-CN" altLang="x-none" smtClean="0"/>
+              <a:t>单击此处编辑母版标题样式</a:t>
+            </a:r>
+            <a:endParaRPr lang="en-US" dirty="0"/>
           </a:p>
         </p:txBody>
       </p:sp>
@@ -18843,20 +18892,20 @@
         </p:nvSpPr>
         <p:spPr>
           <a:xfrm>
-            <a:off x="722313" y="2906713"/>
+            <a:off x="722313" y="4626864"/>
             <a:ext cx="7772400" cy="1500187"/>
           </a:xfrm>
         </p:spPr>
         <p:txBody>
-          <a:bodyPr anchor="b"/>
+          <a:bodyPr anchor="t">
+            <a:normAutofit/>
+          </a:bodyPr>
           <a:lstStyle>
             <a:lvl1pPr marL="0" indent="0">
               <a:buNone/>
-              <a:defRPr sz="2000">
+              <a:defRPr sz="2400">
                 <a:solidFill>
-                  <a:schemeClr val="tx1">
-                    <a:tint val="75000"/>
-                  </a:schemeClr>
+                  <a:schemeClr val="tx2"/>
                 </a:solidFill>
               </a:defRPr>
             </a:lvl1pPr>
@@ -18944,8 +18993,8 @@
           <a:p>
             <a:pPr lvl="0"/>
             <a:r>
-              <a:rPr lang="en-US" smtClean="0"/>
-              <a:t>Click to edit Master text styles</a:t>
+              <a:rPr lang="zh-CN" altLang="x-none" smtClean="0"/>
+              <a:t>单击此处编辑母版文本样式</a:t>
             </a:r>
           </a:p>
         </p:txBody>
@@ -19017,17 +19066,52 @@
           </a:p>
         </p:txBody>
       </p:sp>
+      <p:cxnSp>
+        <p:nvCxnSpPr>
+          <p:cNvPr id="7" name="Straight Connector 6"/>
+          <p:cNvCxnSpPr/>
+          <p:nvPr/>
+        </p:nvCxnSpPr>
+        <p:spPr>
+          <a:xfrm>
+            <a:off x="731520" y="4599432"/>
+            <a:ext cx="7848600" cy="1588"/>
+          </a:xfrm>
+          <a:prstGeom prst="line">
+            <a:avLst/>
+          </a:prstGeom>
+          <a:ln w="19050">
+            <a:solidFill>
+              <a:schemeClr val="tx2"/>
+            </a:solidFill>
+          </a:ln>
+        </p:spPr>
+        <p:style>
+          <a:lnRef idx="1">
+            <a:schemeClr val="accent1"/>
+          </a:lnRef>
+          <a:fillRef idx="0">
+            <a:schemeClr val="accent1"/>
+          </a:fillRef>
+          <a:effectRef idx="0">
+            <a:schemeClr val="accent1"/>
+          </a:effectRef>
+          <a:fontRef idx="minor">
+            <a:schemeClr val="tx1"/>
+          </a:fontRef>
+        </p:style>
+      </p:cxnSp>
     </p:spTree>
   </p:cSld>
   <p:clrMapOvr>
-    <a:masterClrMapping/>
+    <a:overrideClrMapping bg1="dk1" tx1="lt1" bg2="dk2" tx2="lt2" accent1="accent1" accent2="accent2" accent3="accent3" accent4="accent4" accent5="accent5" accent6="accent6" hlink="hlink" folHlink="folHlink"/>
   </p:clrMapOvr>
 </p:sldLayout>
 </file>
 
 <file path=ppt/slideLayouts/slideLayout4.xml><?xml version="1.0" encoding="utf-8"?>
 <p:sldLayout xmlns:a="http://schemas.openxmlformats.org/drawingml/2006/main" xmlns:r="http://schemas.openxmlformats.org/officeDocument/2006/relationships" xmlns:p="http://schemas.openxmlformats.org/presentationml/2006/main" type="twoObj" preserve="1">
-  <p:cSld name="Two Content">
+  <p:cSld name="两项内容">
     <p:spTree>
       <p:nvGrpSpPr>
         <p:cNvPr id="1" name=""/>
@@ -19058,8 +19142,8 @@
           <a:lstStyle/>
           <a:p>
             <a:r>
-              <a:rPr lang="en-US" smtClean="0"/>
-              <a:t>Click to edit Master title style</a:t>
+              <a:rPr lang="zh-CN" altLang="x-none" smtClean="0"/>
+              <a:t>单击此处编辑母版标题样式</a:t>
             </a:r>
             <a:endParaRPr lang="en-US"/>
           </a:p>
@@ -19077,8 +19161,8 @@
         </p:nvSpPr>
         <p:spPr>
           <a:xfrm>
-            <a:off x="457200" y="1600200"/>
-            <a:ext cx="4038600" cy="4525963"/>
+            <a:off x="457200" y="1673352"/>
+            <a:ext cx="4038600" cy="4718304"/>
           </a:xfrm>
         </p:spPr>
         <p:txBody>
@@ -19115,38 +19199,38 @@
           <a:p>
             <a:pPr lvl="0"/>
             <a:r>
-              <a:rPr lang="en-US" smtClean="0"/>
-              <a:t>Click to edit Master text styles</a:t>
+              <a:rPr lang="zh-CN" altLang="x-none" smtClean="0"/>
+              <a:t>单击此处编辑母版文本样式</a:t>
             </a:r>
           </a:p>
           <a:p>
             <a:pPr lvl="1"/>
             <a:r>
-              <a:rPr lang="en-US" smtClean="0"/>
-              <a:t>Second level</a:t>
+              <a:rPr lang="zh-CN" altLang="x-none" smtClean="0"/>
+              <a:t>二级</a:t>
             </a:r>
           </a:p>
           <a:p>
             <a:pPr lvl="2"/>
             <a:r>
-              <a:rPr lang="en-US" smtClean="0"/>
-              <a:t>Third level</a:t>
+              <a:rPr lang="zh-CN" altLang="x-none" smtClean="0"/>
+              <a:t>三级</a:t>
             </a:r>
           </a:p>
           <a:p>
             <a:pPr lvl="3"/>
             <a:r>
-              <a:rPr lang="en-US" smtClean="0"/>
-              <a:t>Fourth level</a:t>
+              <a:rPr lang="zh-CN" altLang="x-none" smtClean="0"/>
+              <a:t>四级</a:t>
             </a:r>
           </a:p>
           <a:p>
             <a:pPr lvl="4"/>
             <a:r>
-              <a:rPr lang="en-US" smtClean="0"/>
-              <a:t>Fifth level</a:t>
-            </a:r>
-            <a:endParaRPr lang="en-US"/>
+              <a:rPr lang="zh-CN" altLang="x-none" smtClean="0"/>
+              <a:t>五级</a:t>
+            </a:r>
+            <a:endParaRPr lang="en-US" dirty="0"/>
           </a:p>
         </p:txBody>
       </p:sp>
@@ -19162,8 +19246,8 @@
         </p:nvSpPr>
         <p:spPr>
           <a:xfrm>
-            <a:off x="4648200" y="1600200"/>
-            <a:ext cx="4038600" cy="4525963"/>
+            <a:off x="4648200" y="1673352"/>
+            <a:ext cx="4038600" cy="4718304"/>
           </a:xfrm>
         </p:spPr>
         <p:txBody>
@@ -19200,38 +19284,38 @@
           <a:p>
             <a:pPr lvl="0"/>
             <a:r>
-              <a:rPr lang="en-US" smtClean="0"/>
-              <a:t>Click to edit Master text styles</a:t>
+              <a:rPr lang="zh-CN" altLang="x-none" smtClean="0"/>
+              <a:t>单击此处编辑母版文本样式</a:t>
             </a:r>
           </a:p>
           <a:p>
             <a:pPr lvl="1"/>
             <a:r>
-              <a:rPr lang="en-US" smtClean="0"/>
-              <a:t>Second level</a:t>
+              <a:rPr lang="zh-CN" altLang="x-none" smtClean="0"/>
+              <a:t>二级</a:t>
             </a:r>
           </a:p>
           <a:p>
             <a:pPr lvl="2"/>
             <a:r>
-              <a:rPr lang="en-US" smtClean="0"/>
-              <a:t>Third level</a:t>
+              <a:rPr lang="zh-CN" altLang="x-none" smtClean="0"/>
+              <a:t>三级</a:t>
             </a:r>
           </a:p>
           <a:p>
             <a:pPr lvl="3"/>
             <a:r>
-              <a:rPr lang="en-US" smtClean="0"/>
-              <a:t>Fourth level</a:t>
+              <a:rPr lang="zh-CN" altLang="x-none" smtClean="0"/>
+              <a:t>四级</a:t>
             </a:r>
           </a:p>
           <a:p>
             <a:pPr lvl="4"/>
             <a:r>
-              <a:rPr lang="en-US" smtClean="0"/>
-              <a:t>Fifth level</a:t>
-            </a:r>
-            <a:endParaRPr lang="en-US"/>
+              <a:rPr lang="zh-CN" altLang="x-none" smtClean="0"/>
+              <a:t>五级</a:t>
+            </a:r>
+            <a:endParaRPr lang="en-US" dirty="0"/>
           </a:p>
         </p:txBody>
       </p:sp>
@@ -19312,7 +19396,7 @@
 
 <file path=ppt/slideLayouts/slideLayout5.xml><?xml version="1.0" encoding="utf-8"?>
 <p:sldLayout xmlns:a="http://schemas.openxmlformats.org/drawingml/2006/main" xmlns:r="http://schemas.openxmlformats.org/officeDocument/2006/relationships" xmlns:p="http://schemas.openxmlformats.org/presentationml/2006/main" type="twoTxTwoObj" preserve="1">
-  <p:cSld name="Comparison">
+  <p:cSld name="比较">
     <p:spTree>
       <p:nvGrpSpPr>
         <p:cNvPr id="1" name=""/>
@@ -19347,10 +19431,10 @@
           </a:lstStyle>
           <a:p>
             <a:r>
-              <a:rPr lang="en-US" smtClean="0"/>
-              <a:t>Click to edit Master title style</a:t>
-            </a:r>
-            <a:endParaRPr lang="en-US"/>
+              <a:rPr lang="zh-CN" altLang="x-none" smtClean="0"/>
+              <a:t>单击此处编辑母版标题样式</a:t>
+            </a:r>
+            <a:endParaRPr lang="en-US" dirty="0"/>
           </a:p>
         </p:txBody>
       </p:sp>
@@ -19366,16 +19450,39 @@
         </p:nvSpPr>
         <p:spPr>
           <a:xfrm>
-            <a:off x="457200" y="1535113"/>
-            <a:ext cx="4040188" cy="639762"/>
+            <a:off x="457200" y="1676400"/>
+            <a:ext cx="3931920" cy="639762"/>
           </a:xfrm>
+          <a:noFill/>
+          <a:ln>
+            <a:noFill/>
+          </a:ln>
+          <a:effectLst/>
         </p:spPr>
+        <p:style>
+          <a:lnRef idx="3">
+            <a:schemeClr val="lt1"/>
+          </a:lnRef>
+          <a:fillRef idx="1">
+            <a:schemeClr val="accent2"/>
+          </a:fillRef>
+          <a:effectRef idx="1">
+            <a:schemeClr val="accent2"/>
+          </a:effectRef>
+          <a:fontRef idx="none"/>
+        </p:style>
         <p:txBody>
-          <a:bodyPr anchor="b"/>
+          <a:bodyPr anchor="ctr">
+            <a:normAutofit/>
+          </a:bodyPr>
           <a:lstStyle>
-            <a:lvl1pPr marL="0" indent="0">
+            <a:lvl1pPr marL="0" indent="0" algn="ctr">
               <a:buNone/>
-              <a:defRPr sz="2400" b="1"/>
+              <a:defRPr sz="2000" b="0">
+                <a:solidFill>
+                  <a:schemeClr val="tx2"/>
+                </a:solidFill>
+              </a:defRPr>
             </a:lvl1pPr>
             <a:lvl2pPr marL="457200" indent="0">
               <a:buNone/>
@@ -19413,8 +19520,8 @@
           <a:p>
             <a:pPr lvl="0"/>
             <a:r>
-              <a:rPr lang="en-US" smtClean="0"/>
-              <a:t>Click to edit Master text styles</a:t>
+              <a:rPr lang="zh-CN" altLang="x-none" smtClean="0"/>
+              <a:t>单击此处编辑母版文本样式</a:t>
             </a:r>
           </a:p>
         </p:txBody>
@@ -19431,8 +19538,8 @@
         </p:nvSpPr>
         <p:spPr>
           <a:xfrm>
-            <a:off x="457200" y="2174875"/>
-            <a:ext cx="4040188" cy="3951288"/>
+            <a:off x="457200" y="2438400"/>
+            <a:ext cx="3931920" cy="3951288"/>
           </a:xfrm>
         </p:spPr>
         <p:txBody>
@@ -19469,38 +19576,38 @@
           <a:p>
             <a:pPr lvl="0"/>
             <a:r>
-              <a:rPr lang="en-US" smtClean="0"/>
-              <a:t>Click to edit Master text styles</a:t>
+              <a:rPr lang="zh-CN" altLang="x-none" smtClean="0"/>
+              <a:t>单击此处编辑母版文本样式</a:t>
             </a:r>
           </a:p>
           <a:p>
             <a:pPr lvl="1"/>
             <a:r>
-              <a:rPr lang="en-US" smtClean="0"/>
-              <a:t>Second level</a:t>
+              <a:rPr lang="zh-CN" altLang="x-none" smtClean="0"/>
+              <a:t>二级</a:t>
             </a:r>
           </a:p>
           <a:p>
             <a:pPr lvl="2"/>
             <a:r>
-              <a:rPr lang="en-US" smtClean="0"/>
-              <a:t>Third level</a:t>
+              <a:rPr lang="zh-CN" altLang="x-none" smtClean="0"/>
+              <a:t>三级</a:t>
             </a:r>
           </a:p>
           <a:p>
             <a:pPr lvl="3"/>
             <a:r>
-              <a:rPr lang="en-US" smtClean="0"/>
-              <a:t>Fourth level</a:t>
+              <a:rPr lang="zh-CN" altLang="x-none" smtClean="0"/>
+              <a:t>四级</a:t>
             </a:r>
           </a:p>
           <a:p>
             <a:pPr lvl="4"/>
             <a:r>
-              <a:rPr lang="en-US" smtClean="0"/>
-              <a:t>Fifth level</a:t>
-            </a:r>
-            <a:endParaRPr lang="en-US"/>
+              <a:rPr lang="zh-CN" altLang="x-none" smtClean="0"/>
+              <a:t>五级</a:t>
+            </a:r>
+            <a:endParaRPr lang="en-US" dirty="0"/>
           </a:p>
         </p:txBody>
       </p:sp>
@@ -19516,16 +19623,42 @@
         </p:nvSpPr>
         <p:spPr>
           <a:xfrm>
-            <a:off x="4645025" y="1535113"/>
-            <a:ext cx="4041775" cy="639762"/>
+            <a:off x="4754880" y="1676400"/>
+            <a:ext cx="3931920" cy="639762"/>
           </a:xfrm>
+          <a:noFill/>
+          <a:ln>
+            <a:noFill/>
+          </a:ln>
+          <a:effectLst/>
         </p:spPr>
+        <p:style>
+          <a:lnRef idx="3">
+            <a:schemeClr val="lt1"/>
+          </a:lnRef>
+          <a:fillRef idx="1">
+            <a:schemeClr val="accent2"/>
+          </a:fillRef>
+          <a:effectRef idx="1">
+            <a:schemeClr val="accent2"/>
+          </a:effectRef>
+          <a:fontRef idx="none"/>
+        </p:style>
         <p:txBody>
-          <a:bodyPr anchor="b"/>
+          <a:bodyPr anchor="ctr">
+            <a:normAutofit/>
+          </a:bodyPr>
           <a:lstStyle>
-            <a:lvl1pPr marL="0" indent="0">
+            <a:lvl1pPr marL="0" indent="0" algn="ctr">
               <a:buNone/>
-              <a:defRPr sz="2400" b="1"/>
+              <a:defRPr lang="en-US" sz="2000" b="0" kern="1200" dirty="0" smtClean="0">
+                <a:solidFill>
+                  <a:schemeClr val="tx2"/>
+                </a:solidFill>
+                <a:latin typeface="+mn-lt"/>
+                <a:ea typeface="+mn-ea"/>
+                <a:cs typeface="+mn-cs"/>
+              </a:defRPr>
             </a:lvl1pPr>
             <a:lvl2pPr marL="457200" indent="0">
               <a:buNone/>
@@ -19563,8 +19696,8 @@
           <a:p>
             <a:pPr lvl="0"/>
             <a:r>
-              <a:rPr lang="en-US" smtClean="0"/>
-              <a:t>Click to edit Master text styles</a:t>
+              <a:rPr lang="zh-CN" altLang="x-none" smtClean="0"/>
+              <a:t>单击此处编辑母版文本样式</a:t>
             </a:r>
           </a:p>
         </p:txBody>
@@ -19581,8 +19714,8 @@
         </p:nvSpPr>
         <p:spPr>
           <a:xfrm>
-            <a:off x="4645025" y="2174875"/>
-            <a:ext cx="4041775" cy="3951288"/>
+            <a:off x="4754880" y="2438400"/>
+            <a:ext cx="3931920" cy="3951288"/>
           </a:xfrm>
         </p:spPr>
         <p:txBody>
@@ -19619,38 +19752,38 @@
           <a:p>
             <a:pPr lvl="0"/>
             <a:r>
-              <a:rPr lang="en-US" smtClean="0"/>
-              <a:t>Click to edit Master text styles</a:t>
+              <a:rPr lang="zh-CN" altLang="x-none" smtClean="0"/>
+              <a:t>单击此处编辑母版文本样式</a:t>
             </a:r>
           </a:p>
           <a:p>
             <a:pPr lvl="1"/>
             <a:r>
-              <a:rPr lang="en-US" smtClean="0"/>
-              <a:t>Second level</a:t>
+              <a:rPr lang="zh-CN" altLang="x-none" smtClean="0"/>
+              <a:t>二级</a:t>
             </a:r>
           </a:p>
           <a:p>
             <a:pPr lvl="2"/>
             <a:r>
-              <a:rPr lang="en-US" smtClean="0"/>
-              <a:t>Third level</a:t>
+              <a:rPr lang="zh-CN" altLang="x-none" smtClean="0"/>
+              <a:t>三级</a:t>
             </a:r>
           </a:p>
           <a:p>
             <a:pPr lvl="3"/>
             <a:r>
-              <a:rPr lang="en-US" smtClean="0"/>
-              <a:t>Fourth level</a:t>
+              <a:rPr lang="zh-CN" altLang="x-none" smtClean="0"/>
+              <a:t>四级</a:t>
             </a:r>
           </a:p>
           <a:p>
             <a:pPr lvl="4"/>
             <a:r>
-              <a:rPr lang="en-US" smtClean="0"/>
-              <a:t>Fifth level</a:t>
-            </a:r>
-            <a:endParaRPr lang="en-US"/>
+              <a:rPr lang="zh-CN" altLang="x-none" smtClean="0"/>
+              <a:t>五级</a:t>
+            </a:r>
+            <a:endParaRPr lang="en-US" dirty="0"/>
           </a:p>
         </p:txBody>
       </p:sp>
@@ -19721,6 +19854,41 @@
           </a:p>
         </p:txBody>
       </p:sp>
+      <p:cxnSp>
+        <p:nvCxnSpPr>
+          <p:cNvPr id="11" name="Straight Connector 10"/>
+          <p:cNvCxnSpPr/>
+          <p:nvPr/>
+        </p:nvCxnSpPr>
+        <p:spPr>
+          <a:xfrm rot="5400000">
+            <a:off x="2217817" y="4045823"/>
+            <a:ext cx="4709160" cy="794"/>
+          </a:xfrm>
+          <a:prstGeom prst="line">
+            <a:avLst/>
+          </a:prstGeom>
+          <a:ln w="19050">
+            <a:solidFill>
+              <a:schemeClr val="tx2"/>
+            </a:solidFill>
+          </a:ln>
+        </p:spPr>
+        <p:style>
+          <a:lnRef idx="1">
+            <a:schemeClr val="accent1"/>
+          </a:lnRef>
+          <a:fillRef idx="0">
+            <a:schemeClr val="accent1"/>
+          </a:fillRef>
+          <a:effectRef idx="0">
+            <a:schemeClr val="accent1"/>
+          </a:effectRef>
+          <a:fontRef idx="minor">
+            <a:schemeClr val="tx1"/>
+          </a:fontRef>
+        </p:style>
+      </p:cxnSp>
     </p:spTree>
   </p:cSld>
   <p:clrMapOvr>
@@ -19731,7 +19899,7 @@
 
 <file path=ppt/slideLayouts/slideLayout6.xml><?xml version="1.0" encoding="utf-8"?>
 <p:sldLayout xmlns:a="http://schemas.openxmlformats.org/drawingml/2006/main" xmlns:r="http://schemas.openxmlformats.org/officeDocument/2006/relationships" xmlns:p="http://schemas.openxmlformats.org/presentationml/2006/main" type="titleOnly" preserve="1">
-  <p:cSld name="Title Only">
+  <p:cSld name="仅标题">
     <p:spTree>
       <p:nvGrpSpPr>
         <p:cNvPr id="1" name=""/>
@@ -19762,8 +19930,8 @@
           <a:lstStyle/>
           <a:p>
             <a:r>
-              <a:rPr lang="en-US" smtClean="0"/>
-              <a:t>Click to edit Master title style</a:t>
+              <a:rPr lang="zh-CN" altLang="x-none" smtClean="0"/>
+              <a:t>单击此处编辑母版标题样式</a:t>
             </a:r>
             <a:endParaRPr lang="en-US"/>
           </a:p>
@@ -19846,7 +20014,7 @@
 
 <file path=ppt/slideLayouts/slideLayout7.xml><?xml version="1.0" encoding="utf-8"?>
 <p:sldLayout xmlns:a="http://schemas.openxmlformats.org/drawingml/2006/main" xmlns:r="http://schemas.openxmlformats.org/officeDocument/2006/relationships" xmlns:p="http://schemas.openxmlformats.org/presentationml/2006/main" type="blank" preserve="1">
-  <p:cSld name="Blank">
+  <p:cSld name="空白">
     <p:spTree>
       <p:nvGrpSpPr>
         <p:cNvPr id="1" name=""/>
@@ -19938,7 +20106,7 @@
 
 <file path=ppt/slideLayouts/slideLayout8.xml><?xml version="1.0" encoding="utf-8"?>
 <p:sldLayout xmlns:a="http://schemas.openxmlformats.org/drawingml/2006/main" xmlns:r="http://schemas.openxmlformats.org/officeDocument/2006/relationships" xmlns:p="http://schemas.openxmlformats.org/presentationml/2006/main" type="objTx" preserve="1">
-  <p:cSld name="Content with Caption">
+  <p:cSld name="内容与标题">
     <p:spTree>
       <p:nvGrpSpPr>
         <p:cNvPr id="1" name=""/>
@@ -19965,23 +20133,25 @@
         </p:nvSpPr>
         <p:spPr>
           <a:xfrm>
-            <a:off x="457200" y="273050"/>
-            <a:ext cx="3008313" cy="1162050"/>
+            <a:off x="457200" y="792080"/>
+            <a:ext cx="2139696" cy="1261872"/>
           </a:xfrm>
         </p:spPr>
         <p:txBody>
-          <a:bodyPr anchor="b"/>
+          <a:bodyPr anchor="b">
+            <a:noAutofit/>
+          </a:bodyPr>
           <a:lstStyle>
             <a:lvl1pPr algn="l">
-              <a:defRPr sz="2000" b="1"/>
+              <a:defRPr sz="2400" b="0"/>
             </a:lvl1pPr>
           </a:lstStyle>
           <a:p>
             <a:r>
-              <a:rPr lang="en-US" smtClean="0"/>
-              <a:t>Click to edit Master title style</a:t>
-            </a:r>
-            <a:endParaRPr lang="en-US"/>
+              <a:rPr lang="zh-CN" altLang="x-none" smtClean="0"/>
+              <a:t>单击此处编辑母版标题样式</a:t>
+            </a:r>
+            <a:endParaRPr lang="en-US" dirty="0"/>
           </a:p>
         </p:txBody>
       </p:sp>
@@ -19997,8 +20167,8 @@
         </p:nvSpPr>
         <p:spPr>
           <a:xfrm>
-            <a:off x="3575050" y="273050"/>
-            <a:ext cx="5111750" cy="5853113"/>
+            <a:off x="2971800" y="792080"/>
+            <a:ext cx="5715000" cy="5577840"/>
           </a:xfrm>
         </p:spPr>
         <p:txBody>
@@ -20035,38 +20205,38 @@
           <a:p>
             <a:pPr lvl="0"/>
             <a:r>
-              <a:rPr lang="en-US" smtClean="0"/>
-              <a:t>Click to edit Master text styles</a:t>
+              <a:rPr lang="zh-CN" altLang="x-none" smtClean="0"/>
+              <a:t>单击此处编辑母版文本样式</a:t>
             </a:r>
           </a:p>
           <a:p>
             <a:pPr lvl="1"/>
             <a:r>
-              <a:rPr lang="en-US" smtClean="0"/>
-              <a:t>Second level</a:t>
+              <a:rPr lang="zh-CN" altLang="x-none" smtClean="0"/>
+              <a:t>二级</a:t>
             </a:r>
           </a:p>
           <a:p>
             <a:pPr lvl="2"/>
             <a:r>
-              <a:rPr lang="en-US" smtClean="0"/>
-              <a:t>Third level</a:t>
+              <a:rPr lang="zh-CN" altLang="x-none" smtClean="0"/>
+              <a:t>三级</a:t>
             </a:r>
           </a:p>
           <a:p>
             <a:pPr lvl="3"/>
             <a:r>
-              <a:rPr lang="en-US" smtClean="0"/>
-              <a:t>Fourth level</a:t>
+              <a:rPr lang="zh-CN" altLang="x-none" smtClean="0"/>
+              <a:t>四级</a:t>
             </a:r>
           </a:p>
           <a:p>
             <a:pPr lvl="4"/>
             <a:r>
-              <a:rPr lang="en-US" smtClean="0"/>
-              <a:t>Fifth level</a:t>
-            </a:r>
-            <a:endParaRPr lang="en-US"/>
+              <a:rPr lang="zh-CN" altLang="x-none" smtClean="0"/>
+              <a:t>五级</a:t>
+            </a:r>
+            <a:endParaRPr lang="en-US" dirty="0"/>
           </a:p>
         </p:txBody>
       </p:sp>
@@ -20082,8 +20252,8 @@
         </p:nvSpPr>
         <p:spPr>
           <a:xfrm>
-            <a:off x="457200" y="1435100"/>
-            <a:ext cx="3008313" cy="4691063"/>
+            <a:off x="457201" y="2130552"/>
+            <a:ext cx="2139696" cy="4243615"/>
           </a:xfrm>
         </p:spPr>
         <p:txBody>
@@ -20129,8 +20299,8 @@
           <a:p>
             <a:pPr lvl="0"/>
             <a:r>
-              <a:rPr lang="en-US" smtClean="0"/>
-              <a:t>Click to edit Master text styles</a:t>
+              <a:rPr lang="zh-CN" altLang="x-none" smtClean="0"/>
+              <a:t>单击此处编辑母版文本样式</a:t>
             </a:r>
           </a:p>
         </p:txBody>
@@ -20202,6 +20372,41 @@
           </a:p>
         </p:txBody>
       </p:sp>
+      <p:cxnSp>
+        <p:nvCxnSpPr>
+          <p:cNvPr id="9" name="Straight Connector 8"/>
+          <p:cNvCxnSpPr/>
+          <p:nvPr/>
+        </p:nvCxnSpPr>
+        <p:spPr>
+          <a:xfrm rot="5400000">
+            <a:off x="-13116" y="3580206"/>
+            <a:ext cx="5577840" cy="1588"/>
+          </a:xfrm>
+          <a:prstGeom prst="line">
+            <a:avLst/>
+          </a:prstGeom>
+          <a:ln w="19050">
+            <a:solidFill>
+              <a:schemeClr val="tx2"/>
+            </a:solidFill>
+          </a:ln>
+        </p:spPr>
+        <p:style>
+          <a:lnRef idx="1">
+            <a:schemeClr val="accent1"/>
+          </a:lnRef>
+          <a:fillRef idx="0">
+            <a:schemeClr val="accent1"/>
+          </a:fillRef>
+          <a:effectRef idx="0">
+            <a:schemeClr val="accent1"/>
+          </a:effectRef>
+          <a:fontRef idx="minor">
+            <a:schemeClr val="tx1"/>
+          </a:fontRef>
+        </p:style>
+      </p:cxnSp>
     </p:spTree>
   </p:cSld>
   <p:clrMapOvr>
@@ -20212,7 +20417,7 @@
 
 <file path=ppt/slideLayouts/slideLayout9.xml><?xml version="1.0" encoding="utf-8"?>
 <p:sldLayout xmlns:a="http://schemas.openxmlformats.org/drawingml/2006/main" xmlns:r="http://schemas.openxmlformats.org/officeDocument/2006/relationships" xmlns:p="http://schemas.openxmlformats.org/presentationml/2006/main" type="picTx" preserve="1">
-  <p:cSld name="Picture with Caption">
+  <p:cSld name="图片与标题">
     <p:spTree>
       <p:nvGrpSpPr>
         <p:cNvPr id="1" name=""/>
@@ -20239,23 +20444,25 @@
         </p:nvSpPr>
         <p:spPr>
           <a:xfrm>
-            <a:off x="1792288" y="4800600"/>
-            <a:ext cx="5486400" cy="566738"/>
+            <a:off x="457200" y="792480"/>
+            <a:ext cx="2142680" cy="1264920"/>
           </a:xfrm>
         </p:spPr>
         <p:txBody>
-          <a:bodyPr anchor="b"/>
+          <a:bodyPr anchor="b">
+            <a:normAutofit/>
+          </a:bodyPr>
           <a:lstStyle>
             <a:lvl1pPr algn="l">
-              <a:defRPr sz="2000" b="1"/>
+              <a:defRPr sz="2400" b="0"/>
             </a:lvl1pPr>
           </a:lstStyle>
           <a:p>
             <a:r>
-              <a:rPr lang="en-US" smtClean="0"/>
-              <a:t>Click to edit Master title style</a:t>
-            </a:r>
-            <a:endParaRPr lang="en-US"/>
+              <a:rPr lang="zh-CN" altLang="x-none" smtClean="0"/>
+              <a:t>单击此处编辑母版标题样式</a:t>
+            </a:r>
+            <a:endParaRPr lang="en-US" dirty="0"/>
           </a:p>
         </p:txBody>
       </p:sp>
@@ -20271,9 +20478,25 @@
         </p:nvSpPr>
         <p:spPr>
           <a:xfrm>
-            <a:off x="1792288" y="612775"/>
-            <a:ext cx="5486400" cy="4114800"/>
+            <a:off x="2858610" y="838201"/>
+            <a:ext cx="5904390" cy="5500456"/>
           </a:xfrm>
+          <a:solidFill>
+            <a:schemeClr val="bg2"/>
+          </a:solidFill>
+          <a:ln w="76200">
+            <a:solidFill>
+              <a:srgbClr val="FFFFFF"/>
+            </a:solidFill>
+            <a:miter lim="800000"/>
+          </a:ln>
+          <a:effectLst>
+            <a:outerShdw blurRad="50800" dist="12700" dir="5400000" algn="t" rotWithShape="0">
+              <a:prstClr val="black">
+                <a:alpha val="59000"/>
+              </a:prstClr>
+            </a:outerShdw>
+          </a:effectLst>
         </p:spPr>
         <p:txBody>
           <a:bodyPr/>
@@ -20316,7 +20539,11 @@
             </a:lvl9pPr>
           </a:lstStyle>
           <a:p>
-            <a:endParaRPr lang="en-US"/>
+            <a:r>
+              <a:rPr lang="zh-CN" altLang="x-none" smtClean="0"/>
+              <a:t>将图片拖动到占位符，或单击添加图标</a:t>
+            </a:r>
+            <a:endParaRPr lang="en-US" dirty="0"/>
           </a:p>
         </p:txBody>
       </p:sp>
@@ -20332,8 +20559,8 @@
         </p:nvSpPr>
         <p:spPr>
           <a:xfrm>
-            <a:off x="1792288" y="5367338"/>
-            <a:ext cx="5486400" cy="804862"/>
+            <a:off x="457200" y="2133600"/>
+            <a:ext cx="2139696" cy="4242816"/>
           </a:xfrm>
         </p:spPr>
         <p:txBody>
@@ -20379,8 +20606,8 @@
           <a:p>
             <a:pPr lvl="0"/>
             <a:r>
-              <a:rPr lang="en-US" smtClean="0"/>
-              <a:t>Click to edit Master text styles</a:t>
+              <a:rPr lang="zh-CN" altLang="x-none" smtClean="0"/>
+              <a:t>单击此处编辑母版文本样式</a:t>
             </a:r>
           </a:p>
         </p:txBody>
@@ -20484,6 +20711,52 @@
       </p:grpSpPr>
       <p:sp>
         <p:nvSpPr>
+          <p:cNvPr id="10" name="Rectangle 9"/>
+          <p:cNvSpPr/>
+          <p:nvPr/>
+        </p:nvSpPr>
+        <p:spPr>
+          <a:xfrm>
+            <a:off x="0" y="220786"/>
+            <a:ext cx="9144000" cy="228600"/>
+          </a:xfrm>
+          <a:prstGeom prst="rect">
+            <a:avLst/>
+          </a:prstGeom>
+          <a:solidFill>
+            <a:srgbClr val="FFFFFF"/>
+          </a:solidFill>
+          <a:ln>
+            <a:noFill/>
+          </a:ln>
+        </p:spPr>
+        <p:style>
+          <a:lnRef idx="2">
+            <a:schemeClr val="accent1">
+              <a:shade val="50000"/>
+            </a:schemeClr>
+          </a:lnRef>
+          <a:fillRef idx="1">
+            <a:schemeClr val="accent1"/>
+          </a:fillRef>
+          <a:effectRef idx="0">
+            <a:schemeClr val="accent1"/>
+          </a:effectRef>
+          <a:fontRef idx="minor">
+            <a:schemeClr val="lt1"/>
+          </a:fontRef>
+        </p:style>
+        <p:txBody>
+          <a:bodyPr rtlCol="0" anchor="ctr"/>
+          <a:lstStyle/>
+          <a:p>
+            <a:pPr algn="ctr"/>
+            <a:endParaRPr lang="en-US"/>
+          </a:p>
+        </p:txBody>
+      </p:sp>
+      <p:sp>
+        <p:nvSpPr>
           <p:cNvPr id="2" name="Title Placeholder 1"/>
           <p:cNvSpPr>
             <a:spLocks noGrp="1"/>
@@ -20494,8 +20767,8 @@
         </p:nvSpPr>
         <p:spPr>
           <a:xfrm>
-            <a:off x="457200" y="274638"/>
-            <a:ext cx="8229600" cy="1143000"/>
+            <a:off x="457200" y="533400"/>
+            <a:ext cx="8229600" cy="990600"/>
           </a:xfrm>
           <a:prstGeom prst="rect">
             <a:avLst/>
@@ -20508,10 +20781,10 @@
           <a:lstStyle/>
           <a:p>
             <a:r>
-              <a:rPr lang="en-US" smtClean="0"/>
-              <a:t>Click to edit Master title style</a:t>
-            </a:r>
-            <a:endParaRPr lang="en-US"/>
+              <a:rPr lang="zh-CN" altLang="x-none" smtClean="0"/>
+              <a:t>单击此处编辑母版标题样式</a:t>
+            </a:r>
+            <a:endParaRPr lang="en-US" dirty="0"/>
           </a:p>
         </p:txBody>
       </p:sp>
@@ -20528,7 +20801,7 @@
         <p:spPr>
           <a:xfrm>
             <a:off x="457200" y="1600200"/>
-            <a:ext cx="8229600" cy="4525963"/>
+            <a:ext cx="8229600" cy="4876800"/>
           </a:xfrm>
           <a:prstGeom prst="rect">
             <a:avLst/>
@@ -20542,37 +20815,83 @@
           <a:p>
             <a:pPr lvl="0"/>
             <a:r>
-              <a:rPr lang="en-US" smtClean="0"/>
-              <a:t>Click to edit Master text styles</a:t>
+              <a:rPr lang="zh-CN" altLang="x-none" smtClean="0"/>
+              <a:t>单击此处编辑母版文本样式</a:t>
             </a:r>
           </a:p>
           <a:p>
             <a:pPr lvl="1"/>
             <a:r>
-              <a:rPr lang="en-US" smtClean="0"/>
-              <a:t>Second level</a:t>
+              <a:rPr lang="zh-CN" altLang="x-none" smtClean="0"/>
+              <a:t>二级</a:t>
             </a:r>
           </a:p>
           <a:p>
             <a:pPr lvl="2"/>
             <a:r>
-              <a:rPr lang="en-US" smtClean="0"/>
-              <a:t>Third level</a:t>
+              <a:rPr lang="zh-CN" altLang="x-none" smtClean="0"/>
+              <a:t>三级</a:t>
             </a:r>
           </a:p>
           <a:p>
             <a:pPr lvl="3"/>
             <a:r>
-              <a:rPr lang="en-US" smtClean="0"/>
-              <a:t>Fourth level</a:t>
+              <a:rPr lang="zh-CN" altLang="x-none" smtClean="0"/>
+              <a:t>四级</a:t>
             </a:r>
           </a:p>
           <a:p>
             <a:pPr lvl="4"/>
             <a:r>
-              <a:rPr lang="en-US" smtClean="0"/>
-              <a:t>Fifth level</a:t>
-            </a:r>
+              <a:rPr lang="zh-CN" altLang="x-none" smtClean="0"/>
+              <a:t>五级</a:t>
+            </a:r>
+            <a:endParaRPr lang="en-US" dirty="0"/>
+          </a:p>
+        </p:txBody>
+      </p:sp>
+      <p:sp>
+        <p:nvSpPr>
+          <p:cNvPr id="7" name="Rectangle 6"/>
+          <p:cNvSpPr/>
+          <p:nvPr/>
+        </p:nvSpPr>
+        <p:spPr>
+          <a:xfrm>
+            <a:off x="0" y="0"/>
+            <a:ext cx="9144000" cy="365760"/>
+          </a:xfrm>
+          <a:prstGeom prst="rect">
+            <a:avLst/>
+          </a:prstGeom>
+          <a:solidFill>
+            <a:schemeClr val="accent1"/>
+          </a:solidFill>
+          <a:ln>
+            <a:noFill/>
+          </a:ln>
+        </p:spPr>
+        <p:style>
+          <a:lnRef idx="2">
+            <a:schemeClr val="accent1">
+              <a:shade val="50000"/>
+            </a:schemeClr>
+          </a:lnRef>
+          <a:fillRef idx="1">
+            <a:schemeClr val="accent1"/>
+          </a:fillRef>
+          <a:effectRef idx="0">
+            <a:schemeClr val="accent1"/>
+          </a:effectRef>
+          <a:fontRef idx="minor">
+            <a:schemeClr val="lt1"/>
+          </a:fontRef>
+        </p:style>
+        <p:txBody>
+          <a:bodyPr rtlCol="0" anchor="ctr"/>
+          <a:lstStyle/>
+          <a:p>
+            <a:pPr algn="ctr"/>
             <a:endParaRPr lang="en-US"/>
           </a:p>
         </p:txBody>
@@ -20589,8 +20908,8 @@
         </p:nvSpPr>
         <p:spPr>
           <a:xfrm>
-            <a:off x="457200" y="6356350"/>
-            <a:ext cx="2133600" cy="365125"/>
+            <a:off x="457200" y="18288"/>
+            <a:ext cx="2895600" cy="329184"/>
           </a:xfrm>
           <a:prstGeom prst="rect">
             <a:avLst/>
@@ -20602,9 +20921,7 @@
             <a:lvl1pPr algn="l">
               <a:defRPr sz="1200">
                 <a:solidFill>
-                  <a:schemeClr val="tx1">
-                    <a:tint val="75000"/>
-                  </a:schemeClr>
+                  <a:srgbClr val="FFFFFF"/>
                 </a:solidFill>
               </a:defRPr>
             </a:lvl1pPr>
@@ -20631,8 +20948,8 @@
         </p:nvSpPr>
         <p:spPr>
           <a:xfrm>
-            <a:off x="3124200" y="6356350"/>
-            <a:ext cx="2895600" cy="365125"/>
+            <a:off x="3429000" y="18288"/>
+            <a:ext cx="4114800" cy="329184"/>
           </a:xfrm>
           <a:prstGeom prst="rect">
             <a:avLst/>
@@ -20644,9 +20961,7 @@
             <a:lvl1pPr algn="ctr">
               <a:defRPr sz="1200">
                 <a:solidFill>
-                  <a:schemeClr val="tx1">
-                    <a:tint val="75000"/>
-                  </a:schemeClr>
+                  <a:srgbClr val="FFFFFF"/>
                 </a:solidFill>
               </a:defRPr>
             </a:lvl1pPr>
@@ -20668,8 +20983,8 @@
         </p:nvSpPr>
         <p:spPr>
           <a:xfrm>
-            <a:off x="6553200" y="6356350"/>
-            <a:ext cx="2133600" cy="365125"/>
+            <a:off x="7620000" y="18288"/>
+            <a:ext cx="1066800" cy="329184"/>
           </a:xfrm>
           <a:prstGeom prst="rect">
             <a:avLst/>
@@ -20678,12 +20993,10 @@
         <p:txBody>
           <a:bodyPr vert="horz" lIns="91440" tIns="45720" rIns="91440" bIns="45720" rtlCol="0" anchor="ctr"/>
           <a:lstStyle>
-            <a:lvl1pPr algn="r">
-              <a:defRPr sz="1200">
+            <a:lvl1pPr algn="l">
+              <a:defRPr sz="1400" b="1">
                 <a:solidFill>
-                  <a:schemeClr val="tx1">
-                    <a:tint val="75000"/>
-                  </a:schemeClr>
+                  <a:srgbClr val="FFFFFF"/>
                 </a:solidFill>
               </a:defRPr>
             </a:lvl1pPr>
@@ -20702,28 +21015,28 @@
   </p:cSld>
   <p:clrMap bg1="lt1" tx1="dk1" bg2="lt2" tx2="dk2" accent1="accent1" accent2="accent2" accent3="accent3" accent4="accent4" accent5="accent5" accent6="accent6" hlink="hlink" folHlink="folHlink"/>
   <p:sldLayoutIdLst>
-    <p:sldLayoutId id="2147483649" r:id="rId1"/>
-    <p:sldLayoutId id="2147483650" r:id="rId2"/>
-    <p:sldLayoutId id="2147483651" r:id="rId3"/>
-    <p:sldLayoutId id="2147483652" r:id="rId4"/>
-    <p:sldLayoutId id="2147483653" r:id="rId5"/>
-    <p:sldLayoutId id="2147483654" r:id="rId6"/>
-    <p:sldLayoutId id="2147483655" r:id="rId7"/>
-    <p:sldLayoutId id="2147483656" r:id="rId8"/>
-    <p:sldLayoutId id="2147483657" r:id="rId9"/>
-    <p:sldLayoutId id="2147483658" r:id="rId10"/>
-    <p:sldLayoutId id="2147483659" r:id="rId11"/>
+    <p:sldLayoutId id="2147483740" r:id="rId1"/>
+    <p:sldLayoutId id="2147483741" r:id="rId2"/>
+    <p:sldLayoutId id="2147483742" r:id="rId3"/>
+    <p:sldLayoutId id="2147483743" r:id="rId4"/>
+    <p:sldLayoutId id="2147483744" r:id="rId5"/>
+    <p:sldLayoutId id="2147483745" r:id="rId6"/>
+    <p:sldLayoutId id="2147483746" r:id="rId7"/>
+    <p:sldLayoutId id="2147483747" r:id="rId8"/>
+    <p:sldLayoutId id="2147483748" r:id="rId9"/>
+    <p:sldLayoutId id="2147483749" r:id="rId10"/>
+    <p:sldLayoutId id="2147483750" r:id="rId11"/>
   </p:sldLayoutIdLst>
   <p:txStyles>
     <p:titleStyle>
-      <a:lvl1pPr algn="ctr" defTabSz="914400" rtl="0" eaLnBrk="1" latinLnBrk="0" hangingPunct="1">
+      <a:lvl1pPr algn="l" defTabSz="914400" rtl="0" eaLnBrk="1" latinLnBrk="0" hangingPunct="1">
         <a:spcBef>
           <a:spcPct val="0"/>
         </a:spcBef>
         <a:buNone/>
-        <a:defRPr sz="4400" kern="1200">
+        <a:defRPr sz="4000" kern="1200" spc="-100" baseline="0">
           <a:solidFill>
-            <a:schemeClr val="tx1"/>
+            <a:schemeClr val="tx2"/>
           </a:solidFill>
           <a:latin typeface="+mj-lt"/>
           <a:ea typeface="+mj-ea"/>
@@ -20732,40 +21045,14 @@
       </a:lvl1pPr>
     </p:titleStyle>
     <p:bodyStyle>
-      <a:lvl1pPr marL="342900" indent="-342900" algn="l" defTabSz="914400" rtl="0" eaLnBrk="1" latinLnBrk="0" hangingPunct="1">
+      <a:lvl1pPr marL="182880" indent="-182880" algn="l" defTabSz="914400" rtl="0" eaLnBrk="1" latinLnBrk="0" hangingPunct="1">
         <a:spcBef>
           <a:spcPct val="20000"/>
         </a:spcBef>
-        <a:buFont typeface="Arial" pitchFamily="34" charset="0"/>
-        <a:buChar char="•"/>
-        <a:defRPr sz="3200" kern="1200">
-          <a:solidFill>
-            <a:schemeClr val="tx1"/>
-          </a:solidFill>
-          <a:latin typeface="+mn-lt"/>
-          <a:ea typeface="+mn-ea"/>
-          <a:cs typeface="+mn-cs"/>
-        </a:defRPr>
-      </a:lvl1pPr>
-      <a:lvl2pPr marL="742950" indent="-285750" algn="l" defTabSz="914400" rtl="0" eaLnBrk="1" latinLnBrk="0" hangingPunct="1">
-        <a:spcBef>
-          <a:spcPct val="20000"/>
-        </a:spcBef>
-        <a:buFont typeface="Arial" pitchFamily="34" charset="0"/>
-        <a:buChar char="–"/>
-        <a:defRPr sz="2800" kern="1200">
-          <a:solidFill>
-            <a:schemeClr val="tx1"/>
-          </a:solidFill>
-          <a:latin typeface="+mn-lt"/>
-          <a:ea typeface="+mn-ea"/>
-          <a:cs typeface="+mn-cs"/>
-        </a:defRPr>
-      </a:lvl2pPr>
-      <a:lvl3pPr marL="1143000" indent="-228600" algn="l" defTabSz="914400" rtl="0" eaLnBrk="1" latinLnBrk="0" hangingPunct="1">
-        <a:spcBef>
-          <a:spcPct val="20000"/>
-        </a:spcBef>
+        <a:buClr>
+          <a:schemeClr val="accent1"/>
+        </a:buClr>
+        <a:buSzPct val="85000"/>
         <a:buFont typeface="Arial" pitchFamily="34" charset="0"/>
         <a:buChar char="•"/>
         <a:defRPr sz="2400" kern="1200">
@@ -20776,41 +21063,15 @@
           <a:ea typeface="+mn-ea"/>
           <a:cs typeface="+mn-cs"/>
         </a:defRPr>
-      </a:lvl3pPr>
-      <a:lvl4pPr marL="1600200" indent="-228600" algn="l" defTabSz="914400" rtl="0" eaLnBrk="1" latinLnBrk="0" hangingPunct="1">
+      </a:lvl1pPr>
+      <a:lvl2pPr marL="457200" indent="-182880" algn="l" defTabSz="914400" rtl="0" eaLnBrk="1" latinLnBrk="0" hangingPunct="1">
         <a:spcBef>
           <a:spcPct val="20000"/>
         </a:spcBef>
-        <a:buFont typeface="Arial" pitchFamily="34" charset="0"/>
-        <a:buChar char="–"/>
-        <a:defRPr sz="2000" kern="1200">
-          <a:solidFill>
-            <a:schemeClr val="tx1"/>
-          </a:solidFill>
-          <a:latin typeface="+mn-lt"/>
-          <a:ea typeface="+mn-ea"/>
-          <a:cs typeface="+mn-cs"/>
-        </a:defRPr>
-      </a:lvl4pPr>
-      <a:lvl5pPr marL="2057400" indent="-228600" algn="l" defTabSz="914400" rtl="0" eaLnBrk="1" latinLnBrk="0" hangingPunct="1">
-        <a:spcBef>
-          <a:spcPct val="20000"/>
-        </a:spcBef>
-        <a:buFont typeface="Arial" pitchFamily="34" charset="0"/>
-        <a:buChar char="»"/>
-        <a:defRPr sz="2000" kern="1200">
-          <a:solidFill>
-            <a:schemeClr val="tx1"/>
-          </a:solidFill>
-          <a:latin typeface="+mn-lt"/>
-          <a:ea typeface="+mn-ea"/>
-          <a:cs typeface="+mn-cs"/>
-        </a:defRPr>
-      </a:lvl5pPr>
-      <a:lvl6pPr marL="2514600" indent="-228600" algn="l" defTabSz="914400" rtl="0" eaLnBrk="1" latinLnBrk="0" hangingPunct="1">
-        <a:spcBef>
-          <a:spcPct val="20000"/>
-        </a:spcBef>
+        <a:buClr>
+          <a:schemeClr val="accent1"/>
+        </a:buClr>
+        <a:buSzPct val="85000"/>
         <a:buFont typeface="Arial" pitchFamily="34" charset="0"/>
         <a:buChar char="•"/>
         <a:defRPr sz="2000" kern="1200">
@@ -20821,14 +21082,91 @@
           <a:ea typeface="+mn-ea"/>
           <a:cs typeface="+mn-cs"/>
         </a:defRPr>
-      </a:lvl6pPr>
-      <a:lvl7pPr marL="2971800" indent="-228600" algn="l" defTabSz="914400" rtl="0" eaLnBrk="1" latinLnBrk="0" hangingPunct="1">
+      </a:lvl2pPr>
+      <a:lvl3pPr marL="731520" indent="-182880" algn="l" defTabSz="914400" rtl="0" eaLnBrk="1" latinLnBrk="0" hangingPunct="1">
         <a:spcBef>
           <a:spcPct val="20000"/>
         </a:spcBef>
+        <a:buClr>
+          <a:schemeClr val="accent1"/>
+        </a:buClr>
+        <a:buSzPct val="90000"/>
         <a:buFont typeface="Arial" pitchFamily="34" charset="0"/>
         <a:buChar char="•"/>
-        <a:defRPr sz="2000" kern="1200">
+        <a:defRPr sz="1800" kern="1200">
+          <a:solidFill>
+            <a:schemeClr val="tx1"/>
+          </a:solidFill>
+          <a:latin typeface="+mn-lt"/>
+          <a:ea typeface="+mn-ea"/>
+          <a:cs typeface="+mn-cs"/>
+        </a:defRPr>
+      </a:lvl3pPr>
+      <a:lvl4pPr marL="1005840" indent="-182880" algn="l" defTabSz="914400" rtl="0" eaLnBrk="1" latinLnBrk="0" hangingPunct="1">
+        <a:spcBef>
+          <a:spcPct val="20000"/>
+        </a:spcBef>
+        <a:buClr>
+          <a:schemeClr val="accent1"/>
+        </a:buClr>
+        <a:buFont typeface="Arial" pitchFamily="34" charset="0"/>
+        <a:buChar char="•"/>
+        <a:defRPr sz="1600" kern="1200">
+          <a:solidFill>
+            <a:schemeClr val="tx1"/>
+          </a:solidFill>
+          <a:latin typeface="+mn-lt"/>
+          <a:ea typeface="+mn-ea"/>
+          <a:cs typeface="+mn-cs"/>
+        </a:defRPr>
+      </a:lvl4pPr>
+      <a:lvl5pPr marL="1188720" indent="-137160" algn="l" defTabSz="914400" rtl="0" eaLnBrk="1" latinLnBrk="0" hangingPunct="1">
+        <a:spcBef>
+          <a:spcPct val="20000"/>
+        </a:spcBef>
+        <a:buClr>
+          <a:schemeClr val="accent1"/>
+        </a:buClr>
+        <a:buSzPct val="100000"/>
+        <a:buFont typeface="Arial" pitchFamily="34" charset="0"/>
+        <a:buChar char="•"/>
+        <a:defRPr sz="1400" kern="1200" baseline="0">
+          <a:solidFill>
+            <a:schemeClr val="tx1"/>
+          </a:solidFill>
+          <a:latin typeface="+mn-lt"/>
+          <a:ea typeface="+mn-ea"/>
+          <a:cs typeface="+mn-cs"/>
+        </a:defRPr>
+      </a:lvl5pPr>
+      <a:lvl6pPr marL="1371600" indent="-182880" algn="l" defTabSz="914400" rtl="0" eaLnBrk="1" latinLnBrk="0" hangingPunct="1">
+        <a:spcBef>
+          <a:spcPct val="20000"/>
+        </a:spcBef>
+        <a:buClr>
+          <a:schemeClr val="accent1"/>
+        </a:buClr>
+        <a:buFont typeface="Arial" pitchFamily="34" charset="0"/>
+        <a:buChar char="•"/>
+        <a:defRPr sz="1300" kern="1200">
+          <a:solidFill>
+            <a:schemeClr val="tx1"/>
+          </a:solidFill>
+          <a:latin typeface="+mn-lt"/>
+          <a:ea typeface="+mn-ea"/>
+          <a:cs typeface="+mn-cs"/>
+        </a:defRPr>
+      </a:lvl6pPr>
+      <a:lvl7pPr marL="1554480" indent="-182880" algn="l" defTabSz="914400" rtl="0" eaLnBrk="1" latinLnBrk="0" hangingPunct="1">
+        <a:spcBef>
+          <a:spcPct val="20000"/>
+        </a:spcBef>
+        <a:buClr>
+          <a:schemeClr val="accent1"/>
+        </a:buClr>
+        <a:buFont typeface="Arial" pitchFamily="34" charset="0"/>
+        <a:buChar char="•"/>
+        <a:defRPr sz="1300" kern="1200">
           <a:solidFill>
             <a:schemeClr val="tx1"/>
           </a:solidFill>
@@ -20837,13 +21175,16 @@
           <a:cs typeface="+mn-cs"/>
         </a:defRPr>
       </a:lvl7pPr>
-      <a:lvl8pPr marL="3429000" indent="-228600" algn="l" defTabSz="914400" rtl="0" eaLnBrk="1" latinLnBrk="0" hangingPunct="1">
+      <a:lvl8pPr marL="1737360" indent="-182880" algn="l" defTabSz="914400" rtl="0" eaLnBrk="1" latinLnBrk="0" hangingPunct="1">
         <a:spcBef>
           <a:spcPct val="20000"/>
         </a:spcBef>
+        <a:buClr>
+          <a:schemeClr val="accent1"/>
+        </a:buClr>
         <a:buFont typeface="Arial" pitchFamily="34" charset="0"/>
         <a:buChar char="•"/>
-        <a:defRPr sz="2000" kern="1200">
+        <a:defRPr sz="1300" kern="1200">
           <a:solidFill>
             <a:schemeClr val="tx1"/>
           </a:solidFill>
@@ -20852,13 +21193,16 @@
           <a:cs typeface="+mn-cs"/>
         </a:defRPr>
       </a:lvl8pPr>
-      <a:lvl9pPr marL="3886200" indent="-228600" algn="l" defTabSz="914400" rtl="0" eaLnBrk="1" latinLnBrk="0" hangingPunct="1">
+      <a:lvl9pPr marL="1920240" indent="-182880" algn="l" defTabSz="914400" rtl="0" eaLnBrk="1" latinLnBrk="0" hangingPunct="1">
         <a:spcBef>
           <a:spcPct val="20000"/>
         </a:spcBef>
+        <a:buClr>
+          <a:schemeClr val="accent1"/>
+        </a:buClr>
         <a:buFont typeface="Arial" pitchFamily="34" charset="0"/>
         <a:buChar char="•"/>
-        <a:defRPr sz="2000" kern="1200">
+        <a:defRPr sz="1300" kern="1200">
           <a:solidFill>
             <a:schemeClr val="tx1"/>
           </a:solidFill>
@@ -20996,7 +21340,9 @@
         </p:nvSpPr>
         <p:spPr/>
         <p:txBody>
-          <a:bodyPr/>
+          <a:bodyPr>
+            <a:normAutofit/>
+          </a:bodyPr>
           <a:lstStyle/>
           <a:p>
             <a:r>
@@ -21019,16 +21365,14 @@
         </p:nvSpPr>
         <p:spPr/>
         <p:txBody>
-          <a:bodyPr/>
+          <a:bodyPr>
+            <a:normAutofit/>
+          </a:bodyPr>
           <a:lstStyle/>
           <a:p>
             <a:r>
               <a:rPr lang="en-US" dirty="0" smtClean="0"/>
-              <a:t>Oliver </a:t>
-            </a:r>
-            <a:r>
-              <a:rPr lang="en-US" dirty="0" smtClean="0"/>
-              <a:t>Yang (</a:t>
+              <a:t>Oliver Yang (</a:t>
             </a:r>
             <a:r>
               <a:rPr lang="en-US" altLang="zh-CN" dirty="0" smtClean="0"/>
@@ -21302,7 +21646,7 @@
         <p:spPr/>
         <p:txBody>
           <a:bodyPr>
-            <a:normAutofit lnSpcReduction="10000"/>
+            <a:normAutofit/>
           </a:bodyPr>
           <a:lstStyle/>
           <a:p>
@@ -21561,7 +21905,7 @@
         <p:spPr/>
         <p:txBody>
           <a:bodyPr>
-            <a:normAutofit fontScale="85000" lnSpcReduction="10000"/>
+            <a:normAutofit/>
           </a:bodyPr>
           <a:lstStyle/>
           <a:p>
@@ -22056,7 +22400,7 @@
         <p:spPr/>
         <p:txBody>
           <a:bodyPr>
-            <a:normAutofit lnSpcReduction="10000"/>
+            <a:normAutofit/>
           </a:bodyPr>
           <a:lstStyle/>
           <a:p>
@@ -22680,34 +23024,6 @@
           </a:p>
         </p:txBody>
       </p:sp>
-      <p:sp>
-        <p:nvSpPr>
-          <p:cNvPr id="4" name="Rectangle 3"/>
-          <p:cNvSpPr/>
-          <p:nvPr/>
-        </p:nvSpPr>
-        <p:spPr>
-          <a:xfrm>
-            <a:off x="4128609" y="3244334"/>
-            <a:ext cx="886781" cy="369332"/>
-          </a:xfrm>
-          <a:prstGeom prst="rect">
-            <a:avLst/>
-          </a:prstGeom>
-        </p:spPr>
-        <p:txBody>
-          <a:bodyPr wrap="none">
-            <a:spAutoFit/>
-          </a:bodyPr>
-          <a:lstStyle/>
-          <a:p>
-            <a:r>
-              <a:rPr lang="en-US" dirty="0"/>
-              <a:t>138430</a:t>
-            </a:r>
-          </a:p>
-        </p:txBody>
-      </p:sp>
     </p:spTree>
     <p:extLst>
       <p:ext uri="{BB962C8B-B14F-4D97-AF65-F5344CB8AC3E}">
@@ -22756,213 +23072,6 @@
             <a:pPr algn="l"/>
             <a:r>
               <a:rPr lang="en-US" dirty="0" smtClean="0"/>
-              <a:t>Performance Trade-off</a:t>
-            </a:r>
-            <a:endParaRPr lang="en-US" dirty="0"/>
-          </a:p>
-        </p:txBody>
-      </p:sp>
-      <p:sp>
-        <p:nvSpPr>
-          <p:cNvPr id="3" name="Content Placeholder 2"/>
-          <p:cNvSpPr>
-            <a:spLocks noGrp="1"/>
-          </p:cNvSpPr>
-          <p:nvPr>
-            <p:ph idx="1"/>
-          </p:nvPr>
-        </p:nvSpPr>
-        <p:spPr/>
-        <p:txBody>
-          <a:bodyPr>
-            <a:normAutofit fontScale="85000" lnSpcReduction="20000"/>
-          </a:bodyPr>
-          <a:lstStyle/>
-          <a:p>
-            <a:r>
-              <a:rPr lang="en-US" dirty="0" smtClean="0"/>
-              <a:t>Latency VS. Throughput</a:t>
-            </a:r>
-          </a:p>
-          <a:p>
-            <a:pPr lvl="1"/>
-            <a:r>
-              <a:rPr lang="en-US" dirty="0" smtClean="0"/>
-              <a:t>Throughput could be improved by increase latency</a:t>
-            </a:r>
-          </a:p>
-          <a:p>
-            <a:pPr lvl="2"/>
-            <a:r>
-              <a:rPr lang="en-US" dirty="0" err="1" smtClean="0"/>
-              <a:t>eg</a:t>
-            </a:r>
-            <a:r>
-              <a:rPr lang="en-US" dirty="0" smtClean="0"/>
-              <a:t>:  how many packets in one interrupts</a:t>
-            </a:r>
-          </a:p>
-          <a:p>
-            <a:pPr lvl="2"/>
-            <a:r>
-              <a:rPr lang="en-US" dirty="0" err="1" smtClean="0"/>
-              <a:t>eg</a:t>
-            </a:r>
-            <a:r>
-              <a:rPr lang="en-US" dirty="0" smtClean="0"/>
-              <a:t>: queue depth in IO stack</a:t>
-            </a:r>
-          </a:p>
-          <a:p>
-            <a:pPr lvl="1"/>
-            <a:r>
-              <a:rPr lang="en-US" dirty="0" smtClean="0"/>
-              <a:t>Signs of real latency problems</a:t>
-            </a:r>
-          </a:p>
-          <a:p>
-            <a:pPr lvl="2"/>
-            <a:r>
-              <a:rPr lang="en-US" altLang="zh-CN" dirty="0" smtClean="0"/>
-              <a:t>Latency </a:t>
-            </a:r>
-            <a:r>
-              <a:rPr lang="en-US" altLang="zh-CN" dirty="0"/>
-              <a:t>is bad, CPU is </a:t>
-            </a:r>
-            <a:r>
-              <a:rPr lang="en-US" altLang="zh-CN" dirty="0" smtClean="0"/>
-              <a:t>overloaded</a:t>
-            </a:r>
-          </a:p>
-          <a:p>
-            <a:pPr lvl="3"/>
-            <a:r>
-              <a:rPr lang="en-US" altLang="zh-CN" dirty="0" smtClean="0"/>
-              <a:t>On-CPU analysis</a:t>
-            </a:r>
-            <a:endParaRPr lang="en-US" altLang="zh-CN" dirty="0"/>
-          </a:p>
-          <a:p>
-            <a:pPr lvl="4"/>
-            <a:r>
-              <a:rPr lang="en-US" altLang="zh-CN" dirty="0"/>
-              <a:t>High CPU run time in application code?</a:t>
-            </a:r>
-          </a:p>
-          <a:p>
-            <a:pPr lvl="4"/>
-            <a:r>
-              <a:rPr lang="en-US" altLang="zh-CN" dirty="0" err="1"/>
-              <a:t>runq</a:t>
-            </a:r>
-            <a:r>
-              <a:rPr lang="en-US" altLang="zh-CN" dirty="0"/>
-              <a:t> waiting?</a:t>
-            </a:r>
-          </a:p>
-          <a:p>
-            <a:pPr lvl="4"/>
-            <a:r>
-              <a:rPr lang="en-US" altLang="zh-CN" dirty="0"/>
-              <a:t>Overhead of context switch</a:t>
-            </a:r>
-            <a:r>
-              <a:rPr lang="en-US" altLang="zh-CN" dirty="0" smtClean="0"/>
-              <a:t>?</a:t>
-            </a:r>
-            <a:endParaRPr lang="en-US" dirty="0" smtClean="0"/>
-          </a:p>
-          <a:p>
-            <a:pPr lvl="2"/>
-            <a:r>
-              <a:rPr lang="en-US" dirty="0" smtClean="0"/>
-              <a:t>Latency is bad, CPU has low utilization at same time</a:t>
-            </a:r>
-          </a:p>
-          <a:p>
-            <a:pPr lvl="3"/>
-            <a:r>
-              <a:rPr lang="en-US" altLang="zh-CN" dirty="0" smtClean="0"/>
-              <a:t>Off-CPU analysis</a:t>
-            </a:r>
-          </a:p>
-          <a:p>
-            <a:pPr lvl="4"/>
-            <a:r>
-              <a:rPr lang="en-US" altLang="zh-CN" dirty="0" smtClean="0"/>
-              <a:t>Block time issue</a:t>
-            </a:r>
-            <a:r>
-              <a:rPr lang="en-US" altLang="zh-CN" dirty="0"/>
-              <a:t>?</a:t>
-            </a:r>
-            <a:endParaRPr lang="en-US" dirty="0" smtClean="0"/>
-          </a:p>
-          <a:p>
-            <a:pPr lvl="4"/>
-            <a:r>
-              <a:rPr lang="en-US" dirty="0" smtClean="0"/>
-              <a:t>Sleep time issue?</a:t>
-            </a:r>
-          </a:p>
-          <a:p>
-            <a:pPr lvl="2"/>
-            <a:endParaRPr lang="en-US" dirty="0" smtClean="0"/>
-          </a:p>
-          <a:p>
-            <a:endParaRPr lang="en-US" dirty="0"/>
-          </a:p>
-        </p:txBody>
-      </p:sp>
-    </p:spTree>
-    <p:extLst>
-      <p:ext uri="{BB962C8B-B14F-4D97-AF65-F5344CB8AC3E}">
-        <p14:creationId xmlns:p14="http://schemas.microsoft.com/office/powerpoint/2010/main" val="3783129428"/>
-      </p:ext>
-    </p:extLst>
-  </p:cSld>
-  <p:clrMapOvr>
-    <a:masterClrMapping/>
-  </p:clrMapOvr>
-</p:sld>
-</file>
-
-<file path=ppt/slides/slide5.xml><?xml version="1.0" encoding="utf-8"?>
-<p:sld xmlns:a="http://schemas.openxmlformats.org/drawingml/2006/main" xmlns:r="http://schemas.openxmlformats.org/officeDocument/2006/relationships" xmlns:p="http://schemas.openxmlformats.org/presentationml/2006/main">
-  <p:cSld>
-    <p:spTree>
-      <p:nvGrpSpPr>
-        <p:cNvPr id="1" name=""/>
-        <p:cNvGrpSpPr/>
-        <p:nvPr/>
-      </p:nvGrpSpPr>
-      <p:grpSpPr>
-        <a:xfrm>
-          <a:off x="0" y="0"/>
-          <a:ext cx="0" cy="0"/>
-          <a:chOff x="0" y="0"/>
-          <a:chExt cx="0" cy="0"/>
-        </a:xfrm>
-      </p:grpSpPr>
-      <p:sp>
-        <p:nvSpPr>
-          <p:cNvPr id="2" name="Title 1"/>
-          <p:cNvSpPr>
-            <a:spLocks noGrp="1"/>
-          </p:cNvSpPr>
-          <p:nvPr>
-            <p:ph type="title"/>
-          </p:nvPr>
-        </p:nvSpPr>
-        <p:spPr/>
-        <p:txBody>
-          <a:bodyPr/>
-          <a:lstStyle/>
-          <a:p>
-            <a:pPr algn="l"/>
-            <a:r>
-              <a:rPr lang="en-US" dirty="0" smtClean="0"/>
               <a:t>Latency analysis challenges</a:t>
             </a:r>
             <a:endParaRPr lang="en-US" dirty="0"/>
@@ -22986,68 +23095,72 @@
           </a:bodyPr>
           <a:lstStyle/>
           <a:p>
-            <a:r>
-              <a:rPr lang="en-US" dirty="0"/>
-              <a:t>How to avoid trial-and-error overheads</a:t>
+            <a:pPr marL="57140" lvl="2" indent="-240030">
+              <a:buFont typeface="Arial"/>
+              <a:buChar char="•"/>
+            </a:pPr>
+            <a:r>
+              <a:rPr lang="en-US" altLang="zh-CN" sz="2800" dirty="0"/>
+              <a:t>Burst randomly</a:t>
             </a:r>
           </a:p>
           <a:p>
-            <a:pPr lvl="1"/>
-            <a:r>
-              <a:rPr lang="en-US" dirty="0"/>
-              <a:t>Latency root cause could be </a:t>
-            </a:r>
-            <a:r>
-              <a:rPr lang="en-US" dirty="0" smtClean="0"/>
-              <a:t>various</a:t>
+            <a:pPr marL="57140" lvl="2" indent="-240030">
+              <a:buFont typeface="Arial"/>
+              <a:buChar char="•"/>
+            </a:pPr>
+            <a:r>
+              <a:rPr lang="en-US" altLang="zh-CN" sz="2800" dirty="0"/>
+              <a:t>In a very short period</a:t>
             </a:r>
           </a:p>
           <a:p>
-            <a:r>
-              <a:rPr lang="en-US" dirty="0" smtClean="0"/>
-              <a:t>The latency is related to system call</a:t>
+            <a:pPr marL="57140" lvl="2" indent="-240030">
+              <a:buFont typeface="Arial"/>
+              <a:buChar char="•"/>
+            </a:pPr>
+            <a:r>
+              <a:rPr lang="en-US" altLang="zh-CN" sz="2800" dirty="0"/>
+              <a:t>Reported/found very late</a:t>
             </a:r>
           </a:p>
           <a:p>
-            <a:pPr lvl="1"/>
-            <a:r>
-              <a:rPr lang="en-US" dirty="0" err="1"/>
-              <a:t>e</a:t>
-            </a:r>
-            <a:r>
-              <a:rPr lang="en-US" dirty="0" err="1" smtClean="0"/>
-              <a:t>g</a:t>
-            </a:r>
-            <a:r>
-              <a:rPr lang="en-US" dirty="0" smtClean="0"/>
-              <a:t>. Async calls, complicated path needs expert</a:t>
+            <a:pPr marL="57140" lvl="2" indent="-240030">
+              <a:buFont typeface="Arial"/>
+              <a:buChar char="•"/>
+            </a:pPr>
+            <a:r>
+              <a:rPr lang="en-US" altLang="zh-CN" sz="2800" dirty="0"/>
+              <a:t>Always postmortem analysis</a:t>
             </a:r>
           </a:p>
           <a:p>
-            <a:r>
-              <a:rPr lang="en-US" dirty="0" smtClean="0"/>
-              <a:t>Need dynamic trace with fine granularity</a:t>
-            </a:r>
+            <a:pPr marL="57140" lvl="2" indent="-240030">
+              <a:buFont typeface="Arial"/>
+              <a:buChar char="•"/>
+            </a:pPr>
+            <a:r>
+              <a:rPr lang="en-US" altLang="zh-CN" sz="2800" dirty="0"/>
+              <a:t>Without enough debug </a:t>
+            </a:r>
+            <a:r>
+              <a:rPr lang="en-US" altLang="zh-CN" sz="2800" dirty="0" smtClean="0"/>
+              <a:t>data</a:t>
+            </a:r>
+            <a:endParaRPr lang="en-US" sz="2800" dirty="0" smtClean="0"/>
           </a:p>
           <a:p>
-            <a:pPr lvl="1"/>
-            <a:r>
-              <a:rPr lang="en-US" dirty="0" err="1"/>
-              <a:t>e</a:t>
-            </a:r>
-            <a:r>
-              <a:rPr lang="en-US" dirty="0" err="1" smtClean="0"/>
-              <a:t>g</a:t>
-            </a:r>
             <a:r>
               <a:rPr lang="en-US" dirty="0" smtClean="0"/>
-              <a:t>. Small issues could be hidden by global trace</a:t>
-            </a:r>
-          </a:p>
-          <a:p>
-            <a:r>
-              <a:rPr lang="en-US" dirty="0" smtClean="0"/>
-              <a:t>Bug reproduce cost is high</a:t>
+              <a:t> </a:t>
+            </a:r>
+            <a:r>
+              <a:rPr lang="en-US" sz="2800" dirty="0" smtClean="0"/>
+              <a:t>Bug </a:t>
+            </a:r>
+            <a:r>
+              <a:rPr lang="en-US" sz="2800" dirty="0" smtClean="0"/>
+              <a:t>reproduce cost is high</a:t>
             </a:r>
           </a:p>
           <a:p>
@@ -23079,7 +23192,7 @@
 </p:sld>
 </file>
 
-<file path=ppt/slides/slide6.xml><?xml version="1.0" encoding="utf-8"?>
+<file path=ppt/slides/slide5.xml><?xml version="1.0" encoding="utf-8"?>
 <p:sld xmlns:a="http://schemas.openxmlformats.org/drawingml/2006/main" xmlns:r="http://schemas.openxmlformats.org/officeDocument/2006/relationships" xmlns:p="http://schemas.openxmlformats.org/presentationml/2006/main">
   <p:cSld>
     <p:spTree>
@@ -24059,6 +24172,218 @@
 </p:sld>
 </file>
 
+<file path=ppt/slides/slide6.xml><?xml version="1.0" encoding="utf-8"?>
+<p:sld xmlns:a="http://schemas.openxmlformats.org/drawingml/2006/main" xmlns:r="http://schemas.openxmlformats.org/officeDocument/2006/relationships" xmlns:p="http://schemas.openxmlformats.org/presentationml/2006/main">
+  <p:cSld>
+    <p:spTree>
+      <p:nvGrpSpPr>
+        <p:cNvPr id="1" name=""/>
+        <p:cNvGrpSpPr/>
+        <p:nvPr/>
+      </p:nvGrpSpPr>
+      <p:grpSpPr>
+        <a:xfrm>
+          <a:off x="0" y="0"/>
+          <a:ext cx="0" cy="0"/>
+          <a:chOff x="0" y="0"/>
+          <a:chExt cx="0" cy="0"/>
+        </a:xfrm>
+      </p:grpSpPr>
+      <p:sp>
+        <p:nvSpPr>
+          <p:cNvPr id="2" name="Title 1"/>
+          <p:cNvSpPr>
+            <a:spLocks noGrp="1"/>
+          </p:cNvSpPr>
+          <p:nvPr>
+            <p:ph type="title"/>
+          </p:nvPr>
+        </p:nvSpPr>
+        <p:spPr/>
+        <p:txBody>
+          <a:bodyPr/>
+          <a:lstStyle/>
+          <a:p>
+            <a:pPr algn="l"/>
+            <a:r>
+              <a:rPr lang="en-US" dirty="0" smtClean="0"/>
+              <a:t>Performance Trade-off</a:t>
+            </a:r>
+            <a:endParaRPr lang="en-US" dirty="0"/>
+          </a:p>
+        </p:txBody>
+      </p:sp>
+      <p:sp>
+        <p:nvSpPr>
+          <p:cNvPr id="3" name="Content Placeholder 2"/>
+          <p:cNvSpPr>
+            <a:spLocks noGrp="1"/>
+          </p:cNvSpPr>
+          <p:nvPr>
+            <p:ph idx="1"/>
+          </p:nvPr>
+        </p:nvSpPr>
+        <p:spPr/>
+        <p:txBody>
+          <a:bodyPr>
+            <a:normAutofit/>
+          </a:bodyPr>
+          <a:lstStyle/>
+          <a:p>
+            <a:r>
+              <a:rPr lang="en-US" dirty="0" smtClean="0"/>
+              <a:t>Latency VS. </a:t>
+            </a:r>
+            <a:r>
+              <a:rPr lang="en-US" dirty="0" smtClean="0"/>
+              <a:t>Throughput/Utilization</a:t>
+            </a:r>
+            <a:endParaRPr lang="en-US" dirty="0" smtClean="0"/>
+          </a:p>
+          <a:p>
+            <a:pPr lvl="1"/>
+            <a:r>
+              <a:rPr lang="en-US" dirty="0" smtClean="0"/>
+              <a:t>Throughput could be improved by increase latency</a:t>
+            </a:r>
+          </a:p>
+          <a:p>
+            <a:pPr lvl="2"/>
+            <a:r>
+              <a:rPr lang="en-US" dirty="0" err="1" smtClean="0"/>
+              <a:t>eg</a:t>
+            </a:r>
+            <a:r>
+              <a:rPr lang="en-US" dirty="0" smtClean="0"/>
+              <a:t>:  how many packets in one interrupts</a:t>
+            </a:r>
+          </a:p>
+          <a:p>
+            <a:pPr lvl="2"/>
+            <a:r>
+              <a:rPr lang="en-US" dirty="0" err="1" smtClean="0"/>
+              <a:t>eg</a:t>
+            </a:r>
+            <a:r>
+              <a:rPr lang="en-US" dirty="0" smtClean="0"/>
+              <a:t>: queue depth in IO stack</a:t>
+            </a:r>
+          </a:p>
+          <a:p>
+            <a:pPr lvl="1"/>
+            <a:r>
+              <a:rPr lang="en-US" dirty="0" smtClean="0"/>
+              <a:t>Signs of real latency problems</a:t>
+            </a:r>
+          </a:p>
+          <a:p>
+            <a:pPr lvl="2"/>
+            <a:r>
+              <a:rPr lang="en-US" altLang="zh-CN" dirty="0" smtClean="0"/>
+              <a:t>Latency </a:t>
+            </a:r>
+            <a:r>
+              <a:rPr lang="en-US" altLang="zh-CN" dirty="0"/>
+              <a:t>is bad, CPU is </a:t>
+            </a:r>
+            <a:r>
+              <a:rPr lang="en-US" altLang="zh-CN" dirty="0" smtClean="0"/>
+              <a:t>overloaded</a:t>
+            </a:r>
+          </a:p>
+          <a:p>
+            <a:pPr lvl="3"/>
+            <a:r>
+              <a:rPr lang="en-US" altLang="zh-CN" dirty="0" smtClean="0"/>
+              <a:t>On-CPU analysis</a:t>
+            </a:r>
+            <a:endParaRPr lang="en-US" altLang="zh-CN" dirty="0"/>
+          </a:p>
+          <a:p>
+            <a:pPr lvl="4"/>
+            <a:r>
+              <a:rPr lang="en-US" altLang="zh-CN" dirty="0"/>
+              <a:t>High CPU run time in application code?</a:t>
+            </a:r>
+          </a:p>
+          <a:p>
+            <a:pPr lvl="4"/>
+            <a:r>
+              <a:rPr lang="en-US" altLang="zh-CN" dirty="0" err="1"/>
+              <a:t>runq</a:t>
+            </a:r>
+            <a:r>
+              <a:rPr lang="en-US" altLang="zh-CN" dirty="0"/>
+              <a:t> waiting?</a:t>
+            </a:r>
+          </a:p>
+          <a:p>
+            <a:pPr lvl="4"/>
+            <a:r>
+              <a:rPr lang="en-US" altLang="zh-CN" dirty="0"/>
+              <a:t>Overhead of context switch</a:t>
+            </a:r>
+            <a:r>
+              <a:rPr lang="en-US" altLang="zh-CN" dirty="0" smtClean="0"/>
+              <a:t>?</a:t>
+            </a:r>
+            <a:endParaRPr lang="en-US" dirty="0" smtClean="0"/>
+          </a:p>
+          <a:p>
+            <a:pPr lvl="2"/>
+            <a:r>
+              <a:rPr lang="en-US" dirty="0" smtClean="0"/>
+              <a:t>Latency is bad, CPU has low utilization at same time</a:t>
+            </a:r>
+          </a:p>
+          <a:p>
+            <a:pPr lvl="3"/>
+            <a:r>
+              <a:rPr lang="en-US" altLang="zh-CN" dirty="0" smtClean="0"/>
+              <a:t>Off-CPU analysis</a:t>
+            </a:r>
+          </a:p>
+          <a:p>
+            <a:pPr lvl="4"/>
+            <a:r>
+              <a:rPr lang="en-US" altLang="zh-CN" dirty="0" smtClean="0"/>
+              <a:t>Block time issue</a:t>
+            </a:r>
+            <a:r>
+              <a:rPr lang="en-US" altLang="zh-CN" dirty="0"/>
+              <a:t>?</a:t>
+            </a:r>
+            <a:endParaRPr lang="en-US" dirty="0" smtClean="0"/>
+          </a:p>
+          <a:p>
+            <a:pPr lvl="4"/>
+            <a:r>
+              <a:rPr lang="en-US" dirty="0" smtClean="0"/>
+              <a:t>Sleep time issue?</a:t>
+            </a:r>
+          </a:p>
+          <a:p>
+            <a:pPr lvl="2"/>
+            <a:endParaRPr lang="en-US" dirty="0" smtClean="0"/>
+          </a:p>
+          <a:p>
+            <a:endParaRPr lang="en-US" dirty="0"/>
+          </a:p>
+        </p:txBody>
+      </p:sp>
+    </p:spTree>
+    <p:extLst>
+      <p:ext uri="{BB962C8B-B14F-4D97-AF65-F5344CB8AC3E}">
+        <p14:creationId xmlns:p14="http://schemas.microsoft.com/office/powerpoint/2010/main" val="3783129428"/>
+      </p:ext>
+    </p:extLst>
+  </p:cSld>
+  <p:clrMapOvr>
+    <a:masterClrMapping/>
+  </p:clrMapOvr>
+</p:sld>
+</file>
+
 <file path=ppt/slides/slide7.xml><?xml version="1.0" encoding="utf-8"?>
 <p:sld xmlns:a="http://schemas.openxmlformats.org/drawingml/2006/main" xmlns:r="http://schemas.openxmlformats.org/officeDocument/2006/relationships" xmlns:p="http://schemas.openxmlformats.org/presentationml/2006/main">
   <p:cSld>
@@ -24134,7 +24459,7 @@
         <p:spPr>
           <a:xfrm>
             <a:off x="391886" y="1371600"/>
-            <a:ext cx="8294914" cy="461665"/>
+            <a:ext cx="8294914" cy="400110"/>
           </a:xfrm>
           <a:prstGeom prst="rect">
             <a:avLst/>
@@ -24152,10 +24477,10 @@
               <a:buChar char="•"/>
             </a:pPr>
             <a:r>
-              <a:rPr lang="en-US" sz="2400" dirty="0" smtClean="0"/>
+              <a:rPr lang="en-US" sz="2000" dirty="0" smtClean="0"/>
               <a:t>RUN TIME = ON CPU TIME + ON RUNQ TIME + SLEEP TIME</a:t>
             </a:r>
-            <a:endParaRPr lang="en-US" sz="2400" dirty="0"/>
+            <a:endParaRPr lang="en-US" sz="2000" dirty="0"/>
           </a:p>
         </p:txBody>
       </p:sp>
@@ -24331,38 +24656,38 @@
 </file>
 
 <file path=ppt/theme/theme1.xml><?xml version="1.0" encoding="utf-8"?>
-<a:theme xmlns:a="http://schemas.openxmlformats.org/drawingml/2006/main" name="Office Theme">
+<a:theme xmlns:a="http://schemas.openxmlformats.org/drawingml/2006/main" name="清晰">
   <a:themeElements>
-    <a:clrScheme name="Office">
+    <a:clrScheme name="清晰">
       <a:dk1>
-        <a:sysClr val="windowText" lastClr="000000"/>
+        <a:srgbClr val="292934"/>
       </a:dk1>
       <a:lt1>
-        <a:sysClr val="window" lastClr="FFFFFF"/>
+        <a:srgbClr val="FFFFFF"/>
       </a:lt1>
       <a:dk2>
-        <a:srgbClr val="1F497D"/>
+        <a:srgbClr val="D2533C"/>
       </a:dk2>
       <a:lt2>
-        <a:srgbClr val="EEECE1"/>
+        <a:srgbClr val="F3F2DC"/>
       </a:lt2>
       <a:accent1>
-        <a:srgbClr val="4F81BD"/>
+        <a:srgbClr val="93A299"/>
       </a:accent1>
       <a:accent2>
-        <a:srgbClr val="C0504D"/>
+        <a:srgbClr val="AD8F67"/>
       </a:accent2>
       <a:accent3>
-        <a:srgbClr val="9BBB59"/>
+        <a:srgbClr val="726056"/>
       </a:accent3>
       <a:accent4>
-        <a:srgbClr val="8064A2"/>
+        <a:srgbClr val="4C5A6A"/>
       </a:accent4>
       <a:accent5>
-        <a:srgbClr val="4BACC6"/>
+        <a:srgbClr val="808DA0"/>
       </a:accent5>
       <a:accent6>
-        <a:srgbClr val="F79646"/>
+        <a:srgbClr val="79463D"/>
       </a:accent6>
       <a:hlink>
         <a:srgbClr val="0000FF"/>
@@ -24371,49 +24696,15 @@
         <a:srgbClr val="800080"/>
       </a:folHlink>
     </a:clrScheme>
-    <a:fontScheme name="Office">
+    <a:fontScheme name="Office 经典 2">
       <a:majorFont>
-        <a:latin typeface="Calibri"/>
+        <a:latin typeface="Arial"/>
         <a:ea typeface=""/>
         <a:cs typeface=""/>
         <a:font script="Jpan" typeface="ＭＳ Ｐゴシック"/>
-        <a:font script="Hang" typeface="맑은 고딕"/>
-        <a:font script="Hans" typeface="宋体"/>
-        <a:font script="Hant" typeface="新細明體"/>
-        <a:font script="Arab" typeface="Times New Roman"/>
-        <a:font script="Hebr" typeface="Times New Roman"/>
-        <a:font script="Thai" typeface="Angsana New"/>
-        <a:font script="Ethi" typeface="Nyala"/>
-        <a:font script="Beng" typeface="Vrinda"/>
-        <a:font script="Gujr" typeface="Shruti"/>
-        <a:font script="Khmr" typeface="MoolBoran"/>
-        <a:font script="Knda" typeface="Tunga"/>
-        <a:font script="Guru" typeface="Raavi"/>
-        <a:font script="Cans" typeface="Euphemia"/>
-        <a:font script="Cher" typeface="Plantagenet Cherokee"/>
-        <a:font script="Yiii" typeface="Microsoft Yi Baiti"/>
-        <a:font script="Tibt" typeface="Microsoft Himalaya"/>
-        <a:font script="Thaa" typeface="MV Boli"/>
-        <a:font script="Deva" typeface="Mangal"/>
-        <a:font script="Telu" typeface="Gautami"/>
-        <a:font script="Taml" typeface="Latha"/>
-        <a:font script="Syrc" typeface="Estrangelo Edessa"/>
-        <a:font script="Orya" typeface="Kalinga"/>
-        <a:font script="Mlym" typeface="Kartika"/>
-        <a:font script="Laoo" typeface="DokChampa"/>
-        <a:font script="Sinh" typeface="Iskoola Pota"/>
-        <a:font script="Mong" typeface="Mongolian Baiti"/>
-        <a:font script="Viet" typeface="Times New Roman"/>
-        <a:font script="Uigh" typeface="Microsoft Uighur"/>
-      </a:majorFont>
-      <a:minorFont>
-        <a:latin typeface="Calibri"/>
-        <a:ea typeface=""/>
-        <a:cs typeface=""/>
-        <a:font script="Jpan" typeface="ＭＳ Ｐゴシック"/>
-        <a:font script="Hang" typeface="맑은 고딕"/>
-        <a:font script="Hans" typeface="宋体"/>
-        <a:font script="Hant" typeface="新細明體"/>
+        <a:font script="Hang" typeface="돋움"/>
+        <a:font script="Hans" typeface="华文新魏"/>
+        <a:font script="Hant" typeface="微軟正黑體"/>
         <a:font script="Arab" typeface="Arial"/>
         <a:font script="Hebr" typeface="Arial"/>
         <a:font script="Thai" typeface="Cordia New"/>
@@ -24439,9 +24730,45 @@
         <a:font script="Mong" typeface="Mongolian Baiti"/>
         <a:font script="Viet" typeface="Arial"/>
         <a:font script="Uigh" typeface="Microsoft Uighur"/>
+        <a:font script="Geor" typeface="Sylfaen"/>
+      </a:majorFont>
+      <a:minorFont>
+        <a:latin typeface="Arial"/>
+        <a:ea typeface=""/>
+        <a:cs typeface=""/>
+        <a:font script="Jpan" typeface="ＭＳ Ｐゴシック"/>
+        <a:font script="Hang" typeface="돋움"/>
+        <a:font script="Hans" typeface="华文新魏"/>
+        <a:font script="Hant" typeface="微軟正黑體"/>
+        <a:font script="Arab" typeface="Arial"/>
+        <a:font script="Hebr" typeface="Arial"/>
+        <a:font script="Thai" typeface="Cordia New"/>
+        <a:font script="Ethi" typeface="Nyala"/>
+        <a:font script="Beng" typeface="Vrinda"/>
+        <a:font script="Gujr" typeface="Shruti"/>
+        <a:font script="Khmr" typeface="DaunPenh"/>
+        <a:font script="Knda" typeface="Tunga"/>
+        <a:font script="Guru" typeface="Raavi"/>
+        <a:font script="Cans" typeface="Euphemia"/>
+        <a:font script="Cher" typeface="Plantagenet Cherokee"/>
+        <a:font script="Yiii" typeface="Microsoft Yi Baiti"/>
+        <a:font script="Tibt" typeface="Microsoft Himalaya"/>
+        <a:font script="Thaa" typeface="MV Boli"/>
+        <a:font script="Deva" typeface="Mangal"/>
+        <a:font script="Telu" typeface="Gautami"/>
+        <a:font script="Taml" typeface="Latha"/>
+        <a:font script="Syrc" typeface="Estrangelo Edessa"/>
+        <a:font script="Orya" typeface="Kalinga"/>
+        <a:font script="Mlym" typeface="Kartika"/>
+        <a:font script="Laoo" typeface="DokChampa"/>
+        <a:font script="Sinh" typeface="Iskoola Pota"/>
+        <a:font script="Mong" typeface="Mongolian Baiti"/>
+        <a:font script="Viet" typeface="Arial"/>
+        <a:font script="Uigh" typeface="Microsoft Uighur"/>
+        <a:font script="Geor" typeface="Sylfaen"/>
       </a:minorFont>
     </a:fontScheme>
-    <a:fmtScheme name="Office">
+    <a:fmtScheme name="清晰">
       <a:fillStyleLst>
         <a:solidFill>
           <a:schemeClr val="phClr"/>
@@ -24451,65 +24778,75 @@
             <a:gs pos="0">
               <a:schemeClr val="phClr">
                 <a:tint val="50000"/>
-                <a:satMod val="300000"/>
+                <a:shade val="86000"/>
+                <a:satMod val="140000"/>
               </a:schemeClr>
             </a:gs>
-            <a:gs pos="35000">
+            <a:gs pos="45000">
               <a:schemeClr val="phClr">
-                <a:tint val="37000"/>
-                <a:satMod val="300000"/>
+                <a:tint val="48000"/>
+                <a:satMod val="150000"/>
               </a:schemeClr>
             </a:gs>
             <a:gs pos="100000">
               <a:schemeClr val="phClr">
-                <a:tint val="15000"/>
-                <a:satMod val="350000"/>
+                <a:tint val="28000"/>
+                <a:satMod val="160000"/>
               </a:schemeClr>
             </a:gs>
           </a:gsLst>
-          <a:lin ang="16200000" scaled="1"/>
+          <a:path path="circle">
+            <a:fillToRect l="100000" t="100000" r="100000" b="100000"/>
+          </a:path>
         </a:gradFill>
         <a:gradFill rotWithShape="1">
           <a:gsLst>
             <a:gs pos="0">
               <a:schemeClr val="phClr">
-                <a:shade val="51000"/>
-                <a:satMod val="130000"/>
+                <a:shade val="70000"/>
+                <a:satMod val="150000"/>
               </a:schemeClr>
             </a:gs>
-            <a:gs pos="80000">
+            <a:gs pos="34000">
               <a:schemeClr val="phClr">
-                <a:shade val="93000"/>
-                <a:satMod val="130000"/>
+                <a:shade val="70000"/>
+                <a:satMod val="140000"/>
+              </a:schemeClr>
+            </a:gs>
+            <a:gs pos="70000">
+              <a:schemeClr val="phClr">
+                <a:tint val="100000"/>
+                <a:shade val="90000"/>
+                <a:satMod val="140000"/>
               </a:schemeClr>
             </a:gs>
             <a:gs pos="100000">
               <a:schemeClr val="phClr">
-                <a:shade val="94000"/>
-                <a:satMod val="135000"/>
+                <a:tint val="100000"/>
+                <a:shade val="100000"/>
+                <a:satMod val="100000"/>
               </a:schemeClr>
             </a:gs>
           </a:gsLst>
-          <a:lin ang="16200000" scaled="0"/>
+          <a:path path="circle">
+            <a:fillToRect l="100000" t="100000" r="100000" b="100000"/>
+          </a:path>
         </a:gradFill>
       </a:fillStyleLst>
       <a:lnStyleLst>
         <a:ln w="9525" cap="flat" cmpd="sng" algn="ctr">
           <a:solidFill>
-            <a:schemeClr val="phClr">
-              <a:shade val="95000"/>
-              <a:satMod val="105000"/>
-            </a:schemeClr>
+            <a:schemeClr val="phClr"/>
           </a:solidFill>
           <a:prstDash val="solid"/>
         </a:ln>
-        <a:ln w="25400" cap="flat" cmpd="sng" algn="ctr">
+        <a:ln w="26425" cap="flat" cmpd="sng" algn="ctr">
           <a:solidFill>
             <a:schemeClr val="phClr"/>
           </a:solidFill>
           <a:prstDash val="solid"/>
         </a:ln>
-        <a:ln w="38100" cap="flat" cmpd="sng" algn="ctr">
+        <a:ln w="44450" cap="flat" cmpd="sng" algn="ctr">
           <a:solidFill>
             <a:schemeClr val="phClr"/>
           </a:solidFill>
@@ -24518,28 +24855,22 @@
       </a:lnStyleLst>
       <a:effectStyleLst>
         <a:effectStyle>
+          <a:effectLst/>
+        </a:effectStyle>
+        <a:effectStyle>
           <a:effectLst>
-            <a:outerShdw blurRad="40000" dist="20000" dir="5400000" rotWithShape="0">
+            <a:outerShdw blurRad="38100" dist="25400" dir="2700000" algn="br" rotWithShape="0">
               <a:srgbClr val="000000">
-                <a:alpha val="38000"/>
+                <a:alpha val="60000"/>
               </a:srgbClr>
             </a:outerShdw>
           </a:effectLst>
         </a:effectStyle>
         <a:effectStyle>
           <a:effectLst>
-            <a:outerShdw blurRad="40000" dist="23000" dir="5400000" rotWithShape="0">
+            <a:outerShdw blurRad="38100" dist="25400" dir="2700000" algn="br" rotWithShape="0">
               <a:srgbClr val="000000">
-                <a:alpha val="35000"/>
-              </a:srgbClr>
-            </a:outerShdw>
-          </a:effectLst>
-        </a:effectStyle>
-        <a:effectStyle>
-          <a:effectLst>
-            <a:outerShdw blurRad="40000" dist="23000" dir="5400000" rotWithShape="0">
-              <a:srgbClr val="000000">
-                <a:alpha val="35000"/>
+                <a:alpha val="60000"/>
               </a:srgbClr>
             </a:outerShdw>
           </a:effectLst>
@@ -24547,12 +24878,18 @@
             <a:camera prst="orthographicFront">
               <a:rot lat="0" lon="0" rev="0"/>
             </a:camera>
-            <a:lightRig rig="threePt" dir="t">
-              <a:rot lat="0" lon="0" rev="1200000"/>
+            <a:lightRig rig="balanced" dir="t">
+              <a:rot lat="0" lon="0" rev="5100000"/>
             </a:lightRig>
           </a:scene3d>
-          <a:sp3d>
-            <a:bevelT w="63500" h="25400"/>
+          <a:sp3d contourW="6350">
+            <a:bevelT w="29210" h="12700"/>
+            <a:contourClr>
+              <a:schemeClr val="phClr">
+                <a:shade val="30000"/>
+                <a:satMod val="130000"/>
+              </a:schemeClr>
+            </a:contourClr>
           </a:sp3d>
         </a:effectStyle>
       </a:effectStyleLst>
@@ -24564,47 +24901,40 @@
           <a:gsLst>
             <a:gs pos="0">
               <a:schemeClr val="phClr">
-                <a:tint val="40000"/>
-                <a:satMod val="350000"/>
+                <a:tint val="85000"/>
+                <a:satMod val="180000"/>
               </a:schemeClr>
             </a:gs>
             <a:gs pos="40000">
               <a:schemeClr val="phClr">
-                <a:tint val="45000"/>
-                <a:shade val="99000"/>
-                <a:satMod val="350000"/>
+                <a:tint val="95000"/>
+                <a:shade val="85000"/>
+                <a:satMod val="150000"/>
               </a:schemeClr>
             </a:gs>
             <a:gs pos="100000">
               <a:schemeClr val="phClr">
-                <a:shade val="20000"/>
-                <a:satMod val="255000"/>
-              </a:schemeClr>
-            </a:gs>
-          </a:gsLst>
-          <a:path path="circle">
-            <a:fillToRect l="50000" t="-80000" r="50000" b="180000"/>
-          </a:path>
-        </a:gradFill>
-        <a:gradFill rotWithShape="1">
-          <a:gsLst>
-            <a:gs pos="0">
-              <a:schemeClr val="phClr">
-                <a:tint val="80000"/>
-                <a:satMod val="300000"/>
-              </a:schemeClr>
-            </a:gs>
-            <a:gs pos="100000">
-              <a:schemeClr val="phClr">
-                <a:shade val="30000"/>
+                <a:shade val="45000"/>
                 <a:satMod val="200000"/>
               </a:schemeClr>
             </a:gs>
           </a:gsLst>
-          <a:path path="circle">
-            <a:fillToRect l="50000" t="50000" r="50000" b="50000"/>
-          </a:path>
+          <a:lin ang="5400000" scaled="0"/>
         </a:gradFill>
+        <a:blipFill rotWithShape="1">
+          <a:blip xmlns:r="http://schemas.openxmlformats.org/officeDocument/2006/relationships" r:embed="rId1">
+            <a:duotone>
+              <a:schemeClr val="phClr">
+                <a:shade val="55000"/>
+              </a:schemeClr>
+              <a:schemeClr val="phClr">
+                <a:tint val="97000"/>
+                <a:satMod val="95000"/>
+              </a:schemeClr>
+            </a:duotone>
+          </a:blip>
+          <a:tile tx="0" ty="0" sx="70000" sy="70000" flip="none" algn="tl"/>
+        </a:blipFill>
       </a:bgFillStyleLst>
     </a:fmtScheme>
   </a:themeElements>
